--- a/docs/marklogic_and_the_linked-data_connection.pptx
+++ b/docs/marklogic_and_the_linked-data_connection.pptx
@@ -8,29 +8,29 @@
     <p:notesMasterId r:id="rId30"/>
   </p:notesMasterIdLst>
   <p:sldIdLst>
-    <p:sldId id="256" r:id="rId2"/>
-    <p:sldId id="288" r:id="rId3"/>
-    <p:sldId id="278" r:id="rId4"/>
-    <p:sldId id="280" r:id="rId5"/>
-    <p:sldId id="281" r:id="rId6"/>
-    <p:sldId id="279" r:id="rId7"/>
-    <p:sldId id="282" r:id="rId8"/>
-    <p:sldId id="283" r:id="rId9"/>
-    <p:sldId id="284" r:id="rId10"/>
-    <p:sldId id="285" r:id="rId11"/>
-    <p:sldId id="286" r:id="rId12"/>
-    <p:sldId id="287" r:id="rId13"/>
-    <p:sldId id="289" r:id="rId14"/>
-    <p:sldId id="290" r:id="rId15"/>
-    <p:sldId id="291" r:id="rId16"/>
-    <p:sldId id="292" r:id="rId17"/>
-    <p:sldId id="293" r:id="rId18"/>
-    <p:sldId id="294" r:id="rId19"/>
-    <p:sldId id="295" r:id="rId20"/>
-    <p:sldId id="296" r:id="rId21"/>
-    <p:sldId id="297" r:id="rId22"/>
-    <p:sldId id="298" r:id="rId23"/>
-    <p:sldId id="299" r:id="rId24"/>
+    <p:sldId id="288" r:id="rId2"/>
+    <p:sldId id="280" r:id="rId3"/>
+    <p:sldId id="281" r:id="rId4"/>
+    <p:sldId id="279" r:id="rId5"/>
+    <p:sldId id="282" r:id="rId6"/>
+    <p:sldId id="283" r:id="rId7"/>
+    <p:sldId id="284" r:id="rId8"/>
+    <p:sldId id="285" r:id="rId9"/>
+    <p:sldId id="286" r:id="rId10"/>
+    <p:sldId id="287" r:id="rId11"/>
+    <p:sldId id="289" r:id="rId12"/>
+    <p:sldId id="290" r:id="rId13"/>
+    <p:sldId id="291" r:id="rId14"/>
+    <p:sldId id="292" r:id="rId15"/>
+    <p:sldId id="293" r:id="rId16"/>
+    <p:sldId id="294" r:id="rId17"/>
+    <p:sldId id="295" r:id="rId18"/>
+    <p:sldId id="296" r:id="rId19"/>
+    <p:sldId id="297" r:id="rId20"/>
+    <p:sldId id="298" r:id="rId21"/>
+    <p:sldId id="299" r:id="rId22"/>
+    <p:sldId id="306" r:id="rId23"/>
+    <p:sldId id="305" r:id="rId24"/>
     <p:sldId id="300" r:id="rId25"/>
     <p:sldId id="302" r:id="rId26"/>
     <p:sldId id="303" r:id="rId27"/>
@@ -487,202 +487,6 @@
 </file>
 
 <file path=ppt/notesSlides/notesSlide1.xml><?xml version="1.0" encoding="utf-8"?>
-<p:notes xmlns:a="http://schemas.openxmlformats.org/drawingml/2006/main" xmlns:r="http://schemas.openxmlformats.org/officeDocument/2006/relationships" xmlns:p="http://schemas.openxmlformats.org/presentationml/2006/main">
-  <p:cSld>
-    <p:spTree>
-      <p:nvGrpSpPr>
-        <p:cNvPr id="1" name=""/>
-        <p:cNvGrpSpPr/>
-        <p:nvPr/>
-      </p:nvGrpSpPr>
-      <p:grpSpPr>
-        <a:xfrm>
-          <a:off x="0" y="0"/>
-          <a:ext cx="0" cy="0"/>
-          <a:chOff x="0" y="0"/>
-          <a:chExt cx="0" cy="0"/>
-        </a:xfrm>
-      </p:grpSpPr>
-      <p:sp>
-        <p:nvSpPr>
-          <p:cNvPr id="2" name="Slide Image Placeholder 1"/>
-          <p:cNvSpPr>
-            <a:spLocks noGrp="1" noRot="1" noChangeAspect="1"/>
-          </p:cNvSpPr>
-          <p:nvPr>
-            <p:ph type="sldImg"/>
-          </p:nvPr>
-        </p:nvSpPr>
-        <p:spPr/>
-      </p:sp>
-      <p:sp>
-        <p:nvSpPr>
-          <p:cNvPr id="3" name="Notes Placeholder 2"/>
-          <p:cNvSpPr>
-            <a:spLocks noGrp="1"/>
-          </p:cNvSpPr>
-          <p:nvPr>
-            <p:ph type="body" idx="1"/>
-          </p:nvPr>
-        </p:nvSpPr>
-        <p:spPr/>
-        <p:txBody>
-          <a:bodyPr>
-            <a:normAutofit/>
-          </a:bodyPr>
-          <a:lstStyle/>
-          <a:p>
-            <a:endParaRPr lang="en-US" dirty="0"/>
-          </a:p>
-        </p:txBody>
-      </p:sp>
-      <p:sp>
-        <p:nvSpPr>
-          <p:cNvPr id="4" name="Slide Number Placeholder 3"/>
-          <p:cNvSpPr>
-            <a:spLocks noGrp="1"/>
-          </p:cNvSpPr>
-          <p:nvPr>
-            <p:ph type="sldNum" sz="quarter" idx="10"/>
-          </p:nvPr>
-        </p:nvSpPr>
-        <p:spPr/>
-        <p:txBody>
-          <a:bodyPr/>
-          <a:lstStyle/>
-          <a:p>
-            <a:fld id="{708EA56A-F1B3-4F1F-ACD0-DEC49C4A85DD}" type="slidenum">
-              <a:rPr lang="en-US" smtClean="0"/>
-              <a:pPr/>
-              <a:t>1</a:t>
-            </a:fld>
-            <a:endParaRPr lang="en-US" dirty="0"/>
-          </a:p>
-        </p:txBody>
-      </p:sp>
-    </p:spTree>
-  </p:cSld>
-  <p:clrMapOvr>
-    <a:masterClrMapping/>
-  </p:clrMapOvr>
-</p:notes>
-</file>
-
-<file path=ppt/notesSlides/notesSlide2.xml><?xml version="1.0" encoding="utf-8"?>
-<p:notes xmlns:a="http://schemas.openxmlformats.org/drawingml/2006/main" xmlns:r="http://schemas.openxmlformats.org/officeDocument/2006/relationships" xmlns:p="http://schemas.openxmlformats.org/presentationml/2006/main">
-  <p:cSld>
-    <p:spTree>
-      <p:nvGrpSpPr>
-        <p:cNvPr id="1" name=""/>
-        <p:cNvGrpSpPr/>
-        <p:nvPr/>
-      </p:nvGrpSpPr>
-      <p:grpSpPr>
-        <a:xfrm>
-          <a:off x="0" y="0"/>
-          <a:ext cx="0" cy="0"/>
-          <a:chOff x="0" y="0"/>
-          <a:chExt cx="0" cy="0"/>
-        </a:xfrm>
-      </p:grpSpPr>
-      <p:sp>
-        <p:nvSpPr>
-          <p:cNvPr id="116738" name="Rectangle 7"/>
-          <p:cNvSpPr txBox="1">
-            <a:spLocks noGrp="1" noChangeArrowheads="1"/>
-          </p:cNvSpPr>
-          <p:nvPr/>
-        </p:nvSpPr>
-        <p:spPr bwMode="auto">
-          <a:xfrm>
-            <a:off x="3930181" y="8770941"/>
-            <a:ext cx="3002420" cy="460383"/>
-          </a:xfrm>
-          <a:prstGeom prst="rect">
-            <a:avLst/>
-          </a:prstGeom>
-          <a:noFill/>
-          <a:ln w="9525">
-            <a:noFill/>
-            <a:miter lim="800000"/>
-            <a:headEnd/>
-            <a:tailEnd/>
-          </a:ln>
-        </p:spPr>
-        <p:txBody>
-          <a:bodyPr lIns="94193" tIns="47096" rIns="94193" bIns="47096" anchor="b"/>
-          <a:lstStyle/>
-          <a:p>
-            <a:pPr algn="r" defTabSz="940710"/>
-            <a:fld id="{41DC2BB5-C7B3-4D99-9748-5C6CB22D3B85}" type="slidenum">
-              <a:rPr lang="en-US" sz="1200">
-                <a:latin typeface="Times" pitchFamily="18" charset="0"/>
-                <a:ea typeface="MS PGothic" pitchFamily="34" charset="-128"/>
-              </a:rPr>
-              <a:pPr algn="r" defTabSz="940710"/>
-              <a:t>3</a:t>
-            </a:fld>
-            <a:endParaRPr lang="en-US" sz="1200" dirty="0">
-              <a:latin typeface="Times" pitchFamily="18" charset="0"/>
-              <a:ea typeface="MS PGothic" pitchFamily="34" charset="-128"/>
-            </a:endParaRPr>
-          </a:p>
-        </p:txBody>
-      </p:sp>
-      <p:sp>
-        <p:nvSpPr>
-          <p:cNvPr id="116739" name="Rectangle 2"/>
-          <p:cNvSpPr>
-            <a:spLocks noGrp="1" noRot="1" noChangeAspect="1" noChangeArrowheads="1" noTextEdit="1"/>
-          </p:cNvSpPr>
-          <p:nvPr>
-            <p:ph type="sldImg"/>
-          </p:nvPr>
-        </p:nvSpPr>
-        <p:spPr>
-          <a:xfrm>
-            <a:off x="1166813" y="693738"/>
-            <a:ext cx="4611687" cy="3460750"/>
-          </a:xfrm>
-          <a:ln/>
-        </p:spPr>
-      </p:sp>
-      <p:sp>
-        <p:nvSpPr>
-          <p:cNvPr id="116740" name="Rectangle 3"/>
-          <p:cNvSpPr>
-            <a:spLocks noGrp="1" noChangeArrowheads="1"/>
-          </p:cNvSpPr>
-          <p:nvPr>
-            <p:ph type="body" idx="1"/>
-          </p:nvPr>
-        </p:nvSpPr>
-        <p:spPr>
-          <a:xfrm>
-            <a:off x="694219" y="4384682"/>
-            <a:ext cx="5547360" cy="4154490"/>
-          </a:xfrm>
-          <a:noFill/>
-          <a:ln/>
-        </p:spPr>
-        <p:txBody>
-          <a:bodyPr lIns="94193" tIns="47096" rIns="94193" bIns="47096"/>
-          <a:lstStyle/>
-          <a:p>
-            <a:pPr eaLnBrk="1" hangingPunct="1"/>
-            <a:endParaRPr lang="en-US" dirty="0" smtClean="0"/>
-          </a:p>
-        </p:txBody>
-      </p:sp>
-    </p:spTree>
-  </p:cSld>
-  <p:clrMapOvr>
-    <a:masterClrMapping/>
-  </p:clrMapOvr>
-</p:notes>
-</file>
-
-<file path=ppt/notesSlides/notesSlide3.xml><?xml version="1.0" encoding="utf-8"?>
 <p:notes xmlns:a="http://schemas.openxmlformats.org/drawingml/2006/main" xmlns:r="http://schemas.openxmlformats.org/officeDocument/2006/relationships" xmlns:p="http://schemas.openxmlformats.org/presentationml/2006/main">
   <p:cSld>
     <p:spTree>
@@ -3210,7 +3014,7 @@
 </file>
 
 <file path=ppt/slides/slide1.xml><?xml version="1.0" encoding="utf-8"?>
-<p:sld xmlns:a="http://schemas.openxmlformats.org/drawingml/2006/main" xmlns:r="http://schemas.openxmlformats.org/officeDocument/2006/relationships" xmlns:p="http://schemas.openxmlformats.org/presentationml/2006/main" show="0">
+<p:sld xmlns:a="http://schemas.openxmlformats.org/drawingml/2006/main" xmlns:r="http://schemas.openxmlformats.org/officeDocument/2006/relationships" xmlns:p="http://schemas.openxmlformats.org/presentationml/2006/main">
   <p:cSld>
     <p:spTree>
       <p:nvGrpSpPr>
@@ -3226,68 +3030,202 @@
           <a:chExt cx="0" cy="0"/>
         </a:xfrm>
       </p:grpSpPr>
+      <p:pic>
+        <p:nvPicPr>
+          <p:cNvPr id="6" name="Picture 5" descr="connecting_wires-cropped.jpg"/>
+          <p:cNvPicPr>
+            <a:picLocks/>
+          </p:cNvPicPr>
+          <p:nvPr/>
+        </p:nvPicPr>
+        <p:blipFill>
+          <a:blip r:embed="rId2" cstate="print"/>
+          <a:stretch>
+            <a:fillRect/>
+          </a:stretch>
+        </p:blipFill>
+        <p:spPr>
+          <a:xfrm flipV="1">
+            <a:off x="0" y="0"/>
+            <a:ext cx="9144000" cy="6089904"/>
+          </a:xfrm>
+          <a:prstGeom prst="rect">
+            <a:avLst/>
+          </a:prstGeom>
+          <a:gradFill flip="none" rotWithShape="1">
+            <a:gsLst>
+              <a:gs pos="0">
+                <a:schemeClr val="bg1"/>
+              </a:gs>
+              <a:gs pos="50000">
+                <a:schemeClr val="accent1">
+                  <a:tint val="44500"/>
+                  <a:satMod val="160000"/>
+                  <a:alpha val="50000"/>
+                </a:schemeClr>
+              </a:gs>
+              <a:gs pos="100000">
+                <a:schemeClr val="accent1">
+                  <a:tint val="23500"/>
+                  <a:satMod val="160000"/>
+                  <a:alpha val="0"/>
+                </a:schemeClr>
+              </a:gs>
+            </a:gsLst>
+            <a:lin ang="0" scaled="0"/>
+            <a:tileRect/>
+          </a:gradFill>
+        </p:spPr>
+      </p:pic>
       <p:sp>
         <p:nvSpPr>
-          <p:cNvPr id="11" name="Title 10"/>
-          <p:cNvSpPr>
-            <a:spLocks noGrp="1"/>
+          <p:cNvPr id="3" name="Title 10"/>
+          <p:cNvSpPr txBox="1">
+            <a:spLocks/>
           </p:cNvSpPr>
-          <p:nvPr>
-            <p:ph type="ctrTitle"/>
-          </p:nvPr>
+          <p:nvPr/>
         </p:nvSpPr>
-        <p:spPr/>
+        <p:spPr>
+          <a:xfrm>
+            <a:off x="0" y="4385938"/>
+            <a:ext cx="9144000" cy="1718300"/>
+          </a:xfrm>
+          <a:prstGeom prst="rect">
+            <a:avLst/>
+          </a:prstGeom>
+          <a:solidFill>
+            <a:schemeClr val="bg1">
+              <a:alpha val="84000"/>
+            </a:schemeClr>
+          </a:solidFill>
+        </p:spPr>
         <p:txBody>
           <a:bodyPr/>
           <a:lstStyle/>
           <a:p>
-            <a:r>
-              <a:rPr lang="en-US" dirty="0" err="1" smtClean="0"/>
+            <a:pPr lvl="3">
+              <a:tabLst>
+                <a:tab pos="1828800" algn="l"/>
+              </a:tabLst>
+            </a:pPr>
+            <a:endParaRPr lang="en-US" sz="1000" dirty="0" smtClean="0"/>
+          </a:p>
+          <a:p>
+            <a:pPr lvl="3">
+              <a:tabLst>
+                <a:tab pos="1828800" algn="l"/>
+              </a:tabLst>
+            </a:pPr>
+            <a:r>
+              <a:rPr lang="en-US" sz="2700" dirty="0" err="1" smtClean="0"/>
               <a:t>MarkLogic</a:t>
             </a:r>
             <a:r>
-              <a:rPr lang="en-US" dirty="0" smtClean="0"/>
+              <a:rPr lang="en-US" sz="2700" dirty="0" smtClean="0"/>
               <a:t> and the Linked Data Connection</a:t>
             </a:r>
-            <a:endParaRPr lang="en-US" dirty="0"/>
-          </a:p>
-        </p:txBody>
-      </p:sp>
-      <p:sp>
-        <p:nvSpPr>
-          <p:cNvPr id="12" name="Subtitle 11"/>
-          <p:cNvSpPr>
-            <a:spLocks noGrp="1"/>
-          </p:cNvSpPr>
-          <p:nvPr>
-            <p:ph type="subTitle" idx="1"/>
-          </p:nvPr>
-        </p:nvSpPr>
-        <p:spPr/>
-        <p:txBody>
-          <a:bodyPr/>
-          <a:lstStyle/>
-          <a:p>
-            <a:r>
-              <a:rPr lang="en-US" dirty="0" smtClean="0"/>
+          </a:p>
+          <a:p>
+            <a:pPr marL="1597025" lvl="3" indent="-225425">
+              <a:spcBef>
+                <a:spcPct val="20000"/>
+              </a:spcBef>
+              <a:buClr>
+                <a:schemeClr val="tx2"/>
+              </a:buClr>
+              <a:buSzPct val="100000"/>
+              <a:tabLst>
+                <a:tab pos="1828800" algn="l"/>
+              </a:tabLst>
+              <a:defRPr/>
+            </a:pPr>
+            <a:endParaRPr lang="en-US" sz="2000" dirty="0" smtClean="0">
+              <a:latin typeface="Tahoma" pitchFamily="34" charset="0"/>
+              <a:ea typeface="Tahoma" pitchFamily="34" charset="0"/>
+              <a:cs typeface="Tahoma" pitchFamily="34" charset="0"/>
+            </a:endParaRPr>
+          </a:p>
+          <a:p>
+            <a:pPr marL="1597025" lvl="3" indent="-225425">
+              <a:spcBef>
+                <a:spcPct val="20000"/>
+              </a:spcBef>
+              <a:buClr>
+                <a:schemeClr val="tx2"/>
+              </a:buClr>
+              <a:buSzPct val="100000"/>
+              <a:tabLst>
+                <a:tab pos="1828800" algn="l"/>
+              </a:tabLst>
+              <a:defRPr/>
+            </a:pPr>
+            <a:r>
+              <a:rPr lang="en-US" sz="2000" dirty="0" smtClean="0">
+                <a:latin typeface="Tahoma" pitchFamily="34" charset="0"/>
+                <a:ea typeface="Tahoma" pitchFamily="34" charset="0"/>
+                <a:cs typeface="Tahoma" pitchFamily="34" charset="0"/>
+              </a:rPr>
               <a:t>Philip Fennell, Consultant</a:t>
             </a:r>
-            <a:br>
-              <a:rPr lang="en-US" dirty="0" smtClean="0"/>
-            </a:br>
-            <a:r>
-              <a:rPr lang="en-US" dirty="0" smtClean="0"/>
+          </a:p>
+          <a:p>
+            <a:pPr marL="1597025" lvl="3" indent="-225425">
+              <a:spcBef>
+                <a:spcPct val="20000"/>
+              </a:spcBef>
+              <a:buClr>
+                <a:schemeClr val="tx2"/>
+              </a:buClr>
+              <a:buSzPct val="100000"/>
+              <a:tabLst>
+                <a:tab pos="1828800" algn="l"/>
+              </a:tabLst>
+              <a:defRPr/>
+            </a:pPr>
+            <a:r>
+              <a:rPr lang="en-US" sz="2000" dirty="0" smtClean="0">
+                <a:latin typeface="Tahoma" pitchFamily="34" charset="0"/>
+                <a:ea typeface="Tahoma" pitchFamily="34" charset="0"/>
+                <a:cs typeface="Tahoma" pitchFamily="34" charset="0"/>
+              </a:rPr>
               <a:t>22</a:t>
             </a:r>
             <a:r>
-              <a:rPr lang="en-US" baseline="30000" dirty="0" smtClean="0"/>
+              <a:rPr lang="en-US" sz="2000" baseline="30000" dirty="0" smtClean="0">
+                <a:latin typeface="Tahoma" pitchFamily="34" charset="0"/>
+                <a:ea typeface="Tahoma" pitchFamily="34" charset="0"/>
+                <a:cs typeface="Tahoma" pitchFamily="34" charset="0"/>
+              </a:rPr>
               <a:t>nd</a:t>
             </a:r>
             <a:r>
-              <a:rPr lang="en-US" dirty="0" smtClean="0"/>
+              <a:rPr lang="en-US" sz="2000" dirty="0" smtClean="0">
+                <a:latin typeface="Tahoma" pitchFamily="34" charset="0"/>
+                <a:ea typeface="Tahoma" pitchFamily="34" charset="0"/>
+                <a:cs typeface="Tahoma" pitchFamily="34" charset="0"/>
+              </a:rPr>
               <a:t> May 2012</a:t>
             </a:r>
-            <a:endParaRPr lang="en-US" dirty="0"/>
+          </a:p>
+          <a:p>
+            <a:pPr marL="0" marR="0" lvl="0" indent="0" algn="l" defTabSz="914400" rtl="0" eaLnBrk="1" fontAlgn="auto" latinLnBrk="0" hangingPunct="1">
+              <a:lnSpc>
+                <a:spcPct val="100000"/>
+              </a:lnSpc>
+              <a:spcBef>
+                <a:spcPct val="0"/>
+              </a:spcBef>
+              <a:spcAft>
+                <a:spcPts val="0"/>
+              </a:spcAft>
+              <a:buClrTx/>
+              <a:buSzTx/>
+              <a:buFontTx/>
+              <a:buNone/>
+              <a:tabLst/>
+              <a:defRPr/>
+            </a:pPr>
+            <a:endParaRPr lang="en-US" sz="2700" dirty="0"/>
           </a:p>
         </p:txBody>
       </p:sp>
@@ -3296,7 +3234,7 @@
   <p:clrMapOvr>
     <a:masterClrMapping/>
   </p:clrMapOvr>
-  <p:transition spd="med">
+  <p:transition>
     <p:fade/>
   </p:transition>
   <p:timing>
@@ -3353,8 +3291,8 @@
               </a:spcBef>
             </a:pPr>
             <a:r>
-              <a:rPr lang="en-US" sz="3200" dirty="0" smtClean="0"/>
-              <a:t>RDF and SPARQL</a:t>
+              <a:rPr lang="en-GB" sz="3200" dirty="0" smtClean="0"/>
+              <a:t>...leads to implementation specific APIs</a:t>
             </a:r>
             <a:endParaRPr kumimoji="0" lang="en-GB" sz="3200" i="0" u="none" strike="noStrike" kern="1200" cap="none" spc="0" normalizeH="0" baseline="0" noProof="0" dirty="0">
               <a:ln>
@@ -3437,8 +3375,8 @@
               </a:spcBef>
             </a:pPr>
             <a:r>
-              <a:rPr lang="en-GB" sz="3200" dirty="0" smtClean="0"/>
-              <a:t>a lack of standard protocols...</a:t>
+              <a:rPr lang="en-US" sz="3200" noProof="0" dirty="0" smtClean="0"/>
+              <a:t>and additional complexity </a:t>
             </a:r>
             <a:endParaRPr kumimoji="0" lang="en-GB" sz="3200" i="0" u="none" strike="noStrike" kern="1200" cap="none" spc="0" normalizeH="0" baseline="0" noProof="0" dirty="0">
               <a:ln>
@@ -3504,8 +3442,8 @@
         </p:nvSpPr>
         <p:spPr>
           <a:xfrm>
-            <a:off x="685800" y="1772816"/>
-            <a:ext cx="7772400" cy="1514599"/>
+            <a:off x="685800" y="2037520"/>
+            <a:ext cx="7772400" cy="2029154"/>
           </a:xfrm>
           <a:prstGeom prst="rect">
             <a:avLst/>
@@ -3521,10 +3459,70 @@
               </a:spcBef>
             </a:pPr>
             <a:r>
-              <a:rPr lang="en-GB" sz="3200" dirty="0" smtClean="0"/>
-              <a:t>...leads to implementation specific APIs</a:t>
-            </a:r>
-            <a:endParaRPr kumimoji="0" lang="en-GB" sz="3200" i="0" u="none" strike="noStrike" kern="1200" cap="none" spc="0" normalizeH="0" baseline="0" noProof="0" dirty="0">
+              <a:rPr lang="en-US" sz="3200" noProof="0" dirty="0" smtClean="0"/>
+              <a:t>New Protocols from the W3C</a:t>
+            </a:r>
+          </a:p>
+          <a:p>
+            <a:pPr marL="288925" lvl="1">
+              <a:spcBef>
+                <a:spcPct val="0"/>
+              </a:spcBef>
+            </a:pPr>
+            <a:endParaRPr lang="it-IT" sz="2000" dirty="0" smtClean="0"/>
+          </a:p>
+          <a:p>
+            <a:pPr marL="1660525" lvl="4">
+              <a:spcBef>
+                <a:spcPct val="0"/>
+              </a:spcBef>
+            </a:pPr>
+            <a:r>
+              <a:rPr lang="it-IT" sz="2000" dirty="0" smtClean="0">
+                <a:solidFill>
+                  <a:srgbClr val="C00000"/>
+                </a:solidFill>
+              </a:rPr>
+              <a:t>SPARQL 1.1 Graph Store HTTP Protocol</a:t>
+            </a:r>
+          </a:p>
+          <a:p>
+            <a:pPr marL="1660525" lvl="4">
+              <a:spcBef>
+                <a:spcPct val="0"/>
+              </a:spcBef>
+            </a:pPr>
+            <a:r>
+              <a:rPr lang="it-IT" sz="2000" dirty="0" smtClean="0">
+                <a:solidFill>
+                  <a:srgbClr val="C00000"/>
+                </a:solidFill>
+              </a:rPr>
+              <a:t/>
+            </a:r>
+            <a:br>
+              <a:rPr lang="it-IT" sz="2000" dirty="0" smtClean="0">
+                <a:solidFill>
+                  <a:srgbClr val="C00000"/>
+                </a:solidFill>
+              </a:rPr>
+            </a:br>
+            <a:r>
+              <a:rPr lang="it-IT" sz="2000" dirty="0" smtClean="0">
+                <a:solidFill>
+                  <a:srgbClr val="C00000"/>
+                </a:solidFill>
+              </a:rPr>
+              <a:t>SPARQL 1.1 Protocol</a:t>
+            </a:r>
+          </a:p>
+          <a:p>
+            <a:pPr marL="1660525" lvl="4">
+              <a:spcBef>
+                <a:spcPct val="0"/>
+              </a:spcBef>
+            </a:pPr>
+            <a:endParaRPr kumimoji="0" lang="en-GB" sz="2000" i="0" u="none" strike="noStrike" kern="1200" cap="none" spc="0" normalizeH="0" baseline="0" noProof="0" dirty="0">
               <a:ln>
                 <a:noFill/>
               </a:ln>
@@ -3588,8 +3586,8 @@
         </p:nvSpPr>
         <p:spPr>
           <a:xfrm>
-            <a:off x="685800" y="1772816"/>
-            <a:ext cx="7772400" cy="1514599"/>
+            <a:off x="685800" y="1989392"/>
+            <a:ext cx="7772400" cy="1186943"/>
           </a:xfrm>
           <a:prstGeom prst="rect">
             <a:avLst/>
@@ -3605,25 +3603,33 @@
               </a:spcBef>
             </a:pPr>
             <a:r>
-              <a:rPr lang="en-US" sz="3200" noProof="0" dirty="0" smtClean="0"/>
-              <a:t>and additional complexity </a:t>
-            </a:r>
-            <a:endParaRPr kumimoji="0" lang="en-GB" sz="3200" i="0" u="none" strike="noStrike" kern="1200" cap="none" spc="0" normalizeH="0" baseline="0" noProof="0" dirty="0">
-              <a:ln>
-                <a:noFill/>
-              </a:ln>
-              <a:solidFill>
-                <a:schemeClr val="tx1">
-                  <a:lumMod val="50000"/>
-                </a:schemeClr>
-              </a:solidFill>
-              <a:effectLst/>
-              <a:uLnTx/>
-              <a:uFillTx/>
-              <a:latin typeface="Tahoma" pitchFamily="34" charset="0"/>
-              <a:ea typeface="Tahoma" pitchFamily="34" charset="0"/>
-              <a:cs typeface="Tahoma" pitchFamily="34" charset="0"/>
-            </a:endParaRPr>
+              <a:rPr lang="it-IT" sz="3200" dirty="0" smtClean="0"/>
+              <a:t>SPARQL 1.1 Graph Store HTTP Protocol</a:t>
+            </a:r>
+            <a:endParaRPr lang="en-US" sz="3200" noProof="0" dirty="0" smtClean="0"/>
+          </a:p>
+          <a:p>
+            <a:pPr marL="288925" lvl="1" algn="ctr">
+              <a:spcBef>
+                <a:spcPct val="0"/>
+              </a:spcBef>
+            </a:pPr>
+            <a:endParaRPr lang="it-IT" sz="2000" dirty="0" smtClean="0"/>
+          </a:p>
+          <a:p>
+            <a:pPr marL="288925" lvl="1" algn="ctr">
+              <a:spcBef>
+                <a:spcPct val="0"/>
+              </a:spcBef>
+            </a:pPr>
+            <a:r>
+              <a:rPr lang="it-IT" sz="2000" dirty="0" smtClean="0">
+                <a:solidFill>
+                  <a:srgbClr val="C00000"/>
+                </a:solidFill>
+              </a:rPr>
+              <a:t>Graph Dataset Management over HTTP</a:t>
+            </a:r>
           </a:p>
         </p:txBody>
       </p:sp>
@@ -3672,8 +3678,8 @@
         </p:nvSpPr>
         <p:spPr>
           <a:xfrm>
-            <a:off x="685800" y="2037520"/>
-            <a:ext cx="7772400" cy="2029154"/>
+            <a:off x="685800" y="2097680"/>
+            <a:ext cx="7772400" cy="1271164"/>
           </a:xfrm>
           <a:prstGeom prst="rect">
             <a:avLst/>
@@ -3689,12 +3695,13 @@
               </a:spcBef>
             </a:pPr>
             <a:r>
-              <a:rPr lang="en-US" sz="3200" noProof="0" dirty="0" smtClean="0"/>
-              <a:t>New Protocols from the W3C</a:t>
-            </a:r>
-          </a:p>
-          <a:p>
-            <a:pPr marL="288925" lvl="1">
+              <a:rPr lang="it-IT" sz="3200" dirty="0" smtClean="0"/>
+              <a:t>SPARQL 1.1 Protocol</a:t>
+            </a:r>
+            <a:endParaRPr lang="en-US" sz="3200" noProof="0" dirty="0" smtClean="0"/>
+          </a:p>
+          <a:p>
+            <a:pPr marL="288925" lvl="1" algn="ctr">
               <a:spcBef>
                 <a:spcPct val="0"/>
               </a:spcBef>
@@ -3702,7 +3709,7 @@
             <a:endParaRPr lang="it-IT" sz="2000" dirty="0" smtClean="0"/>
           </a:p>
           <a:p>
-            <a:pPr marL="1660525" lvl="4">
+            <a:pPr marL="288925" lvl="1" algn="ctr">
               <a:spcBef>
                 <a:spcPct val="0"/>
               </a:spcBef>
@@ -3713,37 +3720,7 @@
                   <a:srgbClr val="C00000"/>
                 </a:solidFill>
               </a:rPr>
-              <a:t>SPARQL 1.1 Graph Store HTTP Protocol</a:t>
-            </a:r>
-          </a:p>
-          <a:p>
-            <a:pPr marL="1660525" lvl="4">
-              <a:spcBef>
-                <a:spcPct val="0"/>
-              </a:spcBef>
-            </a:pPr>
-            <a:r>
-              <a:rPr lang="it-IT" sz="2000" dirty="0" smtClean="0">
-                <a:solidFill>
-                  <a:srgbClr val="C00000"/>
-                </a:solidFill>
-              </a:rPr>
-              <a:t/>
-            </a:r>
-            <a:br>
-              <a:rPr lang="it-IT" sz="2000" dirty="0" smtClean="0">
-                <a:solidFill>
-                  <a:srgbClr val="C00000"/>
-                </a:solidFill>
-              </a:rPr>
-            </a:br>
-            <a:r>
-              <a:rPr lang="it-IT" sz="2000" dirty="0" smtClean="0">
-                <a:solidFill>
-                  <a:srgbClr val="C00000"/>
-                </a:solidFill>
-              </a:rPr>
-              <a:t>SPARQL 1.1 Protocol</a:t>
+              <a:t>SPARQL Queries over HTTP</a:t>
             </a:r>
           </a:p>
           <a:p>
@@ -3816,8 +3793,8 @@
         </p:nvSpPr>
         <p:spPr>
           <a:xfrm>
-            <a:off x="685800" y="1989392"/>
-            <a:ext cx="7772400" cy="1186943"/>
+            <a:off x="685800" y="1772816"/>
+            <a:ext cx="7772400" cy="1514599"/>
           </a:xfrm>
           <a:prstGeom prst="rect">
             <a:avLst/>
@@ -3833,33 +3810,70 @@
               </a:spcBef>
             </a:pPr>
             <a:r>
-              <a:rPr lang="it-IT" sz="3200" dirty="0" smtClean="0"/>
-              <a:t>SPARQL 1.1 Graph Store HTTP Protocol</a:t>
-            </a:r>
-            <a:endParaRPr lang="en-US" sz="3200" noProof="0" dirty="0" smtClean="0"/>
-          </a:p>
-          <a:p>
-            <a:pPr marL="288925" lvl="1" algn="ctr">
+              <a:rPr lang="en-US" sz="3200" noProof="0" dirty="0" smtClean="0"/>
+              <a:t>Graph Stores </a:t>
+            </a:r>
+            <a:r>
+              <a:rPr kumimoji="0" lang="en-US" sz="3200" i="0" u="none" strike="noStrike" kern="1200" cap="none" spc="0" normalizeH="0" baseline="0" dirty="0" smtClean="0">
+                <a:ln>
+                  <a:noFill/>
+                </a:ln>
+                <a:solidFill>
+                  <a:schemeClr val="tx1">
+                    <a:lumMod val="50000"/>
+                  </a:schemeClr>
+                </a:solidFill>
+                <a:effectLst/>
+                <a:uLnTx/>
+                <a:uFillTx/>
+                <a:latin typeface="Tahoma" pitchFamily="34" charset="0"/>
+                <a:ea typeface="Tahoma" pitchFamily="34" charset="0"/>
+                <a:cs typeface="Tahoma" pitchFamily="34" charset="0"/>
+              </a:rPr>
+              <a:t>are Starting to </a:t>
+            </a:r>
+          </a:p>
+          <a:p>
+            <a:pPr lvl="0" algn="ctr">
               <a:spcBef>
                 <a:spcPct val="0"/>
               </a:spcBef>
             </a:pPr>
-            <a:endParaRPr lang="it-IT" sz="2000" dirty="0" smtClean="0"/>
-          </a:p>
-          <a:p>
-            <a:pPr marL="288925" lvl="1" algn="ctr">
-              <a:spcBef>
-                <a:spcPct val="0"/>
-              </a:spcBef>
-            </a:pPr>
-            <a:r>
-              <a:rPr lang="it-IT" sz="2000" dirty="0" smtClean="0">
-                <a:solidFill>
-                  <a:srgbClr val="C00000"/>
-                </a:solidFill>
-              </a:rPr>
-              <a:t>Graph Dataset Management over HTTP</a:t>
-            </a:r>
+            <a:r>
+              <a:rPr kumimoji="0" lang="en-US" sz="3200" i="0" u="none" strike="noStrike" kern="1200" cap="none" spc="0" normalizeH="0" baseline="0" dirty="0" smtClean="0">
+                <a:ln>
+                  <a:noFill/>
+                </a:ln>
+                <a:solidFill>
+                  <a:schemeClr val="tx1">
+                    <a:lumMod val="50000"/>
+                  </a:schemeClr>
+                </a:solidFill>
+                <a:effectLst/>
+                <a:uLnTx/>
+                <a:uFillTx/>
+                <a:latin typeface="Tahoma" pitchFamily="34" charset="0"/>
+                <a:ea typeface="Tahoma" pitchFamily="34" charset="0"/>
+                <a:cs typeface="Tahoma" pitchFamily="34" charset="0"/>
+              </a:rPr>
+              <a:t>Support these Protocols</a:t>
+            </a:r>
+            <a:endParaRPr kumimoji="0" lang="en-GB" sz="3200" i="0" u="none" strike="noStrike" kern="1200" cap="none" spc="0" normalizeH="0" baseline="0" noProof="0" dirty="0">
+              <a:ln>
+                <a:noFill/>
+              </a:ln>
+              <a:solidFill>
+                <a:schemeClr val="tx1">
+                  <a:lumMod val="50000"/>
+                </a:schemeClr>
+              </a:solidFill>
+              <a:effectLst/>
+              <a:uLnTx/>
+              <a:uFillTx/>
+              <a:latin typeface="Tahoma" pitchFamily="34" charset="0"/>
+              <a:ea typeface="Tahoma" pitchFamily="34" charset="0"/>
+              <a:cs typeface="Tahoma" pitchFamily="34" charset="0"/>
+            </a:endParaRPr>
           </a:p>
         </p:txBody>
       </p:sp>
@@ -3908,8 +3922,8 @@
         </p:nvSpPr>
         <p:spPr>
           <a:xfrm>
-            <a:off x="685800" y="2097680"/>
-            <a:ext cx="7772400" cy="1271164"/>
+            <a:off x="685800" y="1772816"/>
+            <a:ext cx="7772400" cy="1514599"/>
           </a:xfrm>
           <a:prstGeom prst="rect">
             <a:avLst/>
@@ -3925,41 +3939,69 @@
               </a:spcBef>
             </a:pPr>
             <a:r>
-              <a:rPr lang="it-IT" sz="3200" dirty="0" smtClean="0"/>
-              <a:t>SPARQL 1.1 Protocol</a:t>
-            </a:r>
-            <a:endParaRPr lang="en-US" sz="3200" noProof="0" dirty="0" smtClean="0"/>
-          </a:p>
-          <a:p>
-            <a:pPr marL="288925" lvl="1" algn="ctr">
+              <a:rPr lang="en-US" sz="3200" dirty="0" smtClean="0"/>
+              <a:t>GRASP </a:t>
+            </a:r>
+          </a:p>
+          <a:p>
+            <a:pPr lvl="0" algn="ctr">
               <a:spcBef>
                 <a:spcPct val="0"/>
               </a:spcBef>
             </a:pPr>
-            <a:endParaRPr lang="it-IT" sz="2000" dirty="0" smtClean="0"/>
-          </a:p>
-          <a:p>
-            <a:pPr marL="288925" lvl="1" algn="ctr">
-              <a:spcBef>
-                <a:spcPct val="0"/>
-              </a:spcBef>
-            </a:pPr>
-            <a:r>
-              <a:rPr lang="it-IT" sz="2000" dirty="0" smtClean="0">
+            <a:r>
+              <a:rPr lang="en-US" sz="3200" u="sng" dirty="0" err="1" smtClean="0">
                 <a:solidFill>
                   <a:srgbClr val="C00000"/>
                 </a:solidFill>
               </a:rPr>
-              <a:t>SPARQL Queries over HTTP</a:t>
-            </a:r>
-          </a:p>
-          <a:p>
-            <a:pPr marL="1660525" lvl="4">
-              <a:spcBef>
-                <a:spcPct val="0"/>
-              </a:spcBef>
-            </a:pPr>
-            <a:endParaRPr kumimoji="0" lang="en-GB" sz="2000" i="0" u="none" strike="noStrike" kern="1200" cap="none" spc="0" normalizeH="0" baseline="0" noProof="0" dirty="0">
+              <a:t>GR</a:t>
+            </a:r>
+            <a:r>
+              <a:rPr lang="en-US" sz="3200" dirty="0" err="1" smtClean="0"/>
+              <a:t>aph</a:t>
+            </a:r>
+            <a:r>
+              <a:rPr lang="en-US" sz="3200" dirty="0" smtClean="0"/>
+              <a:t> store </a:t>
+            </a:r>
+            <a:r>
+              <a:rPr lang="en-US" sz="3200" u="sng" dirty="0" smtClean="0">
+                <a:solidFill>
+                  <a:srgbClr val="C00000"/>
+                </a:solidFill>
+              </a:rPr>
+              <a:t>A</a:t>
+            </a:r>
+            <a:r>
+              <a:rPr lang="en-US" sz="3200" dirty="0" smtClean="0"/>
+              <a:t>nd </a:t>
+            </a:r>
+            <a:r>
+              <a:rPr lang="en-US" sz="3200" u="sng" dirty="0" smtClean="0">
+                <a:solidFill>
+                  <a:srgbClr val="C00000"/>
+                </a:solidFill>
+              </a:rPr>
+              <a:t>S</a:t>
+            </a:r>
+            <a:r>
+              <a:rPr lang="en-US" sz="3200" dirty="0" smtClean="0"/>
+              <a:t>PARQL </a:t>
+            </a:r>
+            <a:r>
+              <a:rPr lang="en-US" sz="3200" u="sng" dirty="0" smtClean="0">
+                <a:solidFill>
+                  <a:srgbClr val="C00000"/>
+                </a:solidFill>
+              </a:rPr>
+              <a:t>P</a:t>
+            </a:r>
+            <a:r>
+              <a:rPr lang="en-US" sz="3200" dirty="0" smtClean="0"/>
+              <a:t>rotocol</a:t>
+            </a:r>
+            <a:endParaRPr kumimoji="0" lang="en-GB" sz="3200" i="0" u="none" strike="noStrike" kern="1200" cap="none" spc="0" normalizeH="0" baseline="0" noProof="0" dirty="0">
               <a:ln>
                 <a:noFill/>
               </a:ln>
@@ -4023,8 +4065,8 @@
         </p:nvSpPr>
         <p:spPr>
           <a:xfrm>
-            <a:off x="685800" y="1772816"/>
-            <a:ext cx="7772400" cy="1514599"/>
+            <a:off x="685800" y="1929232"/>
+            <a:ext cx="7772400" cy="1271164"/>
           </a:xfrm>
           <a:prstGeom prst="rect">
             <a:avLst/>
@@ -4040,55 +4082,44 @@
               </a:spcBef>
             </a:pPr>
             <a:r>
-              <a:rPr lang="en-US" sz="3200" noProof="0" dirty="0" smtClean="0"/>
-              <a:t>Graph Stores </a:t>
-            </a:r>
-            <a:r>
-              <a:rPr kumimoji="0" lang="en-US" sz="3200" i="0" u="none" strike="noStrike" kern="1200" cap="none" spc="0" normalizeH="0" baseline="0" dirty="0" smtClean="0">
-                <a:ln>
-                  <a:noFill/>
-                </a:ln>
-                <a:solidFill>
-                  <a:schemeClr val="tx1">
-                    <a:lumMod val="50000"/>
-                  </a:schemeClr>
-                </a:solidFill>
-                <a:effectLst/>
-                <a:uLnTx/>
-                <a:uFillTx/>
-                <a:latin typeface="Tahoma" pitchFamily="34" charset="0"/>
-                <a:ea typeface="Tahoma" pitchFamily="34" charset="0"/>
-                <a:cs typeface="Tahoma" pitchFamily="34" charset="0"/>
-              </a:rPr>
-              <a:t>are Starting to </a:t>
-            </a:r>
-          </a:p>
-          <a:p>
-            <a:pPr lvl="0" algn="ctr">
+              <a:rPr lang="en-US" sz="3200" dirty="0" smtClean="0"/>
+              <a:t>A </a:t>
+            </a:r>
+            <a:r>
+              <a:rPr lang="en-US" sz="3200" dirty="0" err="1" smtClean="0">
+                <a:solidFill>
+                  <a:srgbClr val="C00000"/>
+                </a:solidFill>
+              </a:rPr>
+              <a:t>GitHub</a:t>
+            </a:r>
+            <a:r>
+              <a:rPr lang="en-US" sz="3200" dirty="0" smtClean="0"/>
+              <a:t> Project</a:t>
+            </a:r>
+            <a:endParaRPr lang="en-US" sz="3200" noProof="0" dirty="0" smtClean="0"/>
+          </a:p>
+          <a:p>
+            <a:pPr marL="288925" lvl="1" algn="ctr">
               <a:spcBef>
                 <a:spcPct val="0"/>
               </a:spcBef>
             </a:pPr>
-            <a:r>
-              <a:rPr kumimoji="0" lang="en-US" sz="3200" i="0" u="none" strike="noStrike" kern="1200" cap="none" spc="0" normalizeH="0" baseline="0" dirty="0" smtClean="0">
-                <a:ln>
-                  <a:noFill/>
-                </a:ln>
-                <a:solidFill>
-                  <a:schemeClr val="tx1">
-                    <a:lumMod val="50000"/>
-                  </a:schemeClr>
-                </a:solidFill>
-                <a:effectLst/>
-                <a:uLnTx/>
-                <a:uFillTx/>
-                <a:latin typeface="Tahoma" pitchFamily="34" charset="0"/>
-                <a:ea typeface="Tahoma" pitchFamily="34" charset="0"/>
-                <a:cs typeface="Tahoma" pitchFamily="34" charset="0"/>
-              </a:rPr>
-              <a:t>Support these Protocols</a:t>
-            </a:r>
-            <a:endParaRPr kumimoji="0" lang="en-GB" sz="3200" i="0" u="none" strike="noStrike" kern="1200" cap="none" spc="0" normalizeH="0" baseline="0" noProof="0" dirty="0">
+            <a:endParaRPr lang="it-IT" sz="2000" dirty="0" smtClean="0"/>
+          </a:p>
+          <a:p>
+            <a:pPr marL="288925" lvl="1" algn="ctr">
+              <a:spcBef>
+                <a:spcPct val="0"/>
+              </a:spcBef>
+            </a:pPr>
+            <a:r>
+              <a:rPr lang="en-GB" sz="2000" dirty="0" smtClean="0">
+                <a:hlinkClick r:id="rId2"/>
+              </a:rPr>
+              <a:t>https://github.com/philipfennell/grasp</a:t>
+            </a:r>
+            <a:endParaRPr kumimoji="0" lang="en-GB" sz="2000" i="0" u="none" strike="noStrike" kern="1200" cap="none" spc="0" normalizeH="0" baseline="0" noProof="0" dirty="0">
               <a:ln>
                 <a:noFill/>
               </a:ln>
@@ -4152,8 +4183,8 @@
         </p:nvSpPr>
         <p:spPr>
           <a:xfrm>
-            <a:off x="685800" y="1772816"/>
-            <a:ext cx="7772400" cy="1514599"/>
+            <a:off x="685800" y="2037520"/>
+            <a:ext cx="7772400" cy="2029154"/>
           </a:xfrm>
           <a:prstGeom prst="rect">
             <a:avLst/>
@@ -4169,69 +4200,102 @@
               </a:spcBef>
             </a:pPr>
             <a:r>
-              <a:rPr lang="en-US" sz="3200" dirty="0" smtClean="0"/>
-              <a:t>GRASP </a:t>
-            </a:r>
-          </a:p>
-          <a:p>
-            <a:pPr lvl="0" algn="ctr">
+              <a:rPr lang="en-US" sz="3200" noProof="0" dirty="0" err="1" smtClean="0"/>
+              <a:t>XQuery</a:t>
+            </a:r>
+            <a:r>
+              <a:rPr lang="en-US" sz="3200" noProof="0" dirty="0" smtClean="0"/>
+              <a:t> Client Libraries</a:t>
+            </a:r>
+          </a:p>
+          <a:p>
+            <a:pPr marL="288925" lvl="1">
               <a:spcBef>
                 <a:spcPct val="0"/>
               </a:spcBef>
             </a:pPr>
-            <a:r>
-              <a:rPr lang="en-US" sz="3200" u="sng" dirty="0" err="1" smtClean="0">
+            <a:endParaRPr lang="it-IT" sz="2000" dirty="0" smtClean="0"/>
+          </a:p>
+          <a:p>
+            <a:pPr marL="1660525" lvl="4">
+              <a:spcBef>
+                <a:spcPct val="0"/>
+              </a:spcBef>
+            </a:pPr>
+            <a:r>
+              <a:rPr lang="it-IT" sz="2000" b="1" dirty="0" smtClean="0">
                 <a:solidFill>
                   <a:srgbClr val="C00000"/>
                 </a:solidFill>
-              </a:rPr>
-              <a:t>GR</a:t>
-            </a:r>
-            <a:r>
-              <a:rPr lang="en-US" sz="3200" dirty="0" err="1" smtClean="0"/>
-              <a:t>aph</a:t>
-            </a:r>
-            <a:r>
-              <a:rPr lang="en-US" sz="3200" dirty="0" smtClean="0"/>
-              <a:t> store </a:t>
-            </a:r>
-            <a:r>
-              <a:rPr lang="en-US" sz="3200" u="sng" dirty="0" smtClean="0">
+                <a:latin typeface="Courier New" pitchFamily="49" charset="0"/>
+                <a:cs typeface="Courier New" pitchFamily="49" charset="0"/>
+              </a:rPr>
+              <a:t>lib-gsp.xqy</a:t>
+            </a:r>
+            <a:r>
+              <a:rPr lang="it-IT" sz="2000" dirty="0" smtClean="0">
                 <a:solidFill>
                   <a:srgbClr val="C00000"/>
                 </a:solidFill>
               </a:rPr>
-              <a:t>A</a:t>
-            </a:r>
-            <a:r>
-              <a:rPr lang="en-US" sz="3200" dirty="0" smtClean="0"/>
-              <a:t>nd </a:t>
-            </a:r>
-            <a:r>
-              <a:rPr lang="en-US" sz="3200" u="sng" dirty="0" smtClean="0">
+              <a:t> </a:t>
+            </a:r>
+            <a:r>
+              <a:rPr lang="it-IT" sz="2000" dirty="0" smtClean="0"/>
+              <a:t>- Graph Store HTTP Protocol</a:t>
+            </a:r>
+          </a:p>
+          <a:p>
+            <a:pPr marL="1660525" lvl="4">
+              <a:spcBef>
+                <a:spcPct val="0"/>
+              </a:spcBef>
+            </a:pPr>
+            <a:r>
+              <a:rPr lang="it-IT" sz="2000" dirty="0" smtClean="0">
                 <a:solidFill>
                   <a:srgbClr val="C00000"/>
                 </a:solidFill>
               </a:rPr>
-              <a:t>S</a:t>
-            </a:r>
-            <a:r>
-              <a:rPr lang="en-US" sz="3200" dirty="0" smtClean="0"/>
-              <a:t>PARQL </a:t>
-            </a:r>
-            <a:r>
-              <a:rPr lang="en-US" sz="3200" u="sng" dirty="0" smtClean="0">
+              <a:t/>
+            </a:r>
+            <a:br>
+              <a:rPr lang="it-IT" sz="2000" dirty="0" smtClean="0">
                 <a:solidFill>
                   <a:srgbClr val="C00000"/>
                 </a:solidFill>
               </a:rPr>
-              <a:t>P</a:t>
-            </a:r>
-            <a:r>
-              <a:rPr lang="en-US" sz="3200" dirty="0" smtClean="0"/>
-              <a:t>rotocol</a:t>
-            </a:r>
-            <a:endParaRPr kumimoji="0" lang="en-GB" sz="3200" i="0" u="none" strike="noStrike" kern="1200" cap="none" spc="0" normalizeH="0" baseline="0" noProof="0" dirty="0">
+            </a:br>
+            <a:r>
+              <a:rPr lang="it-IT" sz="2000" b="1" dirty="0" smtClean="0">
+                <a:solidFill>
+                  <a:srgbClr val="C00000"/>
+                </a:solidFill>
+                <a:latin typeface="Courier New" pitchFamily="49" charset="0"/>
+                <a:cs typeface="Courier New" pitchFamily="49" charset="0"/>
+              </a:rPr>
+              <a:t>lib-spq.xqy</a:t>
+            </a:r>
+            <a:r>
+              <a:rPr lang="it-IT" sz="2000" dirty="0" smtClean="0">
+                <a:solidFill>
+                  <a:srgbClr val="C00000"/>
+                </a:solidFill>
+              </a:rPr>
+              <a:t> </a:t>
+            </a:r>
+            <a:r>
+              <a:rPr lang="it-IT" sz="2000" dirty="0" smtClean="0"/>
+              <a:t>- SPARQL Protocol</a:t>
+            </a:r>
+          </a:p>
+          <a:p>
+            <a:pPr marL="1660525" lvl="4">
+              <a:spcBef>
+                <a:spcPct val="0"/>
+              </a:spcBef>
+            </a:pPr>
+            <a:endParaRPr kumimoji="0" lang="en-GB" sz="2000" i="0" u="none" strike="noStrike" kern="1200" cap="none" spc="0" normalizeH="0" baseline="0" noProof="0" dirty="0">
               <a:ln>
                 <a:noFill/>
               </a:ln>
@@ -4295,8 +4359,8 @@
         </p:nvSpPr>
         <p:spPr>
           <a:xfrm>
-            <a:off x="685800" y="1929232"/>
-            <a:ext cx="7772400" cy="1271164"/>
+            <a:off x="685800" y="2009316"/>
+            <a:ext cx="7772400" cy="4596064"/>
           </a:xfrm>
           <a:prstGeom prst="rect">
             <a:avLst/>
@@ -4312,25 +4376,499 @@
               </a:spcBef>
             </a:pPr>
             <a:r>
-              <a:rPr lang="en-US" sz="3200" dirty="0" smtClean="0"/>
-              <a:t>A </a:t>
-            </a:r>
-            <a:r>
-              <a:rPr lang="en-US" sz="3200" dirty="0" err="1" smtClean="0">
-                <a:solidFill>
-                  <a:srgbClr val="C00000"/>
-                </a:solidFill>
-              </a:rPr>
-              <a:t>GitHub</a:t>
-            </a:r>
-            <a:r>
-              <a:rPr lang="en-US" sz="3200" dirty="0" smtClean="0"/>
-              <a:t> Project</a:t>
-            </a:r>
+              <a:rPr lang="en-US" sz="3200" noProof="0" dirty="0" smtClean="0"/>
+              <a:t>GSP Convenience </a:t>
+            </a:r>
+            <a:r>
+              <a:rPr lang="en-US" sz="3200" noProof="0" dirty="0" smtClean="0"/>
+              <a:t>Functions</a:t>
+            </a:r>
+          </a:p>
+          <a:p>
+            <a:pPr lvl="0" algn="ctr">
+              <a:spcBef>
+                <a:spcPct val="0"/>
+              </a:spcBef>
+            </a:pPr>
             <a:endParaRPr lang="en-US" sz="3200" noProof="0" dirty="0" smtClean="0"/>
           </a:p>
           <a:p>
-            <a:pPr marL="288925" lvl="1" algn="ctr">
+            <a:pPr lvl="4">
+              <a:spcBef>
+                <a:spcPct val="0"/>
+              </a:spcBef>
+            </a:pPr>
+            <a:r>
+              <a:rPr lang="en-GB" sz="1600" b="1" dirty="0" err="1" smtClean="0">
+                <a:solidFill>
+                  <a:schemeClr val="tx1">
+                    <a:lumMod val="60000"/>
+                    <a:lumOff val="40000"/>
+                  </a:schemeClr>
+                </a:solidFill>
+                <a:latin typeface="Courier New" pitchFamily="49" charset="0"/>
+                <a:cs typeface="Courier New" pitchFamily="49" charset="0"/>
+              </a:rPr>
+              <a:t>gsp:add</a:t>
+            </a:r>
+            <a:r>
+              <a:rPr lang="en-GB" sz="1600" b="1" dirty="0" smtClean="0">
+                <a:solidFill>
+                  <a:schemeClr val="tx1">
+                    <a:lumMod val="60000"/>
+                    <a:lumOff val="40000"/>
+                  </a:schemeClr>
+                </a:solidFill>
+                <a:latin typeface="Courier New" pitchFamily="49" charset="0"/>
+                <a:cs typeface="Courier New" pitchFamily="49" charset="0"/>
+              </a:rPr>
+              <a:t>-default-graph(...)</a:t>
+            </a:r>
+            <a:br>
+              <a:rPr lang="en-GB" sz="1600" b="1" dirty="0" smtClean="0">
+                <a:solidFill>
+                  <a:schemeClr val="tx1">
+                    <a:lumMod val="60000"/>
+                    <a:lumOff val="40000"/>
+                  </a:schemeClr>
+                </a:solidFill>
+                <a:latin typeface="Courier New" pitchFamily="49" charset="0"/>
+                <a:cs typeface="Courier New" pitchFamily="49" charset="0"/>
+              </a:rPr>
+            </a:br>
+            <a:r>
+              <a:rPr lang="en-GB" sz="1600" b="1" dirty="0" err="1" smtClean="0">
+                <a:solidFill>
+                  <a:schemeClr val="tx1">
+                    <a:lumMod val="60000"/>
+                    <a:lumOff val="40000"/>
+                  </a:schemeClr>
+                </a:solidFill>
+                <a:latin typeface="Courier New" pitchFamily="49" charset="0"/>
+                <a:cs typeface="Courier New" pitchFamily="49" charset="0"/>
+              </a:rPr>
+              <a:t>gsp:add</a:t>
+            </a:r>
+            <a:r>
+              <a:rPr lang="en-GB" sz="1600" b="1" dirty="0" smtClean="0">
+                <a:solidFill>
+                  <a:schemeClr val="tx1">
+                    <a:lumMod val="60000"/>
+                    <a:lumOff val="40000"/>
+                  </a:schemeClr>
+                </a:solidFill>
+                <a:latin typeface="Courier New" pitchFamily="49" charset="0"/>
+                <a:cs typeface="Courier New" pitchFamily="49" charset="0"/>
+              </a:rPr>
+              <a:t>-named-graph(...)</a:t>
+            </a:r>
+            <a:br>
+              <a:rPr lang="en-GB" sz="1600" b="1" dirty="0" smtClean="0">
+                <a:solidFill>
+                  <a:schemeClr val="tx1">
+                    <a:lumMod val="60000"/>
+                    <a:lumOff val="40000"/>
+                  </a:schemeClr>
+                </a:solidFill>
+                <a:latin typeface="Courier New" pitchFamily="49" charset="0"/>
+                <a:cs typeface="Courier New" pitchFamily="49" charset="0"/>
+              </a:rPr>
+            </a:br>
+            <a:r>
+              <a:rPr lang="en-GB" sz="1600" b="1" dirty="0" err="1" smtClean="0">
+                <a:solidFill>
+                  <a:schemeClr val="tx1">
+                    <a:lumMod val="60000"/>
+                    <a:lumOff val="40000"/>
+                  </a:schemeClr>
+                </a:solidFill>
+                <a:latin typeface="Courier New" pitchFamily="49" charset="0"/>
+                <a:cs typeface="Courier New" pitchFamily="49" charset="0"/>
+              </a:rPr>
+              <a:t>gsp:retrieve</a:t>
+            </a:r>
+            <a:r>
+              <a:rPr lang="en-GB" sz="1600" b="1" dirty="0" smtClean="0">
+                <a:solidFill>
+                  <a:schemeClr val="tx1">
+                    <a:lumMod val="60000"/>
+                    <a:lumOff val="40000"/>
+                  </a:schemeClr>
+                </a:solidFill>
+                <a:latin typeface="Courier New" pitchFamily="49" charset="0"/>
+                <a:cs typeface="Courier New" pitchFamily="49" charset="0"/>
+              </a:rPr>
+              <a:t>-default-graph-</a:t>
+            </a:r>
+            <a:r>
+              <a:rPr lang="en-GB" sz="1600" b="1" dirty="0" err="1" smtClean="0">
+                <a:solidFill>
+                  <a:schemeClr val="tx1">
+                    <a:lumMod val="60000"/>
+                    <a:lumOff val="40000"/>
+                  </a:schemeClr>
+                </a:solidFill>
+                <a:latin typeface="Courier New" pitchFamily="49" charset="0"/>
+                <a:cs typeface="Courier New" pitchFamily="49" charset="0"/>
+              </a:rPr>
+              <a:t>metainfo</a:t>
+            </a:r>
+            <a:r>
+              <a:rPr lang="en-GB" sz="1600" b="1" dirty="0" smtClean="0">
+                <a:solidFill>
+                  <a:schemeClr val="tx1">
+                    <a:lumMod val="60000"/>
+                    <a:lumOff val="40000"/>
+                  </a:schemeClr>
+                </a:solidFill>
+                <a:latin typeface="Courier New" pitchFamily="49" charset="0"/>
+                <a:cs typeface="Courier New" pitchFamily="49" charset="0"/>
+              </a:rPr>
+              <a:t>(...)</a:t>
+            </a:r>
+            <a:br>
+              <a:rPr lang="en-GB" sz="1600" b="1" dirty="0" smtClean="0">
+                <a:solidFill>
+                  <a:schemeClr val="tx1">
+                    <a:lumMod val="60000"/>
+                    <a:lumOff val="40000"/>
+                  </a:schemeClr>
+                </a:solidFill>
+                <a:latin typeface="Courier New" pitchFamily="49" charset="0"/>
+                <a:cs typeface="Courier New" pitchFamily="49" charset="0"/>
+              </a:rPr>
+            </a:br>
+            <a:r>
+              <a:rPr lang="en-GB" sz="1600" b="1" dirty="0" err="1" smtClean="0">
+                <a:solidFill>
+                  <a:schemeClr val="tx1">
+                    <a:lumMod val="60000"/>
+                    <a:lumOff val="40000"/>
+                  </a:schemeClr>
+                </a:solidFill>
+                <a:latin typeface="Courier New" pitchFamily="49" charset="0"/>
+                <a:cs typeface="Courier New" pitchFamily="49" charset="0"/>
+              </a:rPr>
+              <a:t>gsp:retrieve</a:t>
+            </a:r>
+            <a:r>
+              <a:rPr lang="en-GB" sz="1600" b="1" dirty="0" smtClean="0">
+                <a:solidFill>
+                  <a:schemeClr val="tx1">
+                    <a:lumMod val="60000"/>
+                    <a:lumOff val="40000"/>
+                  </a:schemeClr>
+                </a:solidFill>
+                <a:latin typeface="Courier New" pitchFamily="49" charset="0"/>
+                <a:cs typeface="Courier New" pitchFamily="49" charset="0"/>
+              </a:rPr>
+              <a:t>-named-graph-</a:t>
+            </a:r>
+            <a:r>
+              <a:rPr lang="en-GB" sz="1600" b="1" dirty="0" err="1" smtClean="0">
+                <a:solidFill>
+                  <a:schemeClr val="tx1">
+                    <a:lumMod val="60000"/>
+                    <a:lumOff val="40000"/>
+                  </a:schemeClr>
+                </a:solidFill>
+                <a:latin typeface="Courier New" pitchFamily="49" charset="0"/>
+                <a:cs typeface="Courier New" pitchFamily="49" charset="0"/>
+              </a:rPr>
+              <a:t>metainfo</a:t>
+            </a:r>
+            <a:r>
+              <a:rPr lang="en-GB" sz="1600" b="1" dirty="0" smtClean="0">
+                <a:solidFill>
+                  <a:schemeClr val="tx1">
+                    <a:lumMod val="60000"/>
+                    <a:lumOff val="40000"/>
+                  </a:schemeClr>
+                </a:solidFill>
+                <a:latin typeface="Courier New" pitchFamily="49" charset="0"/>
+                <a:cs typeface="Courier New" pitchFamily="49" charset="0"/>
+              </a:rPr>
+              <a:t>(...)</a:t>
+            </a:r>
+            <a:br>
+              <a:rPr lang="en-GB" sz="1600" b="1" dirty="0" smtClean="0">
+                <a:solidFill>
+                  <a:schemeClr val="tx1">
+                    <a:lumMod val="60000"/>
+                    <a:lumOff val="40000"/>
+                  </a:schemeClr>
+                </a:solidFill>
+                <a:latin typeface="Courier New" pitchFamily="49" charset="0"/>
+                <a:cs typeface="Courier New" pitchFamily="49" charset="0"/>
+              </a:rPr>
+            </a:br>
+            <a:r>
+              <a:rPr lang="en-GB" sz="1600" b="1" dirty="0" err="1" smtClean="0">
+                <a:solidFill>
+                  <a:schemeClr val="tx1">
+                    <a:lumMod val="60000"/>
+                    <a:lumOff val="40000"/>
+                  </a:schemeClr>
+                </a:solidFill>
+                <a:latin typeface="Courier New" pitchFamily="49" charset="0"/>
+                <a:cs typeface="Courier New" pitchFamily="49" charset="0"/>
+              </a:rPr>
+              <a:t>gsp:retrieve</a:t>
+            </a:r>
+            <a:r>
+              <a:rPr lang="en-GB" sz="1600" b="1" dirty="0" smtClean="0">
+                <a:solidFill>
+                  <a:schemeClr val="tx1">
+                    <a:lumMod val="60000"/>
+                    <a:lumOff val="40000"/>
+                  </a:schemeClr>
+                </a:solidFill>
+                <a:latin typeface="Courier New" pitchFamily="49" charset="0"/>
+                <a:cs typeface="Courier New" pitchFamily="49" charset="0"/>
+              </a:rPr>
+              <a:t>-default-graph(...)</a:t>
+            </a:r>
+            <a:br>
+              <a:rPr lang="en-GB" sz="1600" b="1" dirty="0" smtClean="0">
+                <a:solidFill>
+                  <a:schemeClr val="tx1">
+                    <a:lumMod val="60000"/>
+                    <a:lumOff val="40000"/>
+                  </a:schemeClr>
+                </a:solidFill>
+                <a:latin typeface="Courier New" pitchFamily="49" charset="0"/>
+                <a:cs typeface="Courier New" pitchFamily="49" charset="0"/>
+              </a:rPr>
+            </a:br>
+            <a:r>
+              <a:rPr lang="en-GB" sz="1600" b="1" dirty="0" err="1" smtClean="0">
+                <a:solidFill>
+                  <a:schemeClr val="tx1">
+                    <a:lumMod val="60000"/>
+                    <a:lumOff val="40000"/>
+                  </a:schemeClr>
+                </a:solidFill>
+                <a:latin typeface="Courier New" pitchFamily="49" charset="0"/>
+                <a:cs typeface="Courier New" pitchFamily="49" charset="0"/>
+              </a:rPr>
+              <a:t>gsp:retrieve</a:t>
+            </a:r>
+            <a:r>
+              <a:rPr lang="en-GB" sz="1600" b="1" dirty="0" smtClean="0">
+                <a:solidFill>
+                  <a:schemeClr val="tx1">
+                    <a:lumMod val="60000"/>
+                    <a:lumOff val="40000"/>
+                  </a:schemeClr>
+                </a:solidFill>
+                <a:latin typeface="Courier New" pitchFamily="49" charset="0"/>
+                <a:cs typeface="Courier New" pitchFamily="49" charset="0"/>
+              </a:rPr>
+              <a:t>-named-graph(...)</a:t>
+            </a:r>
+            <a:br>
+              <a:rPr lang="en-GB" sz="1600" b="1" dirty="0" smtClean="0">
+                <a:solidFill>
+                  <a:schemeClr val="tx1">
+                    <a:lumMod val="60000"/>
+                    <a:lumOff val="40000"/>
+                  </a:schemeClr>
+                </a:solidFill>
+                <a:latin typeface="Courier New" pitchFamily="49" charset="0"/>
+                <a:cs typeface="Courier New" pitchFamily="49" charset="0"/>
+              </a:rPr>
+            </a:br>
+            <a:r>
+              <a:rPr lang="en-GB" sz="1600" b="1" dirty="0" err="1" smtClean="0">
+                <a:solidFill>
+                  <a:schemeClr val="tx1">
+                    <a:lumMod val="60000"/>
+                    <a:lumOff val="40000"/>
+                  </a:schemeClr>
+                </a:solidFill>
+                <a:latin typeface="Courier New" pitchFamily="49" charset="0"/>
+                <a:cs typeface="Courier New" pitchFamily="49" charset="0"/>
+              </a:rPr>
+              <a:t>gsp:merge</a:t>
+            </a:r>
+            <a:r>
+              <a:rPr lang="en-GB" sz="1600" b="1" dirty="0" smtClean="0">
+                <a:solidFill>
+                  <a:schemeClr val="tx1">
+                    <a:lumMod val="60000"/>
+                    <a:lumOff val="40000"/>
+                  </a:schemeClr>
+                </a:solidFill>
+                <a:latin typeface="Courier New" pitchFamily="49" charset="0"/>
+                <a:cs typeface="Courier New" pitchFamily="49" charset="0"/>
+              </a:rPr>
+              <a:t>-default-graph(...)</a:t>
+            </a:r>
+            <a:br>
+              <a:rPr lang="en-GB" sz="1600" b="1" dirty="0" smtClean="0">
+                <a:solidFill>
+                  <a:schemeClr val="tx1">
+                    <a:lumMod val="60000"/>
+                    <a:lumOff val="40000"/>
+                  </a:schemeClr>
+                </a:solidFill>
+                <a:latin typeface="Courier New" pitchFamily="49" charset="0"/>
+                <a:cs typeface="Courier New" pitchFamily="49" charset="0"/>
+              </a:rPr>
+            </a:br>
+            <a:r>
+              <a:rPr lang="en-GB" sz="1600" b="1" dirty="0" err="1" smtClean="0">
+                <a:solidFill>
+                  <a:schemeClr val="tx1">
+                    <a:lumMod val="60000"/>
+                    <a:lumOff val="40000"/>
+                  </a:schemeClr>
+                </a:solidFill>
+                <a:latin typeface="Courier New" pitchFamily="49" charset="0"/>
+                <a:cs typeface="Courier New" pitchFamily="49" charset="0"/>
+              </a:rPr>
+              <a:t>gsp:merge</a:t>
+            </a:r>
+            <a:r>
+              <a:rPr lang="en-GB" sz="1600" b="1" dirty="0" smtClean="0">
+                <a:solidFill>
+                  <a:schemeClr val="tx1">
+                    <a:lumMod val="60000"/>
+                    <a:lumOff val="40000"/>
+                  </a:schemeClr>
+                </a:solidFill>
+                <a:latin typeface="Courier New" pitchFamily="49" charset="0"/>
+                <a:cs typeface="Courier New" pitchFamily="49" charset="0"/>
+              </a:rPr>
+              <a:t>-named-graph(...)</a:t>
+            </a:r>
+            <a:br>
+              <a:rPr lang="en-GB" sz="1600" b="1" dirty="0" smtClean="0">
+                <a:solidFill>
+                  <a:schemeClr val="tx1">
+                    <a:lumMod val="60000"/>
+                    <a:lumOff val="40000"/>
+                  </a:schemeClr>
+                </a:solidFill>
+                <a:latin typeface="Courier New" pitchFamily="49" charset="0"/>
+                <a:cs typeface="Courier New" pitchFamily="49" charset="0"/>
+              </a:rPr>
+            </a:br>
+            <a:r>
+              <a:rPr lang="en-GB" sz="1600" b="1" dirty="0" err="1" smtClean="0">
+                <a:solidFill>
+                  <a:schemeClr val="tx1">
+                    <a:lumMod val="60000"/>
+                    <a:lumOff val="40000"/>
+                  </a:schemeClr>
+                </a:solidFill>
+                <a:latin typeface="Courier New" pitchFamily="49" charset="0"/>
+                <a:cs typeface="Courier New" pitchFamily="49" charset="0"/>
+              </a:rPr>
+              <a:t>gsp:delete</a:t>
+            </a:r>
+            <a:r>
+              <a:rPr lang="en-GB" sz="1600" b="1" dirty="0" smtClean="0">
+                <a:solidFill>
+                  <a:schemeClr val="tx1">
+                    <a:lumMod val="60000"/>
+                    <a:lumOff val="40000"/>
+                  </a:schemeClr>
+                </a:solidFill>
+                <a:latin typeface="Courier New" pitchFamily="49" charset="0"/>
+                <a:cs typeface="Courier New" pitchFamily="49" charset="0"/>
+              </a:rPr>
+              <a:t>-default-graph(...)</a:t>
+            </a:r>
+            <a:br>
+              <a:rPr lang="en-GB" sz="1600" b="1" dirty="0" smtClean="0">
+                <a:solidFill>
+                  <a:schemeClr val="tx1">
+                    <a:lumMod val="60000"/>
+                    <a:lumOff val="40000"/>
+                  </a:schemeClr>
+                </a:solidFill>
+                <a:latin typeface="Courier New" pitchFamily="49" charset="0"/>
+                <a:cs typeface="Courier New" pitchFamily="49" charset="0"/>
+              </a:rPr>
+            </a:br>
+            <a:r>
+              <a:rPr lang="en-GB" sz="1600" b="1" dirty="0" err="1" smtClean="0">
+                <a:solidFill>
+                  <a:schemeClr val="tx1">
+                    <a:lumMod val="60000"/>
+                    <a:lumOff val="40000"/>
+                  </a:schemeClr>
+                </a:solidFill>
+                <a:latin typeface="Courier New" pitchFamily="49" charset="0"/>
+                <a:cs typeface="Courier New" pitchFamily="49" charset="0"/>
+              </a:rPr>
+              <a:t>gsp:delete</a:t>
+            </a:r>
+            <a:r>
+              <a:rPr lang="en-GB" sz="1600" b="1" dirty="0" smtClean="0">
+                <a:solidFill>
+                  <a:schemeClr val="tx1">
+                    <a:lumMod val="60000"/>
+                    <a:lumOff val="40000"/>
+                  </a:schemeClr>
+                </a:solidFill>
+                <a:latin typeface="Courier New" pitchFamily="49" charset="0"/>
+                <a:cs typeface="Courier New" pitchFamily="49" charset="0"/>
+              </a:rPr>
+              <a:t>-named-graph(...)</a:t>
+            </a:r>
+            <a:br>
+              <a:rPr lang="en-GB" sz="1600" b="1" dirty="0" smtClean="0">
+                <a:solidFill>
+                  <a:schemeClr val="tx1">
+                    <a:lumMod val="60000"/>
+                    <a:lumOff val="40000"/>
+                  </a:schemeClr>
+                </a:solidFill>
+                <a:latin typeface="Courier New" pitchFamily="49" charset="0"/>
+                <a:cs typeface="Courier New" pitchFamily="49" charset="0"/>
+              </a:rPr>
+            </a:br>
+            <a:r>
+              <a:rPr lang="en-GB" sz="1600" b="1" dirty="0" err="1" smtClean="0">
+                <a:solidFill>
+                  <a:schemeClr val="tx1">
+                    <a:lumMod val="60000"/>
+                    <a:lumOff val="40000"/>
+                  </a:schemeClr>
+                </a:solidFill>
+                <a:latin typeface="Courier New" pitchFamily="49" charset="0"/>
+                <a:cs typeface="Courier New" pitchFamily="49" charset="0"/>
+              </a:rPr>
+              <a:t>gsp:data</a:t>
+            </a:r>
+            <a:r>
+              <a:rPr lang="en-GB" sz="1600" b="1" dirty="0" smtClean="0">
+                <a:solidFill>
+                  <a:schemeClr val="tx1">
+                    <a:lumMod val="60000"/>
+                    <a:lumOff val="40000"/>
+                  </a:schemeClr>
+                </a:solidFill>
+                <a:latin typeface="Courier New" pitchFamily="49" charset="0"/>
+                <a:cs typeface="Courier New" pitchFamily="49" charset="0"/>
+              </a:rPr>
+              <a:t>(...)</a:t>
+            </a:r>
+            <a:endParaRPr lang="en-US" sz="1600" b="1" noProof="0" dirty="0" smtClean="0">
+              <a:solidFill>
+                <a:schemeClr val="tx1">
+                  <a:lumMod val="60000"/>
+                  <a:lumOff val="40000"/>
+                </a:schemeClr>
+              </a:solidFill>
+              <a:latin typeface="Courier New" pitchFamily="49" charset="0"/>
+              <a:cs typeface="Courier New" pitchFamily="49" charset="0"/>
+            </a:endParaRPr>
+          </a:p>
+          <a:p>
+            <a:pPr marL="288925" lvl="1">
               <a:spcBef>
                 <a:spcPct val="0"/>
               </a:spcBef>
@@ -4338,17 +4876,19 @@
             <a:endParaRPr lang="it-IT" sz="2000" dirty="0" smtClean="0"/>
           </a:p>
           <a:p>
-            <a:pPr marL="288925" lvl="1" algn="ctr">
+            <a:pPr marL="1660525" lvl="4">
               <a:spcBef>
                 <a:spcPct val="0"/>
               </a:spcBef>
             </a:pPr>
-            <a:r>
-              <a:rPr lang="en-GB" sz="2000" dirty="0" smtClean="0">
-                <a:hlinkClick r:id="rId2"/>
-              </a:rPr>
-              <a:t>https://github.com/philipfennell/grasp</a:t>
-            </a:r>
+            <a:endParaRPr lang="it-IT" sz="2000" dirty="0" smtClean="0"/>
+          </a:p>
+          <a:p>
+            <a:pPr marL="1660525" lvl="4">
+              <a:spcBef>
+                <a:spcPct val="0"/>
+              </a:spcBef>
+            </a:pPr>
             <a:endParaRPr kumimoji="0" lang="en-GB" sz="2000" i="0" u="none" strike="noStrike" kern="1200" cap="none" spc="0" normalizeH="0" baseline="0" noProof="0" dirty="0">
               <a:ln>
                 <a:noFill/>
@@ -4403,56 +4943,9 @@
           <a:chExt cx="0" cy="0"/>
         </a:xfrm>
       </p:grpSpPr>
-      <p:pic>
-        <p:nvPicPr>
-          <p:cNvPr id="6" name="Picture 5" descr="connecting_wires-cropped.jpg"/>
-          <p:cNvPicPr>
-            <a:picLocks/>
-          </p:cNvPicPr>
-          <p:nvPr/>
-        </p:nvPicPr>
-        <p:blipFill>
-          <a:blip r:embed="rId2" cstate="print"/>
-          <a:stretch>
-            <a:fillRect/>
-          </a:stretch>
-        </p:blipFill>
-        <p:spPr>
-          <a:xfrm flipV="1">
-            <a:off x="0" y="0"/>
-            <a:ext cx="9144000" cy="6089904"/>
-          </a:xfrm>
-          <a:prstGeom prst="rect">
-            <a:avLst/>
-          </a:prstGeom>
-          <a:gradFill flip="none" rotWithShape="1">
-            <a:gsLst>
-              <a:gs pos="0">
-                <a:schemeClr val="bg1"/>
-              </a:gs>
-              <a:gs pos="50000">
-                <a:schemeClr val="accent1">
-                  <a:tint val="44500"/>
-                  <a:satMod val="160000"/>
-                  <a:alpha val="50000"/>
-                </a:schemeClr>
-              </a:gs>
-              <a:gs pos="100000">
-                <a:schemeClr val="accent1">
-                  <a:tint val="23500"/>
-                  <a:satMod val="160000"/>
-                  <a:alpha val="0"/>
-                </a:schemeClr>
-              </a:gs>
-            </a:gsLst>
-            <a:lin ang="0" scaled="0"/>
-            <a:tileRect/>
-          </a:gradFill>
-        </p:spPr>
-      </p:pic>
       <p:sp>
         <p:nvSpPr>
-          <p:cNvPr id="3" name="Title 10"/>
+          <p:cNvPr id="4" name="Title 1"/>
           <p:cNvSpPr txBox="1">
             <a:spLocks/>
           </p:cNvSpPr>
@@ -4460,145 +4953,42 @@
         </p:nvSpPr>
         <p:spPr>
           <a:xfrm>
-            <a:off x="0" y="4385938"/>
-            <a:ext cx="9144000" cy="1718300"/>
+            <a:off x="685800" y="1772816"/>
+            <a:ext cx="7772400" cy="1514599"/>
           </a:xfrm>
           <a:prstGeom prst="rect">
             <a:avLst/>
           </a:prstGeom>
-          <a:solidFill>
-            <a:schemeClr val="bg1">
-              <a:alpha val="84000"/>
-            </a:schemeClr>
-          </a:solidFill>
         </p:spPr>
         <p:txBody>
-          <a:bodyPr/>
+          <a:bodyPr anchor="ctr"/>
           <a:lstStyle/>
           <a:p>
-            <a:pPr lvl="3">
-              <a:tabLst>
-                <a:tab pos="1828800" algn="l"/>
-              </a:tabLst>
+            <a:pPr lvl="0" algn="ctr">
+              <a:spcBef>
+                <a:spcPct val="0"/>
+              </a:spcBef>
             </a:pPr>
-            <a:endParaRPr lang="en-US" sz="1000" dirty="0" smtClean="0"/>
-          </a:p>
-          <a:p>
-            <a:pPr lvl="3">
-              <a:tabLst>
-                <a:tab pos="1828800" algn="l"/>
-              </a:tabLst>
-            </a:pPr>
-            <a:r>
-              <a:rPr lang="en-US" sz="2700" dirty="0" err="1" smtClean="0"/>
-              <a:t>MarkLogic</a:t>
-            </a:r>
-            <a:r>
-              <a:rPr lang="en-US" sz="2700" dirty="0" smtClean="0"/>
-              <a:t> and the Linked Data Connection</a:t>
-            </a:r>
-          </a:p>
-          <a:p>
-            <a:pPr marL="1597025" lvl="3" indent="-225425">
-              <a:spcBef>
-                <a:spcPct val="20000"/>
-              </a:spcBef>
-              <a:buClr>
-                <a:schemeClr val="tx2"/>
-              </a:buClr>
-              <a:buSzPct val="100000"/>
-              <a:tabLst>
-                <a:tab pos="1828800" algn="l"/>
-              </a:tabLst>
-              <a:defRPr/>
-            </a:pPr>
-            <a:endParaRPr lang="en-US" sz="2000" dirty="0" smtClean="0">
+            <a:r>
+              <a:rPr lang="en-US" sz="3200" dirty="0" smtClean="0"/>
+              <a:t>Big Data is big news</a:t>
+            </a:r>
+            <a:endParaRPr kumimoji="0" lang="en-GB" sz="3200" i="0" u="none" strike="noStrike" kern="1200" cap="none" spc="0" normalizeH="0" baseline="0" noProof="0" dirty="0">
+              <a:ln>
+                <a:noFill/>
+              </a:ln>
+              <a:solidFill>
+                <a:schemeClr val="tx1">
+                  <a:lumMod val="50000"/>
+                </a:schemeClr>
+              </a:solidFill>
+              <a:effectLst/>
+              <a:uLnTx/>
+              <a:uFillTx/>
               <a:latin typeface="Tahoma" pitchFamily="34" charset="0"/>
               <a:ea typeface="Tahoma" pitchFamily="34" charset="0"/>
               <a:cs typeface="Tahoma" pitchFamily="34" charset="0"/>
             </a:endParaRPr>
-          </a:p>
-          <a:p>
-            <a:pPr marL="1597025" lvl="3" indent="-225425">
-              <a:spcBef>
-                <a:spcPct val="20000"/>
-              </a:spcBef>
-              <a:buClr>
-                <a:schemeClr val="tx2"/>
-              </a:buClr>
-              <a:buSzPct val="100000"/>
-              <a:tabLst>
-                <a:tab pos="1828800" algn="l"/>
-              </a:tabLst>
-              <a:defRPr/>
-            </a:pPr>
-            <a:r>
-              <a:rPr lang="en-US" sz="2000" dirty="0" smtClean="0">
-                <a:latin typeface="Tahoma" pitchFamily="34" charset="0"/>
-                <a:ea typeface="Tahoma" pitchFamily="34" charset="0"/>
-                <a:cs typeface="Tahoma" pitchFamily="34" charset="0"/>
-              </a:rPr>
-              <a:t>Philip Fennell, Consultant</a:t>
-            </a:r>
-          </a:p>
-          <a:p>
-            <a:pPr marL="1597025" lvl="3" indent="-225425">
-              <a:spcBef>
-                <a:spcPct val="20000"/>
-              </a:spcBef>
-              <a:buClr>
-                <a:schemeClr val="tx2"/>
-              </a:buClr>
-              <a:buSzPct val="100000"/>
-              <a:tabLst>
-                <a:tab pos="1828800" algn="l"/>
-              </a:tabLst>
-              <a:defRPr/>
-            </a:pPr>
-            <a:r>
-              <a:rPr lang="en-US" sz="2000" dirty="0" smtClean="0">
-                <a:latin typeface="Tahoma" pitchFamily="34" charset="0"/>
-                <a:ea typeface="Tahoma" pitchFamily="34" charset="0"/>
-                <a:cs typeface="Tahoma" pitchFamily="34" charset="0"/>
-              </a:rPr>
-              <a:t>22</a:t>
-            </a:r>
-            <a:r>
-              <a:rPr lang="en-US" sz="2000" baseline="30000" dirty="0" smtClean="0">
-                <a:latin typeface="Tahoma" pitchFamily="34" charset="0"/>
-                <a:ea typeface="Tahoma" pitchFamily="34" charset="0"/>
-                <a:cs typeface="Tahoma" pitchFamily="34" charset="0"/>
-              </a:rPr>
-              <a:t>nd</a:t>
-            </a:r>
-            <a:r>
-              <a:rPr lang="en-US" sz="2000" dirty="0" smtClean="0">
-                <a:latin typeface="Tahoma" pitchFamily="34" charset="0"/>
-                <a:ea typeface="Tahoma" pitchFamily="34" charset="0"/>
-                <a:cs typeface="Tahoma" pitchFamily="34" charset="0"/>
-              </a:rPr>
-              <a:t> May 2012</a:t>
-            </a:r>
-          </a:p>
-          <a:p>
-            <a:pPr marL="0" marR="0" lvl="0" indent="0" algn="l" defTabSz="914400" rtl="0" eaLnBrk="1" fontAlgn="auto" latinLnBrk="0" hangingPunct="1">
-              <a:lnSpc>
-                <a:spcPct val="100000"/>
-              </a:lnSpc>
-              <a:spcBef>
-                <a:spcPct val="0"/>
-              </a:spcBef>
-              <a:spcAft>
-                <a:spcPts val="0"/>
-              </a:spcAft>
-              <a:buClrTx/>
-              <a:buSzTx/>
-              <a:buFontTx/>
-              <a:buNone/>
-              <a:tabLst/>
-              <a:defRPr/>
-            </a:pPr>
-            <a:endParaRPr lang="en-US" sz="2700" dirty="0"/>
           </a:p>
         </p:txBody>
       </p:sp>
@@ -4647,8 +5037,8 @@
         </p:nvSpPr>
         <p:spPr>
           <a:xfrm>
-            <a:off x="685800" y="2037520"/>
-            <a:ext cx="7772400" cy="2029154"/>
+            <a:off x="685800" y="1772816"/>
+            <a:ext cx="7772400" cy="1514599"/>
           </a:xfrm>
           <a:prstGeom prst="rect">
             <a:avLst/>
@@ -4664,102 +5054,10 @@
               </a:spcBef>
             </a:pPr>
             <a:r>
-              <a:rPr lang="en-US" sz="3200" noProof="0" dirty="0" err="1" smtClean="0"/>
-              <a:t>XQuery</a:t>
-            </a:r>
-            <a:r>
               <a:rPr lang="en-US" sz="3200" noProof="0" dirty="0" smtClean="0"/>
-              <a:t> Client Libraries</a:t>
-            </a:r>
-          </a:p>
-          <a:p>
-            <a:pPr marL="288925" lvl="1">
-              <a:spcBef>
-                <a:spcPct val="0"/>
-              </a:spcBef>
-            </a:pPr>
-            <a:endParaRPr lang="it-IT" sz="2000" dirty="0" smtClean="0"/>
-          </a:p>
-          <a:p>
-            <a:pPr marL="1660525" lvl="4">
-              <a:spcBef>
-                <a:spcPct val="0"/>
-              </a:spcBef>
-            </a:pPr>
-            <a:r>
-              <a:rPr lang="it-IT" sz="2000" b="1" dirty="0" smtClean="0">
-                <a:solidFill>
-                  <a:srgbClr val="C00000"/>
-                </a:solidFill>
-                <a:latin typeface="Courier New" pitchFamily="49" charset="0"/>
-                <a:cs typeface="Courier New" pitchFamily="49" charset="0"/>
-              </a:rPr>
-              <a:t>lib-gsp.xqy</a:t>
-            </a:r>
-            <a:r>
-              <a:rPr lang="it-IT" sz="2000" dirty="0" smtClean="0">
-                <a:solidFill>
-                  <a:srgbClr val="C00000"/>
-                </a:solidFill>
-              </a:rPr>
-              <a:t> </a:t>
-            </a:r>
-            <a:r>
-              <a:rPr lang="it-IT" sz="2000" dirty="0" smtClean="0"/>
-              <a:t>- Graph Store HTTP Protocol</a:t>
-            </a:r>
-          </a:p>
-          <a:p>
-            <a:pPr marL="1660525" lvl="4">
-              <a:spcBef>
-                <a:spcPct val="0"/>
-              </a:spcBef>
-            </a:pPr>
-            <a:r>
-              <a:rPr lang="it-IT" sz="2000" dirty="0" smtClean="0">
-                <a:solidFill>
-                  <a:srgbClr val="C00000"/>
-                </a:solidFill>
-              </a:rPr>
-              <a:t/>
-            </a:r>
-            <a:br>
-              <a:rPr lang="it-IT" sz="2000" dirty="0" smtClean="0">
-                <a:solidFill>
-                  <a:srgbClr val="C00000"/>
-                </a:solidFill>
-              </a:rPr>
-            </a:br>
-            <a:r>
-              <a:rPr lang="it-IT" sz="2000" b="1" dirty="0" smtClean="0">
-                <a:solidFill>
-                  <a:srgbClr val="C00000"/>
-                </a:solidFill>
-                <a:latin typeface="Courier New" pitchFamily="49" charset="0"/>
-                <a:cs typeface="Courier New" pitchFamily="49" charset="0"/>
-              </a:rPr>
-              <a:t>lib-spq.xqy</a:t>
-            </a:r>
-            <a:r>
-              <a:rPr lang="it-IT" sz="2000" dirty="0" smtClean="0">
-                <a:solidFill>
-                  <a:srgbClr val="C00000"/>
-                </a:solidFill>
-              </a:rPr>
-              <a:t> </a:t>
-            </a:r>
-            <a:r>
-              <a:rPr lang="it-IT" sz="2000" dirty="0" smtClean="0"/>
-              <a:t>- SPARQL Protocol</a:t>
-            </a:r>
-          </a:p>
-          <a:p>
-            <a:pPr marL="1660525" lvl="4">
-              <a:spcBef>
-                <a:spcPct val="0"/>
-              </a:spcBef>
-            </a:pPr>
-            <a:endParaRPr kumimoji="0" lang="en-GB" sz="2000" i="0" u="none" strike="noStrike" kern="1200" cap="none" spc="0" normalizeH="0" baseline="0" noProof="0" dirty="0">
+              <a:t>Why so many functions?</a:t>
+            </a:r>
+            <a:endParaRPr kumimoji="0" lang="en-GB" sz="3200" i="0" u="none" strike="noStrike" kern="1200" cap="none" spc="0" normalizeH="0" baseline="0" noProof="0" dirty="0">
               <a:ln>
                 <a:noFill/>
               </a:ln>
@@ -4813,6 +5111,32 @@
           <a:chExt cx="0" cy="0"/>
         </a:xfrm>
       </p:grpSpPr>
+      <p:pic>
+        <p:nvPicPr>
+          <p:cNvPr id="8194" name="Picture 2" descr="http://yourpaluct.files.wordpress.com/2012/02/argument.jpg"/>
+          <p:cNvPicPr>
+            <a:picLocks noChangeAspect="1" noChangeArrowheads="1"/>
+          </p:cNvPicPr>
+          <p:nvPr/>
+        </p:nvPicPr>
+        <p:blipFill>
+          <a:blip r:embed="rId2" cstate="print"/>
+          <a:srcRect/>
+          <a:stretch>
+            <a:fillRect/>
+          </a:stretch>
+        </p:blipFill>
+        <p:spPr bwMode="auto">
+          <a:xfrm>
+            <a:off x="2530196" y="2685957"/>
+            <a:ext cx="3810000" cy="3038476"/>
+          </a:xfrm>
+          <a:prstGeom prst="rect">
+            <a:avLst/>
+          </a:prstGeom>
+          <a:noFill/>
+        </p:spPr>
+      </p:pic>
       <p:sp>
         <p:nvSpPr>
           <p:cNvPr id="4" name="Title 1"/>
@@ -4823,8 +5147,8 @@
         </p:nvSpPr>
         <p:spPr>
           <a:xfrm>
-            <a:off x="685800" y="2009316"/>
-            <a:ext cx="7772400" cy="4596064"/>
+            <a:off x="685800" y="1772816"/>
+            <a:ext cx="7772400" cy="1514599"/>
           </a:xfrm>
           <a:prstGeom prst="rect">
             <a:avLst/>
@@ -4840,294 +5164,25 @@
               </a:spcBef>
             </a:pPr>
             <a:r>
-              <a:rPr lang="en-US" sz="3200" noProof="0" dirty="0" smtClean="0"/>
-              <a:t>Convenience Functions</a:t>
-            </a:r>
-          </a:p>
-          <a:p>
-            <a:pPr lvl="0" algn="ctr">
-              <a:spcBef>
-                <a:spcPct val="0"/>
-              </a:spcBef>
-            </a:pPr>
-            <a:endParaRPr lang="en-US" sz="3200" noProof="0" dirty="0" smtClean="0"/>
-          </a:p>
-          <a:p>
-            <a:pPr lvl="4">
-              <a:spcBef>
-                <a:spcPct val="0"/>
-              </a:spcBef>
-            </a:pPr>
-            <a:r>
-              <a:rPr lang="en-GB" sz="1600" b="1" dirty="0" err="1" smtClean="0">
-                <a:latin typeface="Courier New" pitchFamily="49" charset="0"/>
-                <a:cs typeface="Courier New" pitchFamily="49" charset="0"/>
-              </a:rPr>
-              <a:t>gsp:add</a:t>
-            </a:r>
-            <a:r>
-              <a:rPr lang="en-GB" sz="1600" b="1" dirty="0" smtClean="0">
-                <a:latin typeface="Courier New" pitchFamily="49" charset="0"/>
-                <a:cs typeface="Courier New" pitchFamily="49" charset="0"/>
-              </a:rPr>
-              <a:t>-default-graph(...)</a:t>
-            </a:r>
-            <a:br>
-              <a:rPr lang="en-GB" sz="1600" b="1" dirty="0" smtClean="0">
-                <a:latin typeface="Courier New" pitchFamily="49" charset="0"/>
-                <a:cs typeface="Courier New" pitchFamily="49" charset="0"/>
-              </a:rPr>
-            </a:br>
-            <a:r>
-              <a:rPr lang="en-GB" sz="1600" b="1" dirty="0" err="1" smtClean="0">
-                <a:latin typeface="Courier New" pitchFamily="49" charset="0"/>
-                <a:cs typeface="Courier New" pitchFamily="49" charset="0"/>
-              </a:rPr>
-              <a:t>gsp:add</a:t>
-            </a:r>
-            <a:r>
-              <a:rPr lang="en-GB" sz="1600" b="1" dirty="0" smtClean="0">
-                <a:latin typeface="Courier New" pitchFamily="49" charset="0"/>
-                <a:cs typeface="Courier New" pitchFamily="49" charset="0"/>
-              </a:rPr>
-              <a:t>-named-graph(...)</a:t>
-            </a:r>
-            <a:br>
-              <a:rPr lang="en-GB" sz="1600" b="1" dirty="0" smtClean="0">
-                <a:latin typeface="Courier New" pitchFamily="49" charset="0"/>
-                <a:cs typeface="Courier New" pitchFamily="49" charset="0"/>
-              </a:rPr>
-            </a:br>
-            <a:r>
-              <a:rPr lang="en-GB" sz="1600" b="1" dirty="0" err="1" smtClean="0">
-                <a:latin typeface="Courier New" pitchFamily="49" charset="0"/>
-                <a:cs typeface="Courier New" pitchFamily="49" charset="0"/>
-              </a:rPr>
-              <a:t>gsp:retrieve</a:t>
-            </a:r>
-            <a:r>
-              <a:rPr lang="en-GB" sz="1600" b="1" dirty="0" smtClean="0">
-                <a:latin typeface="Courier New" pitchFamily="49" charset="0"/>
-                <a:cs typeface="Courier New" pitchFamily="49" charset="0"/>
-              </a:rPr>
-              <a:t>-default-graph-</a:t>
-            </a:r>
-            <a:r>
-              <a:rPr lang="en-GB" sz="1600" b="1" dirty="0" err="1" smtClean="0">
-                <a:latin typeface="Courier New" pitchFamily="49" charset="0"/>
-                <a:cs typeface="Courier New" pitchFamily="49" charset="0"/>
-              </a:rPr>
-              <a:t>metainfo</a:t>
-            </a:r>
-            <a:r>
-              <a:rPr lang="en-GB" sz="1600" b="1" dirty="0" smtClean="0">
-                <a:latin typeface="Courier New" pitchFamily="49" charset="0"/>
-                <a:cs typeface="Courier New" pitchFamily="49" charset="0"/>
-              </a:rPr>
-              <a:t>(...)</a:t>
-            </a:r>
-            <a:br>
-              <a:rPr lang="en-GB" sz="1600" b="1" dirty="0" smtClean="0">
-                <a:latin typeface="Courier New" pitchFamily="49" charset="0"/>
-                <a:cs typeface="Courier New" pitchFamily="49" charset="0"/>
-              </a:rPr>
-            </a:br>
-            <a:r>
-              <a:rPr lang="en-GB" sz="1600" b="1" dirty="0" err="1" smtClean="0">
-                <a:latin typeface="Courier New" pitchFamily="49" charset="0"/>
-                <a:cs typeface="Courier New" pitchFamily="49" charset="0"/>
-              </a:rPr>
-              <a:t>gsp:retrieve</a:t>
-            </a:r>
-            <a:r>
-              <a:rPr lang="en-GB" sz="1600" b="1" dirty="0" smtClean="0">
-                <a:latin typeface="Courier New" pitchFamily="49" charset="0"/>
-                <a:cs typeface="Courier New" pitchFamily="49" charset="0"/>
-              </a:rPr>
-              <a:t>-named-graph-</a:t>
-            </a:r>
-            <a:r>
-              <a:rPr lang="en-GB" sz="1600" b="1" dirty="0" err="1" smtClean="0">
-                <a:latin typeface="Courier New" pitchFamily="49" charset="0"/>
-                <a:cs typeface="Courier New" pitchFamily="49" charset="0"/>
-              </a:rPr>
-              <a:t>metainfo</a:t>
-            </a:r>
-            <a:r>
-              <a:rPr lang="en-GB" sz="1600" b="1" dirty="0" smtClean="0">
-                <a:latin typeface="Courier New" pitchFamily="49" charset="0"/>
-                <a:cs typeface="Courier New" pitchFamily="49" charset="0"/>
-              </a:rPr>
-              <a:t>(...)</a:t>
-            </a:r>
-            <a:br>
-              <a:rPr lang="en-GB" sz="1600" b="1" dirty="0" smtClean="0">
-                <a:latin typeface="Courier New" pitchFamily="49" charset="0"/>
-                <a:cs typeface="Courier New" pitchFamily="49" charset="0"/>
-              </a:rPr>
-            </a:br>
-            <a:r>
-              <a:rPr lang="en-GB" sz="1600" b="1" dirty="0" err="1" smtClean="0">
-                <a:latin typeface="Courier New" pitchFamily="49" charset="0"/>
-                <a:cs typeface="Courier New" pitchFamily="49" charset="0"/>
-              </a:rPr>
-              <a:t>gsp:retrieve</a:t>
-            </a:r>
-            <a:r>
-              <a:rPr lang="en-GB" sz="1600" b="1" dirty="0" smtClean="0">
-                <a:latin typeface="Courier New" pitchFamily="49" charset="0"/>
-                <a:cs typeface="Courier New" pitchFamily="49" charset="0"/>
-              </a:rPr>
-              <a:t>-default-graph(...)</a:t>
-            </a:r>
-            <a:br>
-              <a:rPr lang="en-GB" sz="1600" b="1" dirty="0" smtClean="0">
-                <a:latin typeface="Courier New" pitchFamily="49" charset="0"/>
-                <a:cs typeface="Courier New" pitchFamily="49" charset="0"/>
-              </a:rPr>
-            </a:br>
-            <a:r>
-              <a:rPr lang="en-GB" sz="1600" b="1" dirty="0" err="1" smtClean="0">
-                <a:latin typeface="Courier New" pitchFamily="49" charset="0"/>
-                <a:cs typeface="Courier New" pitchFamily="49" charset="0"/>
-              </a:rPr>
-              <a:t>gsp:retrieve</a:t>
-            </a:r>
-            <a:r>
-              <a:rPr lang="en-GB" sz="1600" b="1" dirty="0" smtClean="0">
-                <a:latin typeface="Courier New" pitchFamily="49" charset="0"/>
-                <a:cs typeface="Courier New" pitchFamily="49" charset="0"/>
-              </a:rPr>
-              <a:t>-named-graph(...)</a:t>
-            </a:r>
-            <a:br>
-              <a:rPr lang="en-GB" sz="1600" b="1" dirty="0" smtClean="0">
-                <a:latin typeface="Courier New" pitchFamily="49" charset="0"/>
-                <a:cs typeface="Courier New" pitchFamily="49" charset="0"/>
-              </a:rPr>
-            </a:br>
-            <a:r>
-              <a:rPr lang="en-GB" sz="1600" b="1" dirty="0" err="1" smtClean="0">
-                <a:latin typeface="Courier New" pitchFamily="49" charset="0"/>
-                <a:cs typeface="Courier New" pitchFamily="49" charset="0"/>
-              </a:rPr>
-              <a:t>gsp:merge</a:t>
-            </a:r>
-            <a:r>
-              <a:rPr lang="en-GB" sz="1600" b="1" dirty="0" smtClean="0">
-                <a:latin typeface="Courier New" pitchFamily="49" charset="0"/>
-                <a:cs typeface="Courier New" pitchFamily="49" charset="0"/>
-              </a:rPr>
-              <a:t>-default-graph(...)</a:t>
-            </a:r>
-            <a:br>
-              <a:rPr lang="en-GB" sz="1600" b="1" dirty="0" smtClean="0">
-                <a:latin typeface="Courier New" pitchFamily="49" charset="0"/>
-                <a:cs typeface="Courier New" pitchFamily="49" charset="0"/>
-              </a:rPr>
-            </a:br>
-            <a:r>
-              <a:rPr lang="en-GB" sz="1600" b="1" dirty="0" err="1" smtClean="0">
-                <a:latin typeface="Courier New" pitchFamily="49" charset="0"/>
-                <a:cs typeface="Courier New" pitchFamily="49" charset="0"/>
-              </a:rPr>
-              <a:t>gsp:merge</a:t>
-            </a:r>
-            <a:r>
-              <a:rPr lang="en-GB" sz="1600" b="1" dirty="0" smtClean="0">
-                <a:latin typeface="Courier New" pitchFamily="49" charset="0"/>
-                <a:cs typeface="Courier New" pitchFamily="49" charset="0"/>
-              </a:rPr>
-              <a:t>-named-graph(...)</a:t>
-            </a:r>
-            <a:br>
-              <a:rPr lang="en-GB" sz="1600" b="1" dirty="0" smtClean="0">
-                <a:latin typeface="Courier New" pitchFamily="49" charset="0"/>
-                <a:cs typeface="Courier New" pitchFamily="49" charset="0"/>
-              </a:rPr>
-            </a:br>
-            <a:r>
-              <a:rPr lang="en-GB" sz="1600" b="1" dirty="0" err="1" smtClean="0">
-                <a:latin typeface="Courier New" pitchFamily="49" charset="0"/>
-                <a:cs typeface="Courier New" pitchFamily="49" charset="0"/>
-              </a:rPr>
-              <a:t>gsp:delete</a:t>
-            </a:r>
-            <a:r>
-              <a:rPr lang="en-GB" sz="1600" b="1" dirty="0" smtClean="0">
-                <a:latin typeface="Courier New" pitchFamily="49" charset="0"/>
-                <a:cs typeface="Courier New" pitchFamily="49" charset="0"/>
-              </a:rPr>
-              <a:t>-default-graph(...)</a:t>
-            </a:r>
-            <a:br>
-              <a:rPr lang="en-GB" sz="1600" b="1" dirty="0" smtClean="0">
-                <a:latin typeface="Courier New" pitchFamily="49" charset="0"/>
-                <a:cs typeface="Courier New" pitchFamily="49" charset="0"/>
-              </a:rPr>
-            </a:br>
-            <a:r>
-              <a:rPr lang="en-GB" sz="1600" b="1" dirty="0" err="1" smtClean="0">
-                <a:latin typeface="Courier New" pitchFamily="49" charset="0"/>
-                <a:cs typeface="Courier New" pitchFamily="49" charset="0"/>
-              </a:rPr>
-              <a:t>gsp:delete</a:t>
-            </a:r>
-            <a:r>
-              <a:rPr lang="en-GB" sz="1600" b="1" dirty="0" smtClean="0">
-                <a:latin typeface="Courier New" pitchFamily="49" charset="0"/>
-                <a:cs typeface="Courier New" pitchFamily="49" charset="0"/>
-              </a:rPr>
-              <a:t>-named-graph(...)</a:t>
-            </a:r>
-            <a:br>
-              <a:rPr lang="en-GB" sz="1600" b="1" dirty="0" smtClean="0">
-                <a:latin typeface="Courier New" pitchFamily="49" charset="0"/>
-                <a:cs typeface="Courier New" pitchFamily="49" charset="0"/>
-              </a:rPr>
-            </a:br>
-            <a:r>
-              <a:rPr lang="en-GB" sz="1600" b="1" dirty="0" err="1" smtClean="0">
-                <a:latin typeface="Courier New" pitchFamily="49" charset="0"/>
-                <a:cs typeface="Courier New" pitchFamily="49" charset="0"/>
-              </a:rPr>
-              <a:t>gsp:data</a:t>
-            </a:r>
-            <a:r>
-              <a:rPr lang="en-GB" sz="1600" b="1" dirty="0" smtClean="0">
-                <a:latin typeface="Courier New" pitchFamily="49" charset="0"/>
-                <a:cs typeface="Courier New" pitchFamily="49" charset="0"/>
-              </a:rPr>
-              <a:t>(...)</a:t>
-            </a:r>
-            <a:endParaRPr lang="en-US" sz="1600" b="1" noProof="0" dirty="0" smtClean="0">
-              <a:latin typeface="Courier New" pitchFamily="49" charset="0"/>
-              <a:cs typeface="Courier New" pitchFamily="49" charset="0"/>
-            </a:endParaRPr>
-          </a:p>
-          <a:p>
-            <a:pPr marL="288925" lvl="1">
-              <a:spcBef>
-                <a:spcPct val="0"/>
-              </a:spcBef>
-            </a:pPr>
-            <a:endParaRPr lang="it-IT" sz="2000" dirty="0" smtClean="0"/>
-          </a:p>
-          <a:p>
-            <a:pPr marL="1660525" lvl="4">
-              <a:spcBef>
-                <a:spcPct val="0"/>
-              </a:spcBef>
-            </a:pPr>
-            <a:endParaRPr lang="it-IT" sz="2000" dirty="0" smtClean="0"/>
-          </a:p>
-          <a:p>
-            <a:pPr marL="1660525" lvl="4">
-              <a:spcBef>
-                <a:spcPct val="0"/>
-              </a:spcBef>
-            </a:pPr>
-            <a:endParaRPr kumimoji="0" lang="en-GB" sz="2000" i="0" u="none" strike="noStrike" kern="1200" cap="none" spc="0" normalizeH="0" baseline="0" noProof="0" dirty="0">
+              <a:rPr kumimoji="0" lang="en-US" sz="3200" i="0" u="none" strike="noStrike" kern="1200" cap="none" spc="0" normalizeH="0" baseline="0" noProof="0" dirty="0" smtClean="0">
+                <a:ln>
+                  <a:noFill/>
+                </a:ln>
+                <a:solidFill>
+                  <a:schemeClr val="tx1">
+                    <a:lumMod val="50000"/>
+                  </a:schemeClr>
+                </a:solidFill>
+                <a:effectLst/>
+                <a:uLnTx/>
+                <a:uFillTx/>
+                <a:latin typeface="Tahoma" pitchFamily="34" charset="0"/>
+                <a:ea typeface="Tahoma" pitchFamily="34" charset="0"/>
+                <a:cs typeface="Tahoma" pitchFamily="34" charset="0"/>
+              </a:rPr>
+              <a:t>I don’t like too many arguments!</a:t>
+            </a:r>
+            <a:endParaRPr kumimoji="0" lang="en-GB" sz="3200" i="0" u="none" strike="noStrike" kern="1200" cap="none" spc="0" normalizeH="0" baseline="0" noProof="0" dirty="0">
               <a:ln>
                 <a:noFill/>
               </a:ln>
@@ -5191,8 +5246,8 @@
         </p:nvSpPr>
         <p:spPr>
           <a:xfrm>
-            <a:off x="685800" y="1772816"/>
-            <a:ext cx="7772400" cy="1514599"/>
+            <a:off x="685800" y="1987967"/>
+            <a:ext cx="7772400" cy="3525325"/>
           </a:xfrm>
           <a:prstGeom prst="rect">
             <a:avLst/>
@@ -5208,24 +5263,476 @@
               </a:spcBef>
             </a:pPr>
             <a:r>
-              <a:rPr lang="en-US" sz="3200" noProof="0" dirty="0" smtClean="0"/>
-              <a:t>Why so many functions?</a:t>
-            </a:r>
-            <a:endParaRPr kumimoji="0" lang="en-GB" sz="3200" i="0" u="none" strike="noStrike" kern="1200" cap="none" spc="0" normalizeH="0" baseline="0" noProof="0" dirty="0">
+              <a:rPr kumimoji="0" lang="en-US" sz="3200" i="0" u="none" strike="noStrike" kern="1200" cap="none" spc="0" normalizeH="0" baseline="0" noProof="0" dirty="0" smtClean="0">
+                <a:ln>
+                  <a:noFill/>
+                </a:ln>
+                <a:solidFill>
+                  <a:schemeClr val="tx1">
+                    <a:lumMod val="50000"/>
+                  </a:schemeClr>
+                </a:solidFill>
+                <a:effectLst/>
+                <a:uLnTx/>
+                <a:uFillTx/>
+                <a:latin typeface="Tahoma" pitchFamily="34" charset="0"/>
+                <a:ea typeface="Tahoma" pitchFamily="34" charset="0"/>
+                <a:cs typeface="Tahoma" pitchFamily="34" charset="0"/>
+              </a:rPr>
+              <a:t>I don’t like </a:t>
+            </a:r>
+            <a:r>
+              <a:rPr kumimoji="0" lang="en-US" sz="3200" i="0" u="none" strike="noStrike" kern="1200" cap="none" spc="0" normalizeH="0" baseline="0" noProof="0" dirty="0" smtClean="0">
+                <a:ln>
+                  <a:noFill/>
+                </a:ln>
+                <a:solidFill>
+                  <a:schemeClr val="tx1">
+                    <a:lumMod val="50000"/>
+                  </a:schemeClr>
+                </a:solidFill>
+                <a:effectLst/>
+                <a:uLnTx/>
+                <a:uFillTx/>
+                <a:latin typeface="Tahoma" pitchFamily="34" charset="0"/>
+                <a:ea typeface="Tahoma" pitchFamily="34" charset="0"/>
+                <a:cs typeface="Tahoma" pitchFamily="34" charset="0"/>
+              </a:rPr>
+              <a:t>optional arguments!</a:t>
+            </a:r>
+          </a:p>
+          <a:p>
+            <a:pPr lvl="1">
+              <a:spcBef>
+                <a:spcPct val="0"/>
+              </a:spcBef>
+            </a:pPr>
+            <a:endParaRPr lang="en-GB" sz="2000" b="1" dirty="0" smtClean="0">
+              <a:solidFill>
+                <a:schemeClr val="tx1">
+                  <a:lumMod val="60000"/>
+                  <a:lumOff val="40000"/>
+                </a:schemeClr>
+              </a:solidFill>
+              <a:latin typeface="Courier New" pitchFamily="49" charset="0"/>
+              <a:cs typeface="Courier New" pitchFamily="49" charset="0"/>
+            </a:endParaRPr>
+          </a:p>
+          <a:p>
+            <a:pPr lvl="1">
+              <a:spcBef>
+                <a:spcPct val="0"/>
+              </a:spcBef>
+            </a:pPr>
+            <a:r>
+              <a:rPr lang="en-GB" sz="2000" b="1" dirty="0" err="1" smtClean="0">
+                <a:solidFill>
+                  <a:schemeClr val="tx1">
+                    <a:lumMod val="60000"/>
+                    <a:lumOff val="40000"/>
+                  </a:schemeClr>
+                </a:solidFill>
+                <a:latin typeface="Courier New" pitchFamily="49" charset="0"/>
+                <a:cs typeface="Courier New" pitchFamily="49" charset="0"/>
+              </a:rPr>
+              <a:t>xdmp:document</a:t>
+            </a:r>
+            <a:r>
+              <a:rPr lang="en-GB" sz="2000" b="1" dirty="0" smtClean="0">
+                <a:solidFill>
+                  <a:schemeClr val="tx1">
+                    <a:lumMod val="60000"/>
+                    <a:lumOff val="40000"/>
+                  </a:schemeClr>
+                </a:solidFill>
+                <a:latin typeface="Courier New" pitchFamily="49" charset="0"/>
+                <a:cs typeface="Courier New" pitchFamily="49" charset="0"/>
+              </a:rPr>
+              <a:t>-insert(</a:t>
+            </a:r>
+          </a:p>
+          <a:p>
+            <a:pPr lvl="2">
+              <a:spcBef>
+                <a:spcPct val="0"/>
+              </a:spcBef>
+            </a:pPr>
+            <a:r>
+              <a:rPr lang="en-GB" sz="2000" b="1" dirty="0" smtClean="0">
+                <a:solidFill>
+                  <a:schemeClr val="tx1">
+                    <a:lumMod val="60000"/>
+                    <a:lumOff val="40000"/>
+                  </a:schemeClr>
+                </a:solidFill>
+                <a:latin typeface="Courier New" pitchFamily="49" charset="0"/>
+                <a:cs typeface="Courier New" pitchFamily="49" charset="0"/>
+              </a:rPr>
+              <a:t>$</a:t>
+            </a:r>
+            <a:r>
+              <a:rPr lang="en-GB" sz="2000" b="1" dirty="0" err="1" smtClean="0">
+                <a:solidFill>
+                  <a:schemeClr val="tx1">
+                    <a:lumMod val="60000"/>
+                    <a:lumOff val="40000"/>
+                  </a:schemeClr>
+                </a:solidFill>
+                <a:latin typeface="Courier New" pitchFamily="49" charset="0"/>
+                <a:cs typeface="Courier New" pitchFamily="49" charset="0"/>
+              </a:rPr>
+              <a:t>uri</a:t>
+            </a:r>
+            <a:r>
+              <a:rPr lang="en-GB" sz="2000" b="1" dirty="0" smtClean="0">
+                <a:solidFill>
+                  <a:schemeClr val="tx1">
+                    <a:lumMod val="60000"/>
+                    <a:lumOff val="40000"/>
+                  </a:schemeClr>
+                </a:solidFill>
+                <a:latin typeface="Courier New" pitchFamily="49" charset="0"/>
+                <a:cs typeface="Courier New" pitchFamily="49" charset="0"/>
+              </a:rPr>
+              <a:t> as </a:t>
+            </a:r>
+            <a:r>
+              <a:rPr lang="en-GB" sz="2000" b="1" dirty="0" err="1" smtClean="0">
+                <a:solidFill>
+                  <a:schemeClr val="tx1">
+                    <a:lumMod val="60000"/>
+                    <a:lumOff val="40000"/>
+                  </a:schemeClr>
+                </a:solidFill>
+                <a:latin typeface="Courier New" pitchFamily="49" charset="0"/>
+                <a:cs typeface="Courier New" pitchFamily="49" charset="0"/>
+              </a:rPr>
+              <a:t>xs:string,$root</a:t>
+            </a:r>
+            <a:r>
+              <a:rPr lang="en-GB" sz="2000" b="1" dirty="0" smtClean="0">
+                <a:solidFill>
+                  <a:schemeClr val="tx1">
+                    <a:lumMod val="60000"/>
+                    <a:lumOff val="40000"/>
+                  </a:schemeClr>
+                </a:solidFill>
+                <a:latin typeface="Courier New" pitchFamily="49" charset="0"/>
+                <a:cs typeface="Courier New" pitchFamily="49" charset="0"/>
+              </a:rPr>
+              <a:t> as node</a:t>
+            </a:r>
+            <a:r>
+              <a:rPr lang="en-GB" sz="2000" b="1" dirty="0" smtClean="0">
+                <a:solidFill>
+                  <a:schemeClr val="tx1">
+                    <a:lumMod val="60000"/>
+                    <a:lumOff val="40000"/>
+                  </a:schemeClr>
+                </a:solidFill>
+                <a:latin typeface="Courier New" pitchFamily="49" charset="0"/>
+                <a:cs typeface="Courier New" pitchFamily="49" charset="0"/>
+              </a:rPr>
+              <a:t>(),</a:t>
+            </a:r>
+          </a:p>
+          <a:p>
+            <a:pPr lvl="2">
+              <a:spcBef>
+                <a:spcPct val="0"/>
+              </a:spcBef>
+            </a:pPr>
+            <a:r>
+              <a:rPr lang="en-GB" sz="2000" b="1" dirty="0" smtClean="0">
+                <a:solidFill>
+                  <a:schemeClr val="tx1">
+                    <a:lumMod val="60000"/>
+                    <a:lumOff val="40000"/>
+                  </a:schemeClr>
+                </a:solidFill>
+                <a:latin typeface="Courier New" pitchFamily="49" charset="0"/>
+                <a:cs typeface="Courier New" pitchFamily="49" charset="0"/>
+              </a:rPr>
+              <a:t>[$</a:t>
+            </a:r>
+            <a:r>
+              <a:rPr lang="en-GB" sz="2000" b="1" dirty="0" smtClean="0">
+                <a:solidFill>
+                  <a:schemeClr val="tx1">
+                    <a:lumMod val="60000"/>
+                    <a:lumOff val="40000"/>
+                  </a:schemeClr>
+                </a:solidFill>
+                <a:latin typeface="Courier New" pitchFamily="49" charset="0"/>
+                <a:cs typeface="Courier New" pitchFamily="49" charset="0"/>
+              </a:rPr>
+              <a:t>permissions as </a:t>
+            </a:r>
+            <a:r>
+              <a:rPr lang="en-GB" sz="2000" b="1" dirty="0" smtClean="0">
+                <a:solidFill>
+                  <a:schemeClr val="tx1">
+                    <a:lumMod val="60000"/>
+                    <a:lumOff val="40000"/>
+                  </a:schemeClr>
+                </a:solidFill>
+                <a:latin typeface="Courier New" pitchFamily="49" charset="0"/>
+                <a:cs typeface="Courier New" pitchFamily="49" charset="0"/>
+              </a:rPr>
+              <a:t>element(</a:t>
+            </a:r>
+            <a:r>
+              <a:rPr lang="en-GB" sz="2000" b="1" dirty="0" err="1" smtClean="0">
+                <a:solidFill>
+                  <a:schemeClr val="tx1">
+                    <a:lumMod val="60000"/>
+                    <a:lumOff val="40000"/>
+                  </a:schemeClr>
+                </a:solidFill>
+                <a:latin typeface="Courier New" pitchFamily="49" charset="0"/>
+                <a:cs typeface="Courier New" pitchFamily="49" charset="0"/>
+              </a:rPr>
+              <a:t>sec:permission</a:t>
+            </a:r>
+            <a:r>
+              <a:rPr lang="en-GB" sz="2000" b="1" dirty="0" smtClean="0">
+                <a:solidFill>
+                  <a:schemeClr val="tx1">
+                    <a:lumMod val="60000"/>
+                    <a:lumOff val="40000"/>
+                  </a:schemeClr>
+                </a:solidFill>
+                <a:latin typeface="Courier New" pitchFamily="49" charset="0"/>
+                <a:cs typeface="Courier New" pitchFamily="49" charset="0"/>
+              </a:rPr>
+              <a:t>)*],</a:t>
+            </a:r>
+          </a:p>
+          <a:p>
+            <a:pPr lvl="2">
+              <a:spcBef>
+                <a:spcPct val="0"/>
+              </a:spcBef>
+            </a:pPr>
+            <a:r>
+              <a:rPr lang="en-GB" sz="2000" b="1" dirty="0" smtClean="0">
+                <a:solidFill>
+                  <a:schemeClr val="tx1">
+                    <a:lumMod val="60000"/>
+                    <a:lumOff val="40000"/>
+                  </a:schemeClr>
+                </a:solidFill>
+                <a:latin typeface="Courier New" pitchFamily="49" charset="0"/>
+                <a:cs typeface="Courier New" pitchFamily="49" charset="0"/>
+              </a:rPr>
+              <a:t>[$</a:t>
+            </a:r>
+            <a:r>
+              <a:rPr lang="en-GB" sz="2000" b="1" dirty="0" smtClean="0">
+                <a:solidFill>
+                  <a:schemeClr val="tx1">
+                    <a:lumMod val="60000"/>
+                    <a:lumOff val="40000"/>
+                  </a:schemeClr>
+                </a:solidFill>
+                <a:latin typeface="Courier New" pitchFamily="49" charset="0"/>
+                <a:cs typeface="Courier New" pitchFamily="49" charset="0"/>
+              </a:rPr>
+              <a:t>collections as </a:t>
+            </a:r>
+            <a:r>
+              <a:rPr lang="en-GB" sz="2000" b="1" dirty="0" err="1" smtClean="0">
+                <a:solidFill>
+                  <a:schemeClr val="tx1">
+                    <a:lumMod val="60000"/>
+                    <a:lumOff val="40000"/>
+                  </a:schemeClr>
+                </a:solidFill>
+                <a:latin typeface="Courier New" pitchFamily="49" charset="0"/>
+                <a:cs typeface="Courier New" pitchFamily="49" charset="0"/>
+              </a:rPr>
+              <a:t>xs:string</a:t>
+            </a:r>
+            <a:r>
+              <a:rPr lang="en-GB" sz="2000" b="1" dirty="0" smtClean="0">
+                <a:solidFill>
+                  <a:schemeClr val="tx1">
+                    <a:lumMod val="60000"/>
+                    <a:lumOff val="40000"/>
+                  </a:schemeClr>
+                </a:solidFill>
+                <a:latin typeface="Courier New" pitchFamily="49" charset="0"/>
+                <a:cs typeface="Courier New" pitchFamily="49" charset="0"/>
+              </a:rPr>
+              <a:t>*],</a:t>
+            </a:r>
+          </a:p>
+          <a:p>
+            <a:pPr lvl="2">
+              <a:spcBef>
+                <a:spcPct val="0"/>
+              </a:spcBef>
+            </a:pPr>
+            <a:r>
+              <a:rPr lang="en-GB" sz="2000" b="1" dirty="0" smtClean="0">
+                <a:solidFill>
+                  <a:schemeClr val="tx1">
+                    <a:lumMod val="60000"/>
+                    <a:lumOff val="40000"/>
+                  </a:schemeClr>
+                </a:solidFill>
+                <a:latin typeface="Courier New" pitchFamily="49" charset="0"/>
+                <a:cs typeface="Courier New" pitchFamily="49" charset="0"/>
+              </a:rPr>
+              <a:t>[$</a:t>
+            </a:r>
+            <a:r>
+              <a:rPr lang="en-GB" sz="2000" b="1" dirty="0" smtClean="0">
+                <a:solidFill>
+                  <a:schemeClr val="tx1">
+                    <a:lumMod val="60000"/>
+                    <a:lumOff val="40000"/>
+                  </a:schemeClr>
+                </a:solidFill>
+                <a:latin typeface="Courier New" pitchFamily="49" charset="0"/>
+                <a:cs typeface="Courier New" pitchFamily="49" charset="0"/>
+              </a:rPr>
+              <a:t>quality as </a:t>
+            </a:r>
+            <a:r>
+              <a:rPr lang="en-GB" sz="2000" b="1" dirty="0" err="1" smtClean="0">
+                <a:solidFill>
+                  <a:schemeClr val="tx1">
+                    <a:lumMod val="60000"/>
+                    <a:lumOff val="40000"/>
+                  </a:schemeClr>
+                </a:solidFill>
+                <a:latin typeface="Courier New" pitchFamily="49" charset="0"/>
+                <a:cs typeface="Courier New" pitchFamily="49" charset="0"/>
+              </a:rPr>
+              <a:t>xs:int</a:t>
+            </a:r>
+            <a:r>
+              <a:rPr lang="en-GB" sz="2000" b="1" dirty="0" smtClean="0">
+                <a:solidFill>
+                  <a:schemeClr val="tx1">
+                    <a:lumMod val="60000"/>
+                    <a:lumOff val="40000"/>
+                  </a:schemeClr>
+                </a:solidFill>
+                <a:latin typeface="Courier New" pitchFamily="49" charset="0"/>
+                <a:cs typeface="Courier New" pitchFamily="49" charset="0"/>
+              </a:rPr>
+              <a:t>?],</a:t>
+            </a:r>
+          </a:p>
+          <a:p>
+            <a:pPr lvl="2">
+              <a:spcBef>
+                <a:spcPct val="0"/>
+              </a:spcBef>
+            </a:pPr>
+            <a:r>
+              <a:rPr lang="en-GB" sz="2000" b="1" dirty="0" smtClean="0">
+                <a:solidFill>
+                  <a:schemeClr val="tx1">
+                    <a:lumMod val="60000"/>
+                    <a:lumOff val="40000"/>
+                  </a:schemeClr>
+                </a:solidFill>
+                <a:latin typeface="Courier New" pitchFamily="49" charset="0"/>
+                <a:cs typeface="Courier New" pitchFamily="49" charset="0"/>
+              </a:rPr>
+              <a:t>[$</a:t>
+            </a:r>
+            <a:r>
+              <a:rPr lang="en-GB" sz="2000" b="1" dirty="0" smtClean="0">
+                <a:solidFill>
+                  <a:schemeClr val="tx1">
+                    <a:lumMod val="60000"/>
+                    <a:lumOff val="40000"/>
+                  </a:schemeClr>
+                </a:solidFill>
+                <a:latin typeface="Courier New" pitchFamily="49" charset="0"/>
+                <a:cs typeface="Courier New" pitchFamily="49" charset="0"/>
+              </a:rPr>
+              <a:t>forest-ids as </a:t>
+            </a:r>
+            <a:r>
+              <a:rPr lang="en-GB" sz="2000" b="1" dirty="0" err="1" smtClean="0">
+                <a:solidFill>
+                  <a:schemeClr val="tx1">
+                    <a:lumMod val="60000"/>
+                    <a:lumOff val="40000"/>
+                  </a:schemeClr>
+                </a:solidFill>
+                <a:latin typeface="Courier New" pitchFamily="49" charset="0"/>
+                <a:cs typeface="Courier New" pitchFamily="49" charset="0"/>
+              </a:rPr>
+              <a:t>xs:unsignedLong</a:t>
+            </a:r>
+            <a:r>
+              <a:rPr lang="en-GB" sz="2000" b="1" dirty="0" smtClean="0">
+                <a:solidFill>
+                  <a:schemeClr val="tx1">
+                    <a:lumMod val="60000"/>
+                    <a:lumOff val="40000"/>
+                  </a:schemeClr>
+                </a:solidFill>
+                <a:latin typeface="Courier New" pitchFamily="49" charset="0"/>
+                <a:cs typeface="Courier New" pitchFamily="49" charset="0"/>
+              </a:rPr>
+              <a:t>*]</a:t>
+            </a:r>
+          </a:p>
+          <a:p>
+            <a:pPr lvl="1">
+              <a:spcBef>
+                <a:spcPct val="0"/>
+              </a:spcBef>
+            </a:pPr>
+            <a:r>
+              <a:rPr lang="en-GB" sz="2000" b="1" dirty="0" smtClean="0">
+                <a:solidFill>
+                  <a:schemeClr val="tx1">
+                    <a:lumMod val="60000"/>
+                    <a:lumOff val="40000"/>
+                  </a:schemeClr>
+                </a:solidFill>
+                <a:latin typeface="Courier New" pitchFamily="49" charset="0"/>
+                <a:cs typeface="Courier New" pitchFamily="49" charset="0"/>
+              </a:rPr>
+              <a:t>) as </a:t>
+            </a:r>
+            <a:r>
+              <a:rPr lang="en-GB" sz="2000" b="1" dirty="0" smtClean="0">
+                <a:solidFill>
+                  <a:schemeClr val="tx1">
+                    <a:lumMod val="60000"/>
+                    <a:lumOff val="40000"/>
+                  </a:schemeClr>
+                </a:solidFill>
+                <a:latin typeface="Courier New" pitchFamily="49" charset="0"/>
+                <a:cs typeface="Courier New" pitchFamily="49" charset="0"/>
+              </a:rPr>
+              <a:t>empty-sequence()</a:t>
+            </a:r>
+            <a:endParaRPr kumimoji="0" lang="en-GB" sz="2000" b="1" i="0" u="none" strike="noStrike" kern="1200" cap="none" spc="0" normalizeH="0" baseline="0" noProof="0" dirty="0">
               <a:ln>
                 <a:noFill/>
               </a:ln>
               <a:solidFill>
                 <a:schemeClr val="tx1">
-                  <a:lumMod val="50000"/>
+                  <a:lumMod val="60000"/>
+                  <a:lumOff val="40000"/>
                 </a:schemeClr>
               </a:solidFill>
               <a:effectLst/>
               <a:uLnTx/>
               <a:uFillTx/>
-              <a:latin typeface="Tahoma" pitchFamily="34" charset="0"/>
+              <a:latin typeface="Courier New" pitchFamily="49" charset="0"/>
               <a:ea typeface="Tahoma" pitchFamily="34" charset="0"/>
-              <a:cs typeface="Tahoma" pitchFamily="34" charset="0"/>
+              <a:cs typeface="Courier New" pitchFamily="49" charset="0"/>
             </a:endParaRPr>
           </a:p>
         </p:txBody>
@@ -5275,8 +5782,8 @@
         </p:nvSpPr>
         <p:spPr>
           <a:xfrm>
-            <a:off x="685800" y="1772816"/>
-            <a:ext cx="7772400" cy="1514599"/>
+            <a:off x="696913" y="1949190"/>
+            <a:ext cx="7772400" cy="3128168"/>
           </a:xfrm>
           <a:prstGeom prst="rect">
             <a:avLst/>
@@ -5292,25 +5799,161 @@
               </a:spcBef>
             </a:pPr>
             <a:r>
-              <a:rPr kumimoji="0" lang="en-US" sz="3200" i="0" u="none" strike="noStrike" kern="1200" cap="none" spc="0" normalizeH="0" baseline="0" noProof="0" dirty="0" smtClean="0">
-                <a:ln>
-                  <a:noFill/>
-                </a:ln>
+              <a:rPr lang="en-US" sz="3200" noProof="0" dirty="0" smtClean="0"/>
+              <a:t>SPQ Convenience </a:t>
+            </a:r>
+            <a:r>
+              <a:rPr lang="en-US" sz="3200" noProof="0" dirty="0" smtClean="0"/>
+              <a:t>Functions</a:t>
+            </a:r>
+          </a:p>
+          <a:p>
+            <a:pPr lvl="0" algn="ctr">
+              <a:spcBef>
+                <a:spcPct val="0"/>
+              </a:spcBef>
+            </a:pPr>
+            <a:endParaRPr lang="en-US" sz="3200" noProof="0" dirty="0" smtClean="0"/>
+          </a:p>
+          <a:p>
+            <a:pPr lvl="6"/>
+            <a:r>
+              <a:rPr lang="en-GB" b="1" dirty="0" err="1" smtClean="0">
                 <a:solidFill>
                   <a:schemeClr val="tx1">
-                    <a:lumMod val="50000"/>
+                    <a:lumMod val="60000"/>
+                    <a:lumOff val="40000"/>
                   </a:schemeClr>
                 </a:solidFill>
-                <a:effectLst/>
-                <a:uLnTx/>
-                <a:uFillTx/>
-                <a:latin typeface="Tahoma" pitchFamily="34" charset="0"/>
-                <a:ea typeface="Tahoma" pitchFamily="34" charset="0"/>
-                <a:cs typeface="Tahoma" pitchFamily="34" charset="0"/>
-              </a:rPr>
-              <a:t>I don’t like too many arguments!</a:t>
-            </a:r>
-            <a:endParaRPr kumimoji="0" lang="en-GB" sz="3200" i="0" u="none" strike="noStrike" kern="1200" cap="none" spc="0" normalizeH="0" baseline="0" noProof="0" dirty="0">
+                <a:latin typeface="Courier New" pitchFamily="49" charset="0"/>
+                <a:cs typeface="Courier New" pitchFamily="49" charset="0"/>
+              </a:rPr>
+              <a:t>spq:query</a:t>
+            </a:r>
+            <a:r>
+              <a:rPr lang="en-GB" b="1" dirty="0" smtClean="0">
+                <a:solidFill>
+                  <a:schemeClr val="tx1">
+                    <a:lumMod val="60000"/>
+                    <a:lumOff val="40000"/>
+                  </a:schemeClr>
+                </a:solidFill>
+                <a:latin typeface="Courier New" pitchFamily="49" charset="0"/>
+                <a:cs typeface="Courier New" pitchFamily="49" charset="0"/>
+              </a:rPr>
+              <a:t>(...)</a:t>
+            </a:r>
+          </a:p>
+          <a:p>
+            <a:pPr lvl="6"/>
+            <a:r>
+              <a:rPr lang="en-GB" b="1" dirty="0" err="1" smtClean="0">
+                <a:solidFill>
+                  <a:schemeClr val="tx1">
+                    <a:lumMod val="60000"/>
+                    <a:lumOff val="40000"/>
+                  </a:schemeClr>
+                </a:solidFill>
+                <a:latin typeface="Courier New" pitchFamily="49" charset="0"/>
+                <a:cs typeface="Courier New" pitchFamily="49" charset="0"/>
+              </a:rPr>
+              <a:t>spq:query</a:t>
+            </a:r>
+            <a:r>
+              <a:rPr lang="en-GB" b="1" dirty="0" smtClean="0">
+                <a:solidFill>
+                  <a:schemeClr val="tx1">
+                    <a:lumMod val="60000"/>
+                    <a:lumOff val="40000"/>
+                  </a:schemeClr>
+                </a:solidFill>
+                <a:latin typeface="Courier New" pitchFamily="49" charset="0"/>
+                <a:cs typeface="Courier New" pitchFamily="49" charset="0"/>
+              </a:rPr>
+              <a:t>-get(...)</a:t>
+            </a:r>
+          </a:p>
+          <a:p>
+            <a:pPr lvl="6"/>
+            <a:r>
+              <a:rPr lang="en-GB" b="1" dirty="0" err="1" smtClean="0">
+                <a:solidFill>
+                  <a:schemeClr val="tx1">
+                    <a:lumMod val="60000"/>
+                    <a:lumOff val="40000"/>
+                  </a:schemeClr>
+                </a:solidFill>
+                <a:latin typeface="Courier New" pitchFamily="49" charset="0"/>
+                <a:cs typeface="Courier New" pitchFamily="49" charset="0"/>
+              </a:rPr>
+              <a:t>spq:query</a:t>
+            </a:r>
+            <a:r>
+              <a:rPr lang="en-GB" b="1" dirty="0" smtClean="0">
+                <a:solidFill>
+                  <a:schemeClr val="tx1">
+                    <a:lumMod val="60000"/>
+                    <a:lumOff val="40000"/>
+                  </a:schemeClr>
+                </a:solidFill>
+                <a:latin typeface="Courier New" pitchFamily="49" charset="0"/>
+                <a:cs typeface="Courier New" pitchFamily="49" charset="0"/>
+              </a:rPr>
+              <a:t>-post(...)</a:t>
+            </a:r>
+          </a:p>
+          <a:p>
+            <a:pPr lvl="6"/>
+            <a:r>
+              <a:rPr lang="en-GB" b="1" dirty="0" err="1" smtClean="0">
+                <a:solidFill>
+                  <a:schemeClr val="tx1">
+                    <a:lumMod val="60000"/>
+                    <a:lumOff val="40000"/>
+                  </a:schemeClr>
+                </a:solidFill>
+                <a:latin typeface="Courier New" pitchFamily="49" charset="0"/>
+                <a:cs typeface="Courier New" pitchFamily="49" charset="0"/>
+              </a:rPr>
+              <a:t>spq:data</a:t>
+            </a:r>
+            <a:r>
+              <a:rPr lang="en-GB" b="1" dirty="0" smtClean="0">
+                <a:solidFill>
+                  <a:schemeClr val="tx1">
+                    <a:lumMod val="60000"/>
+                    <a:lumOff val="40000"/>
+                  </a:schemeClr>
+                </a:solidFill>
+                <a:latin typeface="Courier New" pitchFamily="49" charset="0"/>
+                <a:cs typeface="Courier New" pitchFamily="49" charset="0"/>
+              </a:rPr>
+              <a:t>(...)</a:t>
+            </a:r>
+          </a:p>
+          <a:p>
+            <a:pPr marL="288925" lvl="1">
+              <a:spcBef>
+                <a:spcPct val="0"/>
+              </a:spcBef>
+            </a:pPr>
+            <a:endParaRPr lang="it-IT" sz="2000" dirty="0" smtClean="0"/>
+          </a:p>
+          <a:p>
+            <a:pPr marL="1660525" lvl="4">
+              <a:spcBef>
+                <a:spcPct val="0"/>
+              </a:spcBef>
+            </a:pPr>
+            <a:endParaRPr lang="it-IT" sz="2000" dirty="0" smtClean="0"/>
+          </a:p>
+          <a:p>
+            <a:pPr marL="1660525" lvl="4">
+              <a:spcBef>
+                <a:spcPct val="0"/>
+              </a:spcBef>
+            </a:pPr>
+            <a:endParaRPr kumimoji="0" lang="en-GB" sz="2000" i="0" u="none" strike="noStrike" kern="1200" cap="none" spc="0" normalizeH="0" baseline="0" noProof="0" dirty="0">
               <a:ln>
                 <a:noFill/>
               </a:ln>
@@ -5861,7 +6504,7 @@
       </p:grpSpPr>
       <p:sp>
         <p:nvSpPr>
-          <p:cNvPr id="6" name="Title 1"/>
+          <p:cNvPr id="4" name="Title 1"/>
           <p:cNvSpPr txBox="1">
             <a:spLocks/>
           </p:cNvSpPr>
@@ -5869,7 +6512,7 @@
         </p:nvSpPr>
         <p:spPr>
           <a:xfrm>
-            <a:off x="838200" y="1925216"/>
+            <a:off x="685800" y="1772816"/>
             <a:ext cx="7772400" cy="1514599"/>
           </a:xfrm>
           <a:prstGeom prst="rect">
@@ -5886,23 +6529,17 @@
               </a:spcBef>
             </a:pPr>
             <a:r>
-              <a:rPr kumimoji="0" lang="en-US" sz="3200" i="0" u="none" strike="noStrike" kern="1200" cap="none" spc="0" normalizeH="0" baseline="0" noProof="0" dirty="0" smtClean="0">
-                <a:ln>
-                  <a:noFill/>
-                </a:ln>
+              <a:rPr lang="en-US" sz="3200" dirty="0" smtClean="0">
                 <a:solidFill>
                   <a:schemeClr val="tx1">
                     <a:lumMod val="50000"/>
                   </a:schemeClr>
                 </a:solidFill>
-                <a:effectLst/>
-                <a:uLnTx/>
-                <a:uFillTx/>
                 <a:latin typeface="Tahoma" pitchFamily="34" charset="0"/>
                 <a:ea typeface="Tahoma" pitchFamily="34" charset="0"/>
                 <a:cs typeface="Tahoma" pitchFamily="34" charset="0"/>
               </a:rPr>
-              <a:t>Linked Data is Growing</a:t>
+              <a:t>Linked Data has expanded</a:t>
             </a:r>
             <a:endParaRPr kumimoji="0" lang="en-GB" sz="3200" i="0" u="none" strike="noStrike" kern="1200" cap="none" spc="0" normalizeH="0" baseline="0" noProof="0" dirty="0">
               <a:ln>
@@ -5923,51 +6560,6 @@
           </a:p>
         </p:txBody>
       </p:sp>
-      <p:sp>
-        <p:nvSpPr>
-          <p:cNvPr id="4" name="Title 1"/>
-          <p:cNvSpPr txBox="1">
-            <a:spLocks/>
-          </p:cNvSpPr>
-          <p:nvPr/>
-        </p:nvSpPr>
-        <p:spPr>
-          <a:xfrm>
-            <a:off x="685800" y="1772816"/>
-            <a:ext cx="7772400" cy="1514599"/>
-          </a:xfrm>
-          <a:prstGeom prst="rect">
-            <a:avLst/>
-          </a:prstGeom>
-        </p:spPr>
-        <p:txBody>
-          <a:bodyPr anchor="ctr"/>
-          <a:lstStyle/>
-          <a:p>
-            <a:pPr lvl="0" algn="ctr">
-              <a:spcBef>
-                <a:spcPct val="0"/>
-              </a:spcBef>
-            </a:pPr>
-            <a:endParaRPr kumimoji="0" lang="en-GB" sz="3200" i="0" u="none" strike="noStrike" kern="1200" cap="none" spc="0" normalizeH="0" baseline="0" noProof="0" dirty="0">
-              <a:ln>
-                <a:noFill/>
-              </a:ln>
-              <a:solidFill>
-                <a:schemeClr val="tx1">
-                  <a:lumMod val="50000"/>
-                </a:schemeClr>
-              </a:solidFill>
-              <a:effectLst/>
-              <a:uLnTx/>
-              <a:uFillTx/>
-              <a:latin typeface="Tahoma" pitchFamily="34" charset="0"/>
-              <a:ea typeface="Tahoma" pitchFamily="34" charset="0"/>
-              <a:cs typeface="Tahoma" pitchFamily="34" charset="0"/>
-            </a:endParaRPr>
-          </a:p>
-        </p:txBody>
-      </p:sp>
       <p:pic>
         <p:nvPicPr>
           <p:cNvPr id="5" name="Picture 4" descr="lod-datasets_2007-05-01.png"/>
@@ -5984,8 +6576,8 @@
         </p:blipFill>
         <p:spPr>
           <a:xfrm>
-            <a:off x="2213546" y="1844824"/>
-            <a:ext cx="4716908" cy="2926080"/>
+            <a:off x="2069432" y="1732547"/>
+            <a:ext cx="5005136" cy="3140242"/>
           </a:xfrm>
           <a:prstGeom prst="rect">
             <a:avLst/>
@@ -6008,8 +6600,8 @@
         </p:blipFill>
         <p:spPr>
           <a:xfrm>
-            <a:off x="2146884" y="1412408"/>
-            <a:ext cx="4850232" cy="3742808"/>
+            <a:off x="1973179" y="1311442"/>
+            <a:ext cx="5173579" cy="3994484"/>
           </a:xfrm>
           <a:prstGeom prst="rect">
             <a:avLst/>
@@ -6088,6 +6680,62 @@
           </a:prstGeom>
         </p:spPr>
       </p:pic>
+      <p:sp>
+        <p:nvSpPr>
+          <p:cNvPr id="11" name="Title 1"/>
+          <p:cNvSpPr txBox="1">
+            <a:spLocks/>
+          </p:cNvSpPr>
+          <p:nvPr/>
+        </p:nvSpPr>
+        <p:spPr>
+          <a:xfrm>
+            <a:off x="693816" y="2088288"/>
+            <a:ext cx="7772400" cy="877331"/>
+          </a:xfrm>
+          <a:prstGeom prst="rect">
+            <a:avLst/>
+          </a:prstGeom>
+          <a:solidFill>
+            <a:schemeClr val="bg1">
+              <a:alpha val="84000"/>
+            </a:schemeClr>
+          </a:solidFill>
+        </p:spPr>
+        <p:txBody>
+          <a:bodyPr anchor="ctr"/>
+          <a:lstStyle/>
+          <a:p>
+            <a:pPr lvl="0" algn="ctr">
+              <a:spcBef>
+                <a:spcPct val="0"/>
+              </a:spcBef>
+            </a:pPr>
+            <a:r>
+              <a:rPr lang="en-GB" sz="3200" dirty="0" smtClean="0"/>
+              <a:t>t</a:t>
+            </a:r>
+            <a:r>
+              <a:rPr lang="en-GB" sz="3200" dirty="0" smtClean="0"/>
+              <a:t>o this, in just five years</a:t>
+            </a:r>
+            <a:endParaRPr kumimoji="0" lang="en-GB" sz="3200" i="0" u="none" strike="noStrike" kern="1200" cap="none" spc="0" normalizeH="0" baseline="0" noProof="0" dirty="0">
+              <a:ln>
+                <a:noFill/>
+              </a:ln>
+              <a:solidFill>
+                <a:srgbClr val="C00000"/>
+              </a:solidFill>
+              <a:effectLst/>
+              <a:uLnTx/>
+              <a:uFillTx/>
+              <a:latin typeface="Tahoma" pitchFamily="34" charset="0"/>
+              <a:ea typeface="Tahoma" pitchFamily="34" charset="0"/>
+              <a:cs typeface="Tahoma" pitchFamily="34" charset="0"/>
+            </a:endParaRPr>
+          </a:p>
+        </p:txBody>
+      </p:sp>
     </p:spTree>
   </p:cSld>
   <p:clrMapOvr>
@@ -6330,6 +6978,50 @@
                             </p:childTnLst>
                           </p:cTn>
                         </p:par>
+                        <p:par>
+                          <p:cTn id="24" fill="hold">
+                            <p:stCondLst>
+                              <p:cond delay="5000"/>
+                            </p:stCondLst>
+                            <p:childTnLst>
+                              <p:par>
+                                <p:cTn id="25" presetID="10" presetClass="entr" presetSubtype="0" fill="hold" grpId="0" nodeType="afterEffect">
+                                  <p:stCondLst>
+                                    <p:cond delay="0"/>
+                                  </p:stCondLst>
+                                  <p:childTnLst>
+                                    <p:set>
+                                      <p:cBhvr>
+                                        <p:cTn id="26" dur="1" fill="hold">
+                                          <p:stCondLst>
+                                            <p:cond delay="0"/>
+                                          </p:stCondLst>
+                                        </p:cTn>
+                                        <p:tgtEl>
+                                          <p:spTgt spid="11"/>
+                                        </p:tgtEl>
+                                        <p:attrNameLst>
+                                          <p:attrName>style.visibility</p:attrName>
+                                        </p:attrNameLst>
+                                      </p:cBhvr>
+                                      <p:to>
+                                        <p:strVal val="visible"/>
+                                      </p:to>
+                                    </p:set>
+                                    <p:animEffect transition="in" filter="fade">
+                                      <p:cBhvr>
+                                        <p:cTn id="27" dur="1000"/>
+                                        <p:tgtEl>
+                                          <p:spTgt spid="11"/>
+                                        </p:tgtEl>
+                                      </p:cBhvr>
+                                    </p:animEffect>
+                                  </p:childTnLst>
+                                </p:cTn>
+                              </p:par>
+                            </p:childTnLst>
+                          </p:cTn>
+                        </p:par>
                       </p:childTnLst>
                     </p:cTn>
                   </p:par>
@@ -6354,6 +7046,9 @@
         </p:cTn>
       </p:par>
     </p:tnLst>
+    <p:bldLst>
+      <p:bldP spid="11" grpId="0" animBg="1"/>
+    </p:bldLst>
   </p:timing>
 </p:sld>
 </file>
@@ -6685,7 +7380,7 @@
 </file>
 
 <file path=ppt/slides/slide3.xml><?xml version="1.0" encoding="utf-8"?>
-<p:sld xmlns:a="http://schemas.openxmlformats.org/drawingml/2006/main" xmlns:r="http://schemas.openxmlformats.org/officeDocument/2006/relationships" xmlns:p="http://schemas.openxmlformats.org/presentationml/2006/main" show="0">
+<p:sld xmlns:a="http://schemas.openxmlformats.org/drawingml/2006/main" xmlns:r="http://schemas.openxmlformats.org/officeDocument/2006/relationships" xmlns:p="http://schemas.openxmlformats.org/presentationml/2006/main">
   <p:cSld>
     <p:spTree>
       <p:nvGrpSpPr>
@@ -6703,119 +7398,82 @@
       </p:grpSpPr>
       <p:sp>
         <p:nvSpPr>
-          <p:cNvPr id="115717" name="Rectangle 5"/>
-          <p:cNvSpPr>
-            <a:spLocks noGrp="1" noChangeArrowheads="1"/>
-          </p:cNvSpPr>
-          <p:nvPr>
-            <p:ph type="title"/>
-          </p:nvPr>
-        </p:nvSpPr>
-        <p:spPr>
-          <a:xfrm>
-            <a:off x="838200" y="274638"/>
-            <a:ext cx="6260432" cy="792162"/>
-          </a:xfrm>
-        </p:spPr>
-        <p:txBody>
-          <a:bodyPr/>
-          <a:lstStyle/>
-          <a:p>
-            <a:r>
-              <a:rPr lang="en-US" sz="3200" dirty="0" smtClean="0"/>
-              <a:t>Big Data is big news</a:t>
-            </a:r>
-            <a:endParaRPr lang="en-US" dirty="0" smtClean="0"/>
-          </a:p>
-        </p:txBody>
-      </p:sp>
-      <p:sp>
-        <p:nvSpPr>
-          <p:cNvPr id="115718" name="Rectangle 6"/>
-          <p:cNvSpPr>
-            <a:spLocks noGrp="1" noChangeArrowheads="1"/>
-          </p:cNvSpPr>
-          <p:nvPr>
-            <p:ph idx="1"/>
-          </p:nvPr>
-        </p:nvSpPr>
-        <p:spPr/>
-        <p:txBody>
-          <a:bodyPr/>
-          <a:lstStyle/>
-          <a:p>
-            <a:r>
-              <a:rPr lang="en-US" sz="1800" dirty="0" smtClean="0"/>
-              <a:t>XML content processing pipelines are by no means new</a:t>
-            </a:r>
-          </a:p>
-          <a:p>
-            <a:endParaRPr lang="en-US" sz="1800" dirty="0" smtClean="0"/>
-          </a:p>
-          <a:p>
-            <a:r>
-              <a:rPr lang="en-US" sz="1800" dirty="0" smtClean="0"/>
-              <a:t>Tend to be created using high-level tools like Apache Ant</a:t>
-            </a:r>
-          </a:p>
-          <a:p>
-            <a:endParaRPr lang="en-US" sz="1800" dirty="0" smtClean="0"/>
-          </a:p>
-          <a:p>
-            <a:r>
-              <a:rPr lang="en-US" sz="1800" dirty="0" smtClean="0"/>
-              <a:t>Apache Cocoon was the first real XML 'pipeline' processor</a:t>
-            </a:r>
-          </a:p>
-          <a:p>
-            <a:endParaRPr lang="en-US" sz="1800" dirty="0" smtClean="0"/>
-          </a:p>
-          <a:p>
-            <a:r>
-              <a:rPr lang="en-US" sz="1800" dirty="0" smtClean="0"/>
-              <a:t>These tools come with a lot of baggage</a:t>
-            </a:r>
-          </a:p>
-          <a:p>
-            <a:endParaRPr lang="en-US" sz="1800" dirty="0" smtClean="0"/>
-          </a:p>
-          <a:p>
-            <a:r>
-              <a:rPr lang="en-US" sz="1800" dirty="0" smtClean="0"/>
-              <a:t>XProc adheres to the principles of pipeline processing</a:t>
-            </a:r>
-          </a:p>
-        </p:txBody>
-      </p:sp>
-      <p:sp>
-        <p:nvSpPr>
-          <p:cNvPr id="115716" name="Rectangle 4"/>
-          <p:cNvSpPr>
-            <a:spLocks noChangeArrowheads="1"/>
+          <p:cNvPr id="4" name="Title 1"/>
+          <p:cNvSpPr txBox="1">
+            <a:spLocks/>
           </p:cNvSpPr>
           <p:nvPr/>
         </p:nvSpPr>
-        <p:spPr bwMode="auto">
-          <a:xfrm>
-            <a:off x="407855" y="1301805"/>
-            <a:ext cx="8685212" cy="461963"/>
+        <p:spPr>
+          <a:xfrm>
+            <a:off x="685800" y="1772816"/>
+            <a:ext cx="7772400" cy="1514599"/>
           </a:xfrm>
           <a:prstGeom prst="rect">
             <a:avLst/>
           </a:prstGeom>
-          <a:noFill/>
-          <a:ln w="9525">
-            <a:noFill/>
-            <a:miter lim="800000"/>
-            <a:headEnd/>
-            <a:tailEnd/>
-          </a:ln>
         </p:spPr>
         <p:txBody>
-          <a:bodyPr/>
+          <a:bodyPr anchor="ctr"/>
           <a:lstStyle/>
           <a:p>
-            <a:endParaRPr lang="en-US" sz="2000" b="1" dirty="0" smtClean="0"/>
+            <a:pPr lvl="0" algn="ctr">
+              <a:spcBef>
+                <a:spcPct val="0"/>
+              </a:spcBef>
+            </a:pPr>
+            <a:r>
+              <a:rPr lang="en-US" sz="3200" dirty="0" smtClean="0">
+                <a:solidFill>
+                  <a:srgbClr val="C00000"/>
+                </a:solidFill>
+              </a:rPr>
+              <a:t>Volume</a:t>
+            </a:r>
+            <a:r>
+              <a:rPr lang="en-US" sz="3200" dirty="0" smtClean="0"/>
+              <a:t>, </a:t>
+            </a:r>
+            <a:r>
+              <a:rPr lang="en-US" sz="3200" dirty="0" smtClean="0">
+                <a:solidFill>
+                  <a:srgbClr val="C00000"/>
+                </a:solidFill>
+              </a:rPr>
+              <a:t>Velocity</a:t>
+            </a:r>
+            <a:r>
+              <a:rPr lang="en-US" sz="3200" dirty="0" smtClean="0"/>
+              <a:t> and </a:t>
+            </a:r>
+            <a:r>
+              <a:rPr lang="en-US" sz="3200" dirty="0" smtClean="0">
+                <a:solidFill>
+                  <a:srgbClr val="C00000"/>
+                </a:solidFill>
+              </a:rPr>
+              <a:t>Variety</a:t>
+            </a:r>
+            <a:r>
+              <a:rPr lang="en-US" sz="3200" dirty="0" smtClean="0"/>
+              <a:t> are growing…</a:t>
+            </a:r>
+            <a:endParaRPr kumimoji="0" lang="en-GB" sz="3200" i="0" u="none" strike="noStrike" kern="1200" cap="none" spc="0" normalizeH="0" baseline="0" noProof="0" dirty="0">
+              <a:ln>
+                <a:noFill/>
+              </a:ln>
+              <a:solidFill>
+                <a:schemeClr val="tx1">
+                  <a:lumMod val="50000"/>
+                </a:schemeClr>
+              </a:solidFill>
+              <a:effectLst/>
+              <a:uLnTx/>
+              <a:uFillTx/>
+              <a:latin typeface="Tahoma" pitchFamily="34" charset="0"/>
+              <a:ea typeface="Tahoma" pitchFamily="34" charset="0"/>
+              <a:cs typeface="Tahoma" pitchFamily="34" charset="0"/>
+            </a:endParaRPr>
           </a:p>
         </p:txBody>
       </p:sp>
@@ -6881,17 +7539,35 @@
               </a:spcBef>
             </a:pPr>
             <a:r>
-              <a:rPr lang="en-US" sz="3200" dirty="0" smtClean="0"/>
-              <a:t>Big Data is big news</a:t>
+              <a:rPr lang="en-GB" sz="3200" dirty="0" smtClean="0"/>
+              <a:t>...but the </a:t>
+            </a:r>
+            <a:r>
+              <a:rPr lang="en-GB" sz="3200" dirty="0" smtClean="0">
+                <a:solidFill>
+                  <a:srgbClr val="C00000"/>
+                </a:solidFill>
+              </a:rPr>
+              <a:t>Value</a:t>
+            </a:r>
+            <a:r>
+              <a:rPr lang="en-GB" sz="3200" dirty="0" smtClean="0"/>
+              <a:t> is in the </a:t>
+            </a:r>
+            <a:r>
+              <a:rPr lang="en-GB" sz="3200" dirty="0" smtClean="0">
+                <a:solidFill>
+                  <a:srgbClr val="C00000"/>
+                </a:solidFill>
+              </a:rPr>
+              <a:t>Connections</a:t>
             </a:r>
             <a:endParaRPr kumimoji="0" lang="en-GB" sz="3200" i="0" u="none" strike="noStrike" kern="1200" cap="none" spc="0" normalizeH="0" baseline="0" noProof="0" dirty="0">
               <a:ln>
                 <a:noFill/>
               </a:ln>
               <a:solidFill>
-                <a:schemeClr val="tx1">
-                  <a:lumMod val="50000"/>
-                </a:schemeClr>
+                <a:srgbClr val="C00000"/>
               </a:solidFill>
               <a:effectLst/>
               <a:uLnTx/>
@@ -6903,6 +7579,31 @@
           </a:p>
         </p:txBody>
       </p:sp>
+      <p:pic>
+        <p:nvPicPr>
+          <p:cNvPr id="3" name="Picture 2" descr="lod-datasets_2011-09-19.png"/>
+          <p:cNvPicPr>
+            <a:picLocks noChangeAspect="1"/>
+          </p:cNvPicPr>
+          <p:nvPr/>
+        </p:nvPicPr>
+        <p:blipFill>
+          <a:blip r:embed="rId2" cstate="print"/>
+          <a:srcRect l="34863" t="36863" r="33152" b="39492"/>
+          <a:stretch>
+            <a:fillRect/>
+          </a:stretch>
+        </p:blipFill>
+        <p:spPr>
+          <a:xfrm>
+            <a:off x="2051720" y="3212976"/>
+            <a:ext cx="5040560" cy="2304256"/>
+          </a:xfrm>
+          <a:prstGeom prst="rect">
+            <a:avLst/>
+          </a:prstGeom>
+        </p:spPr>
+      </p:pic>
     </p:spTree>
   </p:cSld>
   <p:clrMapOvr>
@@ -6922,249 +7623,6 @@
 </file>
 
 <file path=ppt/slides/slide5.xml><?xml version="1.0" encoding="utf-8"?>
-<p:sld xmlns:a="http://schemas.openxmlformats.org/drawingml/2006/main" xmlns:r="http://schemas.openxmlformats.org/officeDocument/2006/relationships" xmlns:p="http://schemas.openxmlformats.org/presentationml/2006/main">
-  <p:cSld>
-    <p:spTree>
-      <p:nvGrpSpPr>
-        <p:cNvPr id="1" name=""/>
-        <p:cNvGrpSpPr/>
-        <p:nvPr/>
-      </p:nvGrpSpPr>
-      <p:grpSpPr>
-        <a:xfrm>
-          <a:off x="0" y="0"/>
-          <a:ext cx="0" cy="0"/>
-          <a:chOff x="0" y="0"/>
-          <a:chExt cx="0" cy="0"/>
-        </a:xfrm>
-      </p:grpSpPr>
-      <p:sp>
-        <p:nvSpPr>
-          <p:cNvPr id="4" name="Title 1"/>
-          <p:cNvSpPr txBox="1">
-            <a:spLocks/>
-          </p:cNvSpPr>
-          <p:nvPr/>
-        </p:nvSpPr>
-        <p:spPr>
-          <a:xfrm>
-            <a:off x="685800" y="1772816"/>
-            <a:ext cx="7772400" cy="1514599"/>
-          </a:xfrm>
-          <a:prstGeom prst="rect">
-            <a:avLst/>
-          </a:prstGeom>
-        </p:spPr>
-        <p:txBody>
-          <a:bodyPr anchor="ctr"/>
-          <a:lstStyle/>
-          <a:p>
-            <a:pPr lvl="0" algn="ctr">
-              <a:spcBef>
-                <a:spcPct val="0"/>
-              </a:spcBef>
-            </a:pPr>
-            <a:r>
-              <a:rPr lang="en-US" sz="3200" dirty="0" smtClean="0">
-                <a:solidFill>
-                  <a:srgbClr val="C00000"/>
-                </a:solidFill>
-              </a:rPr>
-              <a:t>Volume</a:t>
-            </a:r>
-            <a:r>
-              <a:rPr lang="en-US" sz="3200" dirty="0" smtClean="0"/>
-              <a:t>, </a:t>
-            </a:r>
-            <a:r>
-              <a:rPr lang="en-US" sz="3200" dirty="0" smtClean="0">
-                <a:solidFill>
-                  <a:srgbClr val="C00000"/>
-                </a:solidFill>
-              </a:rPr>
-              <a:t>Velocity</a:t>
-            </a:r>
-            <a:r>
-              <a:rPr lang="en-US" sz="3200" dirty="0" smtClean="0"/>
-              <a:t> and </a:t>
-            </a:r>
-            <a:r>
-              <a:rPr lang="en-US" sz="3200" dirty="0" smtClean="0">
-                <a:solidFill>
-                  <a:srgbClr val="C00000"/>
-                </a:solidFill>
-              </a:rPr>
-              <a:t>Variety</a:t>
-            </a:r>
-            <a:r>
-              <a:rPr lang="en-US" sz="3200" dirty="0" smtClean="0"/>
-              <a:t> are growing…</a:t>
-            </a:r>
-            <a:endParaRPr kumimoji="0" lang="en-GB" sz="3200" i="0" u="none" strike="noStrike" kern="1200" cap="none" spc="0" normalizeH="0" baseline="0" noProof="0" dirty="0">
-              <a:ln>
-                <a:noFill/>
-              </a:ln>
-              <a:solidFill>
-                <a:schemeClr val="tx1">
-                  <a:lumMod val="50000"/>
-                </a:schemeClr>
-              </a:solidFill>
-              <a:effectLst/>
-              <a:uLnTx/>
-              <a:uFillTx/>
-              <a:latin typeface="Tahoma" pitchFamily="34" charset="0"/>
-              <a:ea typeface="Tahoma" pitchFamily="34" charset="0"/>
-              <a:cs typeface="Tahoma" pitchFamily="34" charset="0"/>
-            </a:endParaRPr>
-          </a:p>
-        </p:txBody>
-      </p:sp>
-    </p:spTree>
-  </p:cSld>
-  <p:clrMapOvr>
-    <a:masterClrMapping/>
-  </p:clrMapOvr>
-  <p:transition>
-    <p:fade/>
-  </p:transition>
-  <p:timing>
-    <p:tnLst>
-      <p:par>
-        <p:cTn id="1" dur="indefinite" restart="never" nodeType="tmRoot"/>
-      </p:par>
-    </p:tnLst>
-  </p:timing>
-</p:sld>
-</file>
-
-<file path=ppt/slides/slide6.xml><?xml version="1.0" encoding="utf-8"?>
-<p:sld xmlns:a="http://schemas.openxmlformats.org/drawingml/2006/main" xmlns:r="http://schemas.openxmlformats.org/officeDocument/2006/relationships" xmlns:p="http://schemas.openxmlformats.org/presentationml/2006/main">
-  <p:cSld>
-    <p:spTree>
-      <p:nvGrpSpPr>
-        <p:cNvPr id="1" name=""/>
-        <p:cNvGrpSpPr/>
-        <p:nvPr/>
-      </p:nvGrpSpPr>
-      <p:grpSpPr>
-        <a:xfrm>
-          <a:off x="0" y="0"/>
-          <a:ext cx="0" cy="0"/>
-          <a:chOff x="0" y="0"/>
-          <a:chExt cx="0" cy="0"/>
-        </a:xfrm>
-      </p:grpSpPr>
-      <p:sp>
-        <p:nvSpPr>
-          <p:cNvPr id="4" name="Title 1"/>
-          <p:cNvSpPr txBox="1">
-            <a:spLocks/>
-          </p:cNvSpPr>
-          <p:nvPr/>
-        </p:nvSpPr>
-        <p:spPr>
-          <a:xfrm>
-            <a:off x="685800" y="1772816"/>
-            <a:ext cx="7772400" cy="1514599"/>
-          </a:xfrm>
-          <a:prstGeom prst="rect">
-            <a:avLst/>
-          </a:prstGeom>
-        </p:spPr>
-        <p:txBody>
-          <a:bodyPr anchor="ctr"/>
-          <a:lstStyle/>
-          <a:p>
-            <a:pPr lvl="0" algn="ctr">
-              <a:spcBef>
-                <a:spcPct val="0"/>
-              </a:spcBef>
-            </a:pPr>
-            <a:r>
-              <a:rPr lang="en-GB" sz="3200" dirty="0" smtClean="0"/>
-              <a:t>...but the </a:t>
-            </a:r>
-            <a:r>
-              <a:rPr lang="en-GB" sz="3200" dirty="0" smtClean="0">
-                <a:solidFill>
-                  <a:srgbClr val="C00000"/>
-                </a:solidFill>
-              </a:rPr>
-              <a:t>Value</a:t>
-            </a:r>
-            <a:r>
-              <a:rPr lang="en-GB" sz="3200" dirty="0" smtClean="0"/>
-              <a:t> is in the </a:t>
-            </a:r>
-            <a:r>
-              <a:rPr lang="en-GB" sz="3200" dirty="0" smtClean="0">
-                <a:solidFill>
-                  <a:srgbClr val="C00000"/>
-                </a:solidFill>
-              </a:rPr>
-              <a:t>Connections</a:t>
-            </a:r>
-            <a:endParaRPr kumimoji="0" lang="en-GB" sz="3200" i="0" u="none" strike="noStrike" kern="1200" cap="none" spc="0" normalizeH="0" baseline="0" noProof="0" dirty="0">
-              <a:ln>
-                <a:noFill/>
-              </a:ln>
-              <a:solidFill>
-                <a:srgbClr val="C00000"/>
-              </a:solidFill>
-              <a:effectLst/>
-              <a:uLnTx/>
-              <a:uFillTx/>
-              <a:latin typeface="Tahoma" pitchFamily="34" charset="0"/>
-              <a:ea typeface="Tahoma" pitchFamily="34" charset="0"/>
-              <a:cs typeface="Tahoma" pitchFamily="34" charset="0"/>
-            </a:endParaRPr>
-          </a:p>
-        </p:txBody>
-      </p:sp>
-      <p:pic>
-        <p:nvPicPr>
-          <p:cNvPr id="3" name="Picture 2" descr="lod-datasets_2011-09-19.png"/>
-          <p:cNvPicPr>
-            <a:picLocks noChangeAspect="1"/>
-          </p:cNvPicPr>
-          <p:nvPr/>
-        </p:nvPicPr>
-        <p:blipFill>
-          <a:blip r:embed="rId2" cstate="print"/>
-          <a:srcRect l="34863" t="36863" r="33152" b="39492"/>
-          <a:stretch>
-            <a:fillRect/>
-          </a:stretch>
-        </p:blipFill>
-        <p:spPr>
-          <a:xfrm>
-            <a:off x="2051720" y="3212976"/>
-            <a:ext cx="5040560" cy="2304256"/>
-          </a:xfrm>
-          <a:prstGeom prst="rect">
-            <a:avLst/>
-          </a:prstGeom>
-        </p:spPr>
-      </p:pic>
-    </p:spTree>
-  </p:cSld>
-  <p:clrMapOvr>
-    <a:masterClrMapping/>
-  </p:clrMapOvr>
-  <p:transition>
-    <p:fade/>
-  </p:transition>
-  <p:timing>
-    <p:tnLst>
-      <p:par>
-        <p:cTn id="1" dur="indefinite" restart="never" nodeType="tmRoot"/>
-      </p:par>
-    </p:tnLst>
-  </p:timing>
-</p:sld>
-</file>
-
-<file path=ppt/slides/slide7.xml><?xml version="1.0" encoding="utf-8"?>
 <p:sld xmlns:a="http://schemas.openxmlformats.org/drawingml/2006/main" xmlns:r="http://schemas.openxmlformats.org/officeDocument/2006/relationships" xmlns:p="http://schemas.openxmlformats.org/presentationml/2006/main">
   <p:cSld>
     <p:spTree>
@@ -7471,6 +7929,319 @@
 </p:sld>
 </file>
 
+<file path=ppt/slides/slide6.xml><?xml version="1.0" encoding="utf-8"?>
+<p:sld xmlns:a="http://schemas.openxmlformats.org/drawingml/2006/main" xmlns:r="http://schemas.openxmlformats.org/officeDocument/2006/relationships" xmlns:p="http://schemas.openxmlformats.org/presentationml/2006/main">
+  <p:cSld>
+    <p:spTree>
+      <p:nvGrpSpPr>
+        <p:cNvPr id="1" name=""/>
+        <p:cNvGrpSpPr/>
+        <p:nvPr/>
+      </p:nvGrpSpPr>
+      <p:grpSpPr>
+        <a:xfrm>
+          <a:off x="0" y="0"/>
+          <a:ext cx="0" cy="0"/>
+          <a:chOff x="0" y="0"/>
+          <a:chExt cx="0" cy="0"/>
+        </a:xfrm>
+      </p:grpSpPr>
+      <p:sp>
+        <p:nvSpPr>
+          <p:cNvPr id="4" name="Title 1"/>
+          <p:cNvSpPr txBox="1">
+            <a:spLocks/>
+          </p:cNvSpPr>
+          <p:nvPr/>
+        </p:nvSpPr>
+        <p:spPr>
+          <a:xfrm>
+            <a:off x="685800" y="1772816"/>
+            <a:ext cx="7772400" cy="1514599"/>
+          </a:xfrm>
+          <a:prstGeom prst="rect">
+            <a:avLst/>
+          </a:prstGeom>
+        </p:spPr>
+        <p:txBody>
+          <a:bodyPr anchor="ctr"/>
+          <a:lstStyle/>
+          <a:p>
+            <a:pPr lvl="0" algn="ctr">
+              <a:spcBef>
+                <a:spcPct val="0"/>
+              </a:spcBef>
+            </a:pPr>
+            <a:endParaRPr kumimoji="0" lang="en-GB" sz="3200" i="0" u="none" strike="noStrike" kern="1200" cap="none" spc="0" normalizeH="0" baseline="0" noProof="0" dirty="0">
+              <a:ln>
+                <a:noFill/>
+              </a:ln>
+              <a:solidFill>
+                <a:schemeClr val="tx1">
+                  <a:lumMod val="50000"/>
+                </a:schemeClr>
+              </a:solidFill>
+              <a:effectLst/>
+              <a:uLnTx/>
+              <a:uFillTx/>
+              <a:latin typeface="Tahoma" pitchFamily="34" charset="0"/>
+              <a:ea typeface="Tahoma" pitchFamily="34" charset="0"/>
+              <a:cs typeface="Tahoma" pitchFamily="34" charset="0"/>
+            </a:endParaRPr>
+          </a:p>
+        </p:txBody>
+      </p:sp>
+      <p:pic>
+        <p:nvPicPr>
+          <p:cNvPr id="3" name="Picture 2" descr="lod-datasets_2007-05-01.png"/>
+          <p:cNvPicPr>
+            <a:picLocks noChangeAspect="1"/>
+          </p:cNvPicPr>
+          <p:nvPr/>
+        </p:nvPicPr>
+        <p:blipFill>
+          <a:blip r:embed="rId2" cstate="print"/>
+          <a:stretch>
+            <a:fillRect/>
+          </a:stretch>
+        </p:blipFill>
+        <p:spPr>
+          <a:xfrm>
+            <a:off x="966604" y="908720"/>
+            <a:ext cx="7210792" cy="4754880"/>
+          </a:xfrm>
+          <a:prstGeom prst="rect">
+            <a:avLst/>
+          </a:prstGeom>
+        </p:spPr>
+      </p:pic>
+      <p:sp>
+        <p:nvSpPr>
+          <p:cNvPr id="5" name="Title 1"/>
+          <p:cNvSpPr txBox="1">
+            <a:spLocks/>
+          </p:cNvSpPr>
+          <p:nvPr/>
+        </p:nvSpPr>
+        <p:spPr>
+          <a:xfrm>
+            <a:off x="838200" y="2088288"/>
+            <a:ext cx="7772400" cy="877331"/>
+          </a:xfrm>
+          <a:prstGeom prst="rect">
+            <a:avLst/>
+          </a:prstGeom>
+          <a:solidFill>
+            <a:schemeClr val="bg1">
+              <a:alpha val="84000"/>
+            </a:schemeClr>
+          </a:solidFill>
+        </p:spPr>
+        <p:txBody>
+          <a:bodyPr anchor="ctr"/>
+          <a:lstStyle/>
+          <a:p>
+            <a:pPr lvl="0" algn="ctr">
+              <a:spcBef>
+                <a:spcPct val="0"/>
+              </a:spcBef>
+            </a:pPr>
+            <a:r>
+              <a:rPr lang="en-GB" sz="3200" dirty="0" smtClean="0"/>
+              <a:t>The Linked Open Data Cloud</a:t>
+            </a:r>
+            <a:endParaRPr kumimoji="0" lang="en-GB" sz="3200" i="0" u="none" strike="noStrike" kern="1200" cap="none" spc="0" normalizeH="0" baseline="0" noProof="0" dirty="0">
+              <a:ln>
+                <a:noFill/>
+              </a:ln>
+              <a:solidFill>
+                <a:srgbClr val="C00000"/>
+              </a:solidFill>
+              <a:effectLst/>
+              <a:uLnTx/>
+              <a:uFillTx/>
+              <a:latin typeface="Tahoma" pitchFamily="34" charset="0"/>
+              <a:ea typeface="Tahoma" pitchFamily="34" charset="0"/>
+              <a:cs typeface="Tahoma" pitchFamily="34" charset="0"/>
+            </a:endParaRPr>
+          </a:p>
+        </p:txBody>
+      </p:sp>
+    </p:spTree>
+  </p:cSld>
+  <p:clrMapOvr>
+    <a:masterClrMapping/>
+  </p:clrMapOvr>
+  <p:transition>
+    <p:fade/>
+  </p:transition>
+  <p:timing>
+    <p:tnLst>
+      <p:par>
+        <p:cTn id="1" dur="indefinite" restart="never" nodeType="tmRoot"/>
+      </p:par>
+    </p:tnLst>
+  </p:timing>
+</p:sld>
+</file>
+
+<file path=ppt/slides/slide7.xml><?xml version="1.0" encoding="utf-8"?>
+<p:sld xmlns:a="http://schemas.openxmlformats.org/drawingml/2006/main" xmlns:r="http://schemas.openxmlformats.org/officeDocument/2006/relationships" xmlns:p="http://schemas.openxmlformats.org/presentationml/2006/main">
+  <p:cSld>
+    <p:spTree>
+      <p:nvGrpSpPr>
+        <p:cNvPr id="1" name=""/>
+        <p:cNvGrpSpPr/>
+        <p:nvPr/>
+      </p:nvGrpSpPr>
+      <p:grpSpPr>
+        <a:xfrm>
+          <a:off x="0" y="0"/>
+          <a:ext cx="0" cy="0"/>
+          <a:chOff x="0" y="0"/>
+          <a:chExt cx="0" cy="0"/>
+        </a:xfrm>
+      </p:grpSpPr>
+      <p:sp>
+        <p:nvSpPr>
+          <p:cNvPr id="3" name="Title 1"/>
+          <p:cNvSpPr txBox="1">
+            <a:spLocks/>
+          </p:cNvSpPr>
+          <p:nvPr/>
+        </p:nvSpPr>
+        <p:spPr>
+          <a:xfrm>
+            <a:off x="689916" y="2011715"/>
+            <a:ext cx="7772400" cy="1514599"/>
+          </a:xfrm>
+          <a:prstGeom prst="rect">
+            <a:avLst/>
+          </a:prstGeom>
+        </p:spPr>
+        <p:txBody>
+          <a:bodyPr anchor="ctr"/>
+          <a:lstStyle/>
+          <a:p>
+            <a:pPr lvl="0" algn="ctr">
+              <a:spcBef>
+                <a:spcPct val="0"/>
+              </a:spcBef>
+            </a:pPr>
+            <a:r>
+              <a:rPr kumimoji="0" lang="en-US" sz="3200" i="0" u="none" strike="noStrike" kern="1200" cap="none" spc="0" normalizeH="0" baseline="0" noProof="0" dirty="0" smtClean="0">
+                <a:ln>
+                  <a:noFill/>
+                </a:ln>
+                <a:solidFill>
+                  <a:srgbClr val="C00000"/>
+                </a:solidFill>
+                <a:effectLst/>
+                <a:uLnTx/>
+                <a:uFillTx/>
+                <a:latin typeface="Tahoma" pitchFamily="34" charset="0"/>
+                <a:ea typeface="Tahoma" pitchFamily="34" charset="0"/>
+                <a:cs typeface="Tahoma" pitchFamily="34" charset="0"/>
+              </a:rPr>
+              <a:t>Semantic Web</a:t>
+            </a:r>
+            <a:r>
+              <a:rPr kumimoji="0" lang="en-US" sz="3200" i="0" u="none" strike="noStrike" kern="1200" cap="none" spc="0" normalizeH="0" baseline="0" noProof="0" dirty="0" smtClean="0">
+                <a:ln>
+                  <a:noFill/>
+                </a:ln>
+                <a:solidFill>
+                  <a:schemeClr val="tx1">
+                    <a:lumMod val="50000"/>
+                  </a:schemeClr>
+                </a:solidFill>
+                <a:effectLst/>
+                <a:uLnTx/>
+                <a:uFillTx/>
+                <a:latin typeface="Tahoma" pitchFamily="34" charset="0"/>
+                <a:ea typeface="Tahoma" pitchFamily="34" charset="0"/>
+                <a:cs typeface="Tahoma" pitchFamily="34" charset="0"/>
+              </a:rPr>
+              <a:t> Technologies</a:t>
+            </a:r>
+            <a:endParaRPr kumimoji="0" lang="en-GB" sz="3200" i="0" u="none" strike="noStrike" kern="1200" cap="none" spc="0" normalizeH="0" baseline="0" noProof="0" dirty="0">
+              <a:ln>
+                <a:noFill/>
+              </a:ln>
+              <a:solidFill>
+                <a:schemeClr val="tx1">
+                  <a:lumMod val="50000"/>
+                </a:schemeClr>
+              </a:solidFill>
+              <a:effectLst/>
+              <a:uLnTx/>
+              <a:uFillTx/>
+              <a:latin typeface="Tahoma" pitchFamily="34" charset="0"/>
+              <a:ea typeface="Tahoma" pitchFamily="34" charset="0"/>
+              <a:cs typeface="Tahoma" pitchFamily="34" charset="0"/>
+            </a:endParaRPr>
+          </a:p>
+        </p:txBody>
+      </p:sp>
+      <p:sp>
+        <p:nvSpPr>
+          <p:cNvPr id="4" name="Title 1"/>
+          <p:cNvSpPr txBox="1">
+            <a:spLocks/>
+          </p:cNvSpPr>
+          <p:nvPr/>
+        </p:nvSpPr>
+        <p:spPr>
+          <a:xfrm>
+            <a:off x="685800" y="1772816"/>
+            <a:ext cx="7772400" cy="1514599"/>
+          </a:xfrm>
+          <a:prstGeom prst="rect">
+            <a:avLst/>
+          </a:prstGeom>
+        </p:spPr>
+        <p:txBody>
+          <a:bodyPr anchor="ctr"/>
+          <a:lstStyle/>
+          <a:p>
+            <a:pPr lvl="0" algn="ctr">
+              <a:spcBef>
+                <a:spcPct val="0"/>
+              </a:spcBef>
+            </a:pPr>
+            <a:r>
+              <a:rPr lang="en-US" sz="3200" dirty="0" smtClean="0"/>
+              <a:t>Linked Data is built upon</a:t>
+            </a:r>
+          </a:p>
+          <a:p>
+            <a:pPr lvl="0" algn="ctr">
+              <a:spcBef>
+                <a:spcPct val="0"/>
+              </a:spcBef>
+            </a:pPr>
+            <a:endParaRPr lang="en-US" sz="3200" dirty="0" smtClean="0"/>
+          </a:p>
+        </p:txBody>
+      </p:sp>
+    </p:spTree>
+  </p:cSld>
+  <p:clrMapOvr>
+    <a:masterClrMapping/>
+  </p:clrMapOvr>
+  <p:transition>
+    <p:fade/>
+  </p:transition>
+  <p:timing>
+    <p:tnLst>
+      <p:par>
+        <p:cTn id="1" dur="indefinite" restart="never" nodeType="tmRoot"/>
+      </p:par>
+    </p:tnLst>
+  </p:timing>
+</p:sld>
+</file>
+
 <file path=ppt/slides/slide8.xml><?xml version="1.0" encoding="utf-8"?>
 <p:sld xmlns:a="http://schemas.openxmlformats.org/drawingml/2006/main" xmlns:r="http://schemas.openxmlformats.org/officeDocument/2006/relationships" xmlns:p="http://schemas.openxmlformats.org/presentationml/2006/main">
   <p:cSld>
@@ -7514,6 +8285,10 @@
                 <a:spcPct val="0"/>
               </a:spcBef>
             </a:pPr>
+            <a:r>
+              <a:rPr lang="en-US" sz="3200" dirty="0" smtClean="0"/>
+              <a:t>RDF and SPARQL</a:t>
+            </a:r>
             <a:endParaRPr kumimoji="0" lang="en-GB" sz="3200" i="0" u="none" strike="noStrike" kern="1200" cap="none" spc="0" normalizeH="0" baseline="0" noProof="0" dirty="0">
               <a:ln>
                 <a:noFill/>
@@ -7522,82 +8297,6 @@
                 <a:schemeClr val="tx1">
                   <a:lumMod val="50000"/>
                 </a:schemeClr>
-              </a:solidFill>
-              <a:effectLst/>
-              <a:uLnTx/>
-              <a:uFillTx/>
-              <a:latin typeface="Tahoma" pitchFamily="34" charset="0"/>
-              <a:ea typeface="Tahoma" pitchFamily="34" charset="0"/>
-              <a:cs typeface="Tahoma" pitchFamily="34" charset="0"/>
-            </a:endParaRPr>
-          </a:p>
-        </p:txBody>
-      </p:sp>
-      <p:pic>
-        <p:nvPicPr>
-          <p:cNvPr id="3" name="Picture 2" descr="lod-datasets_2007-05-01.png"/>
-          <p:cNvPicPr>
-            <a:picLocks noChangeAspect="1"/>
-          </p:cNvPicPr>
-          <p:nvPr/>
-        </p:nvPicPr>
-        <p:blipFill>
-          <a:blip r:embed="rId2" cstate="print"/>
-          <a:stretch>
-            <a:fillRect/>
-          </a:stretch>
-        </p:blipFill>
-        <p:spPr>
-          <a:xfrm>
-            <a:off x="966604" y="908720"/>
-            <a:ext cx="7210792" cy="4754880"/>
-          </a:xfrm>
-          <a:prstGeom prst="rect">
-            <a:avLst/>
-          </a:prstGeom>
-        </p:spPr>
-      </p:pic>
-      <p:sp>
-        <p:nvSpPr>
-          <p:cNvPr id="5" name="Title 1"/>
-          <p:cNvSpPr txBox="1">
-            <a:spLocks/>
-          </p:cNvSpPr>
-          <p:nvPr/>
-        </p:nvSpPr>
-        <p:spPr>
-          <a:xfrm>
-            <a:off x="838200" y="2088288"/>
-            <a:ext cx="7772400" cy="877331"/>
-          </a:xfrm>
-          <a:prstGeom prst="rect">
-            <a:avLst/>
-          </a:prstGeom>
-          <a:solidFill>
-            <a:schemeClr val="bg1">
-              <a:alpha val="84000"/>
-            </a:schemeClr>
-          </a:solidFill>
-        </p:spPr>
-        <p:txBody>
-          <a:bodyPr anchor="ctr"/>
-          <a:lstStyle/>
-          <a:p>
-            <a:pPr lvl="0" algn="ctr">
-              <a:spcBef>
-                <a:spcPct val="0"/>
-              </a:spcBef>
-            </a:pPr>
-            <a:r>
-              <a:rPr lang="en-GB" sz="3200" dirty="0" smtClean="0"/>
-              <a:t>The Linked Open Data Cloud</a:t>
-            </a:r>
-            <a:endParaRPr kumimoji="0" lang="en-GB" sz="3200" i="0" u="none" strike="noStrike" kern="1200" cap="none" spc="0" normalizeH="0" baseline="0" noProof="0" dirty="0">
-              <a:ln>
-                <a:noFill/>
-              </a:ln>
-              <a:solidFill>
-                <a:srgbClr val="C00000"/>
               </a:solidFill>
               <a:effectLst/>
               <a:uLnTx/>
@@ -7646,7 +8345,7 @@
       </p:grpSpPr>
       <p:sp>
         <p:nvSpPr>
-          <p:cNvPr id="3" name="Title 1"/>
+          <p:cNvPr id="4" name="Title 1"/>
           <p:cNvSpPr txBox="1">
             <a:spLocks/>
           </p:cNvSpPr>
@@ -7654,7 +8353,7 @@
         </p:nvSpPr>
         <p:spPr>
           <a:xfrm>
-            <a:off x="689916" y="2011715"/>
+            <a:off x="685800" y="1772816"/>
             <a:ext cx="7772400" cy="1514599"/>
           </a:xfrm>
           <a:prstGeom prst="rect">
@@ -7671,40 +8370,8 @@
               </a:spcBef>
             </a:pPr>
             <a:r>
-              <a:rPr kumimoji="0" lang="en-US" sz="3200" i="0" u="none" strike="noStrike" kern="1200" cap="none" spc="0" normalizeH="0" baseline="0" noProof="0" dirty="0" smtClean="0">
-                <a:ln>
-                  <a:noFill/>
-                </a:ln>
-                <a:solidFill>
-                  <a:srgbClr val="C00000"/>
-                </a:solidFill>
-                <a:effectLst/>
-                <a:uLnTx/>
-                <a:uFillTx/>
-                <a:latin typeface="Tahoma" pitchFamily="34" charset="0"/>
-                <a:ea typeface="Tahoma" pitchFamily="34" charset="0"/>
-                <a:cs typeface="Tahoma" pitchFamily="34" charset="0"/>
-              </a:rPr>
-              <a:t>Semantic Web</a:t>
-            </a:r>
-            <a:r>
-              <a:rPr kumimoji="0" lang="en-US" sz="3200" i="0" u="none" strike="noStrike" kern="1200" cap="none" spc="0" normalizeH="0" baseline="0" noProof="0" dirty="0" smtClean="0">
-                <a:ln>
-                  <a:noFill/>
-                </a:ln>
-                <a:solidFill>
-                  <a:schemeClr val="tx1">
-                    <a:lumMod val="50000"/>
-                  </a:schemeClr>
-                </a:solidFill>
-                <a:effectLst/>
-                <a:uLnTx/>
-                <a:uFillTx/>
-                <a:latin typeface="Tahoma" pitchFamily="34" charset="0"/>
-                <a:ea typeface="Tahoma" pitchFamily="34" charset="0"/>
-                <a:cs typeface="Tahoma" pitchFamily="34" charset="0"/>
-              </a:rPr>
-              <a:t> Technologies</a:t>
+              <a:rPr lang="en-GB" sz="3200" dirty="0" smtClean="0"/>
+              <a:t>a lack of standard protocols...</a:t>
             </a:r>
             <a:endParaRPr kumimoji="0" lang="en-GB" sz="3200" i="0" u="none" strike="noStrike" kern="1200" cap="none" spc="0" normalizeH="0" baseline="0" noProof="0" dirty="0">
               <a:ln>
@@ -7722,47 +8389,6 @@
               <a:ea typeface="Tahoma" pitchFamily="34" charset="0"/>
               <a:cs typeface="Tahoma" pitchFamily="34" charset="0"/>
             </a:endParaRPr>
-          </a:p>
-        </p:txBody>
-      </p:sp>
-      <p:sp>
-        <p:nvSpPr>
-          <p:cNvPr id="4" name="Title 1"/>
-          <p:cNvSpPr txBox="1">
-            <a:spLocks/>
-          </p:cNvSpPr>
-          <p:nvPr/>
-        </p:nvSpPr>
-        <p:spPr>
-          <a:xfrm>
-            <a:off x="685800" y="1772816"/>
-            <a:ext cx="7772400" cy="1514599"/>
-          </a:xfrm>
-          <a:prstGeom prst="rect">
-            <a:avLst/>
-          </a:prstGeom>
-        </p:spPr>
-        <p:txBody>
-          <a:bodyPr anchor="ctr"/>
-          <a:lstStyle/>
-          <a:p>
-            <a:pPr lvl="0" algn="ctr">
-              <a:spcBef>
-                <a:spcPct val="0"/>
-              </a:spcBef>
-            </a:pPr>
-            <a:r>
-              <a:rPr lang="en-US" sz="3200" dirty="0" smtClean="0"/>
-              <a:t>Linked Data is built upon</a:t>
-            </a:r>
-          </a:p>
-          <a:p>
-            <a:pPr lvl="0" algn="ctr">
-              <a:spcBef>
-                <a:spcPct val="0"/>
-              </a:spcBef>
-            </a:pPr>
-            <a:endParaRPr lang="en-US" sz="3200" dirty="0" smtClean="0"/>
           </a:p>
         </p:txBody>
       </p:sp>

--- a/docs/marklogic_and_the_linked-data_connection.pptx
+++ b/docs/marklogic_and_the_linked-data_connection.pptx
@@ -5,7 +5,7 @@
     <p:sldMasterId id="2147483662" r:id="rId1"/>
   </p:sldMasterIdLst>
   <p:notesMasterIdLst>
-    <p:notesMasterId r:id="rId30"/>
+    <p:notesMasterId r:id="rId29"/>
   </p:notesMasterIdLst>
   <p:sldIdLst>
     <p:sldId id="288" r:id="rId2"/>
@@ -30,12 +30,11 @@
     <p:sldId id="298" r:id="rId21"/>
     <p:sldId id="299" r:id="rId22"/>
     <p:sldId id="306" r:id="rId23"/>
-    <p:sldId id="305" r:id="rId24"/>
-    <p:sldId id="300" r:id="rId25"/>
-    <p:sldId id="302" r:id="rId26"/>
-    <p:sldId id="303" r:id="rId27"/>
-    <p:sldId id="304" r:id="rId28"/>
-    <p:sldId id="275" r:id="rId29"/>
+    <p:sldId id="300" r:id="rId24"/>
+    <p:sldId id="302" r:id="rId25"/>
+    <p:sldId id="303" r:id="rId26"/>
+    <p:sldId id="304" r:id="rId27"/>
+    <p:sldId id="275" r:id="rId28"/>
   </p:sldIdLst>
   <p:sldSz cx="9144000" cy="6858000" type="screen4x3"/>
   <p:notesSz cx="6934200" cy="9232900"/>
@@ -220,7 +219,7 @@
             <a:fld id="{94BD8BE7-2CEE-4CB9-9ABE-658F4AD66801}" type="datetimeFigureOut">
               <a:rPr lang="en-US" smtClean="0"/>
               <a:pPr/>
-              <a:t>5/16/2012</a:t>
+              <a:t>5/17/2012</a:t>
             </a:fld>
             <a:endParaRPr lang="en-US" dirty="0"/>
           </a:p>
@@ -554,7 +553,7 @@
             <a:fld id="{708EA56A-F1B3-4F1F-ACD0-DEC49C4A85DD}" type="slidenum">
               <a:rPr lang="en-US" smtClean="0"/>
               <a:pPr/>
-              <a:t>28</a:t>
+              <a:t>27</a:t>
             </a:fld>
             <a:endParaRPr lang="en-US" dirty="0"/>
           </a:p>
@@ -3040,14 +3039,15 @@
         </p:nvPicPr>
         <p:blipFill>
           <a:blip r:embed="rId2" cstate="print"/>
+          <a:srcRect l="14845"/>
           <a:stretch>
             <a:fillRect/>
           </a:stretch>
         </p:blipFill>
         <p:spPr>
           <a:xfrm flipV="1">
-            <a:off x="0" y="0"/>
-            <a:ext cx="9144000" cy="6089904"/>
+            <a:off x="5105" y="0"/>
+            <a:ext cx="9138895" cy="6089904"/>
           </a:xfrm>
           <a:prstGeom prst="rect">
             <a:avLst/>
@@ -3095,7 +3095,7 @@
           </a:prstGeom>
           <a:solidFill>
             <a:schemeClr val="bg1">
-              <a:alpha val="84000"/>
+              <a:alpha val="90000"/>
             </a:schemeClr>
           </a:solidFill>
         </p:spPr>
@@ -3116,12 +3116,28 @@
                 <a:tab pos="1828800" algn="l"/>
               </a:tabLst>
             </a:pPr>
-            <a:r>
-              <a:rPr lang="en-US" sz="2700" dirty="0" err="1" smtClean="0"/>
+            <a:endParaRPr lang="en-US" sz="1000" dirty="0" smtClean="0"/>
+          </a:p>
+          <a:p>
+            <a:pPr lvl="3">
+              <a:tabLst>
+                <a:tab pos="1828800" algn="l"/>
+              </a:tabLst>
+            </a:pPr>
+            <a:r>
+              <a:rPr lang="en-US" sz="2700" dirty="0" err="1" smtClean="0">
+                <a:solidFill>
+                  <a:srgbClr val="C00000"/>
+                </a:solidFill>
+              </a:rPr>
               <a:t>MarkLogic</a:t>
             </a:r>
             <a:r>
-              <a:rPr lang="en-US" sz="2700" dirty="0" smtClean="0"/>
+              <a:rPr lang="en-US" sz="2700" dirty="0" smtClean="0">
+                <a:solidFill>
+                  <a:srgbClr val="C00000"/>
+                </a:solidFill>
+              </a:rPr>
               <a:t> and the Linked Data Connection</a:t>
             </a:r>
           </a:p>
@@ -3139,7 +3155,7 @@
               </a:tabLst>
               <a:defRPr/>
             </a:pPr>
-            <a:endParaRPr lang="en-US" sz="2000" dirty="0" smtClean="0">
+            <a:endParaRPr lang="en-US" sz="1600" dirty="0" smtClean="0">
               <a:latin typeface="Tahoma" pitchFamily="34" charset="0"/>
               <a:ea typeface="Tahoma" pitchFamily="34" charset="0"/>
               <a:cs typeface="Tahoma" pitchFamily="34" charset="0"/>
@@ -3183,7 +3199,7 @@
               <a:defRPr/>
             </a:pPr>
             <a:r>
-              <a:rPr lang="en-US" sz="2000" dirty="0" smtClean="0">
+              <a:rPr lang="en-US" sz="1600" dirty="0" smtClean="0">
                 <a:latin typeface="Tahoma" pitchFamily="34" charset="0"/>
                 <a:ea typeface="Tahoma" pitchFamily="34" charset="0"/>
                 <a:cs typeface="Tahoma" pitchFamily="34" charset="0"/>
@@ -3191,7 +3207,7 @@
               <a:t>22</a:t>
             </a:r>
             <a:r>
-              <a:rPr lang="en-US" sz="2000" baseline="30000" dirty="0" smtClean="0">
+              <a:rPr lang="en-US" sz="1600" baseline="30000" dirty="0" smtClean="0">
                 <a:latin typeface="Tahoma" pitchFamily="34" charset="0"/>
                 <a:ea typeface="Tahoma" pitchFamily="34" charset="0"/>
                 <a:cs typeface="Tahoma" pitchFamily="34" charset="0"/>
@@ -3199,7 +3215,7 @@
               <a:t>nd</a:t>
             </a:r>
             <a:r>
-              <a:rPr lang="en-US" sz="2000" dirty="0" smtClean="0">
+              <a:rPr lang="en-US" sz="1600" dirty="0" smtClean="0">
                 <a:latin typeface="Tahoma" pitchFamily="34" charset="0"/>
                 <a:ea typeface="Tahoma" pitchFamily="34" charset="0"/>
                 <a:cs typeface="Tahoma" pitchFamily="34" charset="0"/>
@@ -3292,7 +3308,19 @@
             </a:pPr>
             <a:r>
               <a:rPr lang="en-GB" sz="3200" dirty="0" smtClean="0"/>
-              <a:t>...leads to implementation specific APIs</a:t>
+              <a:t>...leads to </a:t>
+            </a:r>
+            <a:r>
+              <a:rPr lang="en-GB" sz="3200" dirty="0" smtClean="0">
+                <a:solidFill>
+                  <a:srgbClr val="C00000"/>
+                </a:solidFill>
+              </a:rPr>
+              <a:t>implementation specific</a:t>
+            </a:r>
+            <a:r>
+              <a:rPr lang="en-GB" sz="3200" dirty="0" smtClean="0"/>
+              <a:t> APIs</a:t>
             </a:r>
             <a:endParaRPr kumimoji="0" lang="en-GB" sz="3200" i="0" u="none" strike="noStrike" kern="1200" cap="none" spc="0" normalizeH="0" baseline="0" noProof="0" dirty="0">
               <a:ln>
@@ -3376,7 +3404,19 @@
             </a:pPr>
             <a:r>
               <a:rPr lang="en-US" sz="3200" noProof="0" dirty="0" smtClean="0"/>
-              <a:t>and additional complexity </a:t>
+              <a:t>and additional </a:t>
+            </a:r>
+            <a:r>
+              <a:rPr lang="en-US" sz="3200" noProof="0" dirty="0" smtClean="0">
+                <a:solidFill>
+                  <a:srgbClr val="C00000"/>
+                </a:solidFill>
+              </a:rPr>
+              <a:t>Complexity</a:t>
+            </a:r>
+            <a:r>
+              <a:rPr lang="en-US" sz="3200" noProof="0" dirty="0" smtClean="0"/>
+              <a:t> </a:t>
             </a:r>
             <a:endParaRPr kumimoji="0" lang="en-GB" sz="3200" i="0" u="none" strike="noStrike" kern="1200" cap="none" spc="0" normalizeH="0" baseline="0" noProof="0" dirty="0">
               <a:ln>
@@ -3460,7 +3500,15 @@
             </a:pPr>
             <a:r>
               <a:rPr lang="en-US" sz="3200" noProof="0" dirty="0" smtClean="0"/>
-              <a:t>New Protocols from the W3C</a:t>
+              <a:t>New </a:t>
+            </a:r>
+            <a:r>
+              <a:rPr lang="en-US" sz="3200" noProof="0" dirty="0" smtClean="0"/>
+              <a:t>Protocols </a:t>
+            </a:r>
+            <a:r>
+              <a:rPr lang="en-US" sz="3200" noProof="0" dirty="0" smtClean="0"/>
+              <a:t>from the W3C</a:t>
             </a:r>
           </a:p>
           <a:p>
@@ -3810,18 +3858,12 @@
               </a:spcBef>
             </a:pPr>
             <a:r>
-              <a:rPr lang="en-US" sz="3200" noProof="0" dirty="0" smtClean="0"/>
-              <a:t>Graph Stores </a:t>
-            </a:r>
-            <a:r>
               <a:rPr kumimoji="0" lang="en-US" sz="3200" i="0" u="none" strike="noStrike" kern="1200" cap="none" spc="0" normalizeH="0" baseline="0" dirty="0" smtClean="0">
                 <a:ln>
                   <a:noFill/>
                 </a:ln>
                 <a:solidFill>
-                  <a:schemeClr val="tx1">
-                    <a:lumMod val="50000"/>
-                  </a:schemeClr>
+                  <a:srgbClr val="C00000"/>
                 </a:solidFill>
                 <a:effectLst/>
                 <a:uLnTx/>
@@ -3830,15 +3872,8 @@
                 <a:ea typeface="Tahoma" pitchFamily="34" charset="0"/>
                 <a:cs typeface="Tahoma" pitchFamily="34" charset="0"/>
               </a:rPr>
-              <a:t>are Starting to </a:t>
-            </a:r>
-          </a:p>
-          <a:p>
-            <a:pPr lvl="0" algn="ctr">
-              <a:spcBef>
-                <a:spcPct val="0"/>
-              </a:spcBef>
-            </a:pPr>
+              <a:t>Support</a:t>
+            </a:r>
             <a:r>
               <a:rPr kumimoji="0" lang="en-US" sz="3200" i="0" u="none" strike="noStrike" kern="1200" cap="none" spc="0" normalizeH="0" baseline="0" dirty="0" smtClean="0">
                 <a:ln>
@@ -3856,7 +3891,43 @@
                 <a:ea typeface="Tahoma" pitchFamily="34" charset="0"/>
                 <a:cs typeface="Tahoma" pitchFamily="34" charset="0"/>
               </a:rPr>
-              <a:t>Support these Protocols</a:t>
+              <a:t> is </a:t>
+            </a:r>
+            <a:r>
+              <a:rPr kumimoji="0" lang="en-US" sz="3200" i="0" u="none" strike="noStrike" kern="1200" cap="none" spc="0" normalizeH="0" baseline="0" dirty="0" smtClean="0">
+                <a:ln>
+                  <a:noFill/>
+                </a:ln>
+                <a:solidFill>
+                  <a:srgbClr val="C00000"/>
+                </a:solidFill>
+                <a:effectLst/>
+                <a:uLnTx/>
+                <a:uFillTx/>
+                <a:latin typeface="Tahoma" pitchFamily="34" charset="0"/>
+                <a:ea typeface="Tahoma" pitchFamily="34" charset="0"/>
+                <a:cs typeface="Tahoma" pitchFamily="34" charset="0"/>
+              </a:rPr>
+              <a:t>Growing</a:t>
+            </a:r>
+            <a:r>
+              <a:rPr kumimoji="0" lang="en-US" sz="3200" i="0" u="none" strike="noStrike" kern="1200" cap="none" spc="0" normalizeH="0" baseline="0" dirty="0" smtClean="0">
+                <a:ln>
+                  <a:noFill/>
+                </a:ln>
+                <a:solidFill>
+                  <a:schemeClr val="tx1">
+                    <a:lumMod val="50000"/>
+                  </a:schemeClr>
+                </a:solidFill>
+                <a:effectLst/>
+                <a:uLnTx/>
+                <a:uFillTx/>
+                <a:latin typeface="Tahoma" pitchFamily="34" charset="0"/>
+                <a:ea typeface="Tahoma" pitchFamily="34" charset="0"/>
+                <a:cs typeface="Tahoma" pitchFamily="34" charset="0"/>
+              </a:rPr>
+              <a:t> for these Protocols</a:t>
             </a:r>
             <a:endParaRPr kumimoji="0" lang="en-GB" sz="3200" i="0" u="none" strike="noStrike" kern="1200" cap="none" spc="0" normalizeH="0" baseline="0" noProof="0" dirty="0">
               <a:ln>
@@ -4359,8 +4430,8 @@
         </p:nvSpPr>
         <p:spPr>
           <a:xfrm>
-            <a:off x="685800" y="2009316"/>
-            <a:ext cx="7772400" cy="4596064"/>
+            <a:off x="1744579" y="1913060"/>
+            <a:ext cx="5642810" cy="4596064"/>
           </a:xfrm>
           <a:prstGeom prst="rect">
             <a:avLst/>
@@ -4377,12 +4448,33 @@
             </a:pPr>
             <a:r>
               <a:rPr lang="en-US" sz="3200" noProof="0" dirty="0" smtClean="0"/>
-              <a:t>GSP Convenience </a:t>
+              <a:t>A </a:t>
+            </a:r>
+            <a:r>
+              <a:rPr lang="en-US" sz="3200" noProof="0" dirty="0" smtClean="0">
+                <a:solidFill>
+                  <a:srgbClr val="C00000"/>
+                </a:solidFill>
+              </a:rPr>
+              <a:t>Wide</a:t>
             </a:r>
             <a:r>
               <a:rPr lang="en-US" sz="3200" noProof="0" dirty="0" smtClean="0"/>
-              <a:t>Functions</a:t>
-            </a:r>
+              <a:t> </a:t>
+            </a:r>
+            <a:r>
+              <a:rPr lang="en-US" sz="3200" noProof="0" dirty="0" smtClean="0">
+                <a:solidFill>
+                  <a:srgbClr val="C00000"/>
+                </a:solidFill>
+              </a:rPr>
+              <a:t>Range</a:t>
+            </a:r>
+            <a:r>
+              <a:rPr lang="en-US" sz="3200" noProof="0" dirty="0" smtClean="0"/>
+              <a:t> of Functions</a:t>
+            </a:r>
+            <a:endParaRPr lang="en-US" sz="3200" noProof="0" dirty="0" smtClean="0"/>
           </a:p>
           <a:p>
             <a:pPr lvl="0" algn="ctr">
@@ -4390,10 +4482,10 @@
                 <a:spcPct val="0"/>
               </a:spcBef>
             </a:pPr>
-            <a:endParaRPr lang="en-US" sz="3200" noProof="0" dirty="0" smtClean="0"/>
-          </a:p>
-          <a:p>
-            <a:pPr lvl="4">
+            <a:endParaRPr lang="en-US" sz="1600" noProof="0" dirty="0" smtClean="0"/>
+          </a:p>
+          <a:p>
+            <a:pPr algn="ctr">
               <a:spcBef>
                 <a:spcPct val="0"/>
               </a:spcBef>
@@ -4422,10 +4514,10 @@
                 <a:latin typeface="Courier New" pitchFamily="49" charset="0"/>
                 <a:cs typeface="Courier New" pitchFamily="49" charset="0"/>
               </a:rPr>
-              <a:t>-default-graph(...)</a:t>
-            </a:r>
-            <a:br>
-              <a:rPr lang="en-GB" sz="1600" b="1" dirty="0" smtClean="0">
+              <a:t>-default-graph, </a:t>
+            </a:r>
+            <a:r>
+              <a:rPr lang="en-GB" sz="1600" b="1" dirty="0" err="1" smtClean="0">
                 <a:solidFill>
                   <a:schemeClr val="tx1">
                     <a:lumMod val="60000"/>
@@ -4435,9 +4527,10 @@
                 <a:latin typeface="Courier New" pitchFamily="49" charset="0"/>
                 <a:cs typeface="Courier New" pitchFamily="49" charset="0"/>
               </a:rPr>
-            </a:br>
-            <a:r>
-              <a:rPr lang="en-GB" sz="1600" b="1" dirty="0" err="1" smtClean="0">
+              <a:t>gsp:add</a:t>
+            </a:r>
+            <a:r>
+              <a:rPr lang="en-GB" sz="1600" b="1" dirty="0" smtClean="0">
                 <a:solidFill>
                   <a:schemeClr val="tx1">
                     <a:lumMod val="60000"/>
@@ -4447,10 +4540,10 @@
                 <a:latin typeface="Courier New" pitchFamily="49" charset="0"/>
                 <a:cs typeface="Courier New" pitchFamily="49" charset="0"/>
               </a:rPr>
-              <a:t>gsp:add</a:t>
-            </a:r>
-            <a:r>
-              <a:rPr lang="en-GB" sz="1600" b="1" dirty="0" smtClean="0">
+              <a:t>-named-graph, </a:t>
+            </a:r>
+            <a:r>
+              <a:rPr lang="en-GB" sz="1600" b="1" dirty="0" err="1" smtClean="0">
                 <a:solidFill>
                   <a:schemeClr val="tx1">
                     <a:lumMod val="60000"/>
@@ -4460,9 +4553,9 @@
                 <a:latin typeface="Courier New" pitchFamily="49" charset="0"/>
                 <a:cs typeface="Courier New" pitchFamily="49" charset="0"/>
               </a:rPr>
-              <a:t>-named-graph(...)</a:t>
-            </a:r>
-            <a:br>
+              <a:t>gsp:retrieve</a:t>
+            </a:r>
+            <a:r>
               <a:rPr lang="en-GB" sz="1600" b="1" dirty="0" smtClean="0">
                 <a:solidFill>
                   <a:schemeClr val="tx1">
@@ -4473,7 +4566,8 @@
                 <a:latin typeface="Courier New" pitchFamily="49" charset="0"/>
                 <a:cs typeface="Courier New" pitchFamily="49" charset="0"/>
               </a:rPr>
-            </a:br>
+              <a:t>-default-graph-</a:t>
+            </a:r>
             <a:r>
               <a:rPr lang="en-GB" sz="1600" b="1" dirty="0" err="1" smtClean="0">
                 <a:solidFill>
@@ -4485,7 +4579,7 @@
                 <a:latin typeface="Courier New" pitchFamily="49" charset="0"/>
                 <a:cs typeface="Courier New" pitchFamily="49" charset="0"/>
               </a:rPr>
-              <a:t>gsp:retrieve</a:t>
+              <a:t>metainfo</a:t>
             </a:r>
             <a:r>
               <a:rPr lang="en-GB" sz="1600" b="1" dirty="0" smtClean="0">
@@ -4498,7 +4592,7 @@
                 <a:latin typeface="Courier New" pitchFamily="49" charset="0"/>
                 <a:cs typeface="Courier New" pitchFamily="49" charset="0"/>
               </a:rPr>
-              <a:t>-default-graph-</a:t>
+              <a:t>, </a:t>
             </a:r>
             <a:r>
               <a:rPr lang="en-GB" sz="1600" b="1" dirty="0" err="1" smtClean="0">
@@ -4511,7 +4605,7 @@
                 <a:latin typeface="Courier New" pitchFamily="49" charset="0"/>
                 <a:cs typeface="Courier New" pitchFamily="49" charset="0"/>
               </a:rPr>
-              <a:t>metainfo</a:t>
+              <a:t>gsp:retrieve</a:t>
             </a:r>
             <a:r>
               <a:rPr lang="en-GB" sz="1600" b="1" dirty="0" smtClean="0">
@@ -4524,10 +4618,10 @@
                 <a:latin typeface="Courier New" pitchFamily="49" charset="0"/>
                 <a:cs typeface="Courier New" pitchFamily="49" charset="0"/>
               </a:rPr>
-              <a:t>(...)</a:t>
-            </a:r>
-            <a:br>
-              <a:rPr lang="en-GB" sz="1600" b="1" dirty="0" smtClean="0">
+              <a:t>-named-graph-</a:t>
+            </a:r>
+            <a:r>
+              <a:rPr lang="en-GB" sz="1600" b="1" dirty="0" err="1" smtClean="0">
                 <a:solidFill>
                   <a:schemeClr val="tx1">
                     <a:lumMod val="60000"/>
@@ -4537,9 +4631,10 @@
                 <a:latin typeface="Courier New" pitchFamily="49" charset="0"/>
                 <a:cs typeface="Courier New" pitchFamily="49" charset="0"/>
               </a:rPr>
-            </a:br>
-            <a:r>
-              <a:rPr lang="en-GB" sz="1600" b="1" dirty="0" err="1" smtClean="0">
+              <a:t>metainfo</a:t>
+            </a:r>
+            <a:r>
+              <a:rPr lang="en-GB" sz="1600" b="1" dirty="0" smtClean="0">
                 <a:solidFill>
                   <a:schemeClr val="tx1">
                     <a:lumMod val="60000"/>
@@ -4549,10 +4644,17 @@
                 <a:latin typeface="Courier New" pitchFamily="49" charset="0"/>
                 <a:cs typeface="Courier New" pitchFamily="49" charset="0"/>
               </a:rPr>
-              <a:t>gsp:retrieve</a:t>
-            </a:r>
-            <a:r>
-              <a:rPr lang="en-GB" sz="1600" b="1" dirty="0" smtClean="0">
+              <a:t>, </a:t>
+            </a:r>
+          </a:p>
+          <a:p>
+            <a:pPr algn="ctr">
+              <a:spcBef>
+                <a:spcPct val="0"/>
+              </a:spcBef>
+            </a:pPr>
+            <a:r>
+              <a:rPr lang="en-GB" sz="1600" b="1" dirty="0" err="1" smtClean="0">
                 <a:solidFill>
                   <a:schemeClr val="tx1">
                     <a:lumMod val="60000"/>
@@ -4562,10 +4664,10 @@
                 <a:latin typeface="Courier New" pitchFamily="49" charset="0"/>
                 <a:cs typeface="Courier New" pitchFamily="49" charset="0"/>
               </a:rPr>
-              <a:t>-named-graph-</a:t>
-            </a:r>
-            <a:r>
-              <a:rPr lang="en-GB" sz="1600" b="1" dirty="0" err="1" smtClean="0">
+              <a:t>gsp:retrieve</a:t>
+            </a:r>
+            <a:r>
+              <a:rPr lang="en-GB" sz="1600" b="1" dirty="0" smtClean="0">
                 <a:solidFill>
                   <a:schemeClr val="tx1">
                     <a:lumMod val="60000"/>
@@ -4575,10 +4677,17 @@
                 <a:latin typeface="Courier New" pitchFamily="49" charset="0"/>
                 <a:cs typeface="Courier New" pitchFamily="49" charset="0"/>
               </a:rPr>
-              <a:t>metainfo</a:t>
-            </a:r>
-            <a:r>
-              <a:rPr lang="en-GB" sz="1600" b="1" dirty="0" smtClean="0">
+              <a:t>-default-graph, </a:t>
+            </a:r>
+          </a:p>
+          <a:p>
+            <a:pPr algn="ctr">
+              <a:spcBef>
+                <a:spcPct val="0"/>
+              </a:spcBef>
+            </a:pPr>
+            <a:r>
+              <a:rPr lang="en-GB" sz="1600" b="1" dirty="0" err="1" smtClean="0">
                 <a:solidFill>
                   <a:schemeClr val="tx1">
                     <a:lumMod val="60000"/>
@@ -4588,9 +4697,9 @@
                 <a:latin typeface="Courier New" pitchFamily="49" charset="0"/>
                 <a:cs typeface="Courier New" pitchFamily="49" charset="0"/>
               </a:rPr>
-              <a:t>(...)</a:t>
-            </a:r>
-            <a:br>
+              <a:t>gsp:retrieve</a:t>
+            </a:r>
+            <a:r>
               <a:rPr lang="en-GB" sz="1600" b="1" dirty="0" smtClean="0">
                 <a:solidFill>
                   <a:schemeClr val="tx1">
@@ -4601,7 +4710,15 @@
                 <a:latin typeface="Courier New" pitchFamily="49" charset="0"/>
                 <a:cs typeface="Courier New" pitchFamily="49" charset="0"/>
               </a:rPr>
-            </a:br>
+              <a:t>-named-graph, </a:t>
+            </a:r>
+          </a:p>
+          <a:p>
+            <a:pPr algn="ctr">
+              <a:spcBef>
+                <a:spcPct val="0"/>
+              </a:spcBef>
+            </a:pPr>
             <a:r>
               <a:rPr lang="en-GB" sz="1600" b="1" dirty="0" err="1" smtClean="0">
                 <a:solidFill>
@@ -4613,7 +4730,7 @@
                 <a:latin typeface="Courier New" pitchFamily="49" charset="0"/>
                 <a:cs typeface="Courier New" pitchFamily="49" charset="0"/>
               </a:rPr>
-              <a:t>gsp:retrieve</a:t>
+              <a:t>gsp:merge</a:t>
             </a:r>
             <a:r>
               <a:rPr lang="en-GB" sz="1600" b="1" dirty="0" smtClean="0">
@@ -4626,10 +4743,17 @@
                 <a:latin typeface="Courier New" pitchFamily="49" charset="0"/>
                 <a:cs typeface="Courier New" pitchFamily="49" charset="0"/>
               </a:rPr>
-              <a:t>-default-graph(...)</a:t>
-            </a:r>
-            <a:br>
-              <a:rPr lang="en-GB" sz="1600" b="1" dirty="0" smtClean="0">
+              <a:t>-default-graph, </a:t>
+            </a:r>
+          </a:p>
+          <a:p>
+            <a:pPr algn="ctr">
+              <a:spcBef>
+                <a:spcPct val="0"/>
+              </a:spcBef>
+            </a:pPr>
+            <a:r>
+              <a:rPr lang="en-GB" sz="1600" b="1" dirty="0" err="1" smtClean="0">
                 <a:solidFill>
                   <a:schemeClr val="tx1">
                     <a:lumMod val="60000"/>
@@ -4639,9 +4763,10 @@
                 <a:latin typeface="Courier New" pitchFamily="49" charset="0"/>
                 <a:cs typeface="Courier New" pitchFamily="49" charset="0"/>
               </a:rPr>
-            </a:br>
-            <a:r>
-              <a:rPr lang="en-GB" sz="1600" b="1" dirty="0" err="1" smtClean="0">
+              <a:t>gsp:merge</a:t>
+            </a:r>
+            <a:r>
+              <a:rPr lang="en-GB" sz="1600" b="1" dirty="0" smtClean="0">
                 <a:solidFill>
                   <a:schemeClr val="tx1">
                     <a:lumMod val="60000"/>
@@ -4651,10 +4776,17 @@
                 <a:latin typeface="Courier New" pitchFamily="49" charset="0"/>
                 <a:cs typeface="Courier New" pitchFamily="49" charset="0"/>
               </a:rPr>
-              <a:t>gsp:retrieve</a:t>
-            </a:r>
-            <a:r>
-              <a:rPr lang="en-GB" sz="1600" b="1" dirty="0" smtClean="0">
+              <a:t>-named-graph, </a:t>
+            </a:r>
+          </a:p>
+          <a:p>
+            <a:pPr algn="ctr">
+              <a:spcBef>
+                <a:spcPct val="0"/>
+              </a:spcBef>
+            </a:pPr>
+            <a:r>
+              <a:rPr lang="en-GB" sz="1600" b="1" dirty="0" err="1" smtClean="0">
                 <a:solidFill>
                   <a:schemeClr val="tx1">
                     <a:lumMod val="60000"/>
@@ -4664,9 +4796,9 @@
                 <a:latin typeface="Courier New" pitchFamily="49" charset="0"/>
                 <a:cs typeface="Courier New" pitchFamily="49" charset="0"/>
               </a:rPr>
-              <a:t>-named-graph(...)</a:t>
-            </a:r>
-            <a:br>
+              <a:t>gsp:delete</a:t>
+            </a:r>
+            <a:r>
               <a:rPr lang="en-GB" sz="1600" b="1" dirty="0" smtClean="0">
                 <a:solidFill>
                   <a:schemeClr val="tx1">
@@ -4677,7 +4809,15 @@
                 <a:latin typeface="Courier New" pitchFamily="49" charset="0"/>
                 <a:cs typeface="Courier New" pitchFamily="49" charset="0"/>
               </a:rPr>
-            </a:br>
+              <a:t>-default-graph, </a:t>
+            </a:r>
+          </a:p>
+          <a:p>
+            <a:pPr algn="ctr">
+              <a:spcBef>
+                <a:spcPct val="0"/>
+              </a:spcBef>
+            </a:pPr>
             <a:r>
               <a:rPr lang="en-GB" sz="1600" b="1" dirty="0" err="1" smtClean="0">
                 <a:solidFill>
@@ -4689,7 +4829,7 @@
                 <a:latin typeface="Courier New" pitchFamily="49" charset="0"/>
                 <a:cs typeface="Courier New" pitchFamily="49" charset="0"/>
               </a:rPr>
-              <a:t>gsp:merge</a:t>
+              <a:t>gsp:delete</a:t>
             </a:r>
             <a:r>
               <a:rPr lang="en-GB" sz="1600" b="1" dirty="0" smtClean="0">
@@ -4702,10 +4842,10 @@
                 <a:latin typeface="Courier New" pitchFamily="49" charset="0"/>
                 <a:cs typeface="Courier New" pitchFamily="49" charset="0"/>
               </a:rPr>
-              <a:t>-default-graph(...)</a:t>
-            </a:r>
-            <a:br>
-              <a:rPr lang="en-GB" sz="1600" b="1" dirty="0" smtClean="0">
+              <a:t>-named-graph, </a:t>
+            </a:r>
+            <a:r>
+              <a:rPr lang="en-GB" sz="1600" b="1" dirty="0" err="1" smtClean="0">
                 <a:solidFill>
                   <a:schemeClr val="tx1">
                     <a:lumMod val="60000"/>
@@ -4715,9 +4855,10 @@
                 <a:latin typeface="Courier New" pitchFamily="49" charset="0"/>
                 <a:cs typeface="Courier New" pitchFamily="49" charset="0"/>
               </a:rPr>
-            </a:br>
-            <a:r>
-              <a:rPr lang="en-GB" sz="1600" b="1" dirty="0" err="1" smtClean="0">
+              <a:t>gsp:data</a:t>
+            </a:r>
+            <a:r>
+              <a:rPr lang="en-GB" sz="1600" b="1" dirty="0" smtClean="0">
                 <a:solidFill>
                   <a:schemeClr val="tx1">
                     <a:lumMod val="60000"/>
@@ -4727,10 +4868,10 @@
                 <a:latin typeface="Courier New" pitchFamily="49" charset="0"/>
                 <a:cs typeface="Courier New" pitchFamily="49" charset="0"/>
               </a:rPr>
-              <a:t>gsp:merge</a:t>
-            </a:r>
-            <a:r>
-              <a:rPr lang="en-GB" sz="1600" b="1" dirty="0" smtClean="0">
+              <a:t>, </a:t>
+            </a:r>
+            <a:r>
+              <a:rPr lang="en-GB" sz="1600" b="1" dirty="0" err="1" smtClean="0">
                 <a:solidFill>
                   <a:schemeClr val="tx1">
                     <a:lumMod val="60000"/>
@@ -4740,9 +4881,9 @@
                 <a:latin typeface="Courier New" pitchFamily="49" charset="0"/>
                 <a:cs typeface="Courier New" pitchFamily="49" charset="0"/>
               </a:rPr>
-              <a:t>-named-graph(...)</a:t>
-            </a:r>
-            <a:br>
+              <a:t>spq:query</a:t>
+            </a:r>
+            <a:r>
               <a:rPr lang="en-GB" sz="1600" b="1" dirty="0" smtClean="0">
                 <a:solidFill>
                   <a:schemeClr val="tx1">
@@ -4753,9 +4894,10 @@
                 <a:latin typeface="Courier New" pitchFamily="49" charset="0"/>
                 <a:cs typeface="Courier New" pitchFamily="49" charset="0"/>
               </a:rPr>
-            </a:br>
-            <a:r>
-              <a:rPr lang="en-GB" sz="1600" b="1" dirty="0" err="1" smtClean="0">
+              <a:t>,</a:t>
+            </a:r>
+            <a:r>
+              <a:rPr lang="en-GB" sz="1600" b="1" dirty="0" smtClean="0">
                 <a:solidFill>
                   <a:schemeClr val="tx1">
                     <a:lumMod val="60000"/>
@@ -4765,10 +4907,10 @@
                 <a:latin typeface="Courier New" pitchFamily="49" charset="0"/>
                 <a:cs typeface="Courier New" pitchFamily="49" charset="0"/>
               </a:rPr>
-              <a:t>gsp:delete</a:t>
-            </a:r>
-            <a:r>
-              <a:rPr lang="en-GB" sz="1600" b="1" dirty="0" smtClean="0">
+              <a:t> </a:t>
+            </a:r>
+            <a:r>
+              <a:rPr lang="en-GB" sz="1600" b="1" dirty="0" err="1" smtClean="0">
                 <a:solidFill>
                   <a:schemeClr val="tx1">
                     <a:lumMod val="60000"/>
@@ -4778,84 +4920,25 @@
                 <a:latin typeface="Courier New" pitchFamily="49" charset="0"/>
                 <a:cs typeface="Courier New" pitchFamily="49" charset="0"/>
               </a:rPr>
-              <a:t>-default-graph(...)</a:t>
-            </a:r>
-            <a:br>
-              <a:rPr lang="en-GB" sz="1600" b="1" dirty="0" smtClean="0">
-                <a:solidFill>
-                  <a:schemeClr val="tx1">
-                    <a:lumMod val="60000"/>
-                    <a:lumOff val="40000"/>
-                  </a:schemeClr>
-                </a:solidFill>
-                <a:latin typeface="Courier New" pitchFamily="49" charset="0"/>
-                <a:cs typeface="Courier New" pitchFamily="49" charset="0"/>
-              </a:rPr>
-            </a:br>
-            <a:r>
-              <a:rPr lang="en-GB" sz="1600" b="1" dirty="0" err="1" smtClean="0">
-                <a:solidFill>
-                  <a:schemeClr val="tx1">
-                    <a:lumMod val="60000"/>
-                    <a:lumOff val="40000"/>
-                  </a:schemeClr>
-                </a:solidFill>
-                <a:latin typeface="Courier New" pitchFamily="49" charset="0"/>
-                <a:cs typeface="Courier New" pitchFamily="49" charset="0"/>
-              </a:rPr>
-              <a:t>gsp:delete</a:t>
-            </a:r>
-            <a:r>
-              <a:rPr lang="en-GB" sz="1600" b="1" dirty="0" smtClean="0">
-                <a:solidFill>
-                  <a:schemeClr val="tx1">
-                    <a:lumMod val="60000"/>
-                    <a:lumOff val="40000"/>
-                  </a:schemeClr>
-                </a:solidFill>
-                <a:latin typeface="Courier New" pitchFamily="49" charset="0"/>
-                <a:cs typeface="Courier New" pitchFamily="49" charset="0"/>
-              </a:rPr>
-              <a:t>-named-graph(...)</a:t>
-            </a:r>
-            <a:br>
-              <a:rPr lang="en-GB" sz="1600" b="1" dirty="0" smtClean="0">
-                <a:solidFill>
-                  <a:schemeClr val="tx1">
-                    <a:lumMod val="60000"/>
-                    <a:lumOff val="40000"/>
-                  </a:schemeClr>
-                </a:solidFill>
-                <a:latin typeface="Courier New" pitchFamily="49" charset="0"/>
-                <a:cs typeface="Courier New" pitchFamily="49" charset="0"/>
-              </a:rPr>
-            </a:br>
-            <a:r>
-              <a:rPr lang="en-GB" sz="1600" b="1" dirty="0" err="1" smtClean="0">
-                <a:solidFill>
-                  <a:schemeClr val="tx1">
-                    <a:lumMod val="60000"/>
-                    <a:lumOff val="40000"/>
-                  </a:schemeClr>
-                </a:solidFill>
-                <a:latin typeface="Courier New" pitchFamily="49" charset="0"/>
-                <a:cs typeface="Courier New" pitchFamily="49" charset="0"/>
-              </a:rPr>
-              <a:t>gsp:data</a:t>
-            </a:r>
-            <a:r>
-              <a:rPr lang="en-GB" sz="1600" b="1" dirty="0" smtClean="0">
-                <a:solidFill>
-                  <a:schemeClr val="tx1">
-                    <a:lumMod val="60000"/>
-                    <a:lumOff val="40000"/>
-                  </a:schemeClr>
-                </a:solidFill>
-                <a:latin typeface="Courier New" pitchFamily="49" charset="0"/>
-                <a:cs typeface="Courier New" pitchFamily="49" charset="0"/>
-              </a:rPr>
-              <a:t>(...)</a:t>
-            </a:r>
+              <a:t>spq:data</a:t>
+            </a:r>
+            <a:endParaRPr lang="en-GB" sz="1600" b="1" dirty="0" smtClean="0">
+              <a:solidFill>
+                <a:schemeClr val="tx1">
+                  <a:lumMod val="60000"/>
+                  <a:lumOff val="40000"/>
+                </a:schemeClr>
+              </a:solidFill>
+              <a:latin typeface="Courier New" pitchFamily="49" charset="0"/>
+              <a:cs typeface="Courier New" pitchFamily="49" charset="0"/>
+            </a:endParaRPr>
+          </a:p>
+          <a:p>
+            <a:pPr lvl="4">
+              <a:spcBef>
+                <a:spcPct val="0"/>
+              </a:spcBef>
+            </a:pPr>
             <a:endParaRPr lang="en-US" sz="1600" b="1" noProof="0" dirty="0" smtClean="0">
               <a:solidFill>
                 <a:schemeClr val="tx1">
@@ -4971,7 +5054,19 @@
             </a:pPr>
             <a:r>
               <a:rPr lang="en-US" sz="3200" dirty="0" smtClean="0"/>
-              <a:t>Big Data is big news</a:t>
+              <a:t>Big Data </a:t>
+            </a:r>
+            <a:r>
+              <a:rPr lang="en-US" sz="3200" dirty="0" smtClean="0">
+                <a:solidFill>
+                  <a:srgbClr val="C00000"/>
+                </a:solidFill>
+              </a:rPr>
+              <a:t>is</a:t>
+            </a:r>
+            <a:r>
+              <a:rPr lang="en-US" sz="3200" dirty="0" smtClean="0"/>
+              <a:t> Big News</a:t>
             </a:r>
             <a:endParaRPr kumimoji="0" lang="en-GB" sz="3200" i="0" u="none" strike="noStrike" kern="1200" cap="none" spc="0" normalizeH="0" baseline="0" noProof="0" dirty="0">
               <a:ln>
@@ -5054,8 +5149,48 @@
               </a:spcBef>
             </a:pPr>
             <a:r>
+              <a:rPr lang="en-US" sz="3200" dirty="0" smtClean="0"/>
+              <a:t>B</a:t>
+            </a:r>
+            <a:r>
+              <a:rPr lang="en-US" sz="3200" noProof="0" dirty="0" err="1" smtClean="0"/>
+              <a:t>ut</a:t>
+            </a:r>
+            <a:r>
               <a:rPr lang="en-US" sz="3200" noProof="0" dirty="0" smtClean="0"/>
-              <a:t>Why so many functions?</a:t>
+              <a:t> </a:t>
+            </a:r>
+            <a:r>
+              <a:rPr lang="en-US" sz="3200" noProof="0" dirty="0" smtClean="0">
+                <a:solidFill>
+                  <a:srgbClr val="C00000"/>
+                </a:solidFill>
+              </a:rPr>
+              <a:t>why</a:t>
+            </a:r>
+            <a:r>
+              <a:rPr lang="en-US" sz="3200" noProof="0" dirty="0" smtClean="0"/>
+              <a:t> </a:t>
+            </a:r>
+            <a:r>
+              <a:rPr lang="en-US" sz="3200" noProof="0" dirty="0" smtClean="0">
+                <a:solidFill>
+                  <a:srgbClr val="C00000"/>
+                </a:solidFill>
+              </a:rPr>
+              <a:t>so </a:t>
+            </a:r>
+            <a:r>
+              <a:rPr lang="en-US" sz="3200" noProof="0" dirty="0" smtClean="0">
+                <a:solidFill>
+                  <a:srgbClr val="C00000"/>
+                </a:solidFill>
+              </a:rPr>
+              <a:t>many</a:t>
+            </a:r>
+            <a:r>
+              <a:rPr lang="en-US" sz="3200" noProof="0" dirty="0" smtClean="0"/>
+              <a:t> functions?</a:t>
             </a:r>
             <a:endParaRPr kumimoji="0" lang="en-GB" sz="3200" i="0" u="none" strike="noStrike" kern="1200" cap="none" spc="0" normalizeH="0" baseline="0" noProof="0" dirty="0">
               <a:ln>
@@ -5180,7 +5315,43 @@
                 <a:ea typeface="Tahoma" pitchFamily="34" charset="0"/>
                 <a:cs typeface="Tahoma" pitchFamily="34" charset="0"/>
               </a:rPr>
-              <a:t>I don’t like too many arguments!</a:t>
+              <a:t>I don’t like too many </a:t>
+            </a:r>
+            <a:r>
+              <a:rPr kumimoji="0" lang="en-US" sz="3200" i="0" u="none" strike="noStrike" kern="1200" cap="none" spc="0" normalizeH="0" baseline="0" noProof="0" dirty="0" smtClean="0">
+                <a:ln>
+                  <a:noFill/>
+                </a:ln>
+                <a:solidFill>
+                  <a:srgbClr val="C00000"/>
+                </a:solidFill>
+                <a:effectLst/>
+                <a:uLnTx/>
+                <a:uFillTx/>
+                <a:latin typeface="Tahoma" pitchFamily="34" charset="0"/>
+                <a:ea typeface="Tahoma" pitchFamily="34" charset="0"/>
+                <a:cs typeface="Tahoma" pitchFamily="34" charset="0"/>
+              </a:rPr>
+              <a:t>arguments</a:t>
+            </a:r>
+            <a:r>
+              <a:rPr kumimoji="0" lang="en-US" sz="3200" i="0" u="none" strike="noStrike" kern="1200" cap="none" spc="0" normalizeH="0" baseline="0" noProof="0" dirty="0" smtClean="0">
+                <a:ln>
+                  <a:noFill/>
+                </a:ln>
+                <a:solidFill>
+                  <a:schemeClr val="tx1">
+                    <a:lumMod val="50000"/>
+                  </a:schemeClr>
+                </a:solidFill>
+                <a:effectLst/>
+                <a:uLnTx/>
+                <a:uFillTx/>
+                <a:latin typeface="Tahoma" pitchFamily="34" charset="0"/>
+                <a:ea typeface="Tahoma" pitchFamily="34" charset="0"/>
+                <a:cs typeface="Tahoma" pitchFamily="34" charset="0"/>
+              </a:rPr>
+              <a:t>!</a:t>
             </a:r>
             <a:endParaRPr kumimoji="0" lang="en-GB" sz="3200" i="0" u="none" strike="noStrike" kern="1200" cap="none" spc="0" normalizeH="0" baseline="0" noProof="0" dirty="0">
               <a:ln>
@@ -5246,8 +5417,8 @@
         </p:nvSpPr>
         <p:spPr>
           <a:xfrm>
-            <a:off x="685800" y="1987967"/>
-            <a:ext cx="7772400" cy="3525325"/>
+            <a:off x="517358" y="1434494"/>
+            <a:ext cx="8061158" cy="3895475"/>
           </a:xfrm>
           <a:prstGeom prst="rect">
             <a:avLst/>
@@ -5287,9 +5458,7 @@
                   <a:noFill/>
                 </a:ln>
                 <a:solidFill>
-                  <a:schemeClr val="tx1">
-                    <a:lumMod val="50000"/>
-                  </a:schemeClr>
+                  <a:srgbClr val="C00000"/>
                 </a:solidFill>
                 <a:effectLst/>
                 <a:uLnTx/>
@@ -5298,7 +5467,26 @@
                 <a:ea typeface="Tahoma" pitchFamily="34" charset="0"/>
                 <a:cs typeface="Tahoma" pitchFamily="34" charset="0"/>
               </a:rPr>
-              <a:t>optional arguments!</a:t>
+              <a:t>optional</a:t>
+            </a:r>
+            <a:r>
+              <a:rPr kumimoji="0" lang="en-US" sz="3200" i="0" u="none" strike="noStrike" kern="1200" cap="none" spc="0" normalizeH="0" baseline="0" noProof="0" dirty="0" smtClean="0">
+                <a:ln>
+                  <a:noFill/>
+                </a:ln>
+                <a:solidFill>
+                  <a:schemeClr val="tx1">
+                    <a:lumMod val="50000"/>
+                  </a:schemeClr>
+                </a:solidFill>
+                <a:effectLst/>
+                <a:uLnTx/>
+                <a:uFillTx/>
+                <a:latin typeface="Tahoma" pitchFamily="34" charset="0"/>
+                <a:ea typeface="Tahoma" pitchFamily="34" charset="0"/>
+                <a:cs typeface="Tahoma" pitchFamily="34" charset="0"/>
+              </a:rPr>
+              <a:t> arguments!</a:t>
             </a:r>
           </a:p>
           <a:p>
@@ -5307,7 +5495,7 @@
                 <a:spcPct val="0"/>
               </a:spcBef>
             </a:pPr>
-            <a:endParaRPr lang="en-GB" sz="2000" b="1" dirty="0" smtClean="0">
+            <a:endParaRPr lang="en-GB" sz="1600" b="1" dirty="0" smtClean="0">
               <a:solidFill>
                 <a:schemeClr val="tx1">
                   <a:lumMod val="60000"/>
@@ -5319,13 +5507,13 @@
             </a:endParaRPr>
           </a:p>
           <a:p>
-            <a:pPr lvl="1">
+            <a:pPr marL="2117725" lvl="3">
               <a:spcBef>
                 <a:spcPct val="0"/>
               </a:spcBef>
             </a:pPr>
             <a:r>
-              <a:rPr lang="en-GB" sz="2000" b="1" dirty="0" err="1" smtClean="0">
+              <a:rPr lang="en-GB" sz="1600" b="1" dirty="0" err="1" smtClean="0">
                 <a:solidFill>
                   <a:schemeClr val="tx1">
                     <a:lumMod val="60000"/>
@@ -5338,7 +5526,7 @@
               <a:t>xdmp:document</a:t>
             </a:r>
             <a:r>
-              <a:rPr lang="en-GB" sz="2000" b="1" dirty="0" smtClean="0">
+              <a:rPr lang="en-GB" sz="1600" b="1" dirty="0" smtClean="0">
                 <a:solidFill>
                   <a:schemeClr val="tx1">
                     <a:lumMod val="60000"/>
@@ -5352,13 +5540,13 @@
             </a:r>
           </a:p>
           <a:p>
-            <a:pPr lvl="2">
+            <a:pPr marL="2574925" lvl="7">
               <a:spcBef>
                 <a:spcPct val="0"/>
               </a:spcBef>
             </a:pPr>
             <a:r>
-              <a:rPr lang="en-GB" sz="2000" b="1" dirty="0" smtClean="0">
+              <a:rPr lang="en-GB" sz="1600" b="1" dirty="0" smtClean="0">
                 <a:solidFill>
                   <a:schemeClr val="tx1">
                     <a:lumMod val="60000"/>
@@ -5368,10 +5556,10 @@
                 <a:latin typeface="Courier New" pitchFamily="49" charset="0"/>
                 <a:cs typeface="Courier New" pitchFamily="49" charset="0"/>
               </a:rPr>
-              <a:t>$</a:t>
-            </a:r>
-            <a:r>
-              <a:rPr lang="en-GB" sz="2000" b="1" dirty="0" err="1" smtClean="0">
+              <a:t>'/books/collection/A123.xml'</a:t>
+            </a:r>
+            <a:r>
+              <a:rPr lang="en-GB" sz="1600" b="1" dirty="0" smtClean="0">
                 <a:solidFill>
                   <a:schemeClr val="tx1">
                     <a:lumMod val="60000"/>
@@ -5381,10 +5569,17 @@
                 <a:latin typeface="Courier New" pitchFamily="49" charset="0"/>
                 <a:cs typeface="Courier New" pitchFamily="49" charset="0"/>
               </a:rPr>
-              <a:t>uri</a:t>
-            </a:r>
-            <a:r>
-              <a:rPr lang="en-GB" sz="2000" b="1" dirty="0" smtClean="0">
+              <a:t>,</a:t>
+            </a:r>
+          </a:p>
+          <a:p>
+            <a:pPr marL="2574925" lvl="7">
+              <a:spcBef>
+                <a:spcPct val="0"/>
+              </a:spcBef>
+            </a:pPr>
+            <a:r>
+              <a:rPr lang="en-GB" sz="1600" b="1" dirty="0" smtClean="0">
                 <a:solidFill>
                   <a:schemeClr val="tx1">
                     <a:lumMod val="60000"/>
@@ -5394,10 +5589,17 @@
                 <a:latin typeface="Courier New" pitchFamily="49" charset="0"/>
                 <a:cs typeface="Courier New" pitchFamily="49" charset="0"/>
               </a:rPr>
-              <a:t> as </a:t>
-            </a:r>
-            <a:r>
-              <a:rPr lang="en-GB" sz="2000" b="1" dirty="0" err="1" smtClean="0">
+              <a:t>&lt;book&gt;</a:t>
+            </a:r>
+          </a:p>
+          <a:p>
+            <a:pPr marL="2574925" lvl="7">
+              <a:spcBef>
+                <a:spcPct val="0"/>
+              </a:spcBef>
+            </a:pPr>
+            <a:r>
+              <a:rPr lang="en-GB" sz="1600" b="1" dirty="0" smtClean="0">
                 <a:solidFill>
                   <a:schemeClr val="tx1">
                     <a:lumMod val="60000"/>
@@ -5407,10 +5609,17 @@
                 <a:latin typeface="Courier New" pitchFamily="49" charset="0"/>
                 <a:cs typeface="Courier New" pitchFamily="49" charset="0"/>
               </a:rPr>
-              <a:t>xs:string,$root</a:t>
-            </a:r>
-            <a:r>
-              <a:rPr lang="en-GB" sz="2000" b="1" dirty="0" smtClean="0">
+              <a:t>  &lt;title&gt;Linked Data&lt;/title&gt;</a:t>
+            </a:r>
+          </a:p>
+          <a:p>
+            <a:pPr marL="2574925" lvl="7">
+              <a:spcBef>
+                <a:spcPct val="0"/>
+              </a:spcBef>
+            </a:pPr>
+            <a:r>
+              <a:rPr lang="en-GB" sz="1600" b="1" dirty="0" smtClean="0">
                 <a:solidFill>
                   <a:schemeClr val="tx1">
                     <a:lumMod val="60000"/>
@@ -5420,10 +5629,10 @@
                 <a:latin typeface="Courier New" pitchFamily="49" charset="0"/>
                 <a:cs typeface="Courier New" pitchFamily="49" charset="0"/>
               </a:rPr>
-              <a:t> as node</a:t>
-            </a:r>
-            <a:r>
-              <a:rPr lang="en-GB" sz="2000" b="1" dirty="0" smtClean="0">
+              <a:t>&lt;/book&gt;</a:t>
+            </a:r>
+            <a:r>
+              <a:rPr lang="en-GB" sz="1600" b="1" dirty="0" smtClean="0">
                 <a:solidFill>
                   <a:schemeClr val="tx1">
                     <a:lumMod val="60000"/>
@@ -5433,17 +5642,27 @@
                 <a:latin typeface="Courier New" pitchFamily="49" charset="0"/>
                 <a:cs typeface="Courier New" pitchFamily="49" charset="0"/>
               </a:rPr>
-              <a:t>(),</a:t>
-            </a:r>
-          </a:p>
-          <a:p>
-            <a:pPr lvl="2">
+              <a:t>,</a:t>
+            </a:r>
+          </a:p>
+          <a:p>
+            <a:pPr marL="2574925" lvl="7">
               <a:spcBef>
                 <a:spcPct val="0"/>
               </a:spcBef>
             </a:pPr>
             <a:r>
-              <a:rPr lang="en-GB" sz="2000" b="1" dirty="0" smtClean="0">
+              <a:rPr lang="en-GB" sz="1600" b="1" dirty="0" smtClean="0">
+                <a:solidFill>
+                  <a:srgbClr val="C00000"/>
+                </a:solidFill>
+                <a:latin typeface="Courier New" pitchFamily="49" charset="0"/>
+                <a:cs typeface="Courier New" pitchFamily="49" charset="0"/>
+              </a:rPr>
+              <a:t>()</a:t>
+            </a:r>
+            <a:r>
+              <a:rPr lang="en-GB" sz="1600" b="1" dirty="0" smtClean="0">
                 <a:solidFill>
                   <a:schemeClr val="tx1">
                     <a:lumMod val="60000"/>
@@ -5453,10 +5672,20 @@
                 <a:latin typeface="Courier New" pitchFamily="49" charset="0"/>
                 <a:cs typeface="Courier New" pitchFamily="49" charset="0"/>
               </a:rPr>
-              <a:t>[$</a:t>
-            </a:r>
-            <a:r>
-              <a:rPr lang="en-GB" sz="2000" b="1" dirty="0" smtClean="0">
+              <a:t>, </a:t>
+            </a:r>
+            <a:r>
+              <a:rPr lang="en-GB" sz="1600" b="1" dirty="0" smtClean="0">
+                <a:solidFill>
+                  <a:srgbClr val="C00000"/>
+                </a:solidFill>
+                <a:latin typeface="Courier New" pitchFamily="49" charset="0"/>
+                <a:cs typeface="Courier New" pitchFamily="49" charset="0"/>
+              </a:rPr>
+              <a:t>()</a:t>
+            </a:r>
+            <a:r>
+              <a:rPr lang="en-GB" sz="1600" b="1" dirty="0" smtClean="0">
                 <a:solidFill>
                   <a:schemeClr val="tx1">
                     <a:lumMod val="60000"/>
@@ -5466,10 +5695,20 @@
                 <a:latin typeface="Courier New" pitchFamily="49" charset="0"/>
                 <a:cs typeface="Courier New" pitchFamily="49" charset="0"/>
               </a:rPr>
-              <a:t>permissions as </a:t>
-            </a:r>
-            <a:r>
-              <a:rPr lang="en-GB" sz="2000" b="1" dirty="0" smtClean="0">
+              <a:t>,</a:t>
+            </a:r>
+            <a:r>
+              <a:rPr lang="en-GB" sz="1600" b="1" dirty="0" smtClean="0">
+                <a:solidFill>
+                  <a:srgbClr val="C00000"/>
+                </a:solidFill>
+                <a:latin typeface="Courier New" pitchFamily="49" charset="0"/>
+                <a:cs typeface="Courier New" pitchFamily="49" charset="0"/>
+              </a:rPr>
+              <a:t> ()</a:t>
+            </a:r>
+            <a:r>
+              <a:rPr lang="en-GB" sz="1600" b="1" dirty="0" smtClean="0">
                 <a:solidFill>
                   <a:schemeClr val="tx1">
                     <a:lumMod val="60000"/>
@@ -5479,10 +5718,17 @@
                 <a:latin typeface="Courier New" pitchFamily="49" charset="0"/>
                 <a:cs typeface="Courier New" pitchFamily="49" charset="0"/>
               </a:rPr>
-              <a:t>element(</a:t>
-            </a:r>
-            <a:r>
-              <a:rPr lang="en-GB" sz="2000" b="1" dirty="0" err="1" smtClean="0">
+              <a:t>,</a:t>
+            </a:r>
+          </a:p>
+          <a:p>
+            <a:pPr marL="2574925" lvl="6">
+              <a:spcBef>
+                <a:spcPct val="0"/>
+              </a:spcBef>
+            </a:pPr>
+            <a:r>
+              <a:rPr lang="en-US" sz="1600" b="1" dirty="0" smtClean="0">
                 <a:solidFill>
                   <a:schemeClr val="tx1">
                     <a:lumMod val="60000"/>
@@ -5492,10 +5738,17 @@
                 <a:latin typeface="Courier New" pitchFamily="49" charset="0"/>
                 <a:cs typeface="Courier New" pitchFamily="49" charset="0"/>
               </a:rPr>
-              <a:t>sec:permission</a:t>
-            </a:r>
-            <a:r>
-              <a:rPr lang="en-GB" sz="2000" b="1" dirty="0" smtClean="0">
+              <a:t>5780546120451828821</a:t>
+            </a:r>
+          </a:p>
+          <a:p>
+            <a:pPr marL="2117725" lvl="4">
+              <a:spcBef>
+                <a:spcPct val="0"/>
+              </a:spcBef>
+            </a:pPr>
+            <a:r>
+              <a:rPr lang="en-GB" sz="1600" b="1" dirty="0" smtClean="0">
                 <a:solidFill>
                   <a:schemeClr val="tx1">
                     <a:lumMod val="60000"/>
@@ -5505,219 +5758,9 @@
                 <a:latin typeface="Courier New" pitchFamily="49" charset="0"/>
                 <a:cs typeface="Courier New" pitchFamily="49" charset="0"/>
               </a:rPr>
-              <a:t>)*],</a:t>
-            </a:r>
-          </a:p>
-          <a:p>
-            <a:pPr lvl="2">
-              <a:spcBef>
-                <a:spcPct val="0"/>
-              </a:spcBef>
-            </a:pPr>
-            <a:r>
-              <a:rPr lang="en-GB" sz="2000" b="1" dirty="0" smtClean="0">
-                <a:solidFill>
-                  <a:schemeClr val="tx1">
-                    <a:lumMod val="60000"/>
-                    <a:lumOff val="40000"/>
-                  </a:schemeClr>
-                </a:solidFill>
-                <a:latin typeface="Courier New" pitchFamily="49" charset="0"/>
-                <a:cs typeface="Courier New" pitchFamily="49" charset="0"/>
-              </a:rPr>
-              <a:t>[$</a:t>
-            </a:r>
-            <a:r>
-              <a:rPr lang="en-GB" sz="2000" b="1" dirty="0" smtClean="0">
-                <a:solidFill>
-                  <a:schemeClr val="tx1">
-                    <a:lumMod val="60000"/>
-                    <a:lumOff val="40000"/>
-                  </a:schemeClr>
-                </a:solidFill>
-                <a:latin typeface="Courier New" pitchFamily="49" charset="0"/>
-                <a:cs typeface="Courier New" pitchFamily="49" charset="0"/>
-              </a:rPr>
-              <a:t>collections as </a:t>
-            </a:r>
-            <a:r>
-              <a:rPr lang="en-GB" sz="2000" b="1" dirty="0" err="1" smtClean="0">
-                <a:solidFill>
-                  <a:schemeClr val="tx1">
-                    <a:lumMod val="60000"/>
-                    <a:lumOff val="40000"/>
-                  </a:schemeClr>
-                </a:solidFill>
-                <a:latin typeface="Courier New" pitchFamily="49" charset="0"/>
-                <a:cs typeface="Courier New" pitchFamily="49" charset="0"/>
-              </a:rPr>
-              <a:t>xs:string</a:t>
-            </a:r>
-            <a:r>
-              <a:rPr lang="en-GB" sz="2000" b="1" dirty="0" smtClean="0">
-                <a:solidFill>
-                  <a:schemeClr val="tx1">
-                    <a:lumMod val="60000"/>
-                    <a:lumOff val="40000"/>
-                  </a:schemeClr>
-                </a:solidFill>
-                <a:latin typeface="Courier New" pitchFamily="49" charset="0"/>
-                <a:cs typeface="Courier New" pitchFamily="49" charset="0"/>
-              </a:rPr>
-              <a:t>*],</a:t>
-            </a:r>
-          </a:p>
-          <a:p>
-            <a:pPr lvl="2">
-              <a:spcBef>
-                <a:spcPct val="0"/>
-              </a:spcBef>
-            </a:pPr>
-            <a:r>
-              <a:rPr lang="en-GB" sz="2000" b="1" dirty="0" smtClean="0">
-                <a:solidFill>
-                  <a:schemeClr val="tx1">
-                    <a:lumMod val="60000"/>
-                    <a:lumOff val="40000"/>
-                  </a:schemeClr>
-                </a:solidFill>
-                <a:latin typeface="Courier New" pitchFamily="49" charset="0"/>
-                <a:cs typeface="Courier New" pitchFamily="49" charset="0"/>
-              </a:rPr>
-              <a:t>[$</a:t>
-            </a:r>
-            <a:r>
-              <a:rPr lang="en-GB" sz="2000" b="1" dirty="0" smtClean="0">
-                <a:solidFill>
-                  <a:schemeClr val="tx1">
-                    <a:lumMod val="60000"/>
-                    <a:lumOff val="40000"/>
-                  </a:schemeClr>
-                </a:solidFill>
-                <a:latin typeface="Courier New" pitchFamily="49" charset="0"/>
-                <a:cs typeface="Courier New" pitchFamily="49" charset="0"/>
-              </a:rPr>
-              <a:t>quality as </a:t>
-            </a:r>
-            <a:r>
-              <a:rPr lang="en-GB" sz="2000" b="1" dirty="0" err="1" smtClean="0">
-                <a:solidFill>
-                  <a:schemeClr val="tx1">
-                    <a:lumMod val="60000"/>
-                    <a:lumOff val="40000"/>
-                  </a:schemeClr>
-                </a:solidFill>
-                <a:latin typeface="Courier New" pitchFamily="49" charset="0"/>
-                <a:cs typeface="Courier New" pitchFamily="49" charset="0"/>
-              </a:rPr>
-              <a:t>xs:int</a:t>
-            </a:r>
-            <a:r>
-              <a:rPr lang="en-GB" sz="2000" b="1" dirty="0" smtClean="0">
-                <a:solidFill>
-                  <a:schemeClr val="tx1">
-                    <a:lumMod val="60000"/>
-                    <a:lumOff val="40000"/>
-                  </a:schemeClr>
-                </a:solidFill>
-                <a:latin typeface="Courier New" pitchFamily="49" charset="0"/>
-                <a:cs typeface="Courier New" pitchFamily="49" charset="0"/>
-              </a:rPr>
-              <a:t>?],</a:t>
-            </a:r>
-          </a:p>
-          <a:p>
-            <a:pPr lvl="2">
-              <a:spcBef>
-                <a:spcPct val="0"/>
-              </a:spcBef>
-            </a:pPr>
-            <a:r>
-              <a:rPr lang="en-GB" sz="2000" b="1" dirty="0" smtClean="0">
-                <a:solidFill>
-                  <a:schemeClr val="tx1">
-                    <a:lumMod val="60000"/>
-                    <a:lumOff val="40000"/>
-                  </a:schemeClr>
-                </a:solidFill>
-                <a:latin typeface="Courier New" pitchFamily="49" charset="0"/>
-                <a:cs typeface="Courier New" pitchFamily="49" charset="0"/>
-              </a:rPr>
-              <a:t>[$</a:t>
-            </a:r>
-            <a:r>
-              <a:rPr lang="en-GB" sz="2000" b="1" dirty="0" smtClean="0">
-                <a:solidFill>
-                  <a:schemeClr val="tx1">
-                    <a:lumMod val="60000"/>
-                    <a:lumOff val="40000"/>
-                  </a:schemeClr>
-                </a:solidFill>
-                <a:latin typeface="Courier New" pitchFamily="49" charset="0"/>
-                <a:cs typeface="Courier New" pitchFamily="49" charset="0"/>
-              </a:rPr>
-              <a:t>forest-ids as </a:t>
-            </a:r>
-            <a:r>
-              <a:rPr lang="en-GB" sz="2000" b="1" dirty="0" err="1" smtClean="0">
-                <a:solidFill>
-                  <a:schemeClr val="tx1">
-                    <a:lumMod val="60000"/>
-                    <a:lumOff val="40000"/>
-                  </a:schemeClr>
-                </a:solidFill>
-                <a:latin typeface="Courier New" pitchFamily="49" charset="0"/>
-                <a:cs typeface="Courier New" pitchFamily="49" charset="0"/>
-              </a:rPr>
-              <a:t>xs:unsignedLong</a:t>
-            </a:r>
-            <a:r>
-              <a:rPr lang="en-GB" sz="2000" b="1" dirty="0" smtClean="0">
-                <a:solidFill>
-                  <a:schemeClr val="tx1">
-                    <a:lumMod val="60000"/>
-                    <a:lumOff val="40000"/>
-                  </a:schemeClr>
-                </a:solidFill>
-                <a:latin typeface="Courier New" pitchFamily="49" charset="0"/>
-                <a:cs typeface="Courier New" pitchFamily="49" charset="0"/>
-              </a:rPr>
-              <a:t>*]</a:t>
-            </a:r>
-          </a:p>
-          <a:p>
-            <a:pPr lvl="1">
-              <a:spcBef>
-                <a:spcPct val="0"/>
-              </a:spcBef>
-            </a:pPr>
-            <a:r>
-              <a:rPr lang="en-GB" sz="2000" b="1" dirty="0" smtClean="0">
-                <a:solidFill>
-                  <a:schemeClr val="tx1">
-                    <a:lumMod val="60000"/>
-                    <a:lumOff val="40000"/>
-                  </a:schemeClr>
-                </a:solidFill>
-                <a:latin typeface="Courier New" pitchFamily="49" charset="0"/>
-                <a:cs typeface="Courier New" pitchFamily="49" charset="0"/>
-              </a:rPr>
-              <a:t>) as </a:t>
-            </a:r>
-            <a:r>
-              <a:rPr lang="en-GB" sz="2000" b="1" dirty="0" smtClean="0">
-                <a:solidFill>
-                  <a:schemeClr val="tx1">
-                    <a:lumMod val="60000"/>
-                    <a:lumOff val="40000"/>
-                  </a:schemeClr>
-                </a:solidFill>
-                <a:latin typeface="Courier New" pitchFamily="49" charset="0"/>
-                <a:cs typeface="Courier New" pitchFamily="49" charset="0"/>
-              </a:rPr>
-              <a:t>empty-sequence()</a:t>
-            </a:r>
-            <a:endParaRPr kumimoji="0" lang="en-GB" sz="2000" b="1" i="0" u="none" strike="noStrike" kern="1200" cap="none" spc="0" normalizeH="0" baseline="0" noProof="0" dirty="0">
+              <a:t>)</a:t>
+            </a:r>
+            <a:endParaRPr kumimoji="0" lang="en-GB" sz="1600" b="1" i="0" u="none" strike="noStrike" kern="1200" cap="none" spc="0" normalizeH="0" baseline="0" noProof="0" dirty="0">
               <a:ln>
                 <a:noFill/>
               </a:ln>
@@ -5782,241 +5825,6 @@
         </p:nvSpPr>
         <p:spPr>
           <a:xfrm>
-            <a:off x="696913" y="1949190"/>
-            <a:ext cx="7772400" cy="3128168"/>
-          </a:xfrm>
-          <a:prstGeom prst="rect">
-            <a:avLst/>
-          </a:prstGeom>
-        </p:spPr>
-        <p:txBody>
-          <a:bodyPr anchor="ctr"/>
-          <a:lstStyle/>
-          <a:p>
-            <a:pPr lvl="0" algn="ctr">
-              <a:spcBef>
-                <a:spcPct val="0"/>
-              </a:spcBef>
-            </a:pPr>
-            <a:r>
-              <a:rPr lang="en-US" sz="3200" noProof="0" dirty="0" smtClean="0"/>
-              <a:t>SPQ Convenience </a:t>
-            </a:r>
-            <a:r>
-              <a:rPr lang="en-US" sz="3200" noProof="0" dirty="0" smtClean="0"/>
-              <a:t>Functions</a:t>
-            </a:r>
-          </a:p>
-          <a:p>
-            <a:pPr lvl="0" algn="ctr">
-              <a:spcBef>
-                <a:spcPct val="0"/>
-              </a:spcBef>
-            </a:pPr>
-            <a:endParaRPr lang="en-US" sz="3200" noProof="0" dirty="0" smtClean="0"/>
-          </a:p>
-          <a:p>
-            <a:pPr lvl="6"/>
-            <a:r>
-              <a:rPr lang="en-GB" b="1" dirty="0" err="1" smtClean="0">
-                <a:solidFill>
-                  <a:schemeClr val="tx1">
-                    <a:lumMod val="60000"/>
-                    <a:lumOff val="40000"/>
-                  </a:schemeClr>
-                </a:solidFill>
-                <a:latin typeface="Courier New" pitchFamily="49" charset="0"/>
-                <a:cs typeface="Courier New" pitchFamily="49" charset="0"/>
-              </a:rPr>
-              <a:t>spq:query</a:t>
-            </a:r>
-            <a:r>
-              <a:rPr lang="en-GB" b="1" dirty="0" smtClean="0">
-                <a:solidFill>
-                  <a:schemeClr val="tx1">
-                    <a:lumMod val="60000"/>
-                    <a:lumOff val="40000"/>
-                  </a:schemeClr>
-                </a:solidFill>
-                <a:latin typeface="Courier New" pitchFamily="49" charset="0"/>
-                <a:cs typeface="Courier New" pitchFamily="49" charset="0"/>
-              </a:rPr>
-              <a:t>(...)</a:t>
-            </a:r>
-          </a:p>
-          <a:p>
-            <a:pPr lvl="6"/>
-            <a:r>
-              <a:rPr lang="en-GB" b="1" dirty="0" err="1" smtClean="0">
-                <a:solidFill>
-                  <a:schemeClr val="tx1">
-                    <a:lumMod val="60000"/>
-                    <a:lumOff val="40000"/>
-                  </a:schemeClr>
-                </a:solidFill>
-                <a:latin typeface="Courier New" pitchFamily="49" charset="0"/>
-                <a:cs typeface="Courier New" pitchFamily="49" charset="0"/>
-              </a:rPr>
-              <a:t>spq:query</a:t>
-            </a:r>
-            <a:r>
-              <a:rPr lang="en-GB" b="1" dirty="0" smtClean="0">
-                <a:solidFill>
-                  <a:schemeClr val="tx1">
-                    <a:lumMod val="60000"/>
-                    <a:lumOff val="40000"/>
-                  </a:schemeClr>
-                </a:solidFill>
-                <a:latin typeface="Courier New" pitchFamily="49" charset="0"/>
-                <a:cs typeface="Courier New" pitchFamily="49" charset="0"/>
-              </a:rPr>
-              <a:t>-get(...)</a:t>
-            </a:r>
-          </a:p>
-          <a:p>
-            <a:pPr lvl="6"/>
-            <a:r>
-              <a:rPr lang="en-GB" b="1" dirty="0" err="1" smtClean="0">
-                <a:solidFill>
-                  <a:schemeClr val="tx1">
-                    <a:lumMod val="60000"/>
-                    <a:lumOff val="40000"/>
-                  </a:schemeClr>
-                </a:solidFill>
-                <a:latin typeface="Courier New" pitchFamily="49" charset="0"/>
-                <a:cs typeface="Courier New" pitchFamily="49" charset="0"/>
-              </a:rPr>
-              <a:t>spq:query</a:t>
-            </a:r>
-            <a:r>
-              <a:rPr lang="en-GB" b="1" dirty="0" smtClean="0">
-                <a:solidFill>
-                  <a:schemeClr val="tx1">
-                    <a:lumMod val="60000"/>
-                    <a:lumOff val="40000"/>
-                  </a:schemeClr>
-                </a:solidFill>
-                <a:latin typeface="Courier New" pitchFamily="49" charset="0"/>
-                <a:cs typeface="Courier New" pitchFamily="49" charset="0"/>
-              </a:rPr>
-              <a:t>-post(...)</a:t>
-            </a:r>
-          </a:p>
-          <a:p>
-            <a:pPr lvl="6"/>
-            <a:r>
-              <a:rPr lang="en-GB" b="1" dirty="0" err="1" smtClean="0">
-                <a:solidFill>
-                  <a:schemeClr val="tx1">
-                    <a:lumMod val="60000"/>
-                    <a:lumOff val="40000"/>
-                  </a:schemeClr>
-                </a:solidFill>
-                <a:latin typeface="Courier New" pitchFamily="49" charset="0"/>
-                <a:cs typeface="Courier New" pitchFamily="49" charset="0"/>
-              </a:rPr>
-              <a:t>spq:data</a:t>
-            </a:r>
-            <a:r>
-              <a:rPr lang="en-GB" b="1" dirty="0" smtClean="0">
-                <a:solidFill>
-                  <a:schemeClr val="tx1">
-                    <a:lumMod val="60000"/>
-                    <a:lumOff val="40000"/>
-                  </a:schemeClr>
-                </a:solidFill>
-                <a:latin typeface="Courier New" pitchFamily="49" charset="0"/>
-                <a:cs typeface="Courier New" pitchFamily="49" charset="0"/>
-              </a:rPr>
-              <a:t>(...)</a:t>
-            </a:r>
-          </a:p>
-          <a:p>
-            <a:pPr marL="288925" lvl="1">
-              <a:spcBef>
-                <a:spcPct val="0"/>
-              </a:spcBef>
-            </a:pPr>
-            <a:endParaRPr lang="it-IT" sz="2000" dirty="0" smtClean="0"/>
-          </a:p>
-          <a:p>
-            <a:pPr marL="1660525" lvl="4">
-              <a:spcBef>
-                <a:spcPct val="0"/>
-              </a:spcBef>
-            </a:pPr>
-            <a:endParaRPr lang="it-IT" sz="2000" dirty="0" smtClean="0"/>
-          </a:p>
-          <a:p>
-            <a:pPr marL="1660525" lvl="4">
-              <a:spcBef>
-                <a:spcPct val="0"/>
-              </a:spcBef>
-            </a:pPr>
-            <a:endParaRPr kumimoji="0" lang="en-GB" sz="2000" i="0" u="none" strike="noStrike" kern="1200" cap="none" spc="0" normalizeH="0" baseline="0" noProof="0" dirty="0">
-              <a:ln>
-                <a:noFill/>
-              </a:ln>
-              <a:solidFill>
-                <a:schemeClr val="tx1">
-                  <a:lumMod val="50000"/>
-                </a:schemeClr>
-              </a:solidFill>
-              <a:effectLst/>
-              <a:uLnTx/>
-              <a:uFillTx/>
-              <a:latin typeface="Tahoma" pitchFamily="34" charset="0"/>
-              <a:ea typeface="Tahoma" pitchFamily="34" charset="0"/>
-              <a:cs typeface="Tahoma" pitchFamily="34" charset="0"/>
-            </a:endParaRPr>
-          </a:p>
-        </p:txBody>
-      </p:sp>
-    </p:spTree>
-  </p:cSld>
-  <p:clrMapOvr>
-    <a:masterClrMapping/>
-  </p:clrMapOvr>
-  <p:transition>
-    <p:fade/>
-  </p:transition>
-  <p:timing>
-    <p:tnLst>
-      <p:par>
-        <p:cTn id="1" dur="indefinite" restart="never" nodeType="tmRoot"/>
-      </p:par>
-    </p:tnLst>
-  </p:timing>
-</p:sld>
-</file>
-
-<file path=ppt/slides/slide24.xml><?xml version="1.0" encoding="utf-8"?>
-<p:sld xmlns:a="http://schemas.openxmlformats.org/drawingml/2006/main" xmlns:r="http://schemas.openxmlformats.org/officeDocument/2006/relationships" xmlns:p="http://schemas.openxmlformats.org/presentationml/2006/main">
-  <p:cSld>
-    <p:spTree>
-      <p:nvGrpSpPr>
-        <p:cNvPr id="1" name=""/>
-        <p:cNvGrpSpPr/>
-        <p:nvPr/>
-      </p:nvGrpSpPr>
-      <p:grpSpPr>
-        <a:xfrm>
-          <a:off x="0" y="0"/>
-          <a:ext cx="0" cy="0"/>
-          <a:chOff x="0" y="0"/>
-          <a:chExt cx="0" cy="0"/>
-        </a:xfrm>
-      </p:grpSpPr>
-      <p:sp>
-        <p:nvSpPr>
-          <p:cNvPr id="4" name="Title 1"/>
-          <p:cNvSpPr txBox="1">
-            <a:spLocks/>
-          </p:cNvSpPr>
-          <p:nvPr/>
-        </p:nvSpPr>
-        <p:spPr>
-          <a:xfrm>
             <a:off x="685800" y="1772816"/>
             <a:ext cx="7772400" cy="1514599"/>
           </a:xfrm>
@@ -6061,18 +5869,7 @@
                 <a:ea typeface="Tahoma" pitchFamily="34" charset="0"/>
                 <a:cs typeface="Tahoma" pitchFamily="34" charset="0"/>
               </a:rPr>
-              <a:t> </a:t>
-            </a:r>
-            <a:r>
-              <a:rPr lang="en-US" sz="3200" dirty="0" smtClean="0">
-                <a:solidFill>
-                  <a:srgbClr val="C00000"/>
-                </a:solidFill>
-                <a:latin typeface="Tahoma" pitchFamily="34" charset="0"/>
-                <a:ea typeface="Tahoma" pitchFamily="34" charset="0"/>
-                <a:cs typeface="Tahoma" pitchFamily="34" charset="0"/>
-              </a:rPr>
-              <a:t>            </a:t>
+              <a:t>             </a:t>
             </a:r>
             <a:r>
               <a:rPr kumimoji="0" lang="en-US" sz="3200" i="0" u="none" strike="noStrike" kern="1200" cap="none" spc="0" normalizeH="0" baseline="0" noProof="0" dirty="0" smtClean="0">
@@ -6135,7 +5932,7 @@
           <a:lstStyle/>
           <a:p>
             <a:r>
-              <a:rPr lang="en-US" sz="3200" spc="-300" dirty="0" smtClean="0">
+              <a:rPr lang="en-US" sz="3200" dirty="0" smtClean="0">
                 <a:solidFill>
                   <a:srgbClr val="C00000"/>
                 </a:solidFill>
@@ -6145,7 +5942,7 @@
               <a:t>C</a:t>
             </a:r>
             <a:r>
-              <a:rPr lang="en-US" sz="2400" spc="-300" dirty="0" smtClean="0">
+              <a:rPr lang="en-US" sz="2400" dirty="0" smtClean="0">
                 <a:solidFill>
                   <a:schemeClr val="tx1">
                     <a:lumMod val="60000"/>
@@ -6157,7 +5954,7 @@
               </a:rPr>
               <a:t>reate</a:t>
             </a:r>
-            <a:endParaRPr lang="en-GB" sz="2400" spc="-300" dirty="0" err="1" smtClean="0">
+            <a:endParaRPr lang="en-GB" sz="2400" dirty="0" err="1" smtClean="0">
               <a:solidFill>
                 <a:schemeClr val="tx1">
                   <a:lumMod val="60000"/>
@@ -6193,7 +5990,7 @@
           <a:lstStyle/>
           <a:p>
             <a:r>
-              <a:rPr lang="en-US" sz="3200" spc="-300" dirty="0" smtClean="0">
+              <a:rPr lang="en-US" sz="3200" dirty="0" smtClean="0">
                 <a:solidFill>
                   <a:srgbClr val="C00000"/>
                 </a:solidFill>
@@ -6203,7 +6000,7 @@
               <a:t>R</a:t>
             </a:r>
             <a:r>
-              <a:rPr lang="en-US" sz="2400" spc="-300" dirty="0" smtClean="0">
+              <a:rPr lang="en-US" sz="2400" dirty="0" smtClean="0">
                 <a:solidFill>
                   <a:schemeClr val="tx1">
                     <a:lumMod val="60000"/>
@@ -6215,7 +6012,7 @@
               </a:rPr>
               <a:t>etrieve</a:t>
             </a:r>
-            <a:endParaRPr lang="en-GB" sz="2400" spc="-300" dirty="0" err="1" smtClean="0">
+            <a:endParaRPr lang="en-GB" sz="2400" dirty="0" err="1" smtClean="0">
               <a:solidFill>
                 <a:schemeClr val="tx1">
                   <a:lumMod val="60000"/>
@@ -6251,7 +6048,7 @@
           <a:lstStyle/>
           <a:p>
             <a:r>
-              <a:rPr lang="en-US" sz="3200" spc="-300" dirty="0" smtClean="0">
+              <a:rPr lang="en-US" sz="3200" dirty="0" smtClean="0">
                 <a:solidFill>
                   <a:srgbClr val="C00000"/>
                 </a:solidFill>
@@ -6261,7 +6058,7 @@
               <a:t>U</a:t>
             </a:r>
             <a:r>
-              <a:rPr lang="en-US" sz="2400" spc="-300" dirty="0" smtClean="0">
+              <a:rPr lang="en-US" sz="2400" dirty="0" smtClean="0">
                 <a:solidFill>
                   <a:schemeClr val="tx1">
                     <a:lumMod val="60000"/>
@@ -6273,7 +6070,7 @@
               </a:rPr>
               <a:t>pdate</a:t>
             </a:r>
-            <a:endParaRPr lang="en-GB" sz="2400" spc="-300" dirty="0" err="1" smtClean="0">
+            <a:endParaRPr lang="en-GB" sz="2400" dirty="0" err="1" smtClean="0">
               <a:solidFill>
                 <a:schemeClr val="tx1">
                   <a:lumMod val="60000"/>
@@ -6309,7 +6106,7 @@
           <a:lstStyle/>
           <a:p>
             <a:r>
-              <a:rPr lang="en-US" sz="3200" spc="-300" dirty="0" smtClean="0">
+              <a:rPr lang="en-US" sz="3200" dirty="0" smtClean="0">
                 <a:solidFill>
                   <a:srgbClr val="C00000"/>
                 </a:solidFill>
@@ -6319,7 +6116,7 @@
               <a:t>D</a:t>
             </a:r>
             <a:r>
-              <a:rPr lang="en-US" sz="2400" spc="-300" dirty="0" smtClean="0">
+              <a:rPr lang="en-US" sz="2400" dirty="0" smtClean="0">
                 <a:solidFill>
                   <a:schemeClr val="tx1">
                     <a:lumMod val="60000"/>
@@ -6331,7 +6128,7 @@
               </a:rPr>
               <a:t>elete</a:t>
             </a:r>
-            <a:endParaRPr lang="en-GB" sz="2400" spc="-300" dirty="0" err="1" smtClean="0">
+            <a:endParaRPr lang="en-GB" sz="2400" dirty="0" err="1" smtClean="0">
               <a:solidFill>
                 <a:schemeClr val="tx1">
                   <a:lumMod val="60000"/>
@@ -6485,7 +6282,7 @@
 </p:sld>
 </file>
 
-<file path=ppt/slides/slide25.xml><?xml version="1.0" encoding="utf-8"?>
+<file path=ppt/slides/slide24.xml><?xml version="1.0" encoding="utf-8"?>
 <p:sld xmlns:a="http://schemas.openxmlformats.org/drawingml/2006/main" xmlns:r="http://schemas.openxmlformats.org/officeDocument/2006/relationships" xmlns:p="http://schemas.openxmlformats.org/presentationml/2006/main">
   <p:cSld>
     <p:spTree>
@@ -6539,16 +6336,25 @@
                 <a:ea typeface="Tahoma" pitchFamily="34" charset="0"/>
                 <a:cs typeface="Tahoma" pitchFamily="34" charset="0"/>
               </a:rPr>
-              <a:t>Linked Data has expanded</a:t>
+              <a:t>Linked Data has </a:t>
+            </a:r>
+            <a:r>
+              <a:rPr lang="en-US" sz="3200" dirty="0" smtClean="0">
+                <a:solidFill>
+                  <a:srgbClr val="C00000"/>
+                </a:solidFill>
+                <a:latin typeface="Tahoma" pitchFamily="34" charset="0"/>
+                <a:ea typeface="Tahoma" pitchFamily="34" charset="0"/>
+                <a:cs typeface="Tahoma" pitchFamily="34" charset="0"/>
+              </a:rPr>
+              <a:t>expanded</a:t>
             </a:r>
             <a:endParaRPr kumimoji="0" lang="en-GB" sz="3200" i="0" u="none" strike="noStrike" kern="1200" cap="none" spc="0" normalizeH="0" baseline="0" noProof="0" dirty="0">
               <a:ln>
                 <a:noFill/>
               </a:ln>
               <a:solidFill>
-                <a:schemeClr val="tx1">
-                  <a:lumMod val="50000"/>
-                </a:schemeClr>
+                <a:srgbClr val="C00000"/>
               </a:solidFill>
               <a:effectLst/>
               <a:uLnTx/>
@@ -6713,11 +6519,19 @@
             </a:pPr>
             <a:r>
               <a:rPr lang="en-GB" sz="3200" dirty="0" smtClean="0"/>
-              <a:t>t</a:t>
+              <a:t>to this, in just </a:t>
+            </a:r>
+            <a:r>
+              <a:rPr lang="en-GB" sz="3200" dirty="0" smtClean="0">
+                <a:solidFill>
+                  <a:srgbClr val="C00000"/>
+                </a:solidFill>
+              </a:rPr>
+              <a:t>five</a:t>
             </a:r>
             <a:r>
               <a:rPr lang="en-GB" sz="3200" dirty="0" smtClean="0"/>
-              <a:t>o this, in just five years</a:t>
+              <a:t> years</a:t>
             </a:r>
             <a:endParaRPr kumimoji="0" lang="en-GB" sz="3200" i="0" u="none" strike="noStrike" kern="1200" cap="none" spc="0" normalizeH="0" baseline="0" noProof="0" dirty="0">
               <a:ln>
@@ -7053,6 +6867,119 @@
 </p:sld>
 </file>
 
+<file path=ppt/slides/slide25.xml><?xml version="1.0" encoding="utf-8"?>
+<p:sld xmlns:a="http://schemas.openxmlformats.org/drawingml/2006/main" xmlns:r="http://schemas.openxmlformats.org/officeDocument/2006/relationships" xmlns:p="http://schemas.openxmlformats.org/presentationml/2006/main">
+  <p:cSld>
+    <p:spTree>
+      <p:nvGrpSpPr>
+        <p:cNvPr id="1" name=""/>
+        <p:cNvGrpSpPr/>
+        <p:nvPr/>
+      </p:nvGrpSpPr>
+      <p:grpSpPr>
+        <a:xfrm>
+          <a:off x="0" y="0"/>
+          <a:ext cx="0" cy="0"/>
+          <a:chOff x="0" y="0"/>
+          <a:chExt cx="0" cy="0"/>
+        </a:xfrm>
+      </p:grpSpPr>
+      <p:sp>
+        <p:nvSpPr>
+          <p:cNvPr id="4" name="Title 1"/>
+          <p:cNvSpPr txBox="1">
+            <a:spLocks/>
+          </p:cNvSpPr>
+          <p:nvPr/>
+        </p:nvSpPr>
+        <p:spPr>
+          <a:xfrm>
+            <a:off x="685800" y="1772816"/>
+            <a:ext cx="7772400" cy="1514599"/>
+          </a:xfrm>
+          <a:prstGeom prst="rect">
+            <a:avLst/>
+          </a:prstGeom>
+        </p:spPr>
+        <p:txBody>
+          <a:bodyPr anchor="ctr"/>
+          <a:lstStyle/>
+          <a:p>
+            <a:pPr lvl="0" algn="ctr">
+              <a:spcBef>
+                <a:spcPct val="0"/>
+              </a:spcBef>
+            </a:pPr>
+            <a:r>
+              <a:rPr lang="en-US" sz="3200" dirty="0" smtClean="0"/>
+              <a:t>The </a:t>
+            </a:r>
+            <a:r>
+              <a:rPr lang="en-US" sz="3200" dirty="0" smtClean="0"/>
+              <a:t>defining factor </a:t>
+            </a:r>
+            <a:r>
+              <a:rPr lang="en-US" sz="3200" dirty="0" smtClean="0"/>
+              <a:t>in the </a:t>
+            </a:r>
+            <a:br>
+              <a:rPr lang="en-US" sz="3200" dirty="0" smtClean="0"/>
+            </a:br>
+            <a:r>
+              <a:rPr lang="en-US" sz="3200" dirty="0" smtClean="0">
+                <a:solidFill>
+                  <a:srgbClr val="C00000"/>
+                </a:solidFill>
+              </a:rPr>
+              <a:t>Realization of </a:t>
+            </a:r>
+            <a:r>
+              <a:rPr lang="en-US" sz="3200" dirty="0" smtClean="0"/>
+              <a:t>Big Data's </a:t>
+            </a:r>
+            <a:r>
+              <a:rPr lang="en-US" sz="3200" dirty="0" smtClean="0">
+                <a:solidFill>
+                  <a:srgbClr val="C00000"/>
+                </a:solidFill>
+              </a:rPr>
+              <a:t>Potential</a:t>
+            </a:r>
+            <a:endParaRPr kumimoji="0" lang="en-GB" sz="3200" i="0" u="none" strike="noStrike" kern="1200" cap="none" spc="0" normalizeH="0" baseline="0" noProof="0" dirty="0">
+              <a:ln>
+                <a:noFill/>
+              </a:ln>
+              <a:solidFill>
+                <a:srgbClr val="C00000"/>
+              </a:solidFill>
+              <a:effectLst/>
+              <a:uLnTx/>
+              <a:uFillTx/>
+              <a:latin typeface="Tahoma" pitchFamily="34" charset="0"/>
+              <a:ea typeface="Tahoma" pitchFamily="34" charset="0"/>
+              <a:cs typeface="Tahoma" pitchFamily="34" charset="0"/>
+            </a:endParaRPr>
+          </a:p>
+        </p:txBody>
+      </p:sp>
+    </p:spTree>
+  </p:cSld>
+  <p:clrMapOvr>
+    <a:masterClrMapping/>
+  </p:clrMapOvr>
+  <p:transition>
+    <p:fade/>
+  </p:transition>
+  <p:timing>
+    <p:tnLst>
+      <p:par>
+        <p:cTn id="1" dur="indefinite" restart="never" nodeType="tmRoot"/>
+      </p:par>
+    </p:tnLst>
+  </p:timing>
+</p:sld>
+</file>
+
 <file path=ppt/slides/slide26.xml><?xml version="1.0" encoding="utf-8"?>
 <p:sld xmlns:a="http://schemas.openxmlformats.org/drawingml/2006/main" xmlns:r="http://schemas.openxmlformats.org/officeDocument/2006/relationships" xmlns:p="http://schemas.openxmlformats.org/presentationml/2006/main">
   <p:cSld>
@@ -7097,43 +7024,16 @@
               </a:spcBef>
             </a:pPr>
             <a:r>
-              <a:rPr lang="en-US" sz="3200" dirty="0" smtClean="0"/>
-              <a:t>The Defining Factor </a:t>
-            </a:r>
-            <a:r>
-              <a:rPr lang="en-US" sz="3200" dirty="0" smtClean="0"/>
-              <a:t>in the </a:t>
-            </a:r>
-            <a:br>
-              <a:rPr lang="en-US" sz="3200" dirty="0" smtClean="0"/>
-            </a:br>
-            <a:r>
-              <a:rPr lang="en-US" sz="3200" dirty="0" smtClean="0">
+              <a:rPr lang="en-GB" sz="3200" dirty="0" smtClean="0"/>
+              <a:t>Time for a </a:t>
+            </a:r>
+            <a:r>
+              <a:rPr lang="en-GB" sz="3200" dirty="0" smtClean="0">
                 <a:solidFill>
                   <a:srgbClr val="C00000"/>
                 </a:solidFill>
               </a:rPr>
-              <a:t>Realization </a:t>
-            </a:r>
-            <a:r>
-              <a:rPr lang="en-US" sz="3200" dirty="0" smtClean="0">
-                <a:solidFill>
-                  <a:srgbClr val="C00000"/>
-                </a:solidFill>
-              </a:rPr>
-              <a:t>of </a:t>
-            </a:r>
-            <a:r>
-              <a:rPr lang="en-US" sz="3200" dirty="0" smtClean="0"/>
-              <a:t>Big Data's </a:t>
-            </a:r>
-            <a:r>
-              <a:rPr lang="en-US" sz="3200" dirty="0" smtClean="0">
-                <a:solidFill>
-                  <a:srgbClr val="C00000"/>
-                </a:solidFill>
-              </a:rPr>
-              <a:t>Potential</a:t>
+              <a:t>Demonstration</a:t>
             </a:r>
             <a:endParaRPr kumimoji="0" lang="en-GB" sz="3200" i="0" u="none" strike="noStrike" kern="1200" cap="none" spc="0" normalizeH="0" baseline="0" noProof="0" dirty="0">
               <a:ln>
@@ -7152,6 +7052,38 @@
           </a:p>
         </p:txBody>
       </p:sp>
+      <p:pic>
+        <p:nvPicPr>
+          <p:cNvPr id="1026" name="Picture 2" descr="http://t2.gstatic.com/images?q=tbn:ANd9GcSKgEBGaeIOeWzpPVHigkPuToCHkr1yV1aUbn-Zw3Ebm9C_eVpYaoogMVte"/>
+          <p:cNvPicPr>
+            <a:picLocks noChangeAspect="1" noChangeArrowheads="1"/>
+          </p:cNvPicPr>
+          <p:nvPr/>
+        </p:nvPicPr>
+        <p:blipFill>
+          <a:blip r:embed="rId2" cstate="print"/>
+          <a:srcRect b="9302"/>
+          <a:stretch>
+            <a:fillRect/>
+          </a:stretch>
+        </p:blipFill>
+        <p:spPr bwMode="auto">
+          <a:xfrm>
+            <a:off x="3644728" y="3134140"/>
+            <a:ext cx="1857375" cy="2228845"/>
+          </a:xfrm>
+          <a:prstGeom prst="rect">
+            <a:avLst/>
+          </a:prstGeom>
+          <a:noFill/>
+          <a:scene3d>
+            <a:camera prst="orthographicFront">
+              <a:rot lat="0" lon="0" rev="0"/>
+            </a:camera>
+            <a:lightRig rig="threePt" dir="t"/>
+          </a:scene3d>
+        </p:spPr>
+      </p:pic>
     </p:spTree>
   </p:cSld>
   <p:clrMapOvr>
@@ -7171,128 +7103,6 @@
 </file>
 
 <file path=ppt/slides/slide27.xml><?xml version="1.0" encoding="utf-8"?>
-<p:sld xmlns:a="http://schemas.openxmlformats.org/drawingml/2006/main" xmlns:r="http://schemas.openxmlformats.org/officeDocument/2006/relationships" xmlns:p="http://schemas.openxmlformats.org/presentationml/2006/main">
-  <p:cSld>
-    <p:spTree>
-      <p:nvGrpSpPr>
-        <p:cNvPr id="1" name=""/>
-        <p:cNvGrpSpPr/>
-        <p:nvPr/>
-      </p:nvGrpSpPr>
-      <p:grpSpPr>
-        <a:xfrm>
-          <a:off x="0" y="0"/>
-          <a:ext cx="0" cy="0"/>
-          <a:chOff x="0" y="0"/>
-          <a:chExt cx="0" cy="0"/>
-        </a:xfrm>
-      </p:grpSpPr>
-      <p:sp>
-        <p:nvSpPr>
-          <p:cNvPr id="4" name="Title 1"/>
-          <p:cNvSpPr txBox="1">
-            <a:spLocks/>
-          </p:cNvSpPr>
-          <p:nvPr/>
-        </p:nvSpPr>
-        <p:spPr>
-          <a:xfrm>
-            <a:off x="685800" y="1772816"/>
-            <a:ext cx="7772400" cy="1514599"/>
-          </a:xfrm>
-          <a:prstGeom prst="rect">
-            <a:avLst/>
-          </a:prstGeom>
-        </p:spPr>
-        <p:txBody>
-          <a:bodyPr anchor="ctr"/>
-          <a:lstStyle/>
-          <a:p>
-            <a:pPr lvl="0" algn="ctr">
-              <a:spcBef>
-                <a:spcPct val="0"/>
-              </a:spcBef>
-            </a:pPr>
-            <a:r>
-              <a:rPr lang="en-GB" sz="3200" dirty="0" smtClean="0"/>
-              <a:t>Time for a </a:t>
-            </a:r>
-            <a:r>
-              <a:rPr lang="en-GB" sz="3200" dirty="0" smtClean="0">
-                <a:solidFill>
-                  <a:srgbClr val="C00000"/>
-                </a:solidFill>
-              </a:rPr>
-              <a:t>Demonstration</a:t>
-            </a:r>
-            <a:endParaRPr kumimoji="0" lang="en-GB" sz="3200" i="0" u="none" strike="noStrike" kern="1200" cap="none" spc="0" normalizeH="0" baseline="0" noProof="0" dirty="0">
-              <a:ln>
-                <a:noFill/>
-              </a:ln>
-              <a:solidFill>
-                <a:srgbClr val="C00000"/>
-              </a:solidFill>
-              <a:effectLst/>
-              <a:uLnTx/>
-              <a:uFillTx/>
-              <a:latin typeface="Tahoma" pitchFamily="34" charset="0"/>
-              <a:ea typeface="Tahoma" pitchFamily="34" charset="0"/>
-              <a:cs typeface="Tahoma" pitchFamily="34" charset="0"/>
-            </a:endParaRPr>
-          </a:p>
-        </p:txBody>
-      </p:sp>
-      <p:pic>
-        <p:nvPicPr>
-          <p:cNvPr id="1026" name="Picture 2" descr="http://t2.gstatic.com/images?q=tbn:ANd9GcSKgEBGaeIOeWzpPVHigkPuToCHkr1yV1aUbn-Zw3Ebm9C_eVpYaoogMVte"/>
-          <p:cNvPicPr>
-            <a:picLocks noChangeAspect="1" noChangeArrowheads="1"/>
-          </p:cNvPicPr>
-          <p:nvPr/>
-        </p:nvPicPr>
-        <p:blipFill>
-          <a:blip r:embed="rId2" cstate="print"/>
-          <a:srcRect b="9302"/>
-          <a:stretch>
-            <a:fillRect/>
-          </a:stretch>
-        </p:blipFill>
-        <p:spPr bwMode="auto">
-          <a:xfrm>
-            <a:off x="3644728" y="3134140"/>
-            <a:ext cx="1857375" cy="2228845"/>
-          </a:xfrm>
-          <a:prstGeom prst="rect">
-            <a:avLst/>
-          </a:prstGeom>
-          <a:noFill/>
-          <a:scene3d>
-            <a:camera prst="orthographicFront">
-              <a:rot lat="0" lon="0" rev="0"/>
-            </a:camera>
-            <a:lightRig rig="threePt" dir="t"/>
-          </a:scene3d>
-        </p:spPr>
-      </p:pic>
-    </p:spTree>
-  </p:cSld>
-  <p:clrMapOvr>
-    <a:masterClrMapping/>
-  </p:clrMapOvr>
-  <p:transition>
-    <p:fade/>
-  </p:transition>
-  <p:timing>
-    <p:tnLst>
-      <p:par>
-        <p:cTn id="1" dur="indefinite" restart="never" nodeType="tmRoot"/>
-      </p:par>
-    </p:tnLst>
-  </p:timing>
-</p:sld>
-</file>
-
-<file path=ppt/slides/slide28.xml><?xml version="1.0" encoding="utf-8"?>
 <p:sld xmlns:a="http://schemas.openxmlformats.org/drawingml/2006/main" xmlns:r="http://schemas.openxmlformats.org/officeDocument/2006/relationships" xmlns:p="http://schemas.openxmlformats.org/presentationml/2006/main">
   <p:cSld>
     <p:spTree>
@@ -7747,66 +7557,55 @@
       </p:sp>
       <p:sp>
         <p:nvSpPr>
-          <p:cNvPr id="5" name="Title 10"/>
-          <p:cNvSpPr txBox="1">
-            <a:spLocks/>
-          </p:cNvSpPr>
+          <p:cNvPr id="7" name="Rectangle 6"/>
+          <p:cNvSpPr/>
           <p:nvPr/>
         </p:nvSpPr>
         <p:spPr>
           <a:xfrm>
-            <a:off x="0" y="5436973"/>
-            <a:ext cx="9144000" cy="654908"/>
+            <a:off x="1549400" y="4463716"/>
+            <a:ext cx="5905500" cy="1619584"/>
           </a:xfrm>
           <a:prstGeom prst="rect">
             <a:avLst/>
           </a:prstGeom>
-          <a:solidFill>
-            <a:schemeClr val="bg1"/>
-          </a:solidFill>
+          <a:gradFill flip="none" rotWithShape="1">
+            <a:gsLst>
+              <a:gs pos="0">
+                <a:schemeClr val="bg2">
+                  <a:alpha val="0"/>
+                </a:schemeClr>
+              </a:gs>
+              <a:gs pos="5000">
+                <a:schemeClr val="bg2"/>
+              </a:gs>
+              <a:gs pos="100000">
+                <a:schemeClr val="bg2"/>
+              </a:gs>
+            </a:gsLst>
+            <a:lin ang="5400000" scaled="1"/>
+            <a:tileRect/>
+          </a:gradFill>
+          <a:ln w="9525" algn="ctr">
+            <a:noFill/>
+            <a:miter lim="800000"/>
+            <a:headEnd/>
+            <a:tailEnd/>
+          </a:ln>
+          <a:effectLst/>
         </p:spPr>
         <p:txBody>
-          <a:bodyPr/>
+          <a:bodyPr wrap="none" rtlCol="0" anchor="ctr"/>
           <a:lstStyle/>
           <a:p>
-            <a:pPr lvl="3">
-              <a:tabLst>
-                <a:tab pos="1828800" algn="l"/>
-              </a:tabLst>
-            </a:pPr>
-            <a:endParaRPr lang="en-US" sz="1000" dirty="0" smtClean="0"/>
-          </a:p>
-          <a:p>
-            <a:pPr lvl="3">
-              <a:tabLst>
-                <a:tab pos="1828800" algn="l"/>
-              </a:tabLst>
-            </a:pPr>
-            <a:endParaRPr lang="en-US" sz="2000" dirty="0" smtClean="0">
+            <a:pPr algn="ctr"/>
+            <a:endParaRPr lang="en-GB">
+              <a:solidFill>
+                <a:schemeClr val="tx1"/>
+              </a:solidFill>
               <a:latin typeface="Tahoma" pitchFamily="34" charset="0"/>
-              <a:ea typeface="Tahoma" pitchFamily="34" charset="0"/>
               <a:cs typeface="Tahoma" pitchFamily="34" charset="0"/>
             </a:endParaRPr>
-          </a:p>
-          <a:p>
-            <a:pPr marL="0" marR="0" lvl="0" indent="0" algn="l" defTabSz="914400" rtl="0" eaLnBrk="1" fontAlgn="auto" latinLnBrk="0" hangingPunct="1">
-              <a:lnSpc>
-                <a:spcPct val="100000"/>
-              </a:lnSpc>
-              <a:spcBef>
-                <a:spcPct val="0"/>
-              </a:spcBef>
-              <a:spcAft>
-                <a:spcPts val="0"/>
-              </a:spcAft>
-              <a:buClrTx/>
-              <a:buSzTx/>
-              <a:buFontTx/>
-              <a:buNone/>
-              <a:tabLst/>
-              <a:defRPr/>
-            </a:pPr>
-            <a:endParaRPr lang="en-US" sz="2700" dirty="0"/>
           </a:p>
         </p:txBody>
       </p:sp>
@@ -7847,7 +7646,7 @@
                                     <p:cond delay="0"/>
                                   </p:stCondLst>
                                   <p:childTnLst>
-                                    <p:animMotion origin="layout" path="M -8.33333E-7 -0.01111 L -0.00017 -0.42708 " pathEditMode="relative" rAng="0" ptsTypes="AA">
+                                    <p:animMotion origin="layout" path="M -0.00035 -0.10116 L -0.00052 -0.43125 " pathEditMode="relative" rAng="0" ptsTypes="AA">
                                       <p:cBhvr>
                                         <p:cTn id="6" dur="2000" fill="hold"/>
                                         <p:tgtEl>
@@ -7858,7 +7657,7 @@
                                           <p:attrName>ppt_y</p:attrName>
                                         </p:attrNameLst>
                                       </p:cBhvr>
-                                      <p:rCtr x="0" y="-208"/>
+                                      <p:rCtr x="0" y="-165"/>
                                     </p:animMotion>
                                   </p:childTnLst>
                                 </p:cTn>
@@ -8033,7 +7832,7 @@
           </a:prstGeom>
           <a:solidFill>
             <a:schemeClr val="bg1">
-              <a:alpha val="84000"/>
+              <a:alpha val="90000"/>
             </a:schemeClr>
           </a:solidFill>
         </p:spPr>
@@ -8048,7 +7847,19 @@
             </a:pPr>
             <a:r>
               <a:rPr lang="en-GB" sz="3200" dirty="0" smtClean="0"/>
-              <a:t>The Linked Open Data Cloud</a:t>
+              <a:t>The </a:t>
+            </a:r>
+            <a:r>
+              <a:rPr lang="en-GB" sz="3200" dirty="0" smtClean="0">
+                <a:solidFill>
+                  <a:srgbClr val="C00000"/>
+                </a:solidFill>
+              </a:rPr>
+              <a:t>Linked Open Data </a:t>
+            </a:r>
+            <a:r>
+              <a:rPr lang="en-GB" sz="3200" dirty="0" smtClean="0"/>
+              <a:t>Cloud</a:t>
             </a:r>
             <a:endParaRPr kumimoji="0" lang="en-GB" sz="3200" i="0" u="none" strike="noStrike" kern="1200" cap="none" spc="0" normalizeH="0" baseline="0" noProof="0" dirty="0">
               <a:ln>
@@ -8286,17 +8097,31 @@
               </a:spcBef>
             </a:pPr>
             <a:r>
+              <a:rPr lang="en-US" sz="3200" dirty="0" smtClean="0">
+                <a:solidFill>
+                  <a:srgbClr val="C00000"/>
+                </a:solidFill>
+              </a:rPr>
+              <a:t>RDF</a:t>
+            </a:r>
+            <a:r>
               <a:rPr lang="en-US" sz="3200" dirty="0" smtClean="0"/>
-              <a:t>RDF and SPARQL</a:t>
+              <a:t> and </a:t>
+            </a:r>
+            <a:r>
+              <a:rPr lang="en-US" sz="3200" dirty="0" smtClean="0">
+                <a:solidFill>
+                  <a:srgbClr val="C00000"/>
+                </a:solidFill>
+              </a:rPr>
+              <a:t>SPARQL</a:t>
             </a:r>
             <a:endParaRPr kumimoji="0" lang="en-GB" sz="3200" i="0" u="none" strike="noStrike" kern="1200" cap="none" spc="0" normalizeH="0" baseline="0" noProof="0" dirty="0">
               <a:ln>
                 <a:noFill/>
               </a:ln>
               <a:solidFill>
-                <a:schemeClr val="tx1">
-                  <a:lumMod val="50000"/>
-                </a:schemeClr>
+                <a:srgbClr val="C00000"/>
               </a:solidFill>
               <a:effectLst/>
               <a:uLnTx/>
@@ -8371,7 +8196,19 @@
             </a:pPr>
             <a:r>
               <a:rPr lang="en-GB" sz="3200" dirty="0" smtClean="0"/>
-              <a:t>a lack of standard protocols...</a:t>
+              <a:t>A </a:t>
+            </a:r>
+            <a:r>
+              <a:rPr lang="en-GB" sz="3200" dirty="0" smtClean="0">
+                <a:solidFill>
+                  <a:srgbClr val="C00000"/>
+                </a:solidFill>
+              </a:rPr>
+              <a:t>lack</a:t>
+            </a:r>
+            <a:r>
+              <a:rPr lang="en-GB" sz="3200" dirty="0" smtClean="0"/>
+              <a:t> of standard protocols...</a:t>
             </a:r>
             <a:endParaRPr kumimoji="0" lang="en-GB" sz="3200" i="0" u="none" strike="noStrike" kern="1200" cap="none" spc="0" normalizeH="0" baseline="0" noProof="0" dirty="0">
               <a:ln>

--- a/docs/marklogic_and_the_linked-data_connection.pptx
+++ b/docs/marklogic_and_the_linked-data_connection.pptx
@@ -5,7 +5,7 @@
     <p:sldMasterId id="2147483662" r:id="rId1"/>
   </p:sldMasterIdLst>
   <p:notesMasterIdLst>
-    <p:notesMasterId r:id="rId29"/>
+    <p:notesMasterId r:id="rId30"/>
   </p:notesMasterIdLst>
   <p:sldIdLst>
     <p:sldId id="288" r:id="rId2"/>
@@ -31,10 +31,11 @@
     <p:sldId id="299" r:id="rId22"/>
     <p:sldId id="306" r:id="rId23"/>
     <p:sldId id="300" r:id="rId24"/>
-    <p:sldId id="302" r:id="rId25"/>
-    <p:sldId id="303" r:id="rId26"/>
-    <p:sldId id="304" r:id="rId27"/>
-    <p:sldId id="275" r:id="rId28"/>
+    <p:sldId id="307" r:id="rId25"/>
+    <p:sldId id="302" r:id="rId26"/>
+    <p:sldId id="303" r:id="rId27"/>
+    <p:sldId id="304" r:id="rId28"/>
+    <p:sldId id="275" r:id="rId29"/>
   </p:sldIdLst>
   <p:sldSz cx="9144000" cy="6858000" type="screen4x3"/>
   <p:notesSz cx="6934200" cy="9232900"/>
@@ -553,7 +554,7 @@
             <a:fld id="{708EA56A-F1B3-4F1F-ACD0-DEC49C4A85DD}" type="slidenum">
               <a:rPr lang="en-US" smtClean="0"/>
               <a:pPr/>
-              <a:t>27</a:t>
+              <a:t>28</a:t>
             </a:fld>
             <a:endParaRPr lang="en-US" dirty="0"/>
           </a:p>
@@ -3500,15 +3501,7 @@
             </a:pPr>
             <a:r>
               <a:rPr lang="en-US" sz="3200" noProof="0" dirty="0" smtClean="0"/>
-              <a:t>New </a:t>
-            </a:r>
-            <a:r>
-              <a:rPr lang="en-US" sz="3200" noProof="0" dirty="0" smtClean="0"/>
-              <a:t>Protocols </a:t>
-            </a:r>
-            <a:r>
-              <a:rPr lang="en-US" sz="3200" noProof="0" dirty="0" smtClean="0"/>
-              <a:t>from the W3C</a:t>
+              <a:t>New Protocols from the W3C</a:t>
             </a:r>
           </a:p>
           <a:p>
@@ -4430,7 +4423,7 @@
         </p:nvSpPr>
         <p:spPr>
           <a:xfrm>
-            <a:off x="1744579" y="1913060"/>
+            <a:off x="1756611" y="1913060"/>
             <a:ext cx="5642810" cy="4596064"/>
           </a:xfrm>
           <a:prstGeom prst="rect">
@@ -4474,7 +4467,6 @@
               <a:rPr lang="en-US" sz="3200" noProof="0" dirty="0" smtClean="0"/>
               <a:t> of Functions</a:t>
             </a:r>
-            <a:endParaRPr lang="en-US" sz="3200" noProof="0" dirty="0" smtClean="0"/>
           </a:p>
           <a:p>
             <a:pPr lvl="0" algn="ctr">
@@ -4894,20 +4886,7 @@
                 <a:latin typeface="Courier New" pitchFamily="49" charset="0"/>
                 <a:cs typeface="Courier New" pitchFamily="49" charset="0"/>
               </a:rPr>
-              <a:t>,</a:t>
-            </a:r>
-            <a:r>
-              <a:rPr lang="en-GB" sz="1600" b="1" dirty="0" smtClean="0">
-                <a:solidFill>
-                  <a:schemeClr val="tx1">
-                    <a:lumMod val="60000"/>
-                    <a:lumOff val="40000"/>
-                  </a:schemeClr>
-                </a:solidFill>
-                <a:latin typeface="Courier New" pitchFamily="49" charset="0"/>
-                <a:cs typeface="Courier New" pitchFamily="49" charset="0"/>
-              </a:rPr>
-              <a:t> </a:t>
+              <a:t>, </a:t>
             </a:r>
             <a:r>
               <a:rPr lang="en-GB" sz="1600" b="1" dirty="0" err="1" smtClean="0">
@@ -5132,7 +5111,7 @@
         </p:nvSpPr>
         <p:spPr>
           <a:xfrm>
-            <a:off x="685800" y="1772816"/>
+            <a:off x="697832" y="1772816"/>
             <a:ext cx="7772400" cy="1514599"/>
           </a:xfrm>
           <a:prstGeom prst="rect">
@@ -5178,15 +5157,7 @@
                   <a:srgbClr val="C00000"/>
                 </a:solidFill>
               </a:rPr>
-              <a:t>so </a:t>
-            </a:r>
-            <a:r>
-              <a:rPr lang="en-US" sz="3200" noProof="0" dirty="0" smtClean="0">
-                <a:solidFill>
-                  <a:srgbClr val="C00000"/>
-                </a:solidFill>
-              </a:rPr>
-              <a:t>many</a:t>
+              <a:t>so many</a:t>
             </a:r>
             <a:r>
               <a:rPr lang="en-US" sz="3200" noProof="0" dirty="0" smtClean="0"/>
@@ -5417,7 +5388,7 @@
         </p:nvSpPr>
         <p:spPr>
           <a:xfrm>
-            <a:off x="517358" y="1434494"/>
+            <a:off x="541422" y="1434494"/>
             <a:ext cx="8061158" cy="3895475"/>
           </a:xfrm>
           <a:prstGeom prst="rect">
@@ -5556,8 +5527,15 @@
                 <a:latin typeface="Courier New" pitchFamily="49" charset="0"/>
                 <a:cs typeface="Courier New" pitchFamily="49" charset="0"/>
               </a:rPr>
-              <a:t>'/books/collection/A123.xml'</a:t>
-            </a:r>
+              <a:t>'/books/collection/A123.xml',</a:t>
+            </a:r>
+          </a:p>
+          <a:p>
+            <a:pPr marL="2574925" lvl="7">
+              <a:spcBef>
+                <a:spcPct val="0"/>
+              </a:spcBef>
+            </a:pPr>
             <a:r>
               <a:rPr lang="en-GB" sz="1600" b="1" dirty="0" smtClean="0">
                 <a:solidFill>
@@ -5569,7 +5547,7 @@
                 <a:latin typeface="Courier New" pitchFamily="49" charset="0"/>
                 <a:cs typeface="Courier New" pitchFamily="49" charset="0"/>
               </a:rPr>
-              <a:t>,</a:t>
+              <a:t>&lt;book&gt;</a:t>
             </a:r>
           </a:p>
           <a:p>
@@ -5589,7 +5567,7 @@
                 <a:latin typeface="Courier New" pitchFamily="49" charset="0"/>
                 <a:cs typeface="Courier New" pitchFamily="49" charset="0"/>
               </a:rPr>
-              <a:t>&lt;book&gt;</a:t>
+              <a:t>  &lt;title&gt;Linked Data&lt;/title&gt;</a:t>
             </a:r>
           </a:p>
           <a:p>
@@ -5609,40 +5587,7 @@
                 <a:latin typeface="Courier New" pitchFamily="49" charset="0"/>
                 <a:cs typeface="Courier New" pitchFamily="49" charset="0"/>
               </a:rPr>
-              <a:t>  &lt;title&gt;Linked Data&lt;/title&gt;</a:t>
-            </a:r>
-          </a:p>
-          <a:p>
-            <a:pPr marL="2574925" lvl="7">
-              <a:spcBef>
-                <a:spcPct val="0"/>
-              </a:spcBef>
-            </a:pPr>
-            <a:r>
-              <a:rPr lang="en-GB" sz="1600" b="1" dirty="0" smtClean="0">
-                <a:solidFill>
-                  <a:schemeClr val="tx1">
-                    <a:lumMod val="60000"/>
-                    <a:lumOff val="40000"/>
-                  </a:schemeClr>
-                </a:solidFill>
-                <a:latin typeface="Courier New" pitchFamily="49" charset="0"/>
-                <a:cs typeface="Courier New" pitchFamily="49" charset="0"/>
-              </a:rPr>
-              <a:t>&lt;/book&gt;</a:t>
-            </a:r>
-            <a:r>
-              <a:rPr lang="en-GB" sz="1600" b="1" dirty="0" smtClean="0">
-                <a:solidFill>
-                  <a:schemeClr val="tx1">
-                    <a:lumMod val="60000"/>
-                    <a:lumOff val="40000"/>
-                  </a:schemeClr>
-                </a:solidFill>
-                <a:latin typeface="Courier New" pitchFamily="49" charset="0"/>
-                <a:cs typeface="Courier New" pitchFamily="49" charset="0"/>
-              </a:rPr>
-              <a:t>,</a:t>
+              <a:t>&lt;/book&gt;,</a:t>
             </a:r>
           </a:p>
           <a:p>
@@ -5825,7 +5770,7 @@
         </p:nvSpPr>
         <p:spPr>
           <a:xfrm>
-            <a:off x="685800" y="1772816"/>
+            <a:off x="697832" y="1772816"/>
             <a:ext cx="7772400" cy="1514599"/>
           </a:xfrm>
           <a:prstGeom prst="rect">
@@ -5917,7 +5862,7 @@
         </p:nvSpPr>
         <p:spPr>
           <a:xfrm>
-            <a:off x="3793148" y="2156009"/>
+            <a:off x="3805180" y="2156009"/>
             <a:ext cx="762516" cy="3872414"/>
           </a:xfrm>
           <a:prstGeom prst="rect">
@@ -5975,7 +5920,7 @@
         </p:nvSpPr>
         <p:spPr>
           <a:xfrm>
-            <a:off x="4170948" y="2155802"/>
+            <a:off x="4182980" y="2155802"/>
             <a:ext cx="762516" cy="4538162"/>
           </a:xfrm>
           <a:prstGeom prst="rect">
@@ -6033,7 +5978,7 @@
         </p:nvSpPr>
         <p:spPr>
           <a:xfrm>
-            <a:off x="4554974" y="2156009"/>
+            <a:off x="4567006" y="2156009"/>
             <a:ext cx="762516" cy="3872414"/>
           </a:xfrm>
           <a:prstGeom prst="rect">
@@ -6091,7 +6036,7 @@
         </p:nvSpPr>
         <p:spPr>
           <a:xfrm>
-            <a:off x="4956442" y="2152199"/>
+            <a:off x="4968474" y="2152199"/>
             <a:ext cx="762516" cy="3872414"/>
           </a:xfrm>
           <a:prstGeom prst="rect">
@@ -6149,7 +6094,7 @@
         </p:nvSpPr>
         <p:spPr>
           <a:xfrm>
-            <a:off x="4042611" y="2707103"/>
+            <a:off x="4054643" y="2707103"/>
             <a:ext cx="1612231" cy="3128210"/>
           </a:xfrm>
           <a:prstGeom prst="rect">
@@ -6309,7 +6254,7 @@
         </p:nvSpPr>
         <p:spPr>
           <a:xfrm>
-            <a:off x="685800" y="1772816"/>
+            <a:off x="697832" y="1772816"/>
             <a:ext cx="7772400" cy="1514599"/>
           </a:xfrm>
           <a:prstGeom prst="rect">
@@ -6326,6 +6271,102 @@
               </a:spcBef>
             </a:pPr>
             <a:r>
+              <a:rPr lang="en-US" sz="3200" dirty="0" smtClean="0"/>
+              <a:t>A </a:t>
+            </a:r>
+            <a:r>
+              <a:rPr lang="en-US" sz="3200" dirty="0" err="1" smtClean="0">
+                <a:solidFill>
+                  <a:srgbClr val="C00000"/>
+                </a:solidFill>
+              </a:rPr>
+              <a:t>RESTful</a:t>
+            </a:r>
+            <a:r>
+              <a:rPr lang="en-US" sz="3200" dirty="0" smtClean="0"/>
+              <a:t> interface for Graph Stores</a:t>
+            </a:r>
+            <a:endParaRPr kumimoji="0" lang="en-GB" sz="3200" i="0" u="none" strike="noStrike" kern="1200" cap="none" spc="0" normalizeH="0" baseline="0" noProof="0" dirty="0">
+              <a:ln>
+                <a:noFill/>
+              </a:ln>
+              <a:solidFill>
+                <a:schemeClr val="tx1">
+                  <a:lumMod val="50000"/>
+                </a:schemeClr>
+              </a:solidFill>
+              <a:effectLst/>
+              <a:uLnTx/>
+              <a:uFillTx/>
+              <a:latin typeface="Tahoma" pitchFamily="34" charset="0"/>
+              <a:ea typeface="Tahoma" pitchFamily="34" charset="0"/>
+              <a:cs typeface="Tahoma" pitchFamily="34" charset="0"/>
+            </a:endParaRPr>
+          </a:p>
+        </p:txBody>
+      </p:sp>
+    </p:spTree>
+  </p:cSld>
+  <p:clrMapOvr>
+    <a:masterClrMapping/>
+  </p:clrMapOvr>
+  <p:transition>
+    <p:fade/>
+  </p:transition>
+  <p:timing>
+    <p:tnLst>
+      <p:par>
+        <p:cTn id="1" dur="indefinite" restart="never" nodeType="tmRoot"/>
+      </p:par>
+    </p:tnLst>
+  </p:timing>
+</p:sld>
+</file>
+
+<file path=ppt/slides/slide25.xml><?xml version="1.0" encoding="utf-8"?>
+<p:sld xmlns:a="http://schemas.openxmlformats.org/drawingml/2006/main" xmlns:r="http://schemas.openxmlformats.org/officeDocument/2006/relationships" xmlns:p="http://schemas.openxmlformats.org/presentationml/2006/main">
+  <p:cSld>
+    <p:spTree>
+      <p:nvGrpSpPr>
+        <p:cNvPr id="1" name=""/>
+        <p:cNvGrpSpPr/>
+        <p:nvPr/>
+      </p:nvGrpSpPr>
+      <p:grpSpPr>
+        <a:xfrm>
+          <a:off x="0" y="0"/>
+          <a:ext cx="0" cy="0"/>
+          <a:chOff x="0" y="0"/>
+          <a:chExt cx="0" cy="0"/>
+        </a:xfrm>
+      </p:grpSpPr>
+      <p:sp>
+        <p:nvSpPr>
+          <p:cNvPr id="4" name="Title 1"/>
+          <p:cNvSpPr txBox="1">
+            <a:spLocks/>
+          </p:cNvSpPr>
+          <p:nvPr/>
+        </p:nvSpPr>
+        <p:spPr>
+          <a:xfrm>
+            <a:off x="685800" y="1772816"/>
+            <a:ext cx="7772400" cy="1514599"/>
+          </a:xfrm>
+          <a:prstGeom prst="rect">
+            <a:avLst/>
+          </a:prstGeom>
+        </p:spPr>
+        <p:txBody>
+          <a:bodyPr anchor="ctr"/>
+          <a:lstStyle/>
+          <a:p>
+            <a:pPr lvl="0" algn="ctr">
+              <a:spcBef>
+                <a:spcPct val="0"/>
+              </a:spcBef>
+            </a:pPr>
+            <a:r>
               <a:rPr lang="en-US" sz="3200" dirty="0" smtClean="0">
                 <a:solidFill>
                   <a:schemeClr val="tx1">
@@ -6336,7 +6377,20 @@
                 <a:ea typeface="Tahoma" pitchFamily="34" charset="0"/>
                 <a:cs typeface="Tahoma" pitchFamily="34" charset="0"/>
               </a:rPr>
-              <a:t>Linked Data has </a:t>
+              <a:t>Linked Open Data </a:t>
+            </a:r>
+            <a:r>
+              <a:rPr lang="en-US" sz="3200" dirty="0" smtClean="0">
+                <a:solidFill>
+                  <a:schemeClr val="tx1">
+                    <a:lumMod val="50000"/>
+                  </a:schemeClr>
+                </a:solidFill>
+                <a:latin typeface="Tahoma" pitchFamily="34" charset="0"/>
+                <a:ea typeface="Tahoma" pitchFamily="34" charset="0"/>
+                <a:cs typeface="Tahoma" pitchFamily="34" charset="0"/>
+              </a:rPr>
+              <a:t>has </a:t>
             </a:r>
             <a:r>
               <a:rPr lang="en-US" sz="3200" dirty="0" smtClean="0">
@@ -6519,7 +6573,15 @@
             </a:pPr>
             <a:r>
               <a:rPr lang="en-GB" sz="3200" dirty="0" smtClean="0"/>
-              <a:t>to this, in just </a:t>
+              <a:t>to </a:t>
+            </a:r>
+            <a:r>
+              <a:rPr lang="en-GB" sz="3200" dirty="0" smtClean="0"/>
+              <a:t>this </a:t>
+            </a:r>
+            <a:r>
+              <a:rPr lang="en-GB" sz="3200" dirty="0" smtClean="0"/>
+              <a:t>in just </a:t>
             </a:r>
             <a:r>
               <a:rPr lang="en-GB" sz="3200" dirty="0" smtClean="0">
@@ -6531,7 +6593,11 @@
             </a:r>
             <a:r>
               <a:rPr lang="en-GB" sz="3200" dirty="0" smtClean="0"/>
-              <a:t> years</a:t>
+              <a:t> </a:t>
+            </a:r>
+            <a:r>
+              <a:rPr lang="en-GB" sz="3200" dirty="0" smtClean="0"/>
+              <a:t>years</a:t>
             </a:r>
             <a:endParaRPr kumimoji="0" lang="en-GB" sz="3200" i="0" u="none" strike="noStrike" kern="1200" cap="none" spc="0" normalizeH="0" baseline="0" noProof="0" dirty="0">
               <a:ln>
@@ -6579,37 +6645,37 @@
                             </p:stCondLst>
                             <p:childTnLst>
                               <p:par>
-                                <p:cTn id="5" presetID="10" presetClass="entr" presetSubtype="0" fill="hold" nodeType="clickEffect">
+                                <p:cTn id="5" presetID="10" presetClass="exit" presetSubtype="0" fill="hold" grpId="0" nodeType="clickEffect">
                                   <p:stCondLst>
                                     <p:cond delay="0"/>
                                   </p:stCondLst>
                                   <p:childTnLst>
+                                    <p:animEffect transition="out" filter="fade">
+                                      <p:cBhvr>
+                                        <p:cTn id="6" dur="1000"/>
+                                        <p:tgtEl>
+                                          <p:spTgt spid="4"/>
+                                        </p:tgtEl>
+                                      </p:cBhvr>
+                                    </p:animEffect>
                                     <p:set>
                                       <p:cBhvr>
-                                        <p:cTn id="6" dur="1" fill="hold">
+                                        <p:cTn id="7" dur="1" fill="hold">
                                           <p:stCondLst>
-                                            <p:cond delay="0"/>
+                                            <p:cond delay="999"/>
                                           </p:stCondLst>
                                         </p:cTn>
                                         <p:tgtEl>
-                                          <p:spTgt spid="5"/>
+                                          <p:spTgt spid="4"/>
                                         </p:tgtEl>
                                         <p:attrNameLst>
                                           <p:attrName>style.visibility</p:attrName>
                                         </p:attrNameLst>
                                       </p:cBhvr>
                                       <p:to>
-                                        <p:strVal val="visible"/>
+                                        <p:strVal val="hidden"/>
                                       </p:to>
                                     </p:set>
-                                    <p:animEffect transition="in" filter="fade">
-                                      <p:cBhvr>
-                                        <p:cTn id="7" dur="1000"/>
-                                        <p:tgtEl>
-                                          <p:spTgt spid="5"/>
-                                        </p:tgtEl>
-                                      </p:cBhvr>
-                                    </p:animEffect>
                                   </p:childTnLst>
                                 </p:cTn>
                               </p:par>
@@ -6636,7 +6702,7 @@
                                           </p:stCondLst>
                                         </p:cTn>
                                         <p:tgtEl>
-                                          <p:spTgt spid="7"/>
+                                          <p:spTgt spid="5"/>
                                         </p:tgtEl>
                                         <p:attrNameLst>
                                           <p:attrName>style.visibility</p:attrName>
@@ -6650,7 +6716,7 @@
                                       <p:cBhvr>
                                         <p:cTn id="11" dur="1000"/>
                                         <p:tgtEl>
-                                          <p:spTgt spid="7"/>
+                                          <p:spTgt spid="5"/>
                                         </p:tgtEl>
                                       </p:cBhvr>
                                     </p:animEffect>
@@ -6680,7 +6746,7 @@
                                           </p:stCondLst>
                                         </p:cTn>
                                         <p:tgtEl>
-                                          <p:spTgt spid="8"/>
+                                          <p:spTgt spid="7"/>
                                         </p:tgtEl>
                                         <p:attrNameLst>
                                           <p:attrName>style.visibility</p:attrName>
@@ -6694,7 +6760,7 @@
                                       <p:cBhvr>
                                         <p:cTn id="15" dur="1000"/>
                                         <p:tgtEl>
-                                          <p:spTgt spid="8"/>
+                                          <p:spTgt spid="7"/>
                                         </p:tgtEl>
                                       </p:cBhvr>
                                     </p:animEffect>
@@ -6724,7 +6790,7 @@
                                           </p:stCondLst>
                                         </p:cTn>
                                         <p:tgtEl>
-                                          <p:spTgt spid="9"/>
+                                          <p:spTgt spid="8"/>
                                         </p:tgtEl>
                                         <p:attrNameLst>
                                           <p:attrName>style.visibility</p:attrName>
@@ -6738,7 +6804,7 @@
                                       <p:cBhvr>
                                         <p:cTn id="19" dur="1000"/>
                                         <p:tgtEl>
-                                          <p:spTgt spid="9"/>
+                                          <p:spTgt spid="8"/>
                                         </p:tgtEl>
                                       </p:cBhvr>
                                     </p:animEffect>
@@ -6768,7 +6834,7 @@
                                           </p:stCondLst>
                                         </p:cTn>
                                         <p:tgtEl>
-                                          <p:spTgt spid="10"/>
+                                          <p:spTgt spid="9"/>
                                         </p:tgtEl>
                                         <p:attrNameLst>
                                           <p:attrName>style.visibility</p:attrName>
@@ -6782,7 +6848,7 @@
                                       <p:cBhvr>
                                         <p:cTn id="23" dur="1000"/>
                                         <p:tgtEl>
-                                          <p:spTgt spid="10"/>
+                                          <p:spTgt spid="9"/>
                                         </p:tgtEl>
                                       </p:cBhvr>
                                     </p:animEffect>
@@ -6799,7 +6865,7 @@
                             </p:stCondLst>
                             <p:childTnLst>
                               <p:par>
-                                <p:cTn id="25" presetID="10" presetClass="entr" presetSubtype="0" fill="hold" grpId="0" nodeType="afterEffect">
+                                <p:cTn id="25" presetID="10" presetClass="entr" presetSubtype="0" fill="hold" nodeType="afterEffect">
                                   <p:stCondLst>
                                     <p:cond delay="0"/>
                                   </p:stCondLst>
@@ -6807,6 +6873,50 @@
                                     <p:set>
                                       <p:cBhvr>
                                         <p:cTn id="26" dur="1" fill="hold">
+                                          <p:stCondLst>
+                                            <p:cond delay="0"/>
+                                          </p:stCondLst>
+                                        </p:cTn>
+                                        <p:tgtEl>
+                                          <p:spTgt spid="10"/>
+                                        </p:tgtEl>
+                                        <p:attrNameLst>
+                                          <p:attrName>style.visibility</p:attrName>
+                                        </p:attrNameLst>
+                                      </p:cBhvr>
+                                      <p:to>
+                                        <p:strVal val="visible"/>
+                                      </p:to>
+                                    </p:set>
+                                    <p:animEffect transition="in" filter="fade">
+                                      <p:cBhvr>
+                                        <p:cTn id="27" dur="1000"/>
+                                        <p:tgtEl>
+                                          <p:spTgt spid="10"/>
+                                        </p:tgtEl>
+                                      </p:cBhvr>
+                                    </p:animEffect>
+                                  </p:childTnLst>
+                                </p:cTn>
+                              </p:par>
+                            </p:childTnLst>
+                          </p:cTn>
+                        </p:par>
+                        <p:par>
+                          <p:cTn id="28" fill="hold">
+                            <p:stCondLst>
+                              <p:cond delay="6000"/>
+                            </p:stCondLst>
+                            <p:childTnLst>
+                              <p:par>
+                                <p:cTn id="29" presetID="10" presetClass="entr" presetSubtype="0" fill="hold" grpId="0" nodeType="afterEffect">
+                                  <p:stCondLst>
+                                    <p:cond delay="0"/>
+                                  </p:stCondLst>
+                                  <p:childTnLst>
+                                    <p:set>
+                                      <p:cBhvr>
+                                        <p:cTn id="30" dur="1" fill="hold">
                                           <p:stCondLst>
                                             <p:cond delay="0"/>
                                           </p:stCondLst>
@@ -6824,7 +6934,7 @@
                                     </p:set>
                                     <p:animEffect transition="in" filter="fade">
                                       <p:cBhvr>
-                                        <p:cTn id="27" dur="1000"/>
+                                        <p:cTn id="31" dur="1000"/>
                                         <p:tgtEl>
                                           <p:spTgt spid="11"/>
                                         </p:tgtEl>
@@ -6861,121 +6971,9 @@
       </p:par>
     </p:tnLst>
     <p:bldLst>
+      <p:bldP spid="4" grpId="0"/>
       <p:bldP spid="11" grpId="0" animBg="1"/>
     </p:bldLst>
-  </p:timing>
-</p:sld>
-</file>
-
-<file path=ppt/slides/slide25.xml><?xml version="1.0" encoding="utf-8"?>
-<p:sld xmlns:a="http://schemas.openxmlformats.org/drawingml/2006/main" xmlns:r="http://schemas.openxmlformats.org/officeDocument/2006/relationships" xmlns:p="http://schemas.openxmlformats.org/presentationml/2006/main">
-  <p:cSld>
-    <p:spTree>
-      <p:nvGrpSpPr>
-        <p:cNvPr id="1" name=""/>
-        <p:cNvGrpSpPr/>
-        <p:nvPr/>
-      </p:nvGrpSpPr>
-      <p:grpSpPr>
-        <a:xfrm>
-          <a:off x="0" y="0"/>
-          <a:ext cx="0" cy="0"/>
-          <a:chOff x="0" y="0"/>
-          <a:chExt cx="0" cy="0"/>
-        </a:xfrm>
-      </p:grpSpPr>
-      <p:sp>
-        <p:nvSpPr>
-          <p:cNvPr id="4" name="Title 1"/>
-          <p:cNvSpPr txBox="1">
-            <a:spLocks/>
-          </p:cNvSpPr>
-          <p:nvPr/>
-        </p:nvSpPr>
-        <p:spPr>
-          <a:xfrm>
-            <a:off x="685800" y="1772816"/>
-            <a:ext cx="7772400" cy="1514599"/>
-          </a:xfrm>
-          <a:prstGeom prst="rect">
-            <a:avLst/>
-          </a:prstGeom>
-        </p:spPr>
-        <p:txBody>
-          <a:bodyPr anchor="ctr"/>
-          <a:lstStyle/>
-          <a:p>
-            <a:pPr lvl="0" algn="ctr">
-              <a:spcBef>
-                <a:spcPct val="0"/>
-              </a:spcBef>
-            </a:pPr>
-            <a:r>
-              <a:rPr lang="en-US" sz="3200" dirty="0" smtClean="0"/>
-              <a:t>The </a:t>
-            </a:r>
-            <a:r>
-              <a:rPr lang="en-US" sz="3200" dirty="0" smtClean="0"/>
-              <a:t>defining factor </a:t>
-            </a:r>
-            <a:r>
-              <a:rPr lang="en-US" sz="3200" dirty="0" smtClean="0"/>
-              <a:t>in the </a:t>
-            </a:r>
-            <a:br>
-              <a:rPr lang="en-US" sz="3200" dirty="0" smtClean="0"/>
-            </a:br>
-            <a:r>
-              <a:rPr lang="en-US" sz="3200" dirty="0" smtClean="0">
-                <a:solidFill>
-                  <a:srgbClr val="C00000"/>
-                </a:solidFill>
-              </a:rPr>
-              <a:t>Realization of </a:t>
-            </a:r>
-            <a:r>
-              <a:rPr lang="en-US" sz="3200" dirty="0" smtClean="0"/>
-              <a:t>Big Data's </a:t>
-            </a:r>
-            <a:r>
-              <a:rPr lang="en-US" sz="3200" dirty="0" smtClean="0">
-                <a:solidFill>
-                  <a:srgbClr val="C00000"/>
-                </a:solidFill>
-              </a:rPr>
-              <a:t>Potential</a:t>
-            </a:r>
-            <a:endParaRPr kumimoji="0" lang="en-GB" sz="3200" i="0" u="none" strike="noStrike" kern="1200" cap="none" spc="0" normalizeH="0" baseline="0" noProof="0" dirty="0">
-              <a:ln>
-                <a:noFill/>
-              </a:ln>
-              <a:solidFill>
-                <a:srgbClr val="C00000"/>
-              </a:solidFill>
-              <a:effectLst/>
-              <a:uLnTx/>
-              <a:uFillTx/>
-              <a:latin typeface="Tahoma" pitchFamily="34" charset="0"/>
-              <a:ea typeface="Tahoma" pitchFamily="34" charset="0"/>
-              <a:cs typeface="Tahoma" pitchFamily="34" charset="0"/>
-            </a:endParaRPr>
-          </a:p>
-        </p:txBody>
-      </p:sp>
-    </p:spTree>
-  </p:cSld>
-  <p:clrMapOvr>
-    <a:masterClrMapping/>
-  </p:clrMapOvr>
-  <p:transition>
-    <p:fade/>
-  </p:transition>
-  <p:timing>
-    <p:tnLst>
-      <p:par>
-        <p:cTn id="1" dur="indefinite" restart="never" nodeType="tmRoot"/>
-      </p:par>
-    </p:tnLst>
   </p:timing>
 </p:sld>
 </file>
@@ -7007,7 +7005,112 @@
         </p:nvSpPr>
         <p:spPr>
           <a:xfrm>
-            <a:off x="685800" y="1772816"/>
+            <a:off x="697832" y="1772816"/>
+            <a:ext cx="7772400" cy="1514599"/>
+          </a:xfrm>
+          <a:prstGeom prst="rect">
+            <a:avLst/>
+          </a:prstGeom>
+        </p:spPr>
+        <p:txBody>
+          <a:bodyPr anchor="ctr"/>
+          <a:lstStyle/>
+          <a:p>
+            <a:pPr lvl="0" algn="ctr">
+              <a:spcBef>
+                <a:spcPct val="0"/>
+              </a:spcBef>
+            </a:pPr>
+            <a:r>
+              <a:rPr lang="en-US" sz="3200" dirty="0" smtClean="0"/>
+              <a:t>The defining factor in the </a:t>
+            </a:r>
+            <a:br>
+              <a:rPr lang="en-US" sz="3200" dirty="0" smtClean="0"/>
+            </a:br>
+            <a:r>
+              <a:rPr lang="en-US" sz="3200" dirty="0" smtClean="0">
+                <a:solidFill>
+                  <a:srgbClr val="C00000"/>
+                </a:solidFill>
+              </a:rPr>
+              <a:t>Realization of </a:t>
+            </a:r>
+            <a:r>
+              <a:rPr lang="en-US" sz="3200" dirty="0" smtClean="0"/>
+              <a:t>Big Data's </a:t>
+            </a:r>
+            <a:r>
+              <a:rPr lang="en-US" sz="3200" dirty="0" smtClean="0">
+                <a:solidFill>
+                  <a:srgbClr val="C00000"/>
+                </a:solidFill>
+              </a:rPr>
+              <a:t>Potential</a:t>
+            </a:r>
+            <a:endParaRPr kumimoji="0" lang="en-GB" sz="3200" i="0" u="none" strike="noStrike" kern="1200" cap="none" spc="0" normalizeH="0" baseline="0" noProof="0" dirty="0">
+              <a:ln>
+                <a:noFill/>
+              </a:ln>
+              <a:solidFill>
+                <a:srgbClr val="C00000"/>
+              </a:solidFill>
+              <a:effectLst/>
+              <a:uLnTx/>
+              <a:uFillTx/>
+              <a:latin typeface="Tahoma" pitchFamily="34" charset="0"/>
+              <a:ea typeface="Tahoma" pitchFamily="34" charset="0"/>
+              <a:cs typeface="Tahoma" pitchFamily="34" charset="0"/>
+            </a:endParaRPr>
+          </a:p>
+        </p:txBody>
+      </p:sp>
+    </p:spTree>
+  </p:cSld>
+  <p:clrMapOvr>
+    <a:masterClrMapping/>
+  </p:clrMapOvr>
+  <p:transition>
+    <p:fade/>
+  </p:transition>
+  <p:timing>
+    <p:tnLst>
+      <p:par>
+        <p:cTn id="1" dur="indefinite" restart="never" nodeType="tmRoot"/>
+      </p:par>
+    </p:tnLst>
+  </p:timing>
+</p:sld>
+</file>
+
+<file path=ppt/slides/slide27.xml><?xml version="1.0" encoding="utf-8"?>
+<p:sld xmlns:a="http://schemas.openxmlformats.org/drawingml/2006/main" xmlns:r="http://schemas.openxmlformats.org/officeDocument/2006/relationships" xmlns:p="http://schemas.openxmlformats.org/presentationml/2006/main">
+  <p:cSld>
+    <p:spTree>
+      <p:nvGrpSpPr>
+        <p:cNvPr id="1" name=""/>
+        <p:cNvGrpSpPr/>
+        <p:nvPr/>
+      </p:nvGrpSpPr>
+      <p:grpSpPr>
+        <a:xfrm>
+          <a:off x="0" y="0"/>
+          <a:ext cx="0" cy="0"/>
+          <a:chOff x="0" y="0"/>
+          <a:chExt cx="0" cy="0"/>
+        </a:xfrm>
+      </p:grpSpPr>
+      <p:sp>
+        <p:nvSpPr>
+          <p:cNvPr id="4" name="Title 1"/>
+          <p:cNvSpPr txBox="1">
+            <a:spLocks/>
+          </p:cNvSpPr>
+          <p:nvPr/>
+        </p:nvSpPr>
+        <p:spPr>
+          <a:xfrm>
+            <a:off x="697832" y="1772816"/>
             <a:ext cx="7772400" cy="1514599"/>
           </a:xfrm>
           <a:prstGeom prst="rect">
@@ -7102,7 +7205,7 @@
 </p:sld>
 </file>
 
-<file path=ppt/slides/slide27.xml><?xml version="1.0" encoding="utf-8"?>
+<file path=ppt/slides/slide28.xml><?xml version="1.0" encoding="utf-8"?>
 <p:sld xmlns:a="http://schemas.openxmlformats.org/drawingml/2006/main" xmlns:r="http://schemas.openxmlformats.org/officeDocument/2006/relationships" xmlns:p="http://schemas.openxmlformats.org/presentationml/2006/main">
   <p:cSld>
     <p:spTree>
@@ -7824,7 +7927,7 @@
         </p:nvSpPr>
         <p:spPr>
           <a:xfrm>
-            <a:off x="838200" y="2088288"/>
+            <a:off x="693816" y="2088288"/>
             <a:ext cx="7772400" cy="877331"/>
           </a:xfrm>
           <a:prstGeom prst="rect">
@@ -7846,8 +7949,16 @@
               </a:spcBef>
             </a:pPr>
             <a:r>
+              <a:rPr lang="en-GB" sz="3200" dirty="0" smtClean="0">
+                <a:solidFill>
+                  <a:srgbClr val="C00000"/>
+                </a:solidFill>
+              </a:rPr>
+              <a:t>Linked </a:t>
+            </a:r>
+            <a:r>
               <a:rPr lang="en-GB" sz="3200" dirty="0" smtClean="0"/>
-              <a:t>The </a:t>
+              <a:t>Open</a:t>
             </a:r>
             <a:r>
               <a:rPr lang="en-GB" sz="3200" dirty="0" smtClean="0">
@@ -7855,11 +7966,15 @@
                   <a:srgbClr val="C00000"/>
                 </a:solidFill>
               </a:rPr>
-              <a:t>Linked Open Data </a:t>
-            </a:r>
-            <a:r>
-              <a:rPr lang="en-GB" sz="3200" dirty="0" smtClean="0"/>
-              <a:t>Cloud</a:t>
+              <a:t> </a:t>
+            </a:r>
+            <a:r>
+              <a:rPr lang="en-GB" sz="3200" dirty="0" smtClean="0">
+                <a:solidFill>
+                  <a:srgbClr val="C00000"/>
+                </a:solidFill>
+              </a:rPr>
+              <a:t>Data</a:t>
             </a:r>
             <a:endParaRPr kumimoji="0" lang="en-GB" sz="3200" i="0" u="none" strike="noStrike" kern="1200" cap="none" spc="0" normalizeH="0" baseline="0" noProof="0" dirty="0">
               <a:ln>

--- a/docs/marklogic_and_the_linked-data_connection.pptx
+++ b/docs/marklogic_and_the_linked-data_connection.pptx
@@ -24,8 +24,8 @@
     <p:sldId id="292" r:id="rId15"/>
     <p:sldId id="293" r:id="rId16"/>
     <p:sldId id="294" r:id="rId17"/>
-    <p:sldId id="295" r:id="rId18"/>
-    <p:sldId id="296" r:id="rId19"/>
+    <p:sldId id="296" r:id="rId18"/>
+    <p:sldId id="295" r:id="rId19"/>
     <p:sldId id="297" r:id="rId20"/>
     <p:sldId id="298" r:id="rId21"/>
     <p:sldId id="299" r:id="rId22"/>
@@ -220,7 +220,7 @@
             <a:fld id="{94BD8BE7-2CEE-4CB9-9ABE-658F4AD66801}" type="datetimeFigureOut">
               <a:rPr lang="en-US" smtClean="0"/>
               <a:pPr/>
-              <a:t>5/17/2012</a:t>
+              <a:t>5/19/2012</a:t>
             </a:fld>
             <a:endParaRPr lang="en-US" dirty="0"/>
           </a:p>
@@ -3408,12 +3408,20 @@
               <a:t>and additional </a:t>
             </a:r>
             <a:r>
-              <a:rPr lang="en-US" sz="3200" noProof="0" dirty="0" smtClean="0">
+              <a:rPr lang="en-US" sz="3200" dirty="0" smtClean="0">
                 <a:solidFill>
                   <a:srgbClr val="C00000"/>
                 </a:solidFill>
               </a:rPr>
-              <a:t>Complexity</a:t>
+              <a:t>c</a:t>
+            </a:r>
+            <a:r>
+              <a:rPr lang="en-US" sz="3200" noProof="0" dirty="0" err="1" smtClean="0">
+                <a:solidFill>
+                  <a:srgbClr val="C00000"/>
+                </a:solidFill>
+              </a:rPr>
+              <a:t>omplexity</a:t>
             </a:r>
             <a:r>
               <a:rPr lang="en-US" sz="3200" noProof="0" dirty="0" smtClean="0"/>
@@ -4129,8 +4137,8 @@
         </p:nvSpPr>
         <p:spPr>
           <a:xfrm>
-            <a:off x="685800" y="1929232"/>
-            <a:ext cx="7772400" cy="1271164"/>
+            <a:off x="685800" y="2037520"/>
+            <a:ext cx="7772400" cy="2029154"/>
           </a:xfrm>
           <a:prstGeom prst="rect">
             <a:avLst/>
@@ -4146,25 +4154,16 @@
               </a:spcBef>
             </a:pPr>
             <a:r>
-              <a:rPr lang="en-US" sz="3200" dirty="0" smtClean="0"/>
-              <a:t>A </a:t>
-            </a:r>
-            <a:r>
-              <a:rPr lang="en-US" sz="3200" dirty="0" err="1" smtClean="0">
-                <a:solidFill>
-                  <a:srgbClr val="C00000"/>
-                </a:solidFill>
-              </a:rPr>
-              <a:t>GitHub</a:t>
-            </a:r>
-            <a:r>
-              <a:rPr lang="en-US" sz="3200" dirty="0" smtClean="0"/>
-              <a:t> Project</a:t>
-            </a:r>
-            <a:endParaRPr lang="en-US" sz="3200" noProof="0" dirty="0" smtClean="0"/>
-          </a:p>
-          <a:p>
-            <a:pPr marL="288925" lvl="1" algn="ctr">
+              <a:rPr lang="en-US" sz="3200" noProof="0" dirty="0" err="1" smtClean="0"/>
+              <a:t>XQuery</a:t>
+            </a:r>
+            <a:r>
+              <a:rPr lang="en-US" sz="3200" noProof="0" dirty="0" smtClean="0"/>
+              <a:t> Client Libraries</a:t>
+            </a:r>
+          </a:p>
+          <a:p>
+            <a:pPr marL="288925" lvl="1">
               <a:spcBef>
                 <a:spcPct val="0"/>
               </a:spcBef>
@@ -4172,17 +4171,84 @@
             <a:endParaRPr lang="it-IT" sz="2000" dirty="0" smtClean="0"/>
           </a:p>
           <a:p>
-            <a:pPr marL="288925" lvl="1" algn="ctr">
+            <a:pPr marL="1660525" lvl="4">
               <a:spcBef>
                 <a:spcPct val="0"/>
               </a:spcBef>
             </a:pPr>
             <a:r>
-              <a:rPr lang="en-GB" sz="2000" dirty="0" smtClean="0">
-                <a:hlinkClick r:id="rId2"/>
-              </a:rPr>
-              <a:t>https://github.com/philipfennell/grasp</a:t>
-            </a:r>
+              <a:rPr lang="it-IT" sz="2000" b="1" dirty="0" smtClean="0">
+                <a:solidFill>
+                  <a:srgbClr val="C00000"/>
+                </a:solidFill>
+                <a:latin typeface="Courier New" pitchFamily="49" charset="0"/>
+                <a:cs typeface="Courier New" pitchFamily="49" charset="0"/>
+              </a:rPr>
+              <a:t>lib-gsp.xqy</a:t>
+            </a:r>
+            <a:r>
+              <a:rPr lang="it-IT" sz="2000" dirty="0" smtClean="0">
+                <a:solidFill>
+                  <a:srgbClr val="C00000"/>
+                </a:solidFill>
+              </a:rPr>
+              <a:t> </a:t>
+            </a:r>
+            <a:r>
+              <a:rPr lang="it-IT" sz="2000" dirty="0" smtClean="0"/>
+              <a:t>- Graph Store HTTP Protocol</a:t>
+            </a:r>
+          </a:p>
+          <a:p>
+            <a:pPr marL="1660525" lvl="4">
+              <a:spcBef>
+                <a:spcPct val="0"/>
+              </a:spcBef>
+            </a:pPr>
+            <a:r>
+              <a:rPr lang="it-IT" sz="2000" dirty="0" smtClean="0">
+                <a:solidFill>
+                  <a:srgbClr val="C00000"/>
+                </a:solidFill>
+              </a:rPr>
+              <a:t/>
+            </a:r>
+            <a:br>
+              <a:rPr lang="it-IT" sz="2000" dirty="0" smtClean="0">
+                <a:solidFill>
+                  <a:srgbClr val="C00000"/>
+                </a:solidFill>
+              </a:rPr>
+            </a:br>
+            <a:r>
+              <a:rPr lang="it-IT" sz="2000" b="1" dirty="0" smtClean="0">
+                <a:solidFill>
+                  <a:srgbClr val="C00000"/>
+                </a:solidFill>
+                <a:latin typeface="Courier New" pitchFamily="49" charset="0"/>
+                <a:cs typeface="Courier New" pitchFamily="49" charset="0"/>
+              </a:rPr>
+              <a:t>lib-spq.xqy</a:t>
+            </a:r>
+            <a:r>
+              <a:rPr lang="it-IT" sz="2000" dirty="0" smtClean="0">
+                <a:solidFill>
+                  <a:srgbClr val="C00000"/>
+                </a:solidFill>
+              </a:rPr>
+              <a:t> </a:t>
+            </a:r>
+            <a:r>
+              <a:rPr lang="it-IT" sz="2000" dirty="0" smtClean="0"/>
+              <a:t>- SPARQL Protocol</a:t>
+            </a:r>
+          </a:p>
+          <a:p>
+            <a:pPr marL="1660525" lvl="4">
+              <a:spcBef>
+                <a:spcPct val="0"/>
+              </a:spcBef>
+            </a:pPr>
             <a:endParaRPr kumimoji="0" lang="en-GB" sz="2000" i="0" u="none" strike="noStrike" kern="1200" cap="none" spc="0" normalizeH="0" baseline="0" noProof="0" dirty="0">
               <a:ln>
                 <a:noFill/>
@@ -4247,8 +4313,8 @@
         </p:nvSpPr>
         <p:spPr>
           <a:xfrm>
-            <a:off x="685800" y="2037520"/>
-            <a:ext cx="7772400" cy="2029154"/>
+            <a:off x="685800" y="1929232"/>
+            <a:ext cx="7772400" cy="1271164"/>
           </a:xfrm>
           <a:prstGeom prst="rect">
             <a:avLst/>
@@ -4264,16 +4330,25 @@
               </a:spcBef>
             </a:pPr>
             <a:r>
-              <a:rPr lang="en-US" sz="3200" noProof="0" dirty="0" err="1" smtClean="0"/>
-              <a:t>XQuery</a:t>
-            </a:r>
-            <a:r>
-              <a:rPr lang="en-US" sz="3200" noProof="0" dirty="0" smtClean="0"/>
-              <a:t> Client Libraries</a:t>
-            </a:r>
-          </a:p>
-          <a:p>
-            <a:pPr marL="288925" lvl="1">
+              <a:rPr lang="en-US" sz="3200" dirty="0" smtClean="0"/>
+              <a:t>A </a:t>
+            </a:r>
+            <a:r>
+              <a:rPr lang="en-US" sz="3200" dirty="0" err="1" smtClean="0">
+                <a:solidFill>
+                  <a:srgbClr val="C00000"/>
+                </a:solidFill>
+              </a:rPr>
+              <a:t>GitHub</a:t>
+            </a:r>
+            <a:r>
+              <a:rPr lang="en-US" sz="3200" dirty="0" smtClean="0"/>
+              <a:t> Project</a:t>
+            </a:r>
+            <a:endParaRPr lang="en-US" sz="3200" noProof="0" dirty="0" smtClean="0"/>
+          </a:p>
+          <a:p>
+            <a:pPr marL="288925" lvl="1" algn="ctr">
               <a:spcBef>
                 <a:spcPct val="0"/>
               </a:spcBef>
@@ -4281,84 +4356,17 @@
             <a:endParaRPr lang="it-IT" sz="2000" dirty="0" smtClean="0"/>
           </a:p>
           <a:p>
-            <a:pPr marL="1660525" lvl="4">
+            <a:pPr marL="288925" lvl="1" algn="ctr">
               <a:spcBef>
                 <a:spcPct val="0"/>
               </a:spcBef>
             </a:pPr>
             <a:r>
-              <a:rPr lang="it-IT" sz="2000" b="1" dirty="0" smtClean="0">
-                <a:solidFill>
-                  <a:srgbClr val="C00000"/>
-                </a:solidFill>
-                <a:latin typeface="Courier New" pitchFamily="49" charset="0"/>
-                <a:cs typeface="Courier New" pitchFamily="49" charset="0"/>
-              </a:rPr>
-              <a:t>lib-gsp.xqy</a:t>
-            </a:r>
-            <a:r>
-              <a:rPr lang="it-IT" sz="2000" dirty="0" smtClean="0">
-                <a:solidFill>
-                  <a:srgbClr val="C00000"/>
-                </a:solidFill>
-              </a:rPr>
-              <a:t> </a:t>
-            </a:r>
-            <a:r>
-              <a:rPr lang="it-IT" sz="2000" dirty="0" smtClean="0"/>
-              <a:t>- Graph Store HTTP Protocol</a:t>
-            </a:r>
-          </a:p>
-          <a:p>
-            <a:pPr marL="1660525" lvl="4">
-              <a:spcBef>
-                <a:spcPct val="0"/>
-              </a:spcBef>
-            </a:pPr>
-            <a:r>
-              <a:rPr lang="it-IT" sz="2000" dirty="0" smtClean="0">
-                <a:solidFill>
-                  <a:srgbClr val="C00000"/>
-                </a:solidFill>
-              </a:rPr>
-              <a:t/>
-            </a:r>
-            <a:br>
-              <a:rPr lang="it-IT" sz="2000" dirty="0" smtClean="0">
-                <a:solidFill>
-                  <a:srgbClr val="C00000"/>
-                </a:solidFill>
-              </a:rPr>
-            </a:br>
-            <a:r>
-              <a:rPr lang="it-IT" sz="2000" b="1" dirty="0" smtClean="0">
-                <a:solidFill>
-                  <a:srgbClr val="C00000"/>
-                </a:solidFill>
-                <a:latin typeface="Courier New" pitchFamily="49" charset="0"/>
-                <a:cs typeface="Courier New" pitchFamily="49" charset="0"/>
-              </a:rPr>
-              <a:t>lib-spq.xqy</a:t>
-            </a:r>
-            <a:r>
-              <a:rPr lang="it-IT" sz="2000" dirty="0" smtClean="0">
-                <a:solidFill>
-                  <a:srgbClr val="C00000"/>
-                </a:solidFill>
-              </a:rPr>
-              <a:t> </a:t>
-            </a:r>
-            <a:r>
-              <a:rPr lang="it-IT" sz="2000" dirty="0" smtClean="0"/>
-              <a:t>- SPARQL Protocol</a:t>
-            </a:r>
-          </a:p>
-          <a:p>
-            <a:pPr marL="1660525" lvl="4">
-              <a:spcBef>
-                <a:spcPct val="0"/>
-              </a:spcBef>
-            </a:pPr>
+              <a:rPr lang="en-GB" sz="2000" dirty="0" smtClean="0">
+                <a:hlinkClick r:id="rId2"/>
+              </a:rPr>
+              <a:t>https://github.com/philipfennell/grasp</a:t>
+            </a:r>
             <a:endParaRPr kumimoji="0" lang="en-GB" sz="2000" i="0" u="none" strike="noStrike" kern="1200" cap="none" spc="0" normalizeH="0" baseline="0" noProof="0" dirty="0">
               <a:ln>
                 <a:noFill/>
@@ -4862,6 +4870,23 @@
               </a:rPr>
               <a:t>, </a:t>
             </a:r>
+            <a:endParaRPr lang="en-GB" sz="1600" b="1" dirty="0" smtClean="0">
+              <a:solidFill>
+                <a:schemeClr val="tx1">
+                  <a:lumMod val="60000"/>
+                  <a:lumOff val="40000"/>
+                </a:schemeClr>
+              </a:solidFill>
+              <a:latin typeface="Courier New" pitchFamily="49" charset="0"/>
+              <a:cs typeface="Courier New" pitchFamily="49" charset="0"/>
+            </a:endParaRPr>
+          </a:p>
+          <a:p>
+            <a:pPr algn="ctr">
+              <a:spcBef>
+                <a:spcPct val="0"/>
+              </a:spcBef>
+            </a:pPr>
             <a:r>
               <a:rPr lang="en-GB" sz="1600" b="1" dirty="0" err="1" smtClean="0">
                 <a:solidFill>
@@ -6377,20 +6402,7 @@
                 <a:ea typeface="Tahoma" pitchFamily="34" charset="0"/>
                 <a:cs typeface="Tahoma" pitchFamily="34" charset="0"/>
               </a:rPr>
-              <a:t>Linked Open Data </a:t>
-            </a:r>
-            <a:r>
-              <a:rPr lang="en-US" sz="3200" dirty="0" smtClean="0">
-                <a:solidFill>
-                  <a:schemeClr val="tx1">
-                    <a:lumMod val="50000"/>
-                  </a:schemeClr>
-                </a:solidFill>
-                <a:latin typeface="Tahoma" pitchFamily="34" charset="0"/>
-                <a:ea typeface="Tahoma" pitchFamily="34" charset="0"/>
-                <a:cs typeface="Tahoma" pitchFamily="34" charset="0"/>
-              </a:rPr>
-              <a:t>has </a:t>
+              <a:t>Linked Open Data has </a:t>
             </a:r>
             <a:r>
               <a:rPr lang="en-US" sz="3200" dirty="0" smtClean="0">
@@ -6573,31 +6585,19 @@
             </a:pPr>
             <a:r>
               <a:rPr lang="en-GB" sz="3200" dirty="0" smtClean="0"/>
-              <a:t>to </a:t>
+              <a:t>to this in just </a:t>
+            </a:r>
+            <a:r>
+              <a:rPr lang="en-GB" sz="3200" dirty="0" smtClean="0">
+                <a:solidFill>
+                  <a:srgbClr val="C00000"/>
+                </a:solidFill>
+              </a:rPr>
+              <a:t>five</a:t>
             </a:r>
             <a:r>
               <a:rPr lang="en-GB" sz="3200" dirty="0" smtClean="0"/>
-              <a:t>this </a:t>
-            </a:r>
-            <a:r>
-              <a:rPr lang="en-GB" sz="3200" dirty="0" smtClean="0"/>
-              <a:t>in just </a:t>
-            </a:r>
-            <a:r>
-              <a:rPr lang="en-GB" sz="3200" dirty="0" smtClean="0">
-                <a:solidFill>
-                  <a:srgbClr val="C00000"/>
-                </a:solidFill>
-              </a:rPr>
-              <a:t>five</a:t>
-            </a:r>
-            <a:r>
-              <a:rPr lang="en-GB" sz="3200" dirty="0" smtClean="0"/>
-              <a:t> </a:t>
-            </a:r>
-            <a:r>
-              <a:rPr lang="en-GB" sz="3200" dirty="0" smtClean="0"/>
-              <a:t>years</a:t>
+              <a:t> years</a:t>
             </a:r>
             <a:endParaRPr kumimoji="0" lang="en-GB" sz="3200" i="0" u="none" strike="noStrike" kern="1200" cap="none" spc="0" normalizeH="0" baseline="0" noProof="0" dirty="0">
               <a:ln>
@@ -7562,7 +7562,7 @@
         </p:nvSpPr>
         <p:spPr>
           <a:xfrm>
-            <a:off x="685800" y="1995892"/>
+            <a:off x="697230" y="1681526"/>
             <a:ext cx="7772400" cy="1514599"/>
           </a:xfrm>
           <a:prstGeom prst="rect">
@@ -7611,7 +7611,7 @@
         </p:nvSpPr>
         <p:spPr>
           <a:xfrm>
-            <a:off x="689916" y="4953006"/>
+            <a:off x="685800" y="2005166"/>
             <a:ext cx="7772400" cy="1514599"/>
           </a:xfrm>
           <a:prstGeom prst="rect">
@@ -7637,7 +7637,23 @@
                   <a:srgbClr val="C00000"/>
                 </a:solidFill>
               </a:rPr>
-              <a:t> Linked Data</a:t>
+              <a:t> </a:t>
+            </a:r>
+            <a:r>
+              <a:rPr lang="en-US" sz="3200" dirty="0" smtClean="0">
+                <a:solidFill>
+                  <a:srgbClr val="C00000"/>
+                </a:solidFill>
+              </a:rPr>
+              <a:t>Linked </a:t>
+            </a:r>
+            <a:r>
+              <a:rPr lang="en-US" sz="3200" dirty="0" smtClean="0">
+                <a:solidFill>
+                  <a:srgbClr val="C00000"/>
+                </a:solidFill>
+              </a:rPr>
+              <a:t>Data</a:t>
             </a:r>
             <a:endParaRPr kumimoji="0" lang="en-GB" sz="3200" i="0" u="none" strike="noStrike" kern="1200" cap="none" spc="0" normalizeH="0" baseline="0" noProof="0" dirty="0">
               <a:ln>
@@ -7653,60 +7669,6 @@
               <a:uFillTx/>
               <a:latin typeface="Tahoma" pitchFamily="34" charset="0"/>
               <a:ea typeface="Tahoma" pitchFamily="34" charset="0"/>
-              <a:cs typeface="Tahoma" pitchFamily="34" charset="0"/>
-            </a:endParaRPr>
-          </a:p>
-        </p:txBody>
-      </p:sp>
-      <p:sp>
-        <p:nvSpPr>
-          <p:cNvPr id="7" name="Rectangle 6"/>
-          <p:cNvSpPr/>
-          <p:nvPr/>
-        </p:nvSpPr>
-        <p:spPr>
-          <a:xfrm>
-            <a:off x="1549400" y="4463716"/>
-            <a:ext cx="5905500" cy="1619584"/>
-          </a:xfrm>
-          <a:prstGeom prst="rect">
-            <a:avLst/>
-          </a:prstGeom>
-          <a:gradFill flip="none" rotWithShape="1">
-            <a:gsLst>
-              <a:gs pos="0">
-                <a:schemeClr val="bg2">
-                  <a:alpha val="0"/>
-                </a:schemeClr>
-              </a:gs>
-              <a:gs pos="5000">
-                <a:schemeClr val="bg2"/>
-              </a:gs>
-              <a:gs pos="100000">
-                <a:schemeClr val="bg2"/>
-              </a:gs>
-            </a:gsLst>
-            <a:lin ang="5400000" scaled="1"/>
-            <a:tileRect/>
-          </a:gradFill>
-          <a:ln w="9525" algn="ctr">
-            <a:noFill/>
-            <a:miter lim="800000"/>
-            <a:headEnd/>
-            <a:tailEnd/>
-          </a:ln>
-          <a:effectLst/>
-        </p:spPr>
-        <p:txBody>
-          <a:bodyPr wrap="none" rtlCol="0" anchor="ctr"/>
-          <a:lstStyle/>
-          <a:p>
-            <a:pPr algn="ctr"/>
-            <a:endParaRPr lang="en-GB">
-              <a:solidFill>
-                <a:schemeClr val="tx1"/>
-              </a:solidFill>
-              <a:latin typeface="Tahoma" pitchFamily="34" charset="0"/>
               <a:cs typeface="Tahoma" pitchFamily="34" charset="0"/>
             </a:endParaRPr>
           </a:p>
@@ -7732,9 +7694,6 @@
                     <p:cTn id="3" fill="hold">
                       <p:stCondLst>
                         <p:cond delay="indefinite"/>
-                        <p:cond evt="onBegin" delay="0">
-                          <p:tn val="2"/>
-                        </p:cond>
                       </p:stCondLst>
                       <p:childTnLst>
                         <p:par>
@@ -7744,24 +7703,75 @@
                             </p:stCondLst>
                             <p:childTnLst>
                               <p:par>
-                                <p:cTn id="5" presetID="64" presetClass="path" presetSubtype="0" fill="hold" grpId="0" nodeType="afterEffect">
+                                <p:cTn id="5" presetID="2" presetClass="entr" presetSubtype="8" fill="hold" grpId="0" nodeType="clickEffect">
                                   <p:stCondLst>
                                     <p:cond delay="0"/>
                                   </p:stCondLst>
                                   <p:childTnLst>
-                                    <p:animMotion origin="layout" path="M -0.00035 -0.10116 L -0.00052 -0.43125 " pathEditMode="relative" rAng="0" ptsTypes="AA">
+                                    <p:set>
                                       <p:cBhvr>
-                                        <p:cTn id="6" dur="2000" fill="hold"/>
+                                        <p:cTn id="6" dur="1" fill="hold">
+                                          <p:stCondLst>
+                                            <p:cond delay="0"/>
+                                          </p:stCondLst>
+                                        </p:cTn>
+                                        <p:tgtEl>
+                                          <p:spTgt spid="3"/>
+                                        </p:tgtEl>
+                                        <p:attrNameLst>
+                                          <p:attrName>style.visibility</p:attrName>
+                                        </p:attrNameLst>
+                                      </p:cBhvr>
+                                      <p:to>
+                                        <p:strVal val="visible"/>
+                                      </p:to>
+                                    </p:set>
+                                    <p:anim calcmode="lin" valueType="num">
+                                      <p:cBhvr additive="base">
+                                        <p:cTn id="7" dur="2000" fill="hold"/>
                                         <p:tgtEl>
                                           <p:spTgt spid="3"/>
                                         </p:tgtEl>
                                         <p:attrNameLst>
                                           <p:attrName>ppt_x</p:attrName>
+                                        </p:attrNameLst>
+                                      </p:cBhvr>
+                                      <p:tavLst>
+                                        <p:tav tm="0">
+                                          <p:val>
+                                            <p:strVal val="0-#ppt_w/2"/>
+                                          </p:val>
+                                        </p:tav>
+                                        <p:tav tm="100000">
+                                          <p:val>
+                                            <p:strVal val="#ppt_x"/>
+                                          </p:val>
+                                        </p:tav>
+                                      </p:tavLst>
+                                    </p:anim>
+                                    <p:anim calcmode="lin" valueType="num">
+                                      <p:cBhvr additive="base">
+                                        <p:cTn id="8" dur="2000" fill="hold"/>
+                                        <p:tgtEl>
+                                          <p:spTgt spid="3"/>
+                                        </p:tgtEl>
+                                        <p:attrNameLst>
                                           <p:attrName>ppt_y</p:attrName>
                                         </p:attrNameLst>
                                       </p:cBhvr>
-                                      <p:rCtr x="0" y="-165"/>
-                                    </p:animMotion>
+                                      <p:tavLst>
+                                        <p:tav tm="0">
+                                          <p:val>
+                                            <p:strVal val="#ppt_y"/>
+                                          </p:val>
+                                        </p:tav>
+                                        <p:tav tm="100000">
+                                          <p:val>
+                                            <p:strVal val="#ppt_y"/>
+                                          </p:val>
+                                        </p:tav>
+                                      </p:tavLst>
+                                    </p:anim>
                                   </p:childTnLst>
                                 </p:cTn>
                               </p:par>
@@ -7769,20 +7779,20 @@
                           </p:cTn>
                         </p:par>
                         <p:par>
-                          <p:cTn id="7" fill="hold">
+                          <p:cTn id="9" fill="hold">
                             <p:stCondLst>
                               <p:cond delay="2000"/>
                             </p:stCondLst>
                             <p:childTnLst>
                               <p:par>
-                                <p:cTn id="8" presetID="64" presetClass="path" presetSubtype="0" decel="50000" fill="hold" grpId="0" nodeType="afterEffect">
+                                <p:cTn id="10" presetID="42" presetClass="path" presetSubtype="0" decel="50000" fill="hold" grpId="0" nodeType="afterEffect">
                                   <p:stCondLst>
                                     <p:cond delay="0"/>
                                   </p:stCondLst>
                                   <p:childTnLst>
-                                    <p:animMotion origin="layout" path="M -1.66667E-6 -4.44444E-6 L 0.00018 -0.03125 " pathEditMode="relative" rAng="0" ptsTypes="AA">
+                                    <p:animMotion origin="layout" path="M 4.72222E-6 4.44444E-6 L 4.72222E-6 0.0206 " pathEditMode="relative" rAng="0" ptsTypes="AA">
                                       <p:cBhvr>
-                                        <p:cTn id="9" dur="500" fill="hold"/>
+                                        <p:cTn id="11" dur="1000" fill="hold"/>
                                         <p:tgtEl>
                                           <p:spTgt spid="4"/>
                                         </p:tgtEl>
@@ -7791,7 +7801,7 @@
                                           <p:attrName>ppt_y</p:attrName>
                                         </p:attrNameLst>
                                       </p:cBhvr>
-                                      <p:rCtr x="0" y="-16"/>
+                                      <p:rCtr x="0" y="10"/>
                                     </p:animMotion>
                                   </p:childTnLst>
                                 </p:cTn>
@@ -7966,15 +7976,7 @@
                   <a:srgbClr val="C00000"/>
                 </a:solidFill>
               </a:rPr>
-              <a:t> </a:t>
-            </a:r>
-            <a:r>
-              <a:rPr lang="en-GB" sz="3200" dirty="0" smtClean="0">
-                <a:solidFill>
-                  <a:srgbClr val="C00000"/>
-                </a:solidFill>
-              </a:rPr>
-              <a:t>Data</a:t>
+              <a:t> Data</a:t>
             </a:r>
             <a:endParaRPr kumimoji="0" lang="en-GB" sz="3200" i="0" u="none" strike="noStrike" kern="1200" cap="none" spc="0" normalizeH="0" baseline="0" noProof="0" dirty="0">
               <a:ln>

--- a/docs/marklogic_and_the_linked-data_connection.pptx
+++ b/docs/marklogic_and_the_linked-data_connection.pptx
@@ -5,7 +5,7 @@
     <p:sldMasterId id="2147483662" r:id="rId1"/>
   </p:sldMasterIdLst>
   <p:notesMasterIdLst>
-    <p:notesMasterId r:id="rId30"/>
+    <p:notesMasterId r:id="rId29"/>
   </p:notesMasterIdLst>
   <p:sldIdLst>
     <p:sldId id="288" r:id="rId2"/>
@@ -24,18 +24,17 @@
     <p:sldId id="292" r:id="rId15"/>
     <p:sldId id="293" r:id="rId16"/>
     <p:sldId id="294" r:id="rId17"/>
-    <p:sldId id="296" r:id="rId18"/>
-    <p:sldId id="295" r:id="rId19"/>
+    <p:sldId id="295" r:id="rId18"/>
+    <p:sldId id="296" r:id="rId19"/>
     <p:sldId id="297" r:id="rId20"/>
     <p:sldId id="298" r:id="rId21"/>
     <p:sldId id="299" r:id="rId22"/>
     <p:sldId id="306" r:id="rId23"/>
-    <p:sldId id="300" r:id="rId24"/>
-    <p:sldId id="307" r:id="rId25"/>
-    <p:sldId id="302" r:id="rId26"/>
-    <p:sldId id="303" r:id="rId27"/>
-    <p:sldId id="304" r:id="rId28"/>
-    <p:sldId id="275" r:id="rId29"/>
+    <p:sldId id="307" r:id="rId24"/>
+    <p:sldId id="302" r:id="rId25"/>
+    <p:sldId id="303" r:id="rId26"/>
+    <p:sldId id="304" r:id="rId27"/>
+    <p:sldId id="275" r:id="rId28"/>
   </p:sldIdLst>
   <p:sldSz cx="9144000" cy="6858000" type="screen4x3"/>
   <p:notesSz cx="6934200" cy="9232900"/>
@@ -220,7 +219,7 @@
             <a:fld id="{94BD8BE7-2CEE-4CB9-9ABE-658F4AD66801}" type="datetimeFigureOut">
               <a:rPr lang="en-US" smtClean="0"/>
               <a:pPr/>
-              <a:t>5/19/2012</a:t>
+              <a:t>5/22/2012</a:t>
             </a:fld>
             <a:endParaRPr lang="en-US" dirty="0"/>
           </a:p>
@@ -532,7 +531,7 @@
           </a:bodyPr>
           <a:lstStyle/>
           <a:p>
-            <a:endParaRPr lang="en-US" dirty="0"/>
+            <a:endParaRPr lang="en-GB" dirty="0"/>
           </a:p>
         </p:txBody>
       </p:sp>
@@ -554,7 +553,2608 @@
             <a:fld id="{708EA56A-F1B3-4F1F-ACD0-DEC49C4A85DD}" type="slidenum">
               <a:rPr lang="en-US" smtClean="0"/>
               <a:pPr/>
-              <a:t>28</a:t>
+              <a:t>1</a:t>
+            </a:fld>
+            <a:endParaRPr lang="en-US" dirty="0"/>
+          </a:p>
+        </p:txBody>
+      </p:sp>
+    </p:spTree>
+  </p:cSld>
+  <p:clrMapOvr>
+    <a:masterClrMapping/>
+  </p:clrMapOvr>
+</p:notes>
+</file>
+
+<file path=ppt/notesSlides/notesSlide10.xml><?xml version="1.0" encoding="utf-8"?>
+<p:notes xmlns:a="http://schemas.openxmlformats.org/drawingml/2006/main" xmlns:r="http://schemas.openxmlformats.org/officeDocument/2006/relationships" xmlns:p="http://schemas.openxmlformats.org/presentationml/2006/main">
+  <p:cSld>
+    <p:spTree>
+      <p:nvGrpSpPr>
+        <p:cNvPr id="1" name=""/>
+        <p:cNvGrpSpPr/>
+        <p:nvPr/>
+      </p:nvGrpSpPr>
+      <p:grpSpPr>
+        <a:xfrm>
+          <a:off x="0" y="0"/>
+          <a:ext cx="0" cy="0"/>
+          <a:chOff x="0" y="0"/>
+          <a:chExt cx="0" cy="0"/>
+        </a:xfrm>
+      </p:grpSpPr>
+      <p:sp>
+        <p:nvSpPr>
+          <p:cNvPr id="2" name="Slide Image Placeholder 1"/>
+          <p:cNvSpPr>
+            <a:spLocks noGrp="1" noRot="1" noChangeAspect="1"/>
+          </p:cNvSpPr>
+          <p:nvPr>
+            <p:ph type="sldImg"/>
+          </p:nvPr>
+        </p:nvSpPr>
+        <p:spPr/>
+      </p:sp>
+      <p:sp>
+        <p:nvSpPr>
+          <p:cNvPr id="3" name="Notes Placeholder 2"/>
+          <p:cNvSpPr>
+            <a:spLocks noGrp="1"/>
+          </p:cNvSpPr>
+          <p:nvPr>
+            <p:ph type="body" idx="1"/>
+          </p:nvPr>
+        </p:nvSpPr>
+        <p:spPr/>
+        <p:txBody>
+          <a:bodyPr>
+            <a:normAutofit/>
+          </a:bodyPr>
+          <a:lstStyle/>
+          <a:p>
+            <a:r>
+              <a:rPr lang="en-US" sz="1200" kern="1200" dirty="0" smtClean="0">
+                <a:solidFill>
+                  <a:schemeClr val="tx1"/>
+                </a:solidFill>
+                <a:latin typeface="+mn-lt"/>
+                <a:ea typeface="+mn-ea"/>
+                <a:cs typeface="+mn-cs"/>
+              </a:rPr>
+              <a:t>it has lead to a variety of implementation specific APIs to load and query the </a:t>
+            </a:r>
+            <a:br>
+              <a:rPr lang="en-US" sz="1200" kern="1200" dirty="0" smtClean="0">
+                <a:solidFill>
+                  <a:schemeClr val="tx1"/>
+                </a:solidFill>
+                <a:latin typeface="+mn-lt"/>
+                <a:ea typeface="+mn-ea"/>
+                <a:cs typeface="+mn-cs"/>
+              </a:rPr>
+            </a:br>
+            <a:r>
+              <a:rPr lang="en-US" sz="1200" kern="1200" dirty="0" smtClean="0">
+                <a:solidFill>
+                  <a:schemeClr val="tx1"/>
+                </a:solidFill>
+                <a:latin typeface="+mn-lt"/>
+                <a:ea typeface="+mn-ea"/>
+                <a:cs typeface="+mn-cs"/>
+              </a:rPr>
+              <a:t>data sets held within </a:t>
+            </a:r>
+            <a:endParaRPr lang="en-GB" dirty="0"/>
+          </a:p>
+        </p:txBody>
+      </p:sp>
+      <p:sp>
+        <p:nvSpPr>
+          <p:cNvPr id="4" name="Slide Number Placeholder 3"/>
+          <p:cNvSpPr>
+            <a:spLocks noGrp="1"/>
+          </p:cNvSpPr>
+          <p:nvPr>
+            <p:ph type="sldNum" sz="quarter" idx="10"/>
+          </p:nvPr>
+        </p:nvSpPr>
+        <p:spPr/>
+        <p:txBody>
+          <a:bodyPr/>
+          <a:lstStyle/>
+          <a:p>
+            <a:fld id="{708EA56A-F1B3-4F1F-ACD0-DEC49C4A85DD}" type="slidenum">
+              <a:rPr lang="en-US" smtClean="0"/>
+              <a:pPr/>
+              <a:t>10</a:t>
+            </a:fld>
+            <a:endParaRPr lang="en-US" dirty="0"/>
+          </a:p>
+        </p:txBody>
+      </p:sp>
+    </p:spTree>
+  </p:cSld>
+  <p:clrMapOvr>
+    <a:masterClrMapping/>
+  </p:clrMapOvr>
+</p:notes>
+</file>
+
+<file path=ppt/notesSlides/notesSlide11.xml><?xml version="1.0" encoding="utf-8"?>
+<p:notes xmlns:a="http://schemas.openxmlformats.org/drawingml/2006/main" xmlns:r="http://schemas.openxmlformats.org/officeDocument/2006/relationships" xmlns:p="http://schemas.openxmlformats.org/presentationml/2006/main">
+  <p:cSld>
+    <p:spTree>
+      <p:nvGrpSpPr>
+        <p:cNvPr id="1" name=""/>
+        <p:cNvGrpSpPr/>
+        <p:nvPr/>
+      </p:nvGrpSpPr>
+      <p:grpSpPr>
+        <a:xfrm>
+          <a:off x="0" y="0"/>
+          <a:ext cx="0" cy="0"/>
+          <a:chOff x="0" y="0"/>
+          <a:chExt cx="0" cy="0"/>
+        </a:xfrm>
+      </p:grpSpPr>
+      <p:sp>
+        <p:nvSpPr>
+          <p:cNvPr id="2" name="Slide Image Placeholder 1"/>
+          <p:cNvSpPr>
+            <a:spLocks noGrp="1" noRot="1" noChangeAspect="1"/>
+          </p:cNvSpPr>
+          <p:nvPr>
+            <p:ph type="sldImg"/>
+          </p:nvPr>
+        </p:nvSpPr>
+        <p:spPr/>
+      </p:sp>
+      <p:sp>
+        <p:nvSpPr>
+          <p:cNvPr id="3" name="Notes Placeholder 2"/>
+          <p:cNvSpPr>
+            <a:spLocks noGrp="1"/>
+          </p:cNvSpPr>
+          <p:nvPr>
+            <p:ph type="body" idx="1"/>
+          </p:nvPr>
+        </p:nvSpPr>
+        <p:spPr/>
+        <p:txBody>
+          <a:bodyPr>
+            <a:normAutofit/>
+          </a:bodyPr>
+          <a:lstStyle/>
+          <a:p>
+            <a:r>
+              <a:rPr lang="en-US" sz="1200" kern="1200" dirty="0" smtClean="0">
+                <a:solidFill>
+                  <a:schemeClr val="tx1"/>
+                </a:solidFill>
+                <a:latin typeface="+mn-lt"/>
+                <a:ea typeface="+mn-ea"/>
+                <a:cs typeface="+mn-cs"/>
+              </a:rPr>
+              <a:t>and the additional complexity of a middle-tier </a:t>
+            </a:r>
+            <a:r>
+              <a:rPr lang="en-US" sz="1200" kern="1200" dirty="0" err="1" smtClean="0">
+                <a:solidFill>
+                  <a:schemeClr val="tx1"/>
+                </a:solidFill>
+                <a:latin typeface="+mn-lt"/>
+                <a:ea typeface="+mn-ea"/>
+                <a:cs typeface="+mn-cs"/>
+              </a:rPr>
+              <a:t>archtecture</a:t>
+            </a:r>
+            <a:r>
+              <a:rPr lang="en-US" sz="1200" kern="1200" dirty="0" smtClean="0">
+                <a:solidFill>
+                  <a:schemeClr val="tx1"/>
+                </a:solidFill>
+                <a:latin typeface="+mn-lt"/>
+                <a:ea typeface="+mn-ea"/>
+                <a:cs typeface="+mn-cs"/>
+              </a:rPr>
+              <a:t> to bridge the gap </a:t>
+            </a:r>
+            <a:br>
+              <a:rPr lang="en-US" sz="1200" kern="1200" dirty="0" smtClean="0">
+                <a:solidFill>
+                  <a:schemeClr val="tx1"/>
+                </a:solidFill>
+                <a:latin typeface="+mn-lt"/>
+                <a:ea typeface="+mn-ea"/>
+                <a:cs typeface="+mn-cs"/>
+              </a:rPr>
+            </a:br>
+            <a:r>
+              <a:rPr lang="en-US" sz="1200" kern="1200" dirty="0" smtClean="0">
+                <a:solidFill>
+                  <a:schemeClr val="tx1"/>
+                </a:solidFill>
+                <a:latin typeface="+mn-lt"/>
+                <a:ea typeface="+mn-ea"/>
+                <a:cs typeface="+mn-cs"/>
+              </a:rPr>
+              <a:t>between content stores and graph stores.</a:t>
+            </a:r>
+            <a:endParaRPr lang="en-GB" dirty="0"/>
+          </a:p>
+        </p:txBody>
+      </p:sp>
+      <p:sp>
+        <p:nvSpPr>
+          <p:cNvPr id="4" name="Slide Number Placeholder 3"/>
+          <p:cNvSpPr>
+            <a:spLocks noGrp="1"/>
+          </p:cNvSpPr>
+          <p:nvPr>
+            <p:ph type="sldNum" sz="quarter" idx="10"/>
+          </p:nvPr>
+        </p:nvSpPr>
+        <p:spPr/>
+        <p:txBody>
+          <a:bodyPr/>
+          <a:lstStyle/>
+          <a:p>
+            <a:fld id="{708EA56A-F1B3-4F1F-ACD0-DEC49C4A85DD}" type="slidenum">
+              <a:rPr lang="en-US" smtClean="0"/>
+              <a:pPr/>
+              <a:t>11</a:t>
+            </a:fld>
+            <a:endParaRPr lang="en-US" dirty="0"/>
+          </a:p>
+        </p:txBody>
+      </p:sp>
+    </p:spTree>
+  </p:cSld>
+  <p:clrMapOvr>
+    <a:masterClrMapping/>
+  </p:clrMapOvr>
+</p:notes>
+</file>
+
+<file path=ppt/notesSlides/notesSlide12.xml><?xml version="1.0" encoding="utf-8"?>
+<p:notes xmlns:a="http://schemas.openxmlformats.org/drawingml/2006/main" xmlns:r="http://schemas.openxmlformats.org/officeDocument/2006/relationships" xmlns:p="http://schemas.openxmlformats.org/presentationml/2006/main">
+  <p:cSld>
+    <p:spTree>
+      <p:nvGrpSpPr>
+        <p:cNvPr id="1" name=""/>
+        <p:cNvGrpSpPr/>
+        <p:nvPr/>
+      </p:nvGrpSpPr>
+      <p:grpSpPr>
+        <a:xfrm>
+          <a:off x="0" y="0"/>
+          <a:ext cx="0" cy="0"/>
+          <a:chOff x="0" y="0"/>
+          <a:chExt cx="0" cy="0"/>
+        </a:xfrm>
+      </p:grpSpPr>
+      <p:sp>
+        <p:nvSpPr>
+          <p:cNvPr id="2" name="Slide Image Placeholder 1"/>
+          <p:cNvSpPr>
+            <a:spLocks noGrp="1" noRot="1" noChangeAspect="1"/>
+          </p:cNvSpPr>
+          <p:nvPr>
+            <p:ph type="sldImg"/>
+          </p:nvPr>
+        </p:nvSpPr>
+        <p:spPr/>
+      </p:sp>
+      <p:sp>
+        <p:nvSpPr>
+          <p:cNvPr id="3" name="Notes Placeholder 2"/>
+          <p:cNvSpPr>
+            <a:spLocks noGrp="1"/>
+          </p:cNvSpPr>
+          <p:nvPr>
+            <p:ph type="body" idx="1"/>
+          </p:nvPr>
+        </p:nvSpPr>
+        <p:spPr/>
+        <p:txBody>
+          <a:bodyPr>
+            <a:normAutofit/>
+          </a:bodyPr>
+          <a:lstStyle/>
+          <a:p>
+            <a:r>
+              <a:rPr lang="en-US" sz="1200" kern="1200" dirty="0" smtClean="0">
+                <a:solidFill>
+                  <a:schemeClr val="tx1"/>
+                </a:solidFill>
+                <a:latin typeface="+mn-lt"/>
+                <a:ea typeface="+mn-ea"/>
+                <a:cs typeface="+mn-cs"/>
+              </a:rPr>
+              <a:t>The W3C have been working on a number of specifications regarding managing and </a:t>
+            </a:r>
+            <a:br>
+              <a:rPr lang="en-US" sz="1200" kern="1200" dirty="0" smtClean="0">
+                <a:solidFill>
+                  <a:schemeClr val="tx1"/>
+                </a:solidFill>
+                <a:latin typeface="+mn-lt"/>
+                <a:ea typeface="+mn-ea"/>
+                <a:cs typeface="+mn-cs"/>
+              </a:rPr>
+            </a:br>
+            <a:r>
+              <a:rPr lang="en-US" sz="1200" kern="1200" dirty="0" smtClean="0">
+                <a:solidFill>
+                  <a:schemeClr val="tx1"/>
+                </a:solidFill>
+                <a:latin typeface="+mn-lt"/>
+                <a:ea typeface="+mn-ea"/>
+                <a:cs typeface="+mn-cs"/>
+              </a:rPr>
+              <a:t>querying RDF data sets over HTTP</a:t>
+            </a:r>
+            <a:endParaRPr lang="en-GB" dirty="0"/>
+          </a:p>
+        </p:txBody>
+      </p:sp>
+      <p:sp>
+        <p:nvSpPr>
+          <p:cNvPr id="4" name="Slide Number Placeholder 3"/>
+          <p:cNvSpPr>
+            <a:spLocks noGrp="1"/>
+          </p:cNvSpPr>
+          <p:nvPr>
+            <p:ph type="sldNum" sz="quarter" idx="10"/>
+          </p:nvPr>
+        </p:nvSpPr>
+        <p:spPr/>
+        <p:txBody>
+          <a:bodyPr/>
+          <a:lstStyle/>
+          <a:p>
+            <a:fld id="{708EA56A-F1B3-4F1F-ACD0-DEC49C4A85DD}" type="slidenum">
+              <a:rPr lang="en-US" smtClean="0"/>
+              <a:pPr/>
+              <a:t>12</a:t>
+            </a:fld>
+            <a:endParaRPr lang="en-US" dirty="0"/>
+          </a:p>
+        </p:txBody>
+      </p:sp>
+    </p:spTree>
+  </p:cSld>
+  <p:clrMapOvr>
+    <a:masterClrMapping/>
+  </p:clrMapOvr>
+</p:notes>
+</file>
+
+<file path=ppt/notesSlides/notesSlide13.xml><?xml version="1.0" encoding="utf-8"?>
+<p:notes xmlns:a="http://schemas.openxmlformats.org/drawingml/2006/main" xmlns:r="http://schemas.openxmlformats.org/officeDocument/2006/relationships" xmlns:p="http://schemas.openxmlformats.org/presentationml/2006/main">
+  <p:cSld>
+    <p:spTree>
+      <p:nvGrpSpPr>
+        <p:cNvPr id="1" name=""/>
+        <p:cNvGrpSpPr/>
+        <p:nvPr/>
+      </p:nvGrpSpPr>
+      <p:grpSpPr>
+        <a:xfrm>
+          <a:off x="0" y="0"/>
+          <a:ext cx="0" cy="0"/>
+          <a:chOff x="0" y="0"/>
+          <a:chExt cx="0" cy="0"/>
+        </a:xfrm>
+      </p:grpSpPr>
+      <p:sp>
+        <p:nvSpPr>
+          <p:cNvPr id="2" name="Slide Image Placeholder 1"/>
+          <p:cNvSpPr>
+            <a:spLocks noGrp="1" noRot="1" noChangeAspect="1"/>
+          </p:cNvSpPr>
+          <p:nvPr>
+            <p:ph type="sldImg"/>
+          </p:nvPr>
+        </p:nvSpPr>
+        <p:spPr/>
+      </p:sp>
+      <p:sp>
+        <p:nvSpPr>
+          <p:cNvPr id="3" name="Notes Placeholder 2"/>
+          <p:cNvSpPr>
+            <a:spLocks noGrp="1"/>
+          </p:cNvSpPr>
+          <p:nvPr>
+            <p:ph type="body" idx="1"/>
+          </p:nvPr>
+        </p:nvSpPr>
+        <p:spPr/>
+        <p:txBody>
+          <a:bodyPr>
+            <a:normAutofit/>
+          </a:bodyPr>
+          <a:lstStyle/>
+          <a:p>
+            <a:r>
+              <a:rPr lang="en-US" sz="1200" kern="1200" dirty="0" smtClean="0">
+                <a:solidFill>
+                  <a:schemeClr val="tx1"/>
+                </a:solidFill>
+                <a:latin typeface="+mn-lt"/>
+                <a:ea typeface="+mn-ea"/>
+                <a:cs typeface="+mn-cs"/>
+              </a:rPr>
+              <a:t>Support is growing for these protocols </a:t>
+            </a:r>
+            <a:endParaRPr lang="en-GB" dirty="0"/>
+          </a:p>
+        </p:txBody>
+      </p:sp>
+      <p:sp>
+        <p:nvSpPr>
+          <p:cNvPr id="4" name="Slide Number Placeholder 3"/>
+          <p:cNvSpPr>
+            <a:spLocks noGrp="1"/>
+          </p:cNvSpPr>
+          <p:nvPr>
+            <p:ph type="sldNum" sz="quarter" idx="10"/>
+          </p:nvPr>
+        </p:nvSpPr>
+        <p:spPr/>
+        <p:txBody>
+          <a:bodyPr/>
+          <a:lstStyle/>
+          <a:p>
+            <a:fld id="{708EA56A-F1B3-4F1F-ACD0-DEC49C4A85DD}" type="slidenum">
+              <a:rPr lang="en-US" smtClean="0"/>
+              <a:pPr/>
+              <a:t>15</a:t>
+            </a:fld>
+            <a:endParaRPr lang="en-US" dirty="0"/>
+          </a:p>
+        </p:txBody>
+      </p:sp>
+    </p:spTree>
+  </p:cSld>
+  <p:clrMapOvr>
+    <a:masterClrMapping/>
+  </p:clrMapOvr>
+</p:notes>
+</file>
+
+<file path=ppt/notesSlides/notesSlide14.xml><?xml version="1.0" encoding="utf-8"?>
+<p:notes xmlns:a="http://schemas.openxmlformats.org/drawingml/2006/main" xmlns:r="http://schemas.openxmlformats.org/officeDocument/2006/relationships" xmlns:p="http://schemas.openxmlformats.org/presentationml/2006/main">
+  <p:cSld>
+    <p:spTree>
+      <p:nvGrpSpPr>
+        <p:cNvPr id="1" name=""/>
+        <p:cNvGrpSpPr/>
+        <p:nvPr/>
+      </p:nvGrpSpPr>
+      <p:grpSpPr>
+        <a:xfrm>
+          <a:off x="0" y="0"/>
+          <a:ext cx="0" cy="0"/>
+          <a:chOff x="0" y="0"/>
+          <a:chExt cx="0" cy="0"/>
+        </a:xfrm>
+      </p:grpSpPr>
+      <p:sp>
+        <p:nvSpPr>
+          <p:cNvPr id="2" name="Slide Image Placeholder 1"/>
+          <p:cNvSpPr>
+            <a:spLocks noGrp="1" noRot="1" noChangeAspect="1"/>
+          </p:cNvSpPr>
+          <p:nvPr>
+            <p:ph type="sldImg"/>
+          </p:nvPr>
+        </p:nvSpPr>
+        <p:spPr/>
+      </p:sp>
+      <p:sp>
+        <p:nvSpPr>
+          <p:cNvPr id="3" name="Notes Placeholder 2"/>
+          <p:cNvSpPr>
+            <a:spLocks noGrp="1"/>
+          </p:cNvSpPr>
+          <p:nvPr>
+            <p:ph type="body" idx="1"/>
+          </p:nvPr>
+        </p:nvSpPr>
+        <p:spPr/>
+        <p:txBody>
+          <a:bodyPr>
+            <a:normAutofit/>
+          </a:bodyPr>
+          <a:lstStyle/>
+          <a:p>
+            <a:r>
+              <a:rPr lang="en-US" sz="1200" kern="1200" dirty="0" smtClean="0">
+                <a:solidFill>
+                  <a:schemeClr val="tx1"/>
+                </a:solidFill>
+                <a:latin typeface="+mn-lt"/>
+                <a:ea typeface="+mn-ea"/>
+                <a:cs typeface="+mn-cs"/>
+              </a:rPr>
+              <a:t>and to enable </a:t>
+            </a:r>
+            <a:r>
+              <a:rPr lang="en-US" sz="1200" kern="1200" dirty="0" err="1" smtClean="0">
+                <a:solidFill>
+                  <a:schemeClr val="tx1"/>
+                </a:solidFill>
+                <a:latin typeface="+mn-lt"/>
+                <a:ea typeface="+mn-ea"/>
+                <a:cs typeface="+mn-cs"/>
+              </a:rPr>
+              <a:t>MarkLogic</a:t>
+            </a:r>
+            <a:r>
+              <a:rPr lang="en-US" sz="1200" kern="1200" dirty="0" smtClean="0">
+                <a:solidFill>
+                  <a:schemeClr val="tx1"/>
+                </a:solidFill>
+                <a:latin typeface="+mn-lt"/>
+                <a:ea typeface="+mn-ea"/>
+                <a:cs typeface="+mn-cs"/>
+              </a:rPr>
+              <a:t> to interact directly with these data sources I've been </a:t>
+            </a:r>
+            <a:br>
+              <a:rPr lang="en-US" sz="1200" kern="1200" dirty="0" smtClean="0">
+                <a:solidFill>
+                  <a:schemeClr val="tx1"/>
+                </a:solidFill>
+                <a:latin typeface="+mn-lt"/>
+                <a:ea typeface="+mn-ea"/>
+                <a:cs typeface="+mn-cs"/>
+              </a:rPr>
+            </a:br>
+            <a:r>
+              <a:rPr lang="en-US" sz="1200" kern="1200" dirty="0" smtClean="0">
+                <a:solidFill>
+                  <a:schemeClr val="tx1"/>
+                </a:solidFill>
+                <a:latin typeface="+mn-lt"/>
+                <a:ea typeface="+mn-ea"/>
+                <a:cs typeface="+mn-cs"/>
+              </a:rPr>
+              <a:t>developing GRASP (</a:t>
+            </a:r>
+            <a:r>
+              <a:rPr lang="en-US" sz="1200" kern="1200" dirty="0" err="1" smtClean="0">
+                <a:solidFill>
+                  <a:schemeClr val="tx1"/>
+                </a:solidFill>
+                <a:latin typeface="+mn-lt"/>
+                <a:ea typeface="+mn-ea"/>
+                <a:cs typeface="+mn-cs"/>
+              </a:rPr>
+              <a:t>GRaph</a:t>
+            </a:r>
+            <a:r>
+              <a:rPr lang="en-US" sz="1200" kern="1200" dirty="0" smtClean="0">
+                <a:solidFill>
+                  <a:schemeClr val="tx1"/>
+                </a:solidFill>
+                <a:latin typeface="+mn-lt"/>
+                <a:ea typeface="+mn-ea"/>
+                <a:cs typeface="+mn-cs"/>
+              </a:rPr>
+              <a:t> store And </a:t>
+            </a:r>
+            <a:r>
+              <a:rPr lang="en-US" sz="1200" kern="1200" dirty="0" err="1" smtClean="0">
+                <a:solidFill>
+                  <a:schemeClr val="tx1"/>
+                </a:solidFill>
+                <a:latin typeface="+mn-lt"/>
+                <a:ea typeface="+mn-ea"/>
+                <a:cs typeface="+mn-cs"/>
+              </a:rPr>
+              <a:t>Sparql</a:t>
+            </a:r>
+            <a:r>
+              <a:rPr lang="en-US" sz="1200" kern="1200" dirty="0" smtClean="0">
+                <a:solidFill>
+                  <a:schemeClr val="tx1"/>
+                </a:solidFill>
+                <a:latin typeface="+mn-lt"/>
+                <a:ea typeface="+mn-ea"/>
+                <a:cs typeface="+mn-cs"/>
+              </a:rPr>
+              <a:t> Protocol),</a:t>
+            </a:r>
+            <a:endParaRPr lang="en-GB" dirty="0"/>
+          </a:p>
+        </p:txBody>
+      </p:sp>
+      <p:sp>
+        <p:nvSpPr>
+          <p:cNvPr id="4" name="Slide Number Placeholder 3"/>
+          <p:cNvSpPr>
+            <a:spLocks noGrp="1"/>
+          </p:cNvSpPr>
+          <p:nvPr>
+            <p:ph type="sldNum" sz="quarter" idx="10"/>
+          </p:nvPr>
+        </p:nvSpPr>
+        <p:spPr/>
+        <p:txBody>
+          <a:bodyPr/>
+          <a:lstStyle/>
+          <a:p>
+            <a:fld id="{708EA56A-F1B3-4F1F-ACD0-DEC49C4A85DD}" type="slidenum">
+              <a:rPr lang="en-US" smtClean="0"/>
+              <a:pPr/>
+              <a:t>16</a:t>
+            </a:fld>
+            <a:endParaRPr lang="en-US" dirty="0"/>
+          </a:p>
+        </p:txBody>
+      </p:sp>
+    </p:spTree>
+  </p:cSld>
+  <p:clrMapOvr>
+    <a:masterClrMapping/>
+  </p:clrMapOvr>
+</p:notes>
+</file>
+
+<file path=ppt/notesSlides/notesSlide15.xml><?xml version="1.0" encoding="utf-8"?>
+<p:notes xmlns:a="http://schemas.openxmlformats.org/drawingml/2006/main" xmlns:r="http://schemas.openxmlformats.org/officeDocument/2006/relationships" xmlns:p="http://schemas.openxmlformats.org/presentationml/2006/main">
+  <p:cSld>
+    <p:spTree>
+      <p:nvGrpSpPr>
+        <p:cNvPr id="1" name=""/>
+        <p:cNvGrpSpPr/>
+        <p:nvPr/>
+      </p:nvGrpSpPr>
+      <p:grpSpPr>
+        <a:xfrm>
+          <a:off x="0" y="0"/>
+          <a:ext cx="0" cy="0"/>
+          <a:chOff x="0" y="0"/>
+          <a:chExt cx="0" cy="0"/>
+        </a:xfrm>
+      </p:grpSpPr>
+      <p:sp>
+        <p:nvSpPr>
+          <p:cNvPr id="2" name="Slide Image Placeholder 1"/>
+          <p:cNvSpPr>
+            <a:spLocks noGrp="1" noRot="1" noChangeAspect="1"/>
+          </p:cNvSpPr>
+          <p:nvPr>
+            <p:ph type="sldImg"/>
+          </p:nvPr>
+        </p:nvSpPr>
+        <p:spPr/>
+      </p:sp>
+      <p:sp>
+        <p:nvSpPr>
+          <p:cNvPr id="3" name="Notes Placeholder 2"/>
+          <p:cNvSpPr>
+            <a:spLocks noGrp="1"/>
+          </p:cNvSpPr>
+          <p:nvPr>
+            <p:ph type="body" idx="1"/>
+          </p:nvPr>
+        </p:nvSpPr>
+        <p:spPr/>
+        <p:txBody>
+          <a:bodyPr>
+            <a:normAutofit/>
+          </a:bodyPr>
+          <a:lstStyle/>
+          <a:p>
+            <a:r>
+              <a:rPr lang="en-US" sz="1200" kern="1200" dirty="0" smtClean="0">
+                <a:solidFill>
+                  <a:schemeClr val="tx1"/>
+                </a:solidFill>
+                <a:latin typeface="+mn-lt"/>
+                <a:ea typeface="+mn-ea"/>
+                <a:cs typeface="+mn-cs"/>
+              </a:rPr>
+              <a:t>which is a set of </a:t>
+            </a:r>
+            <a:r>
+              <a:rPr lang="en-US" sz="1200" kern="1200" dirty="0" err="1" smtClean="0">
+                <a:solidFill>
+                  <a:schemeClr val="tx1"/>
+                </a:solidFill>
+                <a:latin typeface="+mn-lt"/>
+                <a:ea typeface="+mn-ea"/>
+                <a:cs typeface="+mn-cs"/>
+              </a:rPr>
+              <a:t>XQuery</a:t>
+            </a:r>
+            <a:r>
+              <a:rPr lang="en-US" sz="1200" kern="1200" dirty="0" smtClean="0">
+                <a:solidFill>
+                  <a:schemeClr val="tx1"/>
+                </a:solidFill>
+                <a:latin typeface="+mn-lt"/>
+                <a:ea typeface="+mn-ea"/>
+                <a:cs typeface="+mn-cs"/>
+              </a:rPr>
+              <a:t> libraries that implement the client end of these </a:t>
+            </a:r>
+            <a:br>
+              <a:rPr lang="en-US" sz="1200" kern="1200" dirty="0" smtClean="0">
+                <a:solidFill>
+                  <a:schemeClr val="tx1"/>
+                </a:solidFill>
+                <a:latin typeface="+mn-lt"/>
+                <a:ea typeface="+mn-ea"/>
+                <a:cs typeface="+mn-cs"/>
+              </a:rPr>
+            </a:br>
+            <a:r>
+              <a:rPr lang="en-US" sz="1200" kern="1200" dirty="0" smtClean="0">
+                <a:solidFill>
+                  <a:schemeClr val="tx1"/>
+                </a:solidFill>
+                <a:latin typeface="+mn-lt"/>
+                <a:ea typeface="+mn-ea"/>
+                <a:cs typeface="+mn-cs"/>
+              </a:rPr>
+              <a:t>protocols.</a:t>
+            </a:r>
+            <a:br>
+              <a:rPr lang="en-US" sz="1200" kern="1200" dirty="0" smtClean="0">
+                <a:solidFill>
+                  <a:schemeClr val="tx1"/>
+                </a:solidFill>
+                <a:latin typeface="+mn-lt"/>
+                <a:ea typeface="+mn-ea"/>
+                <a:cs typeface="+mn-cs"/>
+              </a:rPr>
+            </a:br>
+            <a:endParaRPr lang="en-GB" dirty="0"/>
+          </a:p>
+        </p:txBody>
+      </p:sp>
+      <p:sp>
+        <p:nvSpPr>
+          <p:cNvPr id="4" name="Slide Number Placeholder 3"/>
+          <p:cNvSpPr>
+            <a:spLocks noGrp="1"/>
+          </p:cNvSpPr>
+          <p:nvPr>
+            <p:ph type="sldNum" sz="quarter" idx="10"/>
+          </p:nvPr>
+        </p:nvSpPr>
+        <p:spPr/>
+        <p:txBody>
+          <a:bodyPr/>
+          <a:lstStyle/>
+          <a:p>
+            <a:fld id="{708EA56A-F1B3-4F1F-ACD0-DEC49C4A85DD}" type="slidenum">
+              <a:rPr lang="en-US" smtClean="0"/>
+              <a:pPr/>
+              <a:t>18</a:t>
+            </a:fld>
+            <a:endParaRPr lang="en-US" dirty="0"/>
+          </a:p>
+        </p:txBody>
+      </p:sp>
+    </p:spTree>
+  </p:cSld>
+  <p:clrMapOvr>
+    <a:masterClrMapping/>
+  </p:clrMapOvr>
+</p:notes>
+</file>
+
+<file path=ppt/notesSlides/notesSlide16.xml><?xml version="1.0" encoding="utf-8"?>
+<p:notes xmlns:a="http://schemas.openxmlformats.org/drawingml/2006/main" xmlns:r="http://schemas.openxmlformats.org/officeDocument/2006/relationships" xmlns:p="http://schemas.openxmlformats.org/presentationml/2006/main">
+  <p:cSld>
+    <p:spTree>
+      <p:nvGrpSpPr>
+        <p:cNvPr id="1" name=""/>
+        <p:cNvGrpSpPr/>
+        <p:nvPr/>
+      </p:nvGrpSpPr>
+      <p:grpSpPr>
+        <a:xfrm>
+          <a:off x="0" y="0"/>
+          <a:ext cx="0" cy="0"/>
+          <a:chOff x="0" y="0"/>
+          <a:chExt cx="0" cy="0"/>
+        </a:xfrm>
+      </p:grpSpPr>
+      <p:sp>
+        <p:nvSpPr>
+          <p:cNvPr id="2" name="Slide Image Placeholder 1"/>
+          <p:cNvSpPr>
+            <a:spLocks noGrp="1" noRot="1" noChangeAspect="1"/>
+          </p:cNvSpPr>
+          <p:nvPr>
+            <p:ph type="sldImg"/>
+          </p:nvPr>
+        </p:nvSpPr>
+        <p:spPr/>
+      </p:sp>
+      <p:sp>
+        <p:nvSpPr>
+          <p:cNvPr id="3" name="Notes Placeholder 2"/>
+          <p:cNvSpPr>
+            <a:spLocks noGrp="1"/>
+          </p:cNvSpPr>
+          <p:nvPr>
+            <p:ph type="body" idx="1"/>
+          </p:nvPr>
+        </p:nvSpPr>
+        <p:spPr/>
+        <p:txBody>
+          <a:bodyPr>
+            <a:normAutofit/>
+          </a:bodyPr>
+          <a:lstStyle/>
+          <a:p>
+            <a:r>
+              <a:rPr lang="en-US" sz="1200" kern="1200" dirty="0" smtClean="0">
+                <a:solidFill>
+                  <a:schemeClr val="tx1"/>
+                </a:solidFill>
+                <a:latin typeface="+mn-lt"/>
+                <a:ea typeface="+mn-ea"/>
+                <a:cs typeface="+mn-cs"/>
+              </a:rPr>
+              <a:t>and provide a wide range of convenience functions that simplify making the HTTP </a:t>
+            </a:r>
+            <a:br>
+              <a:rPr lang="en-US" sz="1200" kern="1200" dirty="0" smtClean="0">
+                <a:solidFill>
+                  <a:schemeClr val="tx1"/>
+                </a:solidFill>
+                <a:latin typeface="+mn-lt"/>
+                <a:ea typeface="+mn-ea"/>
+                <a:cs typeface="+mn-cs"/>
+              </a:rPr>
+            </a:br>
+            <a:r>
+              <a:rPr lang="en-US" sz="1200" kern="1200" dirty="0" smtClean="0">
+                <a:solidFill>
+                  <a:schemeClr val="tx1"/>
+                </a:solidFill>
+                <a:latin typeface="+mn-lt"/>
+                <a:ea typeface="+mn-ea"/>
+                <a:cs typeface="+mn-cs"/>
+              </a:rPr>
+              <a:t>requests to Graph Stores that support these protocols.</a:t>
+            </a:r>
+            <a:endParaRPr lang="en-GB" dirty="0"/>
+          </a:p>
+        </p:txBody>
+      </p:sp>
+      <p:sp>
+        <p:nvSpPr>
+          <p:cNvPr id="4" name="Slide Number Placeholder 3"/>
+          <p:cNvSpPr>
+            <a:spLocks noGrp="1"/>
+          </p:cNvSpPr>
+          <p:nvPr>
+            <p:ph type="sldNum" sz="quarter" idx="10"/>
+          </p:nvPr>
+        </p:nvSpPr>
+        <p:spPr/>
+        <p:txBody>
+          <a:bodyPr/>
+          <a:lstStyle/>
+          <a:p>
+            <a:fld id="{708EA56A-F1B3-4F1F-ACD0-DEC49C4A85DD}" type="slidenum">
+              <a:rPr lang="en-US" smtClean="0"/>
+              <a:pPr/>
+              <a:t>19</a:t>
+            </a:fld>
+            <a:endParaRPr lang="en-US" dirty="0"/>
+          </a:p>
+        </p:txBody>
+      </p:sp>
+    </p:spTree>
+  </p:cSld>
+  <p:clrMapOvr>
+    <a:masterClrMapping/>
+  </p:clrMapOvr>
+</p:notes>
+</file>
+
+<file path=ppt/notesSlides/notesSlide17.xml><?xml version="1.0" encoding="utf-8"?>
+<p:notes xmlns:a="http://schemas.openxmlformats.org/drawingml/2006/main" xmlns:r="http://schemas.openxmlformats.org/officeDocument/2006/relationships" xmlns:p="http://schemas.openxmlformats.org/presentationml/2006/main">
+  <p:cSld>
+    <p:spTree>
+      <p:nvGrpSpPr>
+        <p:cNvPr id="1" name=""/>
+        <p:cNvGrpSpPr/>
+        <p:nvPr/>
+      </p:nvGrpSpPr>
+      <p:grpSpPr>
+        <a:xfrm>
+          <a:off x="0" y="0"/>
+          <a:ext cx="0" cy="0"/>
+          <a:chOff x="0" y="0"/>
+          <a:chExt cx="0" cy="0"/>
+        </a:xfrm>
+      </p:grpSpPr>
+      <p:sp>
+        <p:nvSpPr>
+          <p:cNvPr id="2" name="Slide Image Placeholder 1"/>
+          <p:cNvSpPr>
+            <a:spLocks noGrp="1" noRot="1" noChangeAspect="1"/>
+          </p:cNvSpPr>
+          <p:nvPr>
+            <p:ph type="sldImg"/>
+          </p:nvPr>
+        </p:nvSpPr>
+        <p:spPr/>
+      </p:sp>
+      <p:sp>
+        <p:nvSpPr>
+          <p:cNvPr id="3" name="Notes Placeholder 2"/>
+          <p:cNvSpPr>
+            <a:spLocks noGrp="1"/>
+          </p:cNvSpPr>
+          <p:nvPr>
+            <p:ph type="body" idx="1"/>
+          </p:nvPr>
+        </p:nvSpPr>
+        <p:spPr/>
+        <p:txBody>
+          <a:bodyPr>
+            <a:normAutofit/>
+          </a:bodyPr>
+          <a:lstStyle/>
+          <a:p>
+            <a:r>
+              <a:rPr lang="en-US" sz="1200" kern="1200" dirty="0" smtClean="0">
+                <a:solidFill>
+                  <a:schemeClr val="tx1"/>
+                </a:solidFill>
+                <a:latin typeface="+mn-lt"/>
+                <a:ea typeface="+mn-ea"/>
+                <a:cs typeface="+mn-cs"/>
+              </a:rPr>
+              <a:t>Why so many functions when one or two, with a pile of optional arguments, would </a:t>
+            </a:r>
+            <a:br>
+              <a:rPr lang="en-US" sz="1200" kern="1200" dirty="0" smtClean="0">
+                <a:solidFill>
+                  <a:schemeClr val="tx1"/>
+                </a:solidFill>
+                <a:latin typeface="+mn-lt"/>
+                <a:ea typeface="+mn-ea"/>
+                <a:cs typeface="+mn-cs"/>
+              </a:rPr>
+            </a:br>
+            <a:r>
+              <a:rPr lang="en-US" sz="1200" kern="1200" dirty="0" smtClean="0">
+                <a:solidFill>
+                  <a:schemeClr val="tx1"/>
+                </a:solidFill>
+                <a:latin typeface="+mn-lt"/>
+                <a:ea typeface="+mn-ea"/>
+                <a:cs typeface="+mn-cs"/>
+              </a:rPr>
+              <a:t>do? </a:t>
+            </a:r>
+            <a:endParaRPr lang="en-GB" dirty="0"/>
+          </a:p>
+        </p:txBody>
+      </p:sp>
+      <p:sp>
+        <p:nvSpPr>
+          <p:cNvPr id="4" name="Slide Number Placeholder 3"/>
+          <p:cNvSpPr>
+            <a:spLocks noGrp="1"/>
+          </p:cNvSpPr>
+          <p:nvPr>
+            <p:ph type="sldNum" sz="quarter" idx="10"/>
+          </p:nvPr>
+        </p:nvSpPr>
+        <p:spPr/>
+        <p:txBody>
+          <a:bodyPr/>
+          <a:lstStyle/>
+          <a:p>
+            <a:fld id="{708EA56A-F1B3-4F1F-ACD0-DEC49C4A85DD}" type="slidenum">
+              <a:rPr lang="en-US" smtClean="0"/>
+              <a:pPr/>
+              <a:t>20</a:t>
+            </a:fld>
+            <a:endParaRPr lang="en-US" dirty="0"/>
+          </a:p>
+        </p:txBody>
+      </p:sp>
+    </p:spTree>
+  </p:cSld>
+  <p:clrMapOvr>
+    <a:masterClrMapping/>
+  </p:clrMapOvr>
+</p:notes>
+</file>
+
+<file path=ppt/notesSlides/notesSlide18.xml><?xml version="1.0" encoding="utf-8"?>
+<p:notes xmlns:a="http://schemas.openxmlformats.org/drawingml/2006/main" xmlns:r="http://schemas.openxmlformats.org/officeDocument/2006/relationships" xmlns:p="http://schemas.openxmlformats.org/presentationml/2006/main">
+  <p:cSld>
+    <p:spTree>
+      <p:nvGrpSpPr>
+        <p:cNvPr id="1" name=""/>
+        <p:cNvGrpSpPr/>
+        <p:nvPr/>
+      </p:nvGrpSpPr>
+      <p:grpSpPr>
+        <a:xfrm>
+          <a:off x="0" y="0"/>
+          <a:ext cx="0" cy="0"/>
+          <a:chOff x="0" y="0"/>
+          <a:chExt cx="0" cy="0"/>
+        </a:xfrm>
+      </p:grpSpPr>
+      <p:sp>
+        <p:nvSpPr>
+          <p:cNvPr id="2" name="Slide Image Placeholder 1"/>
+          <p:cNvSpPr>
+            <a:spLocks noGrp="1" noRot="1" noChangeAspect="1"/>
+          </p:cNvSpPr>
+          <p:nvPr>
+            <p:ph type="sldImg"/>
+          </p:nvPr>
+        </p:nvSpPr>
+        <p:spPr/>
+      </p:sp>
+      <p:sp>
+        <p:nvSpPr>
+          <p:cNvPr id="3" name="Notes Placeholder 2"/>
+          <p:cNvSpPr>
+            <a:spLocks noGrp="1"/>
+          </p:cNvSpPr>
+          <p:nvPr>
+            <p:ph type="body" idx="1"/>
+          </p:nvPr>
+        </p:nvSpPr>
+        <p:spPr/>
+        <p:txBody>
+          <a:bodyPr>
+            <a:normAutofit/>
+          </a:bodyPr>
+          <a:lstStyle/>
+          <a:p>
+            <a:r>
+              <a:rPr lang="en-US" sz="1200" kern="1200" dirty="0" smtClean="0">
+                <a:solidFill>
+                  <a:schemeClr val="tx1"/>
+                </a:solidFill>
+                <a:latin typeface="+mn-lt"/>
+                <a:ea typeface="+mn-ea"/>
+                <a:cs typeface="+mn-cs"/>
+              </a:rPr>
+              <a:t>The simple answer is, I don't like too 'arguments'.</a:t>
+            </a:r>
+            <a:endParaRPr lang="en-GB" dirty="0"/>
+          </a:p>
+        </p:txBody>
+      </p:sp>
+      <p:sp>
+        <p:nvSpPr>
+          <p:cNvPr id="4" name="Slide Number Placeholder 3"/>
+          <p:cNvSpPr>
+            <a:spLocks noGrp="1"/>
+          </p:cNvSpPr>
+          <p:nvPr>
+            <p:ph type="sldNum" sz="quarter" idx="10"/>
+          </p:nvPr>
+        </p:nvSpPr>
+        <p:spPr/>
+        <p:txBody>
+          <a:bodyPr/>
+          <a:lstStyle/>
+          <a:p>
+            <a:fld id="{708EA56A-F1B3-4F1F-ACD0-DEC49C4A85DD}" type="slidenum">
+              <a:rPr lang="en-US" smtClean="0"/>
+              <a:pPr/>
+              <a:t>21</a:t>
+            </a:fld>
+            <a:endParaRPr lang="en-US" dirty="0"/>
+          </a:p>
+        </p:txBody>
+      </p:sp>
+    </p:spTree>
+  </p:cSld>
+  <p:clrMapOvr>
+    <a:masterClrMapping/>
+  </p:clrMapOvr>
+</p:notes>
+</file>
+
+<file path=ppt/notesSlides/notesSlide19.xml><?xml version="1.0" encoding="utf-8"?>
+<p:notes xmlns:a="http://schemas.openxmlformats.org/drawingml/2006/main" xmlns:r="http://schemas.openxmlformats.org/officeDocument/2006/relationships" xmlns:p="http://schemas.openxmlformats.org/presentationml/2006/main">
+  <p:cSld>
+    <p:spTree>
+      <p:nvGrpSpPr>
+        <p:cNvPr id="1" name=""/>
+        <p:cNvGrpSpPr/>
+        <p:nvPr/>
+      </p:nvGrpSpPr>
+      <p:grpSpPr>
+        <a:xfrm>
+          <a:off x="0" y="0"/>
+          <a:ext cx="0" cy="0"/>
+          <a:chOff x="0" y="0"/>
+          <a:chExt cx="0" cy="0"/>
+        </a:xfrm>
+      </p:grpSpPr>
+      <p:sp>
+        <p:nvSpPr>
+          <p:cNvPr id="2" name="Slide Image Placeholder 1"/>
+          <p:cNvSpPr>
+            <a:spLocks noGrp="1" noRot="1" noChangeAspect="1"/>
+          </p:cNvSpPr>
+          <p:nvPr>
+            <p:ph type="sldImg"/>
+          </p:nvPr>
+        </p:nvSpPr>
+        <p:spPr/>
+      </p:sp>
+      <p:sp>
+        <p:nvSpPr>
+          <p:cNvPr id="3" name="Notes Placeholder 2"/>
+          <p:cNvSpPr>
+            <a:spLocks noGrp="1"/>
+          </p:cNvSpPr>
+          <p:nvPr>
+            <p:ph type="body" idx="1"/>
+          </p:nvPr>
+        </p:nvSpPr>
+        <p:spPr/>
+        <p:txBody>
+          <a:bodyPr>
+            <a:normAutofit/>
+          </a:bodyPr>
+          <a:lstStyle/>
+          <a:p>
+            <a:r>
+              <a:rPr lang="en-US" sz="1200" kern="1200" dirty="0" smtClean="0">
+                <a:solidFill>
+                  <a:schemeClr val="tx1"/>
+                </a:solidFill>
+                <a:latin typeface="+mn-lt"/>
+                <a:ea typeface="+mn-ea"/>
+                <a:cs typeface="+mn-cs"/>
+              </a:rPr>
+              <a:t>Well, I don't like too many optional arguments where some have to be set as an </a:t>
+            </a:r>
+            <a:br>
+              <a:rPr lang="en-US" sz="1200" kern="1200" dirty="0" smtClean="0">
+                <a:solidFill>
+                  <a:schemeClr val="tx1"/>
+                </a:solidFill>
+                <a:latin typeface="+mn-lt"/>
+                <a:ea typeface="+mn-ea"/>
+                <a:cs typeface="+mn-cs"/>
+              </a:rPr>
+            </a:br>
+            <a:r>
+              <a:rPr lang="en-US" sz="1200" kern="1200" dirty="0" smtClean="0">
+                <a:solidFill>
+                  <a:schemeClr val="tx1"/>
+                </a:solidFill>
+                <a:latin typeface="+mn-lt"/>
+                <a:ea typeface="+mn-ea"/>
+                <a:cs typeface="+mn-cs"/>
+              </a:rPr>
+              <a:t>empty sequence in order to pad the way to setting others.</a:t>
+            </a:r>
+            <a:endParaRPr lang="en-GB" dirty="0"/>
+          </a:p>
+        </p:txBody>
+      </p:sp>
+      <p:sp>
+        <p:nvSpPr>
+          <p:cNvPr id="4" name="Slide Number Placeholder 3"/>
+          <p:cNvSpPr>
+            <a:spLocks noGrp="1"/>
+          </p:cNvSpPr>
+          <p:nvPr>
+            <p:ph type="sldNum" sz="quarter" idx="10"/>
+          </p:nvPr>
+        </p:nvSpPr>
+        <p:spPr/>
+        <p:txBody>
+          <a:bodyPr/>
+          <a:lstStyle/>
+          <a:p>
+            <a:fld id="{708EA56A-F1B3-4F1F-ACD0-DEC49C4A85DD}" type="slidenum">
+              <a:rPr lang="en-US" smtClean="0"/>
+              <a:pPr/>
+              <a:t>22</a:t>
+            </a:fld>
+            <a:endParaRPr lang="en-US" dirty="0"/>
+          </a:p>
+        </p:txBody>
+      </p:sp>
+    </p:spTree>
+  </p:cSld>
+  <p:clrMapOvr>
+    <a:masterClrMapping/>
+  </p:clrMapOvr>
+</p:notes>
+</file>
+
+<file path=ppt/notesSlides/notesSlide2.xml><?xml version="1.0" encoding="utf-8"?>
+<p:notes xmlns:a="http://schemas.openxmlformats.org/drawingml/2006/main" xmlns:r="http://schemas.openxmlformats.org/officeDocument/2006/relationships" xmlns:p="http://schemas.openxmlformats.org/presentationml/2006/main">
+  <p:cSld>
+    <p:spTree>
+      <p:nvGrpSpPr>
+        <p:cNvPr id="1" name=""/>
+        <p:cNvGrpSpPr/>
+        <p:nvPr/>
+      </p:nvGrpSpPr>
+      <p:grpSpPr>
+        <a:xfrm>
+          <a:off x="0" y="0"/>
+          <a:ext cx="0" cy="0"/>
+          <a:chOff x="0" y="0"/>
+          <a:chExt cx="0" cy="0"/>
+        </a:xfrm>
+      </p:grpSpPr>
+      <p:sp>
+        <p:nvSpPr>
+          <p:cNvPr id="2" name="Slide Image Placeholder 1"/>
+          <p:cNvSpPr>
+            <a:spLocks noGrp="1" noRot="1" noChangeAspect="1"/>
+          </p:cNvSpPr>
+          <p:nvPr>
+            <p:ph type="sldImg"/>
+          </p:nvPr>
+        </p:nvSpPr>
+        <p:spPr/>
+      </p:sp>
+      <p:sp>
+        <p:nvSpPr>
+          <p:cNvPr id="3" name="Notes Placeholder 2"/>
+          <p:cNvSpPr>
+            <a:spLocks noGrp="1"/>
+          </p:cNvSpPr>
+          <p:nvPr>
+            <p:ph type="body" idx="1"/>
+          </p:nvPr>
+        </p:nvSpPr>
+        <p:spPr/>
+        <p:txBody>
+          <a:bodyPr>
+            <a:normAutofit/>
+          </a:bodyPr>
+          <a:lstStyle/>
+          <a:p>
+            <a:r>
+              <a:rPr lang="en-US" sz="1200" kern="1200" dirty="0" smtClean="0">
+                <a:solidFill>
+                  <a:schemeClr val="tx1"/>
+                </a:solidFill>
+                <a:latin typeface="+mn-lt"/>
+                <a:ea typeface="+mn-ea"/>
+                <a:cs typeface="+mn-cs"/>
+              </a:rPr>
+              <a:t>Big Data is 'big news' </a:t>
+            </a:r>
+            <a:endParaRPr lang="en-GB" dirty="0"/>
+          </a:p>
+        </p:txBody>
+      </p:sp>
+      <p:sp>
+        <p:nvSpPr>
+          <p:cNvPr id="4" name="Slide Number Placeholder 3"/>
+          <p:cNvSpPr>
+            <a:spLocks noGrp="1"/>
+          </p:cNvSpPr>
+          <p:nvPr>
+            <p:ph type="sldNum" sz="quarter" idx="10"/>
+          </p:nvPr>
+        </p:nvSpPr>
+        <p:spPr/>
+        <p:txBody>
+          <a:bodyPr/>
+          <a:lstStyle/>
+          <a:p>
+            <a:fld id="{708EA56A-F1B3-4F1F-ACD0-DEC49C4A85DD}" type="slidenum">
+              <a:rPr lang="en-US" smtClean="0"/>
+              <a:pPr/>
+              <a:t>2</a:t>
+            </a:fld>
+            <a:endParaRPr lang="en-US" dirty="0"/>
+          </a:p>
+        </p:txBody>
+      </p:sp>
+    </p:spTree>
+  </p:cSld>
+  <p:clrMapOvr>
+    <a:masterClrMapping/>
+  </p:clrMapOvr>
+</p:notes>
+</file>
+
+<file path=ppt/notesSlides/notesSlide20.xml><?xml version="1.0" encoding="utf-8"?>
+<p:notes xmlns:a="http://schemas.openxmlformats.org/drawingml/2006/main" xmlns:r="http://schemas.openxmlformats.org/officeDocument/2006/relationships" xmlns:p="http://schemas.openxmlformats.org/presentationml/2006/main">
+  <p:cSld>
+    <p:spTree>
+      <p:nvGrpSpPr>
+        <p:cNvPr id="1" name=""/>
+        <p:cNvGrpSpPr/>
+        <p:nvPr/>
+      </p:nvGrpSpPr>
+      <p:grpSpPr>
+        <a:xfrm>
+          <a:off x="0" y="0"/>
+          <a:ext cx="0" cy="0"/>
+          <a:chOff x="0" y="0"/>
+          <a:chExt cx="0" cy="0"/>
+        </a:xfrm>
+      </p:grpSpPr>
+      <p:sp>
+        <p:nvSpPr>
+          <p:cNvPr id="2" name="Slide Image Placeholder 1"/>
+          <p:cNvSpPr>
+            <a:spLocks noGrp="1" noRot="1" noChangeAspect="1"/>
+          </p:cNvSpPr>
+          <p:nvPr>
+            <p:ph type="sldImg"/>
+          </p:nvPr>
+        </p:nvSpPr>
+        <p:spPr/>
+      </p:sp>
+      <p:sp>
+        <p:nvSpPr>
+          <p:cNvPr id="3" name="Notes Placeholder 2"/>
+          <p:cNvSpPr>
+            <a:spLocks noGrp="1"/>
+          </p:cNvSpPr>
+          <p:nvPr>
+            <p:ph type="body" idx="1"/>
+          </p:nvPr>
+        </p:nvSpPr>
+        <p:spPr/>
+        <p:txBody>
+          <a:bodyPr>
+            <a:normAutofit/>
+          </a:bodyPr>
+          <a:lstStyle/>
+          <a:p>
+            <a:r>
+              <a:rPr lang="en-US" sz="1200" kern="1200" dirty="0" smtClean="0">
+                <a:solidFill>
+                  <a:schemeClr val="tx1"/>
+                </a:solidFill>
+                <a:latin typeface="+mn-lt"/>
+                <a:ea typeface="+mn-ea"/>
+                <a:cs typeface="+mn-cs"/>
+              </a:rPr>
+              <a:t>Basically, these functions are wrappers for their respective </a:t>
+            </a:r>
+            <a:r>
+              <a:rPr lang="en-US" sz="1200" kern="1200" dirty="0" err="1" smtClean="0">
+                <a:solidFill>
+                  <a:schemeClr val="tx1"/>
+                </a:solidFill>
+                <a:latin typeface="+mn-lt"/>
+                <a:ea typeface="+mn-ea"/>
+                <a:cs typeface="+mn-cs"/>
+              </a:rPr>
+              <a:t>RESTful</a:t>
+            </a:r>
+            <a:r>
+              <a:rPr lang="en-US" sz="1200" kern="1200" dirty="0" smtClean="0">
+                <a:solidFill>
+                  <a:schemeClr val="tx1"/>
+                </a:solidFill>
+                <a:latin typeface="+mn-lt"/>
+                <a:ea typeface="+mn-ea"/>
+                <a:cs typeface="+mn-cs"/>
+              </a:rPr>
+              <a:t> actions and,</a:t>
+            </a:r>
+            <a:br>
+              <a:rPr lang="en-US" sz="1200" kern="1200" dirty="0" smtClean="0">
+                <a:solidFill>
+                  <a:schemeClr val="tx1"/>
+                </a:solidFill>
+                <a:latin typeface="+mn-lt"/>
+                <a:ea typeface="+mn-ea"/>
+                <a:cs typeface="+mn-cs"/>
+              </a:rPr>
+            </a:br>
+            <a:r>
+              <a:rPr lang="en-US" sz="1200" kern="1200" dirty="0" smtClean="0">
+                <a:solidFill>
+                  <a:schemeClr val="tx1"/>
+                </a:solidFill>
+                <a:latin typeface="+mn-lt"/>
+                <a:ea typeface="+mn-ea"/>
+                <a:cs typeface="+mn-cs"/>
+              </a:rPr>
+              <a:t>in effect, provide a </a:t>
+            </a:r>
+            <a:r>
+              <a:rPr lang="en-US" sz="1200" kern="1200" dirty="0" err="1" smtClean="0">
+                <a:solidFill>
+                  <a:schemeClr val="tx1"/>
+                </a:solidFill>
+                <a:latin typeface="+mn-lt"/>
+                <a:ea typeface="+mn-ea"/>
+                <a:cs typeface="+mn-cs"/>
+              </a:rPr>
+              <a:t>RESTful</a:t>
+            </a:r>
+            <a:r>
+              <a:rPr lang="en-US" sz="1200" kern="1200" dirty="0" smtClean="0">
+                <a:solidFill>
+                  <a:schemeClr val="tx1"/>
+                </a:solidFill>
+                <a:latin typeface="+mn-lt"/>
+                <a:ea typeface="+mn-ea"/>
+                <a:cs typeface="+mn-cs"/>
+              </a:rPr>
+              <a:t> </a:t>
+            </a:r>
+            <a:r>
+              <a:rPr lang="en-US" sz="1200" kern="1200" dirty="0" err="1" smtClean="0">
+                <a:solidFill>
+                  <a:schemeClr val="tx1"/>
+                </a:solidFill>
+                <a:latin typeface="+mn-lt"/>
+                <a:ea typeface="+mn-ea"/>
+                <a:cs typeface="+mn-cs"/>
+              </a:rPr>
+              <a:t>interafce</a:t>
+            </a:r>
+            <a:r>
+              <a:rPr lang="en-US" sz="1200" kern="1200" dirty="0" smtClean="0">
+                <a:solidFill>
+                  <a:schemeClr val="tx1"/>
+                </a:solidFill>
+                <a:latin typeface="+mn-lt"/>
+                <a:ea typeface="+mn-ea"/>
+                <a:cs typeface="+mn-cs"/>
+              </a:rPr>
+              <a:t> to a Graph Store.</a:t>
+            </a:r>
+            <a:endParaRPr lang="en-GB" dirty="0"/>
+          </a:p>
+        </p:txBody>
+      </p:sp>
+      <p:sp>
+        <p:nvSpPr>
+          <p:cNvPr id="4" name="Slide Number Placeholder 3"/>
+          <p:cNvSpPr>
+            <a:spLocks noGrp="1"/>
+          </p:cNvSpPr>
+          <p:nvPr>
+            <p:ph type="sldNum" sz="quarter" idx="10"/>
+          </p:nvPr>
+        </p:nvSpPr>
+        <p:spPr/>
+        <p:txBody>
+          <a:bodyPr/>
+          <a:lstStyle/>
+          <a:p>
+            <a:fld id="{708EA56A-F1B3-4F1F-ACD0-DEC49C4A85DD}" type="slidenum">
+              <a:rPr lang="en-US" smtClean="0"/>
+              <a:pPr/>
+              <a:t>23</a:t>
+            </a:fld>
+            <a:endParaRPr lang="en-US" dirty="0"/>
+          </a:p>
+        </p:txBody>
+      </p:sp>
+    </p:spTree>
+  </p:cSld>
+  <p:clrMapOvr>
+    <a:masterClrMapping/>
+  </p:clrMapOvr>
+</p:notes>
+</file>
+
+<file path=ppt/notesSlides/notesSlide21.xml><?xml version="1.0" encoding="utf-8"?>
+<p:notes xmlns:a="http://schemas.openxmlformats.org/drawingml/2006/main" xmlns:r="http://schemas.openxmlformats.org/officeDocument/2006/relationships" xmlns:p="http://schemas.openxmlformats.org/presentationml/2006/main">
+  <p:cSld>
+    <p:spTree>
+      <p:nvGrpSpPr>
+        <p:cNvPr id="1" name=""/>
+        <p:cNvGrpSpPr/>
+        <p:nvPr/>
+      </p:nvGrpSpPr>
+      <p:grpSpPr>
+        <a:xfrm>
+          <a:off x="0" y="0"/>
+          <a:ext cx="0" cy="0"/>
+          <a:chOff x="0" y="0"/>
+          <a:chExt cx="0" cy="0"/>
+        </a:xfrm>
+      </p:grpSpPr>
+      <p:sp>
+        <p:nvSpPr>
+          <p:cNvPr id="2" name="Slide Image Placeholder 1"/>
+          <p:cNvSpPr>
+            <a:spLocks noGrp="1" noRot="1" noChangeAspect="1"/>
+          </p:cNvSpPr>
+          <p:nvPr>
+            <p:ph type="sldImg"/>
+          </p:nvPr>
+        </p:nvSpPr>
+        <p:spPr/>
+      </p:sp>
+      <p:sp>
+        <p:nvSpPr>
+          <p:cNvPr id="3" name="Notes Placeholder 2"/>
+          <p:cNvSpPr>
+            <a:spLocks noGrp="1"/>
+          </p:cNvSpPr>
+          <p:nvPr>
+            <p:ph type="body" idx="1"/>
+          </p:nvPr>
+        </p:nvSpPr>
+        <p:spPr/>
+        <p:txBody>
+          <a:bodyPr>
+            <a:normAutofit/>
+          </a:bodyPr>
+          <a:lstStyle/>
+          <a:p>
+            <a:r>
+              <a:rPr lang="en-US" sz="1200" kern="1200" dirty="0" smtClean="0">
+                <a:solidFill>
+                  <a:schemeClr val="tx1"/>
+                </a:solidFill>
+                <a:latin typeface="+mn-lt"/>
+                <a:ea typeface="+mn-ea"/>
+                <a:cs typeface="+mn-cs"/>
+              </a:rPr>
+              <a:t>The Linked Open Data Cloud has grown considerable in just five years.</a:t>
+            </a:r>
+            <a:endParaRPr lang="en-GB" dirty="0"/>
+          </a:p>
+        </p:txBody>
+      </p:sp>
+      <p:sp>
+        <p:nvSpPr>
+          <p:cNvPr id="4" name="Slide Number Placeholder 3"/>
+          <p:cNvSpPr>
+            <a:spLocks noGrp="1"/>
+          </p:cNvSpPr>
+          <p:nvPr>
+            <p:ph type="sldNum" sz="quarter" idx="10"/>
+          </p:nvPr>
+        </p:nvSpPr>
+        <p:spPr/>
+        <p:txBody>
+          <a:bodyPr/>
+          <a:lstStyle/>
+          <a:p>
+            <a:fld id="{708EA56A-F1B3-4F1F-ACD0-DEC49C4A85DD}" type="slidenum">
+              <a:rPr lang="en-US" smtClean="0"/>
+              <a:pPr/>
+              <a:t>24</a:t>
+            </a:fld>
+            <a:endParaRPr lang="en-US" dirty="0"/>
+          </a:p>
+        </p:txBody>
+      </p:sp>
+    </p:spTree>
+  </p:cSld>
+  <p:clrMapOvr>
+    <a:masterClrMapping/>
+  </p:clrMapOvr>
+</p:notes>
+</file>
+
+<file path=ppt/notesSlides/notesSlide22.xml><?xml version="1.0" encoding="utf-8"?>
+<p:notes xmlns:a="http://schemas.openxmlformats.org/drawingml/2006/main" xmlns:r="http://schemas.openxmlformats.org/officeDocument/2006/relationships" xmlns:p="http://schemas.openxmlformats.org/presentationml/2006/main">
+  <p:cSld>
+    <p:spTree>
+      <p:nvGrpSpPr>
+        <p:cNvPr id="1" name=""/>
+        <p:cNvGrpSpPr/>
+        <p:nvPr/>
+      </p:nvGrpSpPr>
+      <p:grpSpPr>
+        <a:xfrm>
+          <a:off x="0" y="0"/>
+          <a:ext cx="0" cy="0"/>
+          <a:chOff x="0" y="0"/>
+          <a:chExt cx="0" cy="0"/>
+        </a:xfrm>
+      </p:grpSpPr>
+      <p:sp>
+        <p:nvSpPr>
+          <p:cNvPr id="2" name="Slide Image Placeholder 1"/>
+          <p:cNvSpPr>
+            <a:spLocks noGrp="1" noRot="1" noChangeAspect="1"/>
+          </p:cNvSpPr>
+          <p:nvPr>
+            <p:ph type="sldImg"/>
+          </p:nvPr>
+        </p:nvSpPr>
+        <p:spPr/>
+      </p:sp>
+      <p:sp>
+        <p:nvSpPr>
+          <p:cNvPr id="3" name="Notes Placeholder 2"/>
+          <p:cNvSpPr>
+            <a:spLocks noGrp="1"/>
+          </p:cNvSpPr>
+          <p:nvPr>
+            <p:ph type="body" idx="1"/>
+          </p:nvPr>
+        </p:nvSpPr>
+        <p:spPr/>
+        <p:txBody>
+          <a:bodyPr>
+            <a:normAutofit/>
+          </a:bodyPr>
+          <a:lstStyle/>
+          <a:p>
+            <a:r>
+              <a:rPr lang="en-US" sz="1200" kern="1200" dirty="0" smtClean="0">
+                <a:solidFill>
+                  <a:schemeClr val="tx1"/>
+                </a:solidFill>
+                <a:latin typeface="+mn-lt"/>
+                <a:ea typeface="+mn-ea"/>
+                <a:cs typeface="+mn-cs"/>
+              </a:rPr>
+              <a:t>If the rate at which the Linked Open Data Cloud has expanded over the last five years is anything to go by, the ability of businesses to interact with such a richly inter-linked source of information will be the defining factor in the </a:t>
+            </a:r>
+            <a:r>
+              <a:rPr lang="en-US" sz="1200" kern="1200" dirty="0" err="1" smtClean="0">
+                <a:solidFill>
+                  <a:schemeClr val="tx1"/>
+                </a:solidFill>
+                <a:latin typeface="+mn-lt"/>
+                <a:ea typeface="+mn-ea"/>
+                <a:cs typeface="+mn-cs"/>
+              </a:rPr>
+              <a:t>realistion</a:t>
+            </a:r>
+            <a:r>
+              <a:rPr lang="en-US" sz="1200" kern="1200" dirty="0" smtClean="0">
+                <a:solidFill>
+                  <a:schemeClr val="tx1"/>
+                </a:solidFill>
+                <a:latin typeface="+mn-lt"/>
+                <a:ea typeface="+mn-ea"/>
+                <a:cs typeface="+mn-cs"/>
+              </a:rPr>
+              <a:t> of Big Data's potential.</a:t>
+            </a:r>
+            <a:endParaRPr lang="en-GB" dirty="0"/>
+          </a:p>
+        </p:txBody>
+      </p:sp>
+      <p:sp>
+        <p:nvSpPr>
+          <p:cNvPr id="4" name="Slide Number Placeholder 3"/>
+          <p:cNvSpPr>
+            <a:spLocks noGrp="1"/>
+          </p:cNvSpPr>
+          <p:nvPr>
+            <p:ph type="sldNum" sz="quarter" idx="10"/>
+          </p:nvPr>
+        </p:nvSpPr>
+        <p:spPr/>
+        <p:txBody>
+          <a:bodyPr/>
+          <a:lstStyle/>
+          <a:p>
+            <a:fld id="{708EA56A-F1B3-4F1F-ACD0-DEC49C4A85DD}" type="slidenum">
+              <a:rPr lang="en-US" smtClean="0"/>
+              <a:pPr/>
+              <a:t>25</a:t>
+            </a:fld>
+            <a:endParaRPr lang="en-US" dirty="0"/>
+          </a:p>
+        </p:txBody>
+      </p:sp>
+    </p:spTree>
+  </p:cSld>
+  <p:clrMapOvr>
+    <a:masterClrMapping/>
+  </p:clrMapOvr>
+</p:notes>
+</file>
+
+<file path=ppt/notesSlides/notesSlide23.xml><?xml version="1.0" encoding="utf-8"?>
+<p:notes xmlns:a="http://schemas.openxmlformats.org/drawingml/2006/main" xmlns:r="http://schemas.openxmlformats.org/officeDocument/2006/relationships" xmlns:p="http://schemas.openxmlformats.org/presentationml/2006/main">
+  <p:cSld>
+    <p:spTree>
+      <p:nvGrpSpPr>
+        <p:cNvPr id="1" name=""/>
+        <p:cNvGrpSpPr/>
+        <p:nvPr/>
+      </p:nvGrpSpPr>
+      <p:grpSpPr>
+        <a:xfrm>
+          <a:off x="0" y="0"/>
+          <a:ext cx="0" cy="0"/>
+          <a:chOff x="0" y="0"/>
+          <a:chExt cx="0" cy="0"/>
+        </a:xfrm>
+      </p:grpSpPr>
+      <p:sp>
+        <p:nvSpPr>
+          <p:cNvPr id="2" name="Slide Image Placeholder 1"/>
+          <p:cNvSpPr>
+            <a:spLocks noGrp="1" noRot="1" noChangeAspect="1"/>
+          </p:cNvSpPr>
+          <p:nvPr>
+            <p:ph type="sldImg"/>
+          </p:nvPr>
+        </p:nvSpPr>
+        <p:spPr/>
+      </p:sp>
+      <p:sp>
+        <p:nvSpPr>
+          <p:cNvPr id="3" name="Notes Placeholder 2"/>
+          <p:cNvSpPr>
+            <a:spLocks noGrp="1"/>
+          </p:cNvSpPr>
+          <p:nvPr>
+            <p:ph type="body" idx="1"/>
+          </p:nvPr>
+        </p:nvSpPr>
+        <p:spPr/>
+        <p:txBody>
+          <a:bodyPr>
+            <a:normAutofit/>
+          </a:bodyPr>
+          <a:lstStyle/>
+          <a:p>
+            <a:endParaRPr lang="en-US" dirty="0"/>
+          </a:p>
+        </p:txBody>
+      </p:sp>
+      <p:sp>
+        <p:nvSpPr>
+          <p:cNvPr id="4" name="Slide Number Placeholder 3"/>
+          <p:cNvSpPr>
+            <a:spLocks noGrp="1"/>
+          </p:cNvSpPr>
+          <p:nvPr>
+            <p:ph type="sldNum" sz="quarter" idx="10"/>
+          </p:nvPr>
+        </p:nvSpPr>
+        <p:spPr/>
+        <p:txBody>
+          <a:bodyPr/>
+          <a:lstStyle/>
+          <a:p>
+            <a:fld id="{708EA56A-F1B3-4F1F-ACD0-DEC49C4A85DD}" type="slidenum">
+              <a:rPr lang="en-US" smtClean="0"/>
+              <a:pPr/>
+              <a:t>27</a:t>
+            </a:fld>
+            <a:endParaRPr lang="en-US" dirty="0"/>
+          </a:p>
+        </p:txBody>
+      </p:sp>
+    </p:spTree>
+  </p:cSld>
+  <p:clrMapOvr>
+    <a:masterClrMapping/>
+  </p:clrMapOvr>
+</p:notes>
+</file>
+
+<file path=ppt/notesSlides/notesSlide3.xml><?xml version="1.0" encoding="utf-8"?>
+<p:notes xmlns:a="http://schemas.openxmlformats.org/drawingml/2006/main" xmlns:r="http://schemas.openxmlformats.org/officeDocument/2006/relationships" xmlns:p="http://schemas.openxmlformats.org/presentationml/2006/main">
+  <p:cSld>
+    <p:spTree>
+      <p:nvGrpSpPr>
+        <p:cNvPr id="1" name=""/>
+        <p:cNvGrpSpPr/>
+        <p:nvPr/>
+      </p:nvGrpSpPr>
+      <p:grpSpPr>
+        <a:xfrm>
+          <a:off x="0" y="0"/>
+          <a:ext cx="0" cy="0"/>
+          <a:chOff x="0" y="0"/>
+          <a:chExt cx="0" cy="0"/>
+        </a:xfrm>
+      </p:grpSpPr>
+      <p:sp>
+        <p:nvSpPr>
+          <p:cNvPr id="2" name="Slide Image Placeholder 1"/>
+          <p:cNvSpPr>
+            <a:spLocks noGrp="1" noRot="1" noChangeAspect="1"/>
+          </p:cNvSpPr>
+          <p:nvPr>
+            <p:ph type="sldImg"/>
+          </p:nvPr>
+        </p:nvSpPr>
+        <p:spPr/>
+      </p:sp>
+      <p:sp>
+        <p:nvSpPr>
+          <p:cNvPr id="3" name="Notes Placeholder 2"/>
+          <p:cNvSpPr>
+            <a:spLocks noGrp="1"/>
+          </p:cNvSpPr>
+          <p:nvPr>
+            <p:ph type="body" idx="1"/>
+          </p:nvPr>
+        </p:nvSpPr>
+        <p:spPr/>
+        <p:txBody>
+          <a:bodyPr>
+            <a:normAutofit/>
+          </a:bodyPr>
+          <a:lstStyle/>
+          <a:p>
+            <a:r>
+              <a:rPr lang="en-US" sz="1200" kern="1200" dirty="0" smtClean="0">
+                <a:solidFill>
+                  <a:schemeClr val="tx1"/>
+                </a:solidFill>
+                <a:latin typeface="+mn-lt"/>
+                <a:ea typeface="+mn-ea"/>
+                <a:cs typeface="+mn-cs"/>
+              </a:rPr>
+              <a:t>and whilst the Volume, Velocity and Variety of that data continues to grow its </a:t>
+            </a:r>
+            <a:br>
+              <a:rPr lang="en-US" sz="1200" kern="1200" dirty="0" smtClean="0">
+                <a:solidFill>
+                  <a:schemeClr val="tx1"/>
+                </a:solidFill>
+                <a:latin typeface="+mn-lt"/>
+                <a:ea typeface="+mn-ea"/>
+                <a:cs typeface="+mn-cs"/>
+              </a:rPr>
+            </a:br>
+            <a:r>
+              <a:rPr lang="en-US" sz="1200" kern="1200" dirty="0" smtClean="0">
+                <a:solidFill>
+                  <a:schemeClr val="tx1"/>
+                </a:solidFill>
+                <a:latin typeface="+mn-lt"/>
+                <a:ea typeface="+mn-ea"/>
+                <a:cs typeface="+mn-cs"/>
+              </a:rPr>
+              <a:t>true Value is not any measure of the afore mentioned variables but </a:t>
+            </a:r>
+            <a:endParaRPr lang="en-GB" dirty="0"/>
+          </a:p>
+        </p:txBody>
+      </p:sp>
+      <p:sp>
+        <p:nvSpPr>
+          <p:cNvPr id="4" name="Slide Number Placeholder 3"/>
+          <p:cNvSpPr>
+            <a:spLocks noGrp="1"/>
+          </p:cNvSpPr>
+          <p:nvPr>
+            <p:ph type="sldNum" sz="quarter" idx="10"/>
+          </p:nvPr>
+        </p:nvSpPr>
+        <p:spPr/>
+        <p:txBody>
+          <a:bodyPr/>
+          <a:lstStyle/>
+          <a:p>
+            <a:fld id="{708EA56A-F1B3-4F1F-ACD0-DEC49C4A85DD}" type="slidenum">
+              <a:rPr lang="en-US" smtClean="0"/>
+              <a:pPr/>
+              <a:t>3</a:t>
+            </a:fld>
+            <a:endParaRPr lang="en-US" dirty="0"/>
+          </a:p>
+        </p:txBody>
+      </p:sp>
+    </p:spTree>
+  </p:cSld>
+  <p:clrMapOvr>
+    <a:masterClrMapping/>
+  </p:clrMapOvr>
+</p:notes>
+</file>
+
+<file path=ppt/notesSlides/notesSlide4.xml><?xml version="1.0" encoding="utf-8"?>
+<p:notes xmlns:a="http://schemas.openxmlformats.org/drawingml/2006/main" xmlns:r="http://schemas.openxmlformats.org/officeDocument/2006/relationships" xmlns:p="http://schemas.openxmlformats.org/presentationml/2006/main">
+  <p:cSld>
+    <p:spTree>
+      <p:nvGrpSpPr>
+        <p:cNvPr id="1" name=""/>
+        <p:cNvGrpSpPr/>
+        <p:nvPr/>
+      </p:nvGrpSpPr>
+      <p:grpSpPr>
+        <a:xfrm>
+          <a:off x="0" y="0"/>
+          <a:ext cx="0" cy="0"/>
+          <a:chOff x="0" y="0"/>
+          <a:chExt cx="0" cy="0"/>
+        </a:xfrm>
+      </p:grpSpPr>
+      <p:sp>
+        <p:nvSpPr>
+          <p:cNvPr id="2" name="Slide Image Placeholder 1"/>
+          <p:cNvSpPr>
+            <a:spLocks noGrp="1" noRot="1" noChangeAspect="1"/>
+          </p:cNvSpPr>
+          <p:nvPr>
+            <p:ph type="sldImg"/>
+          </p:nvPr>
+        </p:nvSpPr>
+        <p:spPr/>
+      </p:sp>
+      <p:sp>
+        <p:nvSpPr>
+          <p:cNvPr id="3" name="Notes Placeholder 2"/>
+          <p:cNvSpPr>
+            <a:spLocks noGrp="1"/>
+          </p:cNvSpPr>
+          <p:nvPr>
+            <p:ph type="body" idx="1"/>
+          </p:nvPr>
+        </p:nvSpPr>
+        <p:spPr/>
+        <p:txBody>
+          <a:bodyPr>
+            <a:normAutofit/>
+          </a:bodyPr>
+          <a:lstStyle/>
+          <a:p>
+            <a:r>
+              <a:rPr lang="en-US" sz="1200" kern="1200" dirty="0" smtClean="0">
+                <a:solidFill>
+                  <a:schemeClr val="tx1"/>
+                </a:solidFill>
+                <a:latin typeface="+mn-lt"/>
+                <a:ea typeface="+mn-ea"/>
+                <a:cs typeface="+mn-cs"/>
+              </a:rPr>
+              <a:t>the connections within and between data sets. </a:t>
+            </a:r>
+            <a:endParaRPr lang="en-GB" dirty="0"/>
+          </a:p>
+        </p:txBody>
+      </p:sp>
+      <p:sp>
+        <p:nvSpPr>
+          <p:cNvPr id="4" name="Slide Number Placeholder 3"/>
+          <p:cNvSpPr>
+            <a:spLocks noGrp="1"/>
+          </p:cNvSpPr>
+          <p:nvPr>
+            <p:ph type="sldNum" sz="quarter" idx="10"/>
+          </p:nvPr>
+        </p:nvSpPr>
+        <p:spPr/>
+        <p:txBody>
+          <a:bodyPr/>
+          <a:lstStyle/>
+          <a:p>
+            <a:fld id="{708EA56A-F1B3-4F1F-ACD0-DEC49C4A85DD}" type="slidenum">
+              <a:rPr lang="en-US" smtClean="0"/>
+              <a:pPr/>
+              <a:t>4</a:t>
+            </a:fld>
+            <a:endParaRPr lang="en-US" dirty="0"/>
+          </a:p>
+        </p:txBody>
+      </p:sp>
+    </p:spTree>
+  </p:cSld>
+  <p:clrMapOvr>
+    <a:masterClrMapping/>
+  </p:clrMapOvr>
+</p:notes>
+</file>
+
+<file path=ppt/notesSlides/notesSlide5.xml><?xml version="1.0" encoding="utf-8"?>
+<p:notes xmlns:a="http://schemas.openxmlformats.org/drawingml/2006/main" xmlns:r="http://schemas.openxmlformats.org/officeDocument/2006/relationships" xmlns:p="http://schemas.openxmlformats.org/presentationml/2006/main">
+  <p:cSld>
+    <p:spTree>
+      <p:nvGrpSpPr>
+        <p:cNvPr id="1" name=""/>
+        <p:cNvGrpSpPr/>
+        <p:nvPr/>
+      </p:nvGrpSpPr>
+      <p:grpSpPr>
+        <a:xfrm>
+          <a:off x="0" y="0"/>
+          <a:ext cx="0" cy="0"/>
+          <a:chOff x="0" y="0"/>
+          <a:chExt cx="0" cy="0"/>
+        </a:xfrm>
+      </p:grpSpPr>
+      <p:sp>
+        <p:nvSpPr>
+          <p:cNvPr id="2" name="Slide Image Placeholder 1"/>
+          <p:cNvSpPr>
+            <a:spLocks noGrp="1" noRot="1" noChangeAspect="1"/>
+          </p:cNvSpPr>
+          <p:nvPr>
+            <p:ph type="sldImg"/>
+          </p:nvPr>
+        </p:nvSpPr>
+        <p:spPr/>
+      </p:sp>
+      <p:sp>
+        <p:nvSpPr>
+          <p:cNvPr id="3" name="Notes Placeholder 2"/>
+          <p:cNvSpPr>
+            <a:spLocks noGrp="1"/>
+          </p:cNvSpPr>
+          <p:nvPr>
+            <p:ph type="body" idx="1"/>
+          </p:nvPr>
+        </p:nvSpPr>
+        <p:spPr/>
+        <p:txBody>
+          <a:bodyPr>
+            <a:normAutofit/>
+          </a:bodyPr>
+          <a:lstStyle/>
+          <a:p>
+            <a:r>
+              <a:rPr lang="en-US" sz="1200" kern="1200" dirty="0" smtClean="0">
+                <a:solidFill>
+                  <a:schemeClr val="tx1"/>
+                </a:solidFill>
+                <a:latin typeface="+mn-lt"/>
+                <a:ea typeface="+mn-ea"/>
+                <a:cs typeface="+mn-cs"/>
+              </a:rPr>
+              <a:t>Those connections, or links, have the potential to grow at an even fast rate as </a:t>
+            </a:r>
+            <a:br>
+              <a:rPr lang="en-US" sz="1200" kern="1200" dirty="0" smtClean="0">
+                <a:solidFill>
+                  <a:schemeClr val="tx1"/>
+                </a:solidFill>
+                <a:latin typeface="+mn-lt"/>
+                <a:ea typeface="+mn-ea"/>
+                <a:cs typeface="+mn-cs"/>
+              </a:rPr>
+            </a:br>
+            <a:r>
+              <a:rPr lang="en-US" sz="1200" kern="1200" dirty="0" smtClean="0">
+                <a:solidFill>
+                  <a:schemeClr val="tx1"/>
+                </a:solidFill>
+                <a:latin typeface="+mn-lt"/>
+                <a:ea typeface="+mn-ea"/>
+                <a:cs typeface="+mn-cs"/>
+              </a:rPr>
+              <a:t>more links emerge over time. Linked Data underpins the value of Big Data and is </a:t>
+            </a:r>
+            <a:br>
+              <a:rPr lang="en-US" sz="1200" kern="1200" dirty="0" smtClean="0">
+                <a:solidFill>
+                  <a:schemeClr val="tx1"/>
+                </a:solidFill>
+                <a:latin typeface="+mn-lt"/>
+                <a:ea typeface="+mn-ea"/>
+                <a:cs typeface="+mn-cs"/>
+              </a:rPr>
+            </a:br>
+            <a:r>
+              <a:rPr lang="en-US" sz="1200" kern="1200" dirty="0" smtClean="0">
+                <a:solidFill>
+                  <a:schemeClr val="tx1"/>
+                </a:solidFill>
+                <a:latin typeface="+mn-lt"/>
+                <a:ea typeface="+mn-ea"/>
+                <a:cs typeface="+mn-cs"/>
+              </a:rPr>
+              <a:t>the key to </a:t>
+            </a:r>
+            <a:r>
+              <a:rPr lang="en-US" sz="1200" kern="1200" dirty="0" err="1" smtClean="0">
+                <a:solidFill>
+                  <a:schemeClr val="tx1"/>
+                </a:solidFill>
+                <a:latin typeface="+mn-lt"/>
+                <a:ea typeface="+mn-ea"/>
+                <a:cs typeface="+mn-cs"/>
+              </a:rPr>
+              <a:t>realising</a:t>
+            </a:r>
+            <a:r>
+              <a:rPr lang="en-US" sz="1200" kern="1200" dirty="0" smtClean="0">
+                <a:solidFill>
+                  <a:schemeClr val="tx1"/>
+                </a:solidFill>
+                <a:latin typeface="+mn-lt"/>
+                <a:ea typeface="+mn-ea"/>
+                <a:cs typeface="+mn-cs"/>
+              </a:rPr>
+              <a:t> the potential of Big Data. </a:t>
+            </a:r>
+            <a:endParaRPr lang="en-GB" dirty="0"/>
+          </a:p>
+        </p:txBody>
+      </p:sp>
+      <p:sp>
+        <p:nvSpPr>
+          <p:cNvPr id="4" name="Slide Number Placeholder 3"/>
+          <p:cNvSpPr>
+            <a:spLocks noGrp="1"/>
+          </p:cNvSpPr>
+          <p:nvPr>
+            <p:ph type="sldNum" sz="quarter" idx="10"/>
+          </p:nvPr>
+        </p:nvSpPr>
+        <p:spPr/>
+        <p:txBody>
+          <a:bodyPr/>
+          <a:lstStyle/>
+          <a:p>
+            <a:fld id="{708EA56A-F1B3-4F1F-ACD0-DEC49C4A85DD}" type="slidenum">
+              <a:rPr lang="en-US" smtClean="0"/>
+              <a:pPr/>
+              <a:t>5</a:t>
+            </a:fld>
+            <a:endParaRPr lang="en-US" dirty="0"/>
+          </a:p>
+        </p:txBody>
+      </p:sp>
+    </p:spTree>
+  </p:cSld>
+  <p:clrMapOvr>
+    <a:masterClrMapping/>
+  </p:clrMapOvr>
+</p:notes>
+</file>
+
+<file path=ppt/notesSlides/notesSlide6.xml><?xml version="1.0" encoding="utf-8"?>
+<p:notes xmlns:a="http://schemas.openxmlformats.org/drawingml/2006/main" xmlns:r="http://schemas.openxmlformats.org/officeDocument/2006/relationships" xmlns:p="http://schemas.openxmlformats.org/presentationml/2006/main">
+  <p:cSld>
+    <p:spTree>
+      <p:nvGrpSpPr>
+        <p:cNvPr id="1" name=""/>
+        <p:cNvGrpSpPr/>
+        <p:nvPr/>
+      </p:nvGrpSpPr>
+      <p:grpSpPr>
+        <a:xfrm>
+          <a:off x="0" y="0"/>
+          <a:ext cx="0" cy="0"/>
+          <a:chOff x="0" y="0"/>
+          <a:chExt cx="0" cy="0"/>
+        </a:xfrm>
+      </p:grpSpPr>
+      <p:sp>
+        <p:nvSpPr>
+          <p:cNvPr id="2" name="Slide Image Placeholder 1"/>
+          <p:cNvSpPr>
+            <a:spLocks noGrp="1" noRot="1" noChangeAspect="1"/>
+          </p:cNvSpPr>
+          <p:nvPr>
+            <p:ph type="sldImg"/>
+          </p:nvPr>
+        </p:nvSpPr>
+        <p:spPr/>
+      </p:sp>
+      <p:sp>
+        <p:nvSpPr>
+          <p:cNvPr id="3" name="Notes Placeholder 2"/>
+          <p:cNvSpPr>
+            <a:spLocks noGrp="1"/>
+          </p:cNvSpPr>
+          <p:nvPr>
+            <p:ph type="body" idx="1"/>
+          </p:nvPr>
+        </p:nvSpPr>
+        <p:spPr/>
+        <p:txBody>
+          <a:bodyPr>
+            <a:normAutofit/>
+          </a:bodyPr>
+          <a:lstStyle/>
+          <a:p>
+            <a:r>
+              <a:rPr lang="en-US" sz="1200" kern="1200" dirty="0" smtClean="0">
+                <a:solidFill>
+                  <a:schemeClr val="tx1"/>
+                </a:solidFill>
+                <a:latin typeface="+mn-lt"/>
+                <a:ea typeface="+mn-ea"/>
+                <a:cs typeface="+mn-cs"/>
+              </a:rPr>
+              <a:t>Linked [Open] Data</a:t>
+            </a:r>
+            <a:endParaRPr lang="en-GB" dirty="0"/>
+          </a:p>
+        </p:txBody>
+      </p:sp>
+      <p:sp>
+        <p:nvSpPr>
+          <p:cNvPr id="4" name="Slide Number Placeholder 3"/>
+          <p:cNvSpPr>
+            <a:spLocks noGrp="1"/>
+          </p:cNvSpPr>
+          <p:nvPr>
+            <p:ph type="sldNum" sz="quarter" idx="10"/>
+          </p:nvPr>
+        </p:nvSpPr>
+        <p:spPr/>
+        <p:txBody>
+          <a:bodyPr/>
+          <a:lstStyle/>
+          <a:p>
+            <a:fld id="{708EA56A-F1B3-4F1F-ACD0-DEC49C4A85DD}" type="slidenum">
+              <a:rPr lang="en-US" smtClean="0"/>
+              <a:pPr/>
+              <a:t>6</a:t>
+            </a:fld>
+            <a:endParaRPr lang="en-US" dirty="0"/>
+          </a:p>
+        </p:txBody>
+      </p:sp>
+    </p:spTree>
+  </p:cSld>
+  <p:clrMapOvr>
+    <a:masterClrMapping/>
+  </p:clrMapOvr>
+</p:notes>
+</file>
+
+<file path=ppt/notesSlides/notesSlide7.xml><?xml version="1.0" encoding="utf-8"?>
+<p:notes xmlns:a="http://schemas.openxmlformats.org/drawingml/2006/main" xmlns:r="http://schemas.openxmlformats.org/officeDocument/2006/relationships" xmlns:p="http://schemas.openxmlformats.org/presentationml/2006/main">
+  <p:cSld>
+    <p:spTree>
+      <p:nvGrpSpPr>
+        <p:cNvPr id="1" name=""/>
+        <p:cNvGrpSpPr/>
+        <p:nvPr/>
+      </p:nvGrpSpPr>
+      <p:grpSpPr>
+        <a:xfrm>
+          <a:off x="0" y="0"/>
+          <a:ext cx="0" cy="0"/>
+          <a:chOff x="0" y="0"/>
+          <a:chExt cx="0" cy="0"/>
+        </a:xfrm>
+      </p:grpSpPr>
+      <p:sp>
+        <p:nvSpPr>
+          <p:cNvPr id="2" name="Slide Image Placeholder 1"/>
+          <p:cNvSpPr>
+            <a:spLocks noGrp="1" noRot="1" noChangeAspect="1"/>
+          </p:cNvSpPr>
+          <p:nvPr>
+            <p:ph type="sldImg"/>
+          </p:nvPr>
+        </p:nvSpPr>
+        <p:spPr/>
+      </p:sp>
+      <p:sp>
+        <p:nvSpPr>
+          <p:cNvPr id="3" name="Notes Placeholder 2"/>
+          <p:cNvSpPr>
+            <a:spLocks noGrp="1"/>
+          </p:cNvSpPr>
+          <p:nvPr>
+            <p:ph type="body" idx="1"/>
+          </p:nvPr>
+        </p:nvSpPr>
+        <p:spPr/>
+        <p:txBody>
+          <a:bodyPr>
+            <a:normAutofit/>
+          </a:bodyPr>
+          <a:lstStyle/>
+          <a:p>
+            <a:r>
+              <a:rPr lang="en-US" sz="1200" kern="1200" dirty="0" smtClean="0">
+                <a:solidFill>
+                  <a:schemeClr val="tx1"/>
+                </a:solidFill>
+                <a:latin typeface="+mn-lt"/>
+                <a:ea typeface="+mn-ea"/>
+                <a:cs typeface="+mn-cs"/>
+              </a:rPr>
+              <a:t>is built upon the foundations of the Semantic Web technologies </a:t>
+            </a:r>
+            <a:br>
+              <a:rPr lang="en-US" sz="1200" kern="1200" dirty="0" smtClean="0">
+                <a:solidFill>
+                  <a:schemeClr val="tx1"/>
+                </a:solidFill>
+                <a:latin typeface="+mn-lt"/>
+                <a:ea typeface="+mn-ea"/>
+                <a:cs typeface="+mn-cs"/>
+              </a:rPr>
+            </a:br>
+            <a:r>
+              <a:rPr lang="en-US" sz="1200" kern="1200" dirty="0" smtClean="0">
+                <a:solidFill>
+                  <a:schemeClr val="tx1"/>
+                </a:solidFill>
+                <a:latin typeface="+mn-lt"/>
+                <a:ea typeface="+mn-ea"/>
+                <a:cs typeface="+mn-cs"/>
+              </a:rPr>
+              <a:t>and as such is exposed as</a:t>
+            </a:r>
+            <a:endParaRPr lang="en-GB" dirty="0"/>
+          </a:p>
+        </p:txBody>
+      </p:sp>
+      <p:sp>
+        <p:nvSpPr>
+          <p:cNvPr id="4" name="Slide Number Placeholder 3"/>
+          <p:cNvSpPr>
+            <a:spLocks noGrp="1"/>
+          </p:cNvSpPr>
+          <p:nvPr>
+            <p:ph type="sldNum" sz="quarter" idx="10"/>
+          </p:nvPr>
+        </p:nvSpPr>
+        <p:spPr/>
+        <p:txBody>
+          <a:bodyPr/>
+          <a:lstStyle/>
+          <a:p>
+            <a:fld id="{708EA56A-F1B3-4F1F-ACD0-DEC49C4A85DD}" type="slidenum">
+              <a:rPr lang="en-US" smtClean="0"/>
+              <a:pPr/>
+              <a:t>7</a:t>
+            </a:fld>
+            <a:endParaRPr lang="en-US" dirty="0"/>
+          </a:p>
+        </p:txBody>
+      </p:sp>
+    </p:spTree>
+  </p:cSld>
+  <p:clrMapOvr>
+    <a:masterClrMapping/>
+  </p:clrMapOvr>
+</p:notes>
+</file>
+
+<file path=ppt/notesSlides/notesSlide8.xml><?xml version="1.0" encoding="utf-8"?>
+<p:notes xmlns:a="http://schemas.openxmlformats.org/drawingml/2006/main" xmlns:r="http://schemas.openxmlformats.org/officeDocument/2006/relationships" xmlns:p="http://schemas.openxmlformats.org/presentationml/2006/main">
+  <p:cSld>
+    <p:spTree>
+      <p:nvGrpSpPr>
+        <p:cNvPr id="1" name=""/>
+        <p:cNvGrpSpPr/>
+        <p:nvPr/>
+      </p:nvGrpSpPr>
+      <p:grpSpPr>
+        <a:xfrm>
+          <a:off x="0" y="0"/>
+          <a:ext cx="0" cy="0"/>
+          <a:chOff x="0" y="0"/>
+          <a:chExt cx="0" cy="0"/>
+        </a:xfrm>
+      </p:grpSpPr>
+      <p:sp>
+        <p:nvSpPr>
+          <p:cNvPr id="2" name="Slide Image Placeholder 1"/>
+          <p:cNvSpPr>
+            <a:spLocks noGrp="1" noRot="1" noChangeAspect="1"/>
+          </p:cNvSpPr>
+          <p:nvPr>
+            <p:ph type="sldImg"/>
+          </p:nvPr>
+        </p:nvSpPr>
+        <p:spPr/>
+      </p:sp>
+      <p:sp>
+        <p:nvSpPr>
+          <p:cNvPr id="3" name="Notes Placeholder 2"/>
+          <p:cNvSpPr>
+            <a:spLocks noGrp="1"/>
+          </p:cNvSpPr>
+          <p:nvPr>
+            <p:ph type="body" idx="1"/>
+          </p:nvPr>
+        </p:nvSpPr>
+        <p:spPr/>
+        <p:txBody>
+          <a:bodyPr>
+            <a:normAutofit/>
+          </a:bodyPr>
+          <a:lstStyle/>
+          <a:p>
+            <a:pPr marL="0" marR="0" indent="0" algn="l" defTabSz="914400" rtl="0" eaLnBrk="1" fontAlgn="auto" latinLnBrk="0" hangingPunct="1">
+              <a:lnSpc>
+                <a:spcPct val="100000"/>
+              </a:lnSpc>
+              <a:spcBef>
+                <a:spcPts val="0"/>
+              </a:spcBef>
+              <a:spcAft>
+                <a:spcPts val="0"/>
+              </a:spcAft>
+              <a:buClrTx/>
+              <a:buSzTx/>
+              <a:buFontTx/>
+              <a:buNone/>
+              <a:tabLst/>
+              <a:defRPr/>
+            </a:pPr>
+            <a:r>
+              <a:rPr lang="en-US" sz="1200" kern="1200" dirty="0" smtClean="0">
+                <a:solidFill>
+                  <a:schemeClr val="tx1"/>
+                </a:solidFill>
+                <a:latin typeface="+mn-lt"/>
+                <a:ea typeface="+mn-ea"/>
+                <a:cs typeface="+mn-cs"/>
+              </a:rPr>
+              <a:t>RDF Graphs and queried via the SPARQL query language.</a:t>
+            </a:r>
+            <a:endParaRPr lang="en-GB" dirty="0" smtClean="0"/>
+          </a:p>
+          <a:p>
+            <a:endParaRPr lang="en-GB" dirty="0"/>
+          </a:p>
+        </p:txBody>
+      </p:sp>
+      <p:sp>
+        <p:nvSpPr>
+          <p:cNvPr id="4" name="Slide Number Placeholder 3"/>
+          <p:cNvSpPr>
+            <a:spLocks noGrp="1"/>
+          </p:cNvSpPr>
+          <p:nvPr>
+            <p:ph type="sldNum" sz="quarter" idx="10"/>
+          </p:nvPr>
+        </p:nvSpPr>
+        <p:spPr/>
+        <p:txBody>
+          <a:bodyPr/>
+          <a:lstStyle/>
+          <a:p>
+            <a:fld id="{708EA56A-F1B3-4F1F-ACD0-DEC49C4A85DD}" type="slidenum">
+              <a:rPr lang="en-US" smtClean="0"/>
+              <a:pPr/>
+              <a:t>8</a:t>
+            </a:fld>
+            <a:endParaRPr lang="en-US" dirty="0"/>
+          </a:p>
+        </p:txBody>
+      </p:sp>
+    </p:spTree>
+  </p:cSld>
+  <p:clrMapOvr>
+    <a:masterClrMapping/>
+  </p:clrMapOvr>
+</p:notes>
+</file>
+
+<file path=ppt/notesSlides/notesSlide9.xml><?xml version="1.0" encoding="utf-8"?>
+<p:notes xmlns:a="http://schemas.openxmlformats.org/drawingml/2006/main" xmlns:r="http://schemas.openxmlformats.org/officeDocument/2006/relationships" xmlns:p="http://schemas.openxmlformats.org/presentationml/2006/main">
+  <p:cSld>
+    <p:spTree>
+      <p:nvGrpSpPr>
+        <p:cNvPr id="1" name=""/>
+        <p:cNvGrpSpPr/>
+        <p:nvPr/>
+      </p:nvGrpSpPr>
+      <p:grpSpPr>
+        <a:xfrm>
+          <a:off x="0" y="0"/>
+          <a:ext cx="0" cy="0"/>
+          <a:chOff x="0" y="0"/>
+          <a:chExt cx="0" cy="0"/>
+        </a:xfrm>
+      </p:grpSpPr>
+      <p:sp>
+        <p:nvSpPr>
+          <p:cNvPr id="2" name="Slide Image Placeholder 1"/>
+          <p:cNvSpPr>
+            <a:spLocks noGrp="1" noRot="1" noChangeAspect="1"/>
+          </p:cNvSpPr>
+          <p:nvPr>
+            <p:ph type="sldImg"/>
+          </p:nvPr>
+        </p:nvSpPr>
+        <p:spPr/>
+      </p:sp>
+      <p:sp>
+        <p:nvSpPr>
+          <p:cNvPr id="3" name="Notes Placeholder 2"/>
+          <p:cNvSpPr>
+            <a:spLocks noGrp="1"/>
+          </p:cNvSpPr>
+          <p:nvPr>
+            <p:ph type="body" idx="1"/>
+          </p:nvPr>
+        </p:nvSpPr>
+        <p:spPr/>
+        <p:txBody>
+          <a:bodyPr>
+            <a:normAutofit/>
+          </a:bodyPr>
+          <a:lstStyle/>
+          <a:p>
+            <a:r>
+              <a:rPr lang="en-US" sz="1200" kern="1200" dirty="0" smtClean="0">
+                <a:solidFill>
+                  <a:schemeClr val="tx1"/>
+                </a:solidFill>
+                <a:latin typeface="+mn-lt"/>
+                <a:ea typeface="+mn-ea"/>
+                <a:cs typeface="+mn-cs"/>
+              </a:rPr>
+              <a:t>Due to the historical lack of standard protocols for </a:t>
+            </a:r>
+            <a:r>
+              <a:rPr lang="en-US" sz="1200" kern="1200" dirty="0" err="1" smtClean="0">
+                <a:solidFill>
+                  <a:schemeClr val="tx1"/>
+                </a:solidFill>
+                <a:latin typeface="+mn-lt"/>
+                <a:ea typeface="+mn-ea"/>
+                <a:cs typeface="+mn-cs"/>
+              </a:rPr>
+              <a:t>acceessing</a:t>
+            </a:r>
+            <a:r>
+              <a:rPr lang="en-US" sz="1200" kern="1200" dirty="0" smtClean="0">
+                <a:solidFill>
+                  <a:schemeClr val="tx1"/>
+                </a:solidFill>
+                <a:latin typeface="+mn-lt"/>
+                <a:ea typeface="+mn-ea"/>
+                <a:cs typeface="+mn-cs"/>
+              </a:rPr>
+              <a:t> these </a:t>
+            </a:r>
+            <a:br>
+              <a:rPr lang="en-US" sz="1200" kern="1200" dirty="0" smtClean="0">
+                <a:solidFill>
+                  <a:schemeClr val="tx1"/>
+                </a:solidFill>
+                <a:latin typeface="+mn-lt"/>
+                <a:ea typeface="+mn-ea"/>
+                <a:cs typeface="+mn-cs"/>
+              </a:rPr>
+            </a:br>
+            <a:r>
+              <a:rPr lang="en-US" sz="1200" kern="1200" dirty="0" smtClean="0">
+                <a:solidFill>
+                  <a:schemeClr val="tx1"/>
+                </a:solidFill>
+                <a:latin typeface="+mn-lt"/>
+                <a:ea typeface="+mn-ea"/>
+                <a:cs typeface="+mn-cs"/>
+              </a:rPr>
+              <a:t>repositories </a:t>
+            </a:r>
+            <a:endParaRPr lang="en-GB" dirty="0"/>
+          </a:p>
+        </p:txBody>
+      </p:sp>
+      <p:sp>
+        <p:nvSpPr>
+          <p:cNvPr id="4" name="Slide Number Placeholder 3"/>
+          <p:cNvSpPr>
+            <a:spLocks noGrp="1"/>
+          </p:cNvSpPr>
+          <p:nvPr>
+            <p:ph type="sldNum" sz="quarter" idx="10"/>
+          </p:nvPr>
+        </p:nvSpPr>
+        <p:spPr/>
+        <p:txBody>
+          <a:bodyPr/>
+          <a:lstStyle/>
+          <a:p>
+            <a:fld id="{708EA56A-F1B3-4F1F-ACD0-DEC49C4A85DD}" type="slidenum">
+              <a:rPr lang="en-US" smtClean="0"/>
+              <a:pPr/>
+              <a:t>9</a:t>
             </a:fld>
             <a:endParaRPr lang="en-US" dirty="0"/>
           </a:p>
@@ -3039,7 +5639,7 @@
           <p:nvPr/>
         </p:nvPicPr>
         <p:blipFill>
-          <a:blip r:embed="rId2" cstate="print"/>
+          <a:blip r:embed="rId3" cstate="print"/>
           <a:srcRect l="14845"/>
           <a:stretch>
             <a:fillRect/>
@@ -3408,20 +6008,20 @@
               <a:t>and additional </a:t>
             </a:r>
             <a:r>
-              <a:rPr lang="en-US" sz="3200" dirty="0" smtClean="0">
+              <a:rPr lang="en-US" sz="3200" noProof="0" dirty="0" smtClean="0">
                 <a:solidFill>
                   <a:srgbClr val="C00000"/>
                 </a:solidFill>
               </a:rPr>
-              <a:t>c</a:t>
-            </a:r>
-            <a:r>
-              <a:rPr lang="en-US" sz="3200" noProof="0" dirty="0" err="1" smtClean="0">
+              <a:t>co</a:t>
+            </a:r>
+            <a:r>
+              <a:rPr lang="en-US" sz="3200" noProof="0" dirty="0" smtClean="0">
                 <a:solidFill>
                   <a:srgbClr val="C00000"/>
                 </a:solidFill>
               </a:rPr>
-              <a:t>omplexity</a:t>
+              <a:t>mplexity</a:t>
             </a:r>
             <a:r>
               <a:rPr lang="en-US" sz="3200" noProof="0" dirty="0" smtClean="0"/>
@@ -3509,7 +6109,15 @@
             </a:pPr>
             <a:r>
               <a:rPr lang="en-US" sz="3200" noProof="0" dirty="0" smtClean="0"/>
-              <a:t>New Protocols from the W3C</a:t>
+              <a:t>New </a:t>
+            </a:r>
+            <a:r>
+              <a:rPr lang="en-US" sz="3200" noProof="0" dirty="0" smtClean="0"/>
+              <a:t>protocols </a:t>
+            </a:r>
+            <a:r>
+              <a:rPr lang="en-US" sz="3200" noProof="0" dirty="0" smtClean="0"/>
+              <a:t>from the W3C</a:t>
             </a:r>
           </a:p>
           <a:p>
@@ -3928,7 +6536,26 @@
                 <a:ea typeface="Tahoma" pitchFamily="34" charset="0"/>
                 <a:cs typeface="Tahoma" pitchFamily="34" charset="0"/>
               </a:rPr>
-              <a:t> for these Protocols</a:t>
+              <a:t> for these </a:t>
+            </a:r>
+            <a:r>
+              <a:rPr kumimoji="0" lang="en-US" sz="3200" i="0" u="none" strike="noStrike" kern="1200" cap="none" spc="0" normalizeH="0" baseline="0" dirty="0" smtClean="0">
+                <a:ln>
+                  <a:noFill/>
+                </a:ln>
+                <a:solidFill>
+                  <a:schemeClr val="tx1">
+                    <a:lumMod val="50000"/>
+                  </a:schemeClr>
+                </a:solidFill>
+                <a:effectLst/>
+                <a:uLnTx/>
+                <a:uFillTx/>
+                <a:latin typeface="Tahoma" pitchFamily="34" charset="0"/>
+                <a:ea typeface="Tahoma" pitchFamily="34" charset="0"/>
+                <a:cs typeface="Tahoma" pitchFamily="34" charset="0"/>
+              </a:rPr>
+              <a:t>protocols</a:t>
             </a:r>
             <a:endParaRPr kumimoji="0" lang="en-GB" sz="3200" i="0" u="none" strike="noStrike" kern="1200" cap="none" spc="0" normalizeH="0" baseline="0" noProof="0" dirty="0">
               <a:ln>
@@ -4137,8 +6764,8 @@
         </p:nvSpPr>
         <p:spPr>
           <a:xfrm>
-            <a:off x="685800" y="2037520"/>
-            <a:ext cx="7772400" cy="2029154"/>
+            <a:off x="685800" y="1929232"/>
+            <a:ext cx="7772400" cy="1271164"/>
           </a:xfrm>
           <a:prstGeom prst="rect">
             <a:avLst/>
@@ -4154,16 +6781,29 @@
               </a:spcBef>
             </a:pPr>
             <a:r>
-              <a:rPr lang="en-US" sz="3200" noProof="0" dirty="0" err="1" smtClean="0"/>
-              <a:t>XQuery</a:t>
-            </a:r>
-            <a:r>
-              <a:rPr lang="en-US" sz="3200" noProof="0" dirty="0" smtClean="0"/>
-              <a:t> Client Libraries</a:t>
-            </a:r>
-          </a:p>
-          <a:p>
-            <a:pPr marL="288925" lvl="1">
+              <a:rPr lang="en-US" sz="3200" dirty="0" smtClean="0"/>
+              <a:t>A </a:t>
+            </a:r>
+            <a:r>
+              <a:rPr lang="en-US" sz="3200" dirty="0" err="1" smtClean="0">
+                <a:solidFill>
+                  <a:srgbClr val="C00000"/>
+                </a:solidFill>
+              </a:rPr>
+              <a:t>GitHub</a:t>
+            </a:r>
+            <a:r>
+              <a:rPr lang="en-US" sz="3200" dirty="0" smtClean="0"/>
+              <a:t> </a:t>
+            </a:r>
+            <a:r>
+              <a:rPr lang="en-US" sz="3200" dirty="0" smtClean="0"/>
+              <a:t>project</a:t>
+            </a:r>
+            <a:endParaRPr lang="en-US" sz="3200" noProof="0" dirty="0" smtClean="0"/>
+          </a:p>
+          <a:p>
+            <a:pPr marL="288925" lvl="1" algn="ctr">
               <a:spcBef>
                 <a:spcPct val="0"/>
               </a:spcBef>
@@ -4171,84 +6811,17 @@
             <a:endParaRPr lang="it-IT" sz="2000" dirty="0" smtClean="0"/>
           </a:p>
           <a:p>
-            <a:pPr marL="1660525" lvl="4">
+            <a:pPr marL="288925" lvl="1" algn="ctr">
               <a:spcBef>
                 <a:spcPct val="0"/>
               </a:spcBef>
             </a:pPr>
             <a:r>
-              <a:rPr lang="it-IT" sz="2000" b="1" dirty="0" smtClean="0">
-                <a:solidFill>
-                  <a:srgbClr val="C00000"/>
-                </a:solidFill>
-                <a:latin typeface="Courier New" pitchFamily="49" charset="0"/>
-                <a:cs typeface="Courier New" pitchFamily="49" charset="0"/>
-              </a:rPr>
-              <a:t>lib-gsp.xqy</a:t>
-            </a:r>
-            <a:r>
-              <a:rPr lang="it-IT" sz="2000" dirty="0" smtClean="0">
-                <a:solidFill>
-                  <a:srgbClr val="C00000"/>
-                </a:solidFill>
-              </a:rPr>
-              <a:t> </a:t>
-            </a:r>
-            <a:r>
-              <a:rPr lang="it-IT" sz="2000" dirty="0" smtClean="0"/>
-              <a:t>- Graph Store HTTP Protocol</a:t>
-            </a:r>
-          </a:p>
-          <a:p>
-            <a:pPr marL="1660525" lvl="4">
-              <a:spcBef>
-                <a:spcPct val="0"/>
-              </a:spcBef>
-            </a:pPr>
-            <a:r>
-              <a:rPr lang="it-IT" sz="2000" dirty="0" smtClean="0">
-                <a:solidFill>
-                  <a:srgbClr val="C00000"/>
-                </a:solidFill>
-              </a:rPr>
-              <a:t/>
-            </a:r>
-            <a:br>
-              <a:rPr lang="it-IT" sz="2000" dirty="0" smtClean="0">
-                <a:solidFill>
-                  <a:srgbClr val="C00000"/>
-                </a:solidFill>
-              </a:rPr>
-            </a:br>
-            <a:r>
-              <a:rPr lang="it-IT" sz="2000" b="1" dirty="0" smtClean="0">
-                <a:solidFill>
-                  <a:srgbClr val="C00000"/>
-                </a:solidFill>
-                <a:latin typeface="Courier New" pitchFamily="49" charset="0"/>
-                <a:cs typeface="Courier New" pitchFamily="49" charset="0"/>
-              </a:rPr>
-              <a:t>lib-spq.xqy</a:t>
-            </a:r>
-            <a:r>
-              <a:rPr lang="it-IT" sz="2000" dirty="0" smtClean="0">
-                <a:solidFill>
-                  <a:srgbClr val="C00000"/>
-                </a:solidFill>
-              </a:rPr>
-              <a:t> </a:t>
-            </a:r>
-            <a:r>
-              <a:rPr lang="it-IT" sz="2000" dirty="0" smtClean="0"/>
-              <a:t>- SPARQL Protocol</a:t>
-            </a:r>
-          </a:p>
-          <a:p>
-            <a:pPr marL="1660525" lvl="4">
-              <a:spcBef>
-                <a:spcPct val="0"/>
-              </a:spcBef>
-            </a:pPr>
+              <a:rPr lang="en-GB" sz="2000" dirty="0" smtClean="0">
+                <a:hlinkClick r:id="rId2"/>
+              </a:rPr>
+              <a:t>https://github.com/philipfennell/grasp</a:t>
+            </a:r>
             <a:endParaRPr kumimoji="0" lang="en-GB" sz="2000" i="0" u="none" strike="noStrike" kern="1200" cap="none" spc="0" normalizeH="0" baseline="0" noProof="0" dirty="0">
               <a:ln>
                 <a:noFill/>
@@ -4313,8 +6886,8 @@
         </p:nvSpPr>
         <p:spPr>
           <a:xfrm>
-            <a:off x="685800" y="1929232"/>
-            <a:ext cx="7772400" cy="1271164"/>
+            <a:off x="685800" y="2037520"/>
+            <a:ext cx="7772400" cy="2029154"/>
           </a:xfrm>
           <a:prstGeom prst="rect">
             <a:avLst/>
@@ -4330,25 +6903,21 @@
               </a:spcBef>
             </a:pPr>
             <a:r>
-              <a:rPr lang="en-US" sz="3200" dirty="0" smtClean="0"/>
-              <a:t>A </a:t>
-            </a:r>
-            <a:r>
-              <a:rPr lang="en-US" sz="3200" dirty="0" err="1" smtClean="0">
-                <a:solidFill>
-                  <a:srgbClr val="C00000"/>
-                </a:solidFill>
-              </a:rPr>
-              <a:t>GitHub</a:t>
-            </a:r>
-            <a:r>
-              <a:rPr lang="en-US" sz="3200" dirty="0" smtClean="0"/>
-              <a:t> Project</a:t>
+              <a:rPr lang="en-US" sz="3200" noProof="0" dirty="0" err="1" smtClean="0"/>
+              <a:t>XQuery</a:t>
+            </a:r>
+            <a:r>
+              <a:rPr lang="en-US" sz="3200" noProof="0" dirty="0" smtClean="0"/>
+              <a:t> </a:t>
+            </a:r>
+            <a:r>
+              <a:rPr lang="en-US" sz="3200" noProof="0" dirty="0" smtClean="0"/>
+              <a:t>client libraries</a:t>
             </a:r>
             <a:endParaRPr lang="en-US" sz="3200" noProof="0" dirty="0" smtClean="0"/>
           </a:p>
           <a:p>
-            <a:pPr marL="288925" lvl="1" algn="ctr">
+            <a:pPr marL="288925" lvl="1">
               <a:spcBef>
                 <a:spcPct val="0"/>
               </a:spcBef>
@@ -4356,17 +6925,84 @@
             <a:endParaRPr lang="it-IT" sz="2000" dirty="0" smtClean="0"/>
           </a:p>
           <a:p>
-            <a:pPr marL="288925" lvl="1" algn="ctr">
+            <a:pPr marL="1660525" lvl="4">
               <a:spcBef>
                 <a:spcPct val="0"/>
               </a:spcBef>
             </a:pPr>
             <a:r>
-              <a:rPr lang="en-GB" sz="2000" dirty="0" smtClean="0">
-                <a:hlinkClick r:id="rId2"/>
-              </a:rPr>
-              <a:t>https://github.com/philipfennell/grasp</a:t>
-            </a:r>
+              <a:rPr lang="it-IT" sz="2000" b="1" dirty="0" smtClean="0">
+                <a:solidFill>
+                  <a:srgbClr val="C00000"/>
+                </a:solidFill>
+                <a:latin typeface="Courier New" pitchFamily="49" charset="0"/>
+                <a:cs typeface="Courier New" pitchFamily="49" charset="0"/>
+              </a:rPr>
+              <a:t>lib-gsp.xqy</a:t>
+            </a:r>
+            <a:r>
+              <a:rPr lang="it-IT" sz="2000" dirty="0" smtClean="0">
+                <a:solidFill>
+                  <a:srgbClr val="C00000"/>
+                </a:solidFill>
+              </a:rPr>
+              <a:t> </a:t>
+            </a:r>
+            <a:r>
+              <a:rPr lang="it-IT" sz="2000" dirty="0" smtClean="0"/>
+              <a:t>- Graph Store HTTP Protocol</a:t>
+            </a:r>
+          </a:p>
+          <a:p>
+            <a:pPr marL="1660525" lvl="4">
+              <a:spcBef>
+                <a:spcPct val="0"/>
+              </a:spcBef>
+            </a:pPr>
+            <a:r>
+              <a:rPr lang="it-IT" sz="2000" dirty="0" smtClean="0">
+                <a:solidFill>
+                  <a:srgbClr val="C00000"/>
+                </a:solidFill>
+              </a:rPr>
+              <a:t/>
+            </a:r>
+            <a:br>
+              <a:rPr lang="it-IT" sz="2000" dirty="0" smtClean="0">
+                <a:solidFill>
+                  <a:srgbClr val="C00000"/>
+                </a:solidFill>
+              </a:rPr>
+            </a:br>
+            <a:r>
+              <a:rPr lang="it-IT" sz="2000" b="1" dirty="0" smtClean="0">
+                <a:solidFill>
+                  <a:srgbClr val="C00000"/>
+                </a:solidFill>
+                <a:latin typeface="Courier New" pitchFamily="49" charset="0"/>
+                <a:cs typeface="Courier New" pitchFamily="49" charset="0"/>
+              </a:rPr>
+              <a:t>lib-spq.xqy</a:t>
+            </a:r>
+            <a:r>
+              <a:rPr lang="it-IT" sz="2000" dirty="0" smtClean="0">
+                <a:solidFill>
+                  <a:srgbClr val="C00000"/>
+                </a:solidFill>
+              </a:rPr>
+              <a:t> </a:t>
+            </a:r>
+            <a:r>
+              <a:rPr lang="it-IT" sz="2000" dirty="0" smtClean="0"/>
+              <a:t>- SPARQL Protocol</a:t>
+            </a:r>
+          </a:p>
+          <a:p>
+            <a:pPr marL="1660525" lvl="4">
+              <a:spcBef>
+                <a:spcPct val="0"/>
+              </a:spcBef>
+            </a:pPr>
             <a:endParaRPr kumimoji="0" lang="en-GB" sz="2000" i="0" u="none" strike="noStrike" kern="1200" cap="none" spc="0" normalizeH="0" baseline="0" noProof="0" dirty="0">
               <a:ln>
                 <a:noFill/>
@@ -4473,8 +7109,13 @@
             </a:r>
             <a:r>
               <a:rPr lang="en-US" sz="3200" noProof="0" dirty="0" smtClean="0"/>
-              <a:t> of Functions</a:t>
-            </a:r>
+              <a:t> of </a:t>
+            </a:r>
+            <a:r>
+              <a:rPr lang="en-US" sz="3200" noProof="0" dirty="0" smtClean="0"/>
+              <a:t>functions</a:t>
+            </a:r>
+            <a:endParaRPr lang="en-US" sz="3200" noProof="0" dirty="0" smtClean="0"/>
           </a:p>
           <a:p>
             <a:pPr lvl="0" algn="ctr">
@@ -4870,16 +7511,6 @@
               </a:rPr>
               <a:t>, </a:t>
             </a:r>
-            <a:endParaRPr lang="en-GB" sz="1600" b="1" dirty="0" smtClean="0">
-              <a:solidFill>
-                <a:schemeClr val="tx1">
-                  <a:lumMod val="60000"/>
-                  <a:lumOff val="40000"/>
-                </a:schemeClr>
-              </a:solidFill>
-              <a:latin typeface="Courier New" pitchFamily="49" charset="0"/>
-              <a:cs typeface="Courier New" pitchFamily="49" charset="0"/>
-            </a:endParaRPr>
           </a:p>
           <a:p>
             <a:pPr algn="ctr">
@@ -5070,7 +7701,11 @@
             </a:r>
             <a:r>
               <a:rPr lang="en-US" sz="3200" dirty="0" smtClean="0"/>
-              <a:t> Big News</a:t>
+              <a:t> </a:t>
+            </a:r>
+            <a:r>
+              <a:rPr lang="en-US" sz="3200" dirty="0" smtClean="0"/>
+              <a:t>big news</a:t>
             </a:r>
             <a:endParaRPr kumimoji="0" lang="en-GB" sz="3200" i="0" u="none" strike="noStrike" kern="1200" cap="none" spc="0" normalizeH="0" baseline="0" noProof="0" dirty="0">
               <a:ln>
@@ -5153,12 +7788,8 @@
               </a:spcBef>
             </a:pPr>
             <a:r>
-              <a:rPr lang="en-US" sz="3200" dirty="0" smtClean="0"/>
-              <a:t>B</a:t>
-            </a:r>
-            <a:r>
-              <a:rPr lang="en-US" sz="3200" noProof="0" dirty="0" err="1" smtClean="0"/>
-              <a:t>ut</a:t>
+              <a:rPr lang="en-US" sz="3200" noProof="0" dirty="0" smtClean="0"/>
+              <a:t>But</a:t>
             </a:r>
             <a:r>
               <a:rPr lang="en-US" sz="3200" noProof="0" dirty="0" smtClean="0"/>
@@ -5251,7 +7882,7 @@
           <p:nvPr/>
         </p:nvPicPr>
         <p:blipFill>
-          <a:blip r:embed="rId2" cstate="print"/>
+          <a:blip r:embed="rId3" cstate="print"/>
           <a:srcRect/>
           <a:stretch>
             <a:fillRect/>
@@ -5812,53 +8443,20 @@
               </a:spcBef>
             </a:pPr>
             <a:r>
-              <a:rPr kumimoji="0" lang="en-US" sz="3200" i="0" u="none" strike="noStrike" kern="1200" cap="none" spc="0" normalizeH="0" baseline="0" noProof="0" dirty="0" smtClean="0">
-                <a:ln>
-                  <a:noFill/>
-                </a:ln>
-                <a:solidFill>
-                  <a:schemeClr val="tx1">
-                    <a:lumMod val="50000"/>
-                  </a:schemeClr>
-                </a:solidFill>
-                <a:effectLst/>
-                <a:uLnTx/>
-                <a:uFillTx/>
-                <a:latin typeface="Tahoma" pitchFamily="34" charset="0"/>
-                <a:ea typeface="Tahoma" pitchFamily="34" charset="0"/>
-                <a:cs typeface="Tahoma" pitchFamily="34" charset="0"/>
-              </a:rPr>
-              <a:t>Wrappers for </a:t>
-            </a:r>
-            <a:r>
-              <a:rPr lang="en-US" sz="3200" dirty="0" smtClean="0">
+              <a:rPr lang="en-US" sz="3200" dirty="0" smtClean="0"/>
+              <a:t>A </a:t>
+            </a:r>
+            <a:r>
+              <a:rPr lang="en-US" sz="3200" dirty="0" err="1" smtClean="0">
                 <a:solidFill>
                   <a:srgbClr val="C00000"/>
                 </a:solidFill>
-                <a:latin typeface="Tahoma" pitchFamily="34" charset="0"/>
-                <a:ea typeface="Tahoma" pitchFamily="34" charset="0"/>
-                <a:cs typeface="Tahoma" pitchFamily="34" charset="0"/>
-              </a:rPr>
-              <a:t>             </a:t>
-            </a:r>
-            <a:r>
-              <a:rPr kumimoji="0" lang="en-US" sz="3200" i="0" u="none" strike="noStrike" kern="1200" cap="none" spc="0" normalizeH="0" baseline="0" noProof="0" dirty="0" smtClean="0">
-                <a:ln>
-                  <a:noFill/>
-                </a:ln>
-                <a:solidFill>
-                  <a:schemeClr val="tx1">
-                    <a:lumMod val="50000"/>
-                  </a:schemeClr>
-                </a:solidFill>
-                <a:effectLst/>
-                <a:uLnTx/>
-                <a:uFillTx/>
-                <a:latin typeface="Tahoma" pitchFamily="34" charset="0"/>
-                <a:ea typeface="Tahoma" pitchFamily="34" charset="0"/>
-                <a:cs typeface="Tahoma" pitchFamily="34" charset="0"/>
-              </a:rPr>
-              <a:t>Operations</a:t>
+              </a:rPr>
+              <a:t>RESTful</a:t>
+            </a:r>
+            <a:r>
+              <a:rPr lang="en-US" sz="3200" dirty="0" smtClean="0"/>
+              <a:t> interface for Graph Stores</a:t>
             </a:r>
             <a:endParaRPr kumimoji="0" lang="en-GB" sz="3200" i="0" u="none" strike="noStrike" kern="1200" cap="none" spc="0" normalizeH="0" baseline="0" noProof="0" dirty="0">
               <a:ln>
@@ -5879,292 +8477,6 @@
           </a:p>
         </p:txBody>
       </p:sp>
-      <p:sp>
-        <p:nvSpPr>
-          <p:cNvPr id="5" name="TextBox 4"/>
-          <p:cNvSpPr txBox="1"/>
-          <p:nvPr/>
-        </p:nvSpPr>
-        <p:spPr>
-          <a:xfrm>
-            <a:off x="3805180" y="2156009"/>
-            <a:ext cx="762516" cy="3872414"/>
-          </a:xfrm>
-          <a:prstGeom prst="rect">
-            <a:avLst/>
-          </a:prstGeom>
-          <a:noFill/>
-        </p:spPr>
-        <p:txBody>
-          <a:bodyPr vert="wordArtVert" wrap="square" rtlCol="0">
-            <a:spAutoFit/>
-          </a:bodyPr>
-          <a:lstStyle/>
-          <a:p>
-            <a:r>
-              <a:rPr lang="en-US" sz="3200" dirty="0" smtClean="0">
-                <a:solidFill>
-                  <a:srgbClr val="C00000"/>
-                </a:solidFill>
-                <a:latin typeface="Tahoma" pitchFamily="34" charset="0"/>
-                <a:cs typeface="Tahoma" pitchFamily="34" charset="0"/>
-              </a:rPr>
-              <a:t>C</a:t>
-            </a:r>
-            <a:r>
-              <a:rPr lang="en-US" sz="2400" dirty="0" smtClean="0">
-                <a:solidFill>
-                  <a:schemeClr val="tx1">
-                    <a:lumMod val="60000"/>
-                    <a:lumOff val="40000"/>
-                  </a:schemeClr>
-                </a:solidFill>
-                <a:latin typeface="Tahoma" pitchFamily="34" charset="0"/>
-                <a:cs typeface="Tahoma" pitchFamily="34" charset="0"/>
-              </a:rPr>
-              <a:t>reate</a:t>
-            </a:r>
-            <a:endParaRPr lang="en-GB" sz="2400" dirty="0" err="1" smtClean="0">
-              <a:solidFill>
-                <a:schemeClr val="tx1">
-                  <a:lumMod val="60000"/>
-                  <a:lumOff val="40000"/>
-                </a:schemeClr>
-              </a:solidFill>
-              <a:latin typeface="Tahoma" pitchFamily="34" charset="0"/>
-              <a:cs typeface="Tahoma" pitchFamily="34" charset="0"/>
-            </a:endParaRPr>
-          </a:p>
-        </p:txBody>
-      </p:sp>
-      <p:sp>
-        <p:nvSpPr>
-          <p:cNvPr id="10" name="TextBox 9"/>
-          <p:cNvSpPr txBox="1"/>
-          <p:nvPr/>
-        </p:nvSpPr>
-        <p:spPr>
-          <a:xfrm>
-            <a:off x="4182980" y="2155802"/>
-            <a:ext cx="762516" cy="4538162"/>
-          </a:xfrm>
-          <a:prstGeom prst="rect">
-            <a:avLst/>
-          </a:prstGeom>
-          <a:noFill/>
-        </p:spPr>
-        <p:txBody>
-          <a:bodyPr vert="wordArtVert" wrap="square" rtlCol="0">
-            <a:spAutoFit/>
-          </a:bodyPr>
-          <a:lstStyle/>
-          <a:p>
-            <a:r>
-              <a:rPr lang="en-US" sz="3200" dirty="0" smtClean="0">
-                <a:solidFill>
-                  <a:srgbClr val="C00000"/>
-                </a:solidFill>
-                <a:latin typeface="Tahoma" pitchFamily="34" charset="0"/>
-                <a:cs typeface="Tahoma" pitchFamily="34" charset="0"/>
-              </a:rPr>
-              <a:t>R</a:t>
-            </a:r>
-            <a:r>
-              <a:rPr lang="en-US" sz="2400" dirty="0" smtClean="0">
-                <a:solidFill>
-                  <a:schemeClr val="tx1">
-                    <a:lumMod val="60000"/>
-                    <a:lumOff val="40000"/>
-                  </a:schemeClr>
-                </a:solidFill>
-                <a:latin typeface="Tahoma" pitchFamily="34" charset="0"/>
-                <a:cs typeface="Tahoma" pitchFamily="34" charset="0"/>
-              </a:rPr>
-              <a:t>etrieve</a:t>
-            </a:r>
-            <a:endParaRPr lang="en-GB" sz="2400" dirty="0" err="1" smtClean="0">
-              <a:solidFill>
-                <a:schemeClr val="tx1">
-                  <a:lumMod val="60000"/>
-                  <a:lumOff val="40000"/>
-                </a:schemeClr>
-              </a:solidFill>
-              <a:latin typeface="Tahoma" pitchFamily="34" charset="0"/>
-              <a:cs typeface="Tahoma" pitchFamily="34" charset="0"/>
-            </a:endParaRPr>
-          </a:p>
-        </p:txBody>
-      </p:sp>
-      <p:sp>
-        <p:nvSpPr>
-          <p:cNvPr id="11" name="TextBox 10"/>
-          <p:cNvSpPr txBox="1"/>
-          <p:nvPr/>
-        </p:nvSpPr>
-        <p:spPr>
-          <a:xfrm>
-            <a:off x="4567006" y="2156009"/>
-            <a:ext cx="762516" cy="3872414"/>
-          </a:xfrm>
-          <a:prstGeom prst="rect">
-            <a:avLst/>
-          </a:prstGeom>
-          <a:noFill/>
-        </p:spPr>
-        <p:txBody>
-          <a:bodyPr vert="wordArtVert" wrap="square" rtlCol="0">
-            <a:spAutoFit/>
-          </a:bodyPr>
-          <a:lstStyle/>
-          <a:p>
-            <a:r>
-              <a:rPr lang="en-US" sz="3200" dirty="0" smtClean="0">
-                <a:solidFill>
-                  <a:srgbClr val="C00000"/>
-                </a:solidFill>
-                <a:latin typeface="Tahoma" pitchFamily="34" charset="0"/>
-                <a:cs typeface="Tahoma" pitchFamily="34" charset="0"/>
-              </a:rPr>
-              <a:t>U</a:t>
-            </a:r>
-            <a:r>
-              <a:rPr lang="en-US" sz="2400" dirty="0" smtClean="0">
-                <a:solidFill>
-                  <a:schemeClr val="tx1">
-                    <a:lumMod val="60000"/>
-                    <a:lumOff val="40000"/>
-                  </a:schemeClr>
-                </a:solidFill>
-                <a:latin typeface="Tahoma" pitchFamily="34" charset="0"/>
-                <a:cs typeface="Tahoma" pitchFamily="34" charset="0"/>
-              </a:rPr>
-              <a:t>pdate</a:t>
-            </a:r>
-            <a:endParaRPr lang="en-GB" sz="2400" dirty="0" err="1" smtClean="0">
-              <a:solidFill>
-                <a:schemeClr val="tx1">
-                  <a:lumMod val="60000"/>
-                  <a:lumOff val="40000"/>
-                </a:schemeClr>
-              </a:solidFill>
-              <a:latin typeface="Tahoma" pitchFamily="34" charset="0"/>
-              <a:cs typeface="Tahoma" pitchFamily="34" charset="0"/>
-            </a:endParaRPr>
-          </a:p>
-        </p:txBody>
-      </p:sp>
-      <p:sp>
-        <p:nvSpPr>
-          <p:cNvPr id="12" name="TextBox 11"/>
-          <p:cNvSpPr txBox="1"/>
-          <p:nvPr/>
-        </p:nvSpPr>
-        <p:spPr>
-          <a:xfrm>
-            <a:off x="4968474" y="2152199"/>
-            <a:ext cx="762516" cy="3872414"/>
-          </a:xfrm>
-          <a:prstGeom prst="rect">
-            <a:avLst/>
-          </a:prstGeom>
-          <a:noFill/>
-        </p:spPr>
-        <p:txBody>
-          <a:bodyPr vert="wordArtVert" wrap="square" rtlCol="0">
-            <a:spAutoFit/>
-          </a:bodyPr>
-          <a:lstStyle/>
-          <a:p>
-            <a:r>
-              <a:rPr lang="en-US" sz="3200" dirty="0" smtClean="0">
-                <a:solidFill>
-                  <a:srgbClr val="C00000"/>
-                </a:solidFill>
-                <a:latin typeface="Tahoma" pitchFamily="34" charset="0"/>
-                <a:cs typeface="Tahoma" pitchFamily="34" charset="0"/>
-              </a:rPr>
-              <a:t>D</a:t>
-            </a:r>
-            <a:r>
-              <a:rPr lang="en-US" sz="2400" dirty="0" smtClean="0">
-                <a:solidFill>
-                  <a:schemeClr val="tx1">
-                    <a:lumMod val="60000"/>
-                    <a:lumOff val="40000"/>
-                  </a:schemeClr>
-                </a:solidFill>
-                <a:latin typeface="Tahoma" pitchFamily="34" charset="0"/>
-                <a:cs typeface="Tahoma" pitchFamily="34" charset="0"/>
-              </a:rPr>
-              <a:t>elete</a:t>
-            </a:r>
-            <a:endParaRPr lang="en-GB" sz="2400" dirty="0" err="1" smtClean="0">
-              <a:solidFill>
-                <a:schemeClr val="tx1">
-                  <a:lumMod val="60000"/>
-                  <a:lumOff val="40000"/>
-                </a:schemeClr>
-              </a:solidFill>
-              <a:latin typeface="Tahoma" pitchFamily="34" charset="0"/>
-              <a:cs typeface="Tahoma" pitchFamily="34" charset="0"/>
-            </a:endParaRPr>
-          </a:p>
-        </p:txBody>
-      </p:sp>
-      <p:sp>
-        <p:nvSpPr>
-          <p:cNvPr id="13" name="Rectangle 12"/>
-          <p:cNvSpPr/>
-          <p:nvPr/>
-        </p:nvSpPr>
-        <p:spPr>
-          <a:xfrm>
-            <a:off x="4054643" y="2707103"/>
-            <a:ext cx="1612231" cy="3128210"/>
-          </a:xfrm>
-          <a:prstGeom prst="rect">
-            <a:avLst/>
-          </a:prstGeom>
-          <a:gradFill flip="none" rotWithShape="1">
-            <a:gsLst>
-              <a:gs pos="0">
-                <a:schemeClr val="bg2">
-                  <a:alpha val="0"/>
-                </a:schemeClr>
-              </a:gs>
-              <a:gs pos="5000">
-                <a:schemeClr val="bg2"/>
-              </a:gs>
-              <a:gs pos="100000">
-                <a:schemeClr val="bg2"/>
-              </a:gs>
-            </a:gsLst>
-            <a:lin ang="5400000" scaled="1"/>
-            <a:tileRect/>
-          </a:gradFill>
-          <a:ln w="9525" algn="ctr">
-            <a:noFill/>
-            <a:miter lim="800000"/>
-            <a:headEnd/>
-            <a:tailEnd/>
-          </a:ln>
-          <a:effectLst/>
-        </p:spPr>
-        <p:txBody>
-          <a:bodyPr wrap="none" rtlCol="0" anchor="ctr"/>
-          <a:lstStyle/>
-          <a:p>
-            <a:pPr algn="ctr"/>
-            <a:endParaRPr lang="en-GB">
-              <a:solidFill>
-                <a:schemeClr val="tx1"/>
-              </a:solidFill>
-              <a:latin typeface="Tahoma" pitchFamily="34" charset="0"/>
-              <a:cs typeface="Tahoma" pitchFamily="34" charset="0"/>
-            </a:endParaRPr>
-          </a:p>
-        </p:txBody>
-      </p:sp>
     </p:spTree>
   </p:cSld>
   <p:clrMapOvr>
@@ -6176,78 +8488,9 @@
   <p:timing>
     <p:tnLst>
       <p:par>
-        <p:cTn id="1" dur="indefinite" restart="never" nodeType="tmRoot">
-          <p:childTnLst>
-            <p:seq concurrent="1" nextAc="seek">
-              <p:cTn id="2" dur="indefinite" nodeType="mainSeq">
-                <p:childTnLst>
-                  <p:par>
-                    <p:cTn id="3" fill="hold">
-                      <p:stCondLst>
-                        <p:cond delay="indefinite"/>
-                        <p:cond evt="onBegin" delay="0">
-                          <p:tn val="2"/>
-                        </p:cond>
-                      </p:stCondLst>
-                      <p:childTnLst>
-                        <p:par>
-                          <p:cTn id="4" fill="hold">
-                            <p:stCondLst>
-                              <p:cond delay="0"/>
-                            </p:stCondLst>
-                            <p:childTnLst>
-                              <p:par>
-                                <p:cTn id="5" presetID="42" presetClass="path" presetSubtype="0" accel="50000" decel="50000" fill="hold" grpId="0" nodeType="withEffect">
-                                  <p:stCondLst>
-                                    <p:cond delay="0"/>
-                                  </p:stCondLst>
-                                  <p:childTnLst>
-                                    <p:animMotion origin="layout" path="M 1.66667E-6 4.81481E-6 L 0.00121 0.53657 " pathEditMode="relative" rAng="0" ptsTypes="AA">
-                                      <p:cBhvr>
-                                        <p:cTn id="6" dur="1000" fill="hold"/>
-                                        <p:tgtEl>
-                                          <p:spTgt spid="13"/>
-                                        </p:tgtEl>
-                                        <p:attrNameLst>
-                                          <p:attrName>ppt_x</p:attrName>
-                                          <p:attrName>ppt_y</p:attrName>
-                                        </p:attrNameLst>
-                                      </p:cBhvr>
-                                      <p:rCtr x="1" y="268"/>
-                                    </p:animMotion>
-                                  </p:childTnLst>
-                                </p:cTn>
-                              </p:par>
-                            </p:childTnLst>
-                          </p:cTn>
-                        </p:par>
-                      </p:childTnLst>
-                    </p:cTn>
-                  </p:par>
-                </p:childTnLst>
-              </p:cTn>
-              <p:prevCondLst>
-                <p:cond evt="onPrev" delay="0">
-                  <p:tgtEl>
-                    <p:sldTgt/>
-                  </p:tgtEl>
-                </p:cond>
-              </p:prevCondLst>
-              <p:nextCondLst>
-                <p:cond evt="onNext" delay="0">
-                  <p:tgtEl>
-                    <p:sldTgt/>
-                  </p:tgtEl>
-                </p:cond>
-              </p:nextCondLst>
-            </p:seq>
-          </p:childTnLst>
-        </p:cTn>
+        <p:cTn id="1" dur="indefinite" restart="never" nodeType="tmRoot"/>
       </p:par>
     </p:tnLst>
-    <p:bldLst>
-      <p:bldP spid="13" grpId="0" animBg="1"/>
-    </p:bldLst>
   </p:timing>
 </p:sld>
 </file>
@@ -6279,102 +8522,6 @@
         </p:nvSpPr>
         <p:spPr>
           <a:xfrm>
-            <a:off x="697832" y="1772816"/>
-            <a:ext cx="7772400" cy="1514599"/>
-          </a:xfrm>
-          <a:prstGeom prst="rect">
-            <a:avLst/>
-          </a:prstGeom>
-        </p:spPr>
-        <p:txBody>
-          <a:bodyPr anchor="ctr"/>
-          <a:lstStyle/>
-          <a:p>
-            <a:pPr lvl="0" algn="ctr">
-              <a:spcBef>
-                <a:spcPct val="0"/>
-              </a:spcBef>
-            </a:pPr>
-            <a:r>
-              <a:rPr lang="en-US" sz="3200" dirty="0" smtClean="0"/>
-              <a:t>A </a:t>
-            </a:r>
-            <a:r>
-              <a:rPr lang="en-US" sz="3200" dirty="0" err="1" smtClean="0">
-                <a:solidFill>
-                  <a:srgbClr val="C00000"/>
-                </a:solidFill>
-              </a:rPr>
-              <a:t>RESTful</a:t>
-            </a:r>
-            <a:r>
-              <a:rPr lang="en-US" sz="3200" dirty="0" smtClean="0"/>
-              <a:t> interface for Graph Stores</a:t>
-            </a:r>
-            <a:endParaRPr kumimoji="0" lang="en-GB" sz="3200" i="0" u="none" strike="noStrike" kern="1200" cap="none" spc="0" normalizeH="0" baseline="0" noProof="0" dirty="0">
-              <a:ln>
-                <a:noFill/>
-              </a:ln>
-              <a:solidFill>
-                <a:schemeClr val="tx1">
-                  <a:lumMod val="50000"/>
-                </a:schemeClr>
-              </a:solidFill>
-              <a:effectLst/>
-              <a:uLnTx/>
-              <a:uFillTx/>
-              <a:latin typeface="Tahoma" pitchFamily="34" charset="0"/>
-              <a:ea typeface="Tahoma" pitchFamily="34" charset="0"/>
-              <a:cs typeface="Tahoma" pitchFamily="34" charset="0"/>
-            </a:endParaRPr>
-          </a:p>
-        </p:txBody>
-      </p:sp>
-    </p:spTree>
-  </p:cSld>
-  <p:clrMapOvr>
-    <a:masterClrMapping/>
-  </p:clrMapOvr>
-  <p:transition>
-    <p:fade/>
-  </p:transition>
-  <p:timing>
-    <p:tnLst>
-      <p:par>
-        <p:cTn id="1" dur="indefinite" restart="never" nodeType="tmRoot"/>
-      </p:par>
-    </p:tnLst>
-  </p:timing>
-</p:sld>
-</file>
-
-<file path=ppt/slides/slide25.xml><?xml version="1.0" encoding="utf-8"?>
-<p:sld xmlns:a="http://schemas.openxmlformats.org/drawingml/2006/main" xmlns:r="http://schemas.openxmlformats.org/officeDocument/2006/relationships" xmlns:p="http://schemas.openxmlformats.org/presentationml/2006/main">
-  <p:cSld>
-    <p:spTree>
-      <p:nvGrpSpPr>
-        <p:cNvPr id="1" name=""/>
-        <p:cNvGrpSpPr/>
-        <p:nvPr/>
-      </p:nvGrpSpPr>
-      <p:grpSpPr>
-        <a:xfrm>
-          <a:off x="0" y="0"/>
-          <a:ext cx="0" cy="0"/>
-          <a:chOff x="0" y="0"/>
-          <a:chExt cx="0" cy="0"/>
-        </a:xfrm>
-      </p:grpSpPr>
-      <p:sp>
-        <p:nvSpPr>
-          <p:cNvPr id="4" name="Title 1"/>
-          <p:cNvSpPr txBox="1">
-            <a:spLocks/>
-          </p:cNvSpPr>
-          <p:nvPr/>
-        </p:nvSpPr>
-        <p:spPr>
-          <a:xfrm>
             <a:off x="685800" y="1772816"/>
             <a:ext cx="7772400" cy="1514599"/>
           </a:xfrm>
@@ -6441,7 +8588,7 @@
           <p:nvPr/>
         </p:nvPicPr>
         <p:blipFill>
-          <a:blip r:embed="rId2" cstate="print"/>
+          <a:blip r:embed="rId3" cstate="print"/>
           <a:stretch>
             <a:fillRect/>
           </a:stretch>
@@ -6465,7 +8612,7 @@
           <p:nvPr/>
         </p:nvPicPr>
         <p:blipFill>
-          <a:blip r:embed="rId3" cstate="print"/>
+          <a:blip r:embed="rId4" cstate="print"/>
           <a:stretch>
             <a:fillRect/>
           </a:stretch>
@@ -6489,7 +8636,7 @@
           <p:nvPr/>
         </p:nvPicPr>
         <p:blipFill>
-          <a:blip r:embed="rId4" cstate="print"/>
+          <a:blip r:embed="rId5" cstate="print"/>
           <a:stretch>
             <a:fillRect/>
           </a:stretch>
@@ -6513,7 +8660,7 @@
           <p:nvPr/>
         </p:nvPicPr>
         <p:blipFill>
-          <a:blip r:embed="rId5" cstate="print"/>
+          <a:blip r:embed="rId6" cstate="print"/>
           <a:stretch>
             <a:fillRect/>
           </a:stretch>
@@ -6537,7 +8684,7 @@
           <p:nvPr/>
         </p:nvPicPr>
         <p:blipFill>
-          <a:blip r:embed="rId6" cstate="print"/>
+          <a:blip r:embed="rId7" cstate="print"/>
           <a:stretch>
             <a:fillRect/>
           </a:stretch>
@@ -6978,7 +9125,7 @@
 </p:sld>
 </file>
 
-<file path=ppt/slides/slide26.xml><?xml version="1.0" encoding="utf-8"?>
+<file path=ppt/slides/slide25.xml><?xml version="1.0" encoding="utf-8"?>
 <p:sld xmlns:a="http://schemas.openxmlformats.org/drawingml/2006/main" xmlns:r="http://schemas.openxmlformats.org/officeDocument/2006/relationships" xmlns:p="http://schemas.openxmlformats.org/presentationml/2006/main">
   <p:cSld>
     <p:spTree>
@@ -7083,7 +9230,7 @@
 </p:sld>
 </file>
 
-<file path=ppt/slides/slide27.xml><?xml version="1.0" encoding="utf-8"?>
+<file path=ppt/slides/slide26.xml><?xml version="1.0" encoding="utf-8"?>
 <p:sld xmlns:a="http://schemas.openxmlformats.org/drawingml/2006/main" xmlns:r="http://schemas.openxmlformats.org/officeDocument/2006/relationships" xmlns:p="http://schemas.openxmlformats.org/presentationml/2006/main">
   <p:cSld>
     <p:spTree>
@@ -7205,7 +9352,7 @@
 </p:sld>
 </file>
 
-<file path=ppt/slides/slide28.xml><?xml version="1.0" encoding="utf-8"?>
+<file path=ppt/slides/slide27.xml><?xml version="1.0" encoding="utf-8"?>
 <p:sld xmlns:a="http://schemas.openxmlformats.org/drawingml/2006/main" xmlns:r="http://schemas.openxmlformats.org/officeDocument/2006/relationships" xmlns:p="http://schemas.openxmlformats.org/presentationml/2006/main">
   <p:cSld>
     <p:spTree>
@@ -7501,7 +9648,7 @@
           <p:nvPr/>
         </p:nvPicPr>
         <p:blipFill>
-          <a:blip r:embed="rId2" cstate="print"/>
+          <a:blip r:embed="rId3" cstate="print"/>
           <a:srcRect l="34863" t="36863" r="33152" b="39492"/>
           <a:stretch>
             <a:fillRect/>
@@ -7637,23 +9784,7 @@
                   <a:srgbClr val="C00000"/>
                 </a:solidFill>
               </a:rPr>
-              <a:t> </a:t>
-            </a:r>
-            <a:r>
-              <a:rPr lang="en-US" sz="3200" dirty="0" smtClean="0">
-                <a:solidFill>
-                  <a:srgbClr val="C00000"/>
-                </a:solidFill>
-              </a:rPr>
-              <a:t>Linked </a:t>
-            </a:r>
-            <a:r>
-              <a:rPr lang="en-US" sz="3200" dirty="0" smtClean="0">
-                <a:solidFill>
-                  <a:srgbClr val="C00000"/>
-                </a:solidFill>
-              </a:rPr>
-              <a:t>Data</a:t>
+              <a:t> Linked Data</a:t>
             </a:r>
             <a:endParaRPr kumimoji="0" lang="en-GB" sz="3200" i="0" u="none" strike="noStrike" kern="1200" cap="none" spc="0" normalizeH="0" baseline="0" noProof="0" dirty="0">
               <a:ln>
@@ -7912,7 +10043,7 @@
           <p:nvPr/>
         </p:nvPicPr>
         <p:blipFill>
-          <a:blip r:embed="rId2" cstate="print"/>
+          <a:blip r:embed="rId3" cstate="print"/>
           <a:stretch>
             <a:fillRect/>
           </a:stretch>

--- a/docs/marklogic_and_the_linked-data_connection.pptx
+++ b/docs/marklogic_and_the_linked-data_connection.pptx
@@ -5,7 +5,7 @@
     <p:sldMasterId id="2147483662" r:id="rId1"/>
   </p:sldMasterIdLst>
   <p:notesMasterIdLst>
-    <p:notesMasterId r:id="rId29"/>
+    <p:notesMasterId r:id="rId28"/>
   </p:notesMasterIdLst>
   <p:sldIdLst>
     <p:sldId id="288" r:id="rId2"/>
@@ -14,27 +14,26 @@
     <p:sldId id="279" r:id="rId5"/>
     <p:sldId id="282" r:id="rId6"/>
     <p:sldId id="283" r:id="rId7"/>
-    <p:sldId id="284" r:id="rId8"/>
-    <p:sldId id="285" r:id="rId9"/>
-    <p:sldId id="286" r:id="rId10"/>
-    <p:sldId id="287" r:id="rId11"/>
-    <p:sldId id="289" r:id="rId12"/>
-    <p:sldId id="290" r:id="rId13"/>
-    <p:sldId id="291" r:id="rId14"/>
-    <p:sldId id="292" r:id="rId15"/>
-    <p:sldId id="293" r:id="rId16"/>
-    <p:sldId id="294" r:id="rId17"/>
-    <p:sldId id="295" r:id="rId18"/>
-    <p:sldId id="296" r:id="rId19"/>
-    <p:sldId id="297" r:id="rId20"/>
-    <p:sldId id="298" r:id="rId21"/>
-    <p:sldId id="299" r:id="rId22"/>
-    <p:sldId id="306" r:id="rId23"/>
-    <p:sldId id="307" r:id="rId24"/>
-    <p:sldId id="302" r:id="rId25"/>
-    <p:sldId id="303" r:id="rId26"/>
-    <p:sldId id="304" r:id="rId27"/>
-    <p:sldId id="275" r:id="rId28"/>
+    <p:sldId id="285" r:id="rId8"/>
+    <p:sldId id="286" r:id="rId9"/>
+    <p:sldId id="287" r:id="rId10"/>
+    <p:sldId id="289" r:id="rId11"/>
+    <p:sldId id="290" r:id="rId12"/>
+    <p:sldId id="291" r:id="rId13"/>
+    <p:sldId id="292" r:id="rId14"/>
+    <p:sldId id="293" r:id="rId15"/>
+    <p:sldId id="294" r:id="rId16"/>
+    <p:sldId id="295" r:id="rId17"/>
+    <p:sldId id="296" r:id="rId18"/>
+    <p:sldId id="297" r:id="rId19"/>
+    <p:sldId id="298" r:id="rId20"/>
+    <p:sldId id="299" r:id="rId21"/>
+    <p:sldId id="306" r:id="rId22"/>
+    <p:sldId id="307" r:id="rId23"/>
+    <p:sldId id="302" r:id="rId24"/>
+    <p:sldId id="303" r:id="rId25"/>
+    <p:sldId id="304" r:id="rId26"/>
+    <p:sldId id="275" r:id="rId27"/>
   </p:sldIdLst>
   <p:sldSz cx="9144000" cy="6858000" type="screen4x3"/>
   <p:notesSz cx="6934200" cy="9232900"/>
@@ -622,10 +621,10 @@
                 <a:ea typeface="+mn-ea"/>
                 <a:cs typeface="+mn-cs"/>
               </a:rPr>
-              <a:t>it has lead to a variety of implementation specific APIs to load and query the </a:t>
-            </a:r>
-            <a:br>
-              <a:rPr lang="en-US" sz="1200" kern="1200" dirty="0" smtClean="0">
+              <a:t>and the additional complexity of a middle-tier </a:t>
+            </a:r>
+            <a:r>
+              <a:rPr lang="en-US" sz="1200" kern="1200" dirty="0" err="1" smtClean="0">
                 <a:solidFill>
                   <a:schemeClr val="tx1"/>
                 </a:solidFill>
@@ -633,7 +632,8 @@
                 <a:ea typeface="+mn-ea"/>
                 <a:cs typeface="+mn-cs"/>
               </a:rPr>
-            </a:br>
+              <a:t>archtecture</a:t>
+            </a:r>
             <a:r>
               <a:rPr lang="en-US" sz="1200" kern="1200" dirty="0" smtClean="0">
                 <a:solidFill>
@@ -643,7 +643,28 @@
                 <a:ea typeface="+mn-ea"/>
                 <a:cs typeface="+mn-cs"/>
               </a:rPr>
-              <a:t>data sets held within </a:t>
+              <a:t> to bridge the gap </a:t>
+            </a:r>
+            <a:br>
+              <a:rPr lang="en-US" sz="1200" kern="1200" dirty="0" smtClean="0">
+                <a:solidFill>
+                  <a:schemeClr val="tx1"/>
+                </a:solidFill>
+                <a:latin typeface="+mn-lt"/>
+                <a:ea typeface="+mn-ea"/>
+                <a:cs typeface="+mn-cs"/>
+              </a:rPr>
+            </a:br>
+            <a:r>
+              <a:rPr lang="en-US" sz="1200" kern="1200" dirty="0" smtClean="0">
+                <a:solidFill>
+                  <a:schemeClr val="tx1"/>
+                </a:solidFill>
+                <a:latin typeface="+mn-lt"/>
+                <a:ea typeface="+mn-ea"/>
+                <a:cs typeface="+mn-cs"/>
+              </a:rPr>
+              <a:t>between content stores and graph stores.</a:t>
             </a:r>
             <a:endParaRPr lang="en-GB" dirty="0"/>
           </a:p>
@@ -736,10 +757,10 @@
                 <a:ea typeface="+mn-ea"/>
                 <a:cs typeface="+mn-cs"/>
               </a:rPr>
-              <a:t>and the additional complexity of a middle-tier </a:t>
-            </a:r>
-            <a:r>
-              <a:rPr lang="en-US" sz="1200" kern="1200" dirty="0" err="1" smtClean="0">
+              <a:t>The W3C have been working on a number of specifications regarding managing and </a:t>
+            </a:r>
+            <a:br>
+              <a:rPr lang="en-US" sz="1200" kern="1200" dirty="0" smtClean="0">
                 <a:solidFill>
                   <a:schemeClr val="tx1"/>
                 </a:solidFill>
@@ -747,8 +768,7 @@
                 <a:ea typeface="+mn-ea"/>
                 <a:cs typeface="+mn-cs"/>
               </a:rPr>
-              <a:t>archtecture</a:t>
-            </a:r>
+            </a:br>
             <a:r>
               <a:rPr lang="en-US" sz="1200" kern="1200" dirty="0" smtClean="0">
                 <a:solidFill>
@@ -758,28 +778,7 @@
                 <a:ea typeface="+mn-ea"/>
                 <a:cs typeface="+mn-cs"/>
               </a:rPr>
-              <a:t> to bridge the gap </a:t>
-            </a:r>
-            <a:br>
-              <a:rPr lang="en-US" sz="1200" kern="1200" dirty="0" smtClean="0">
-                <a:solidFill>
-                  <a:schemeClr val="tx1"/>
-                </a:solidFill>
-                <a:latin typeface="+mn-lt"/>
-                <a:ea typeface="+mn-ea"/>
-                <a:cs typeface="+mn-cs"/>
-              </a:rPr>
-            </a:br>
-            <a:r>
-              <a:rPr lang="en-US" sz="1200" kern="1200" dirty="0" smtClean="0">
-                <a:solidFill>
-                  <a:schemeClr val="tx1"/>
-                </a:solidFill>
-                <a:latin typeface="+mn-lt"/>
-                <a:ea typeface="+mn-ea"/>
-                <a:cs typeface="+mn-cs"/>
-              </a:rPr>
-              <a:t>between content stores and graph stores.</a:t>
+              <a:t>querying RDF data sets over HTTP</a:t>
             </a:r>
             <a:endParaRPr lang="en-GB" dirty="0"/>
           </a:p>
@@ -872,28 +871,7 @@
                 <a:ea typeface="+mn-ea"/>
                 <a:cs typeface="+mn-cs"/>
               </a:rPr>
-              <a:t>The W3C have been working on a number of specifications regarding managing and </a:t>
-            </a:r>
-            <a:br>
-              <a:rPr lang="en-US" sz="1200" kern="1200" dirty="0" smtClean="0">
-                <a:solidFill>
-                  <a:schemeClr val="tx1"/>
-                </a:solidFill>
-                <a:latin typeface="+mn-lt"/>
-                <a:ea typeface="+mn-ea"/>
-                <a:cs typeface="+mn-cs"/>
-              </a:rPr>
-            </a:br>
-            <a:r>
-              <a:rPr lang="en-US" sz="1200" kern="1200" dirty="0" smtClean="0">
-                <a:solidFill>
-                  <a:schemeClr val="tx1"/>
-                </a:solidFill>
-                <a:latin typeface="+mn-lt"/>
-                <a:ea typeface="+mn-ea"/>
-                <a:cs typeface="+mn-cs"/>
-              </a:rPr>
-              <a:t>querying RDF data sets over HTTP</a:t>
+              <a:t>Support is growing for these protocols </a:t>
             </a:r>
             <a:endParaRPr lang="en-GB" dirty="0"/>
           </a:p>
@@ -917,7 +895,7 @@
             <a:fld id="{708EA56A-F1B3-4F1F-ACD0-DEC49C4A85DD}" type="slidenum">
               <a:rPr lang="en-US" smtClean="0"/>
               <a:pPr/>
-              <a:t>12</a:t>
+              <a:t>14</a:t>
             </a:fld>
             <a:endParaRPr lang="en-US" dirty="0"/>
           </a:p>
@@ -986,7 +964,94 @@
                 <a:ea typeface="+mn-ea"/>
                 <a:cs typeface="+mn-cs"/>
               </a:rPr>
-              <a:t>Support is growing for these protocols </a:t>
+              <a:t>and to enable </a:t>
+            </a:r>
+            <a:r>
+              <a:rPr lang="en-US" sz="1200" kern="1200" dirty="0" err="1" smtClean="0">
+                <a:solidFill>
+                  <a:schemeClr val="tx1"/>
+                </a:solidFill>
+                <a:latin typeface="+mn-lt"/>
+                <a:ea typeface="+mn-ea"/>
+                <a:cs typeface="+mn-cs"/>
+              </a:rPr>
+              <a:t>MarkLogic</a:t>
+            </a:r>
+            <a:r>
+              <a:rPr lang="en-US" sz="1200" kern="1200" dirty="0" smtClean="0">
+                <a:solidFill>
+                  <a:schemeClr val="tx1"/>
+                </a:solidFill>
+                <a:latin typeface="+mn-lt"/>
+                <a:ea typeface="+mn-ea"/>
+                <a:cs typeface="+mn-cs"/>
+              </a:rPr>
+              <a:t> to interact directly with these data sources I've been </a:t>
+            </a:r>
+            <a:br>
+              <a:rPr lang="en-US" sz="1200" kern="1200" dirty="0" smtClean="0">
+                <a:solidFill>
+                  <a:schemeClr val="tx1"/>
+                </a:solidFill>
+                <a:latin typeface="+mn-lt"/>
+                <a:ea typeface="+mn-ea"/>
+                <a:cs typeface="+mn-cs"/>
+              </a:rPr>
+            </a:br>
+            <a:r>
+              <a:rPr lang="en-US" sz="1200" kern="1200" dirty="0" smtClean="0">
+                <a:solidFill>
+                  <a:schemeClr val="tx1"/>
+                </a:solidFill>
+                <a:latin typeface="+mn-lt"/>
+                <a:ea typeface="+mn-ea"/>
+                <a:cs typeface="+mn-cs"/>
+              </a:rPr>
+              <a:t>developing GRASP (</a:t>
+            </a:r>
+            <a:r>
+              <a:rPr lang="en-US" sz="1200" kern="1200" dirty="0" err="1" smtClean="0">
+                <a:solidFill>
+                  <a:schemeClr val="tx1"/>
+                </a:solidFill>
+                <a:latin typeface="+mn-lt"/>
+                <a:ea typeface="+mn-ea"/>
+                <a:cs typeface="+mn-cs"/>
+              </a:rPr>
+              <a:t>GRaph</a:t>
+            </a:r>
+            <a:r>
+              <a:rPr lang="en-US" sz="1200" kern="1200" dirty="0" smtClean="0">
+                <a:solidFill>
+                  <a:schemeClr val="tx1"/>
+                </a:solidFill>
+                <a:latin typeface="+mn-lt"/>
+                <a:ea typeface="+mn-ea"/>
+                <a:cs typeface="+mn-cs"/>
+              </a:rPr>
+              <a:t> store And </a:t>
+            </a:r>
+            <a:r>
+              <a:rPr lang="en-US" sz="1200" kern="1200" dirty="0" err="1" smtClean="0">
+                <a:solidFill>
+                  <a:schemeClr val="tx1"/>
+                </a:solidFill>
+                <a:latin typeface="+mn-lt"/>
+                <a:ea typeface="+mn-ea"/>
+                <a:cs typeface="+mn-cs"/>
+              </a:rPr>
+              <a:t>Sparql</a:t>
+            </a:r>
+            <a:r>
+              <a:rPr lang="en-US" sz="1200" kern="1200" dirty="0" smtClean="0">
+                <a:solidFill>
+                  <a:schemeClr val="tx1"/>
+                </a:solidFill>
+                <a:latin typeface="+mn-lt"/>
+                <a:ea typeface="+mn-ea"/>
+                <a:cs typeface="+mn-cs"/>
+              </a:rPr>
+              <a:t> Protocol),</a:t>
             </a:r>
             <a:endParaRPr lang="en-GB" dirty="0"/>
           </a:p>
@@ -1079,7 +1144,7 @@
                 <a:ea typeface="+mn-ea"/>
                 <a:cs typeface="+mn-cs"/>
               </a:rPr>
-              <a:t>and to enable </a:t>
+              <a:t>which is a set of </a:t>
             </a:r>
             <a:r>
               <a:rPr lang="en-US" sz="1200" kern="1200" dirty="0" err="1" smtClean="0">
@@ -1090,7 +1155,7 @@
                 <a:ea typeface="+mn-ea"/>
                 <a:cs typeface="+mn-cs"/>
               </a:rPr>
-              <a:t>MarkLogic</a:t>
+              <a:t>XQuery</a:t>
             </a:r>
             <a:r>
               <a:rPr lang="en-US" sz="1200" kern="1200" dirty="0" smtClean="0">
@@ -1101,7 +1166,7 @@
                 <a:ea typeface="+mn-ea"/>
                 <a:cs typeface="+mn-cs"/>
               </a:rPr>
-              <a:t> to interact directly with these data sources I've been </a:t>
+              <a:t> libraries that implement the client end of these </a:t>
             </a:r>
             <a:br>
               <a:rPr lang="en-US" sz="1200" kern="1200" dirty="0" smtClean="0">
@@ -1122,10 +1187,10 @@
                 <a:ea typeface="+mn-ea"/>
                 <a:cs typeface="+mn-cs"/>
               </a:rPr>
-              <a:t>developing GRASP (</a:t>
-            </a:r>
-            <a:r>
-              <a:rPr lang="en-US" sz="1200" kern="1200" dirty="0" err="1" smtClean="0">
+              <a:t>protocols.</a:t>
+            </a:r>
+            <a:br>
+              <a:rPr lang="en-US" sz="1200" kern="1200" dirty="0" smtClean="0">
                 <a:solidFill>
                   <a:schemeClr val="tx1"/>
                 </a:solidFill>
@@ -1133,41 +1198,7 @@
                 <a:ea typeface="+mn-ea"/>
                 <a:cs typeface="+mn-cs"/>
               </a:rPr>
-              <a:t>GRaph</a:t>
-            </a:r>
-            <a:r>
-              <a:rPr lang="en-US" sz="1200" kern="1200" dirty="0" smtClean="0">
-                <a:solidFill>
-                  <a:schemeClr val="tx1"/>
-                </a:solidFill>
-                <a:latin typeface="+mn-lt"/>
-                <a:ea typeface="+mn-ea"/>
-                <a:cs typeface="+mn-cs"/>
-              </a:rPr>
-              <a:t> store And </a:t>
-            </a:r>
-            <a:r>
-              <a:rPr lang="en-US" sz="1200" kern="1200" dirty="0" err="1" smtClean="0">
-                <a:solidFill>
-                  <a:schemeClr val="tx1"/>
-                </a:solidFill>
-                <a:latin typeface="+mn-lt"/>
-                <a:ea typeface="+mn-ea"/>
-                <a:cs typeface="+mn-cs"/>
-              </a:rPr>
-              <a:t>Sparql</a:t>
-            </a:r>
-            <a:r>
-              <a:rPr lang="en-US" sz="1200" kern="1200" dirty="0" smtClean="0">
-                <a:solidFill>
-                  <a:schemeClr val="tx1"/>
-                </a:solidFill>
-                <a:latin typeface="+mn-lt"/>
-                <a:ea typeface="+mn-ea"/>
-                <a:cs typeface="+mn-cs"/>
-              </a:rPr>
-              <a:t> Protocol),</a:t>
-            </a:r>
+            </a:br>
             <a:endParaRPr lang="en-GB" dirty="0"/>
           </a:p>
         </p:txBody>
@@ -1190,7 +1221,7 @@
             <a:fld id="{708EA56A-F1B3-4F1F-ACD0-DEC49C4A85DD}" type="slidenum">
               <a:rPr lang="en-US" smtClean="0"/>
               <a:pPr/>
-              <a:t>16</a:t>
+              <a:t>17</a:t>
             </a:fld>
             <a:endParaRPr lang="en-US" dirty="0"/>
           </a:p>
@@ -1259,10 +1290,10 @@
                 <a:ea typeface="+mn-ea"/>
                 <a:cs typeface="+mn-cs"/>
               </a:rPr>
-              <a:t>which is a set of </a:t>
-            </a:r>
-            <a:r>
-              <a:rPr lang="en-US" sz="1200" kern="1200" dirty="0" err="1" smtClean="0">
+              <a:t>and provide a wide range of convenience functions that simplify making the HTTP </a:t>
+            </a:r>
+            <a:br>
+              <a:rPr lang="en-US" sz="1200" kern="1200" dirty="0" smtClean="0">
                 <a:solidFill>
                   <a:schemeClr val="tx1"/>
                 </a:solidFill>
@@ -1270,8 +1301,7 @@
                 <a:ea typeface="+mn-ea"/>
                 <a:cs typeface="+mn-cs"/>
               </a:rPr>
-              <a:t>XQuery</a:t>
-            </a:r>
+            </a:br>
             <a:r>
               <a:rPr lang="en-US" sz="1200" kern="1200" dirty="0" smtClean="0">
                 <a:solidFill>
@@ -1281,39 +1311,8 @@
                 <a:ea typeface="+mn-ea"/>
                 <a:cs typeface="+mn-cs"/>
               </a:rPr>
-              <a:t> libraries that implement the client end of these </a:t>
-            </a:r>
-            <a:br>
-              <a:rPr lang="en-US" sz="1200" kern="1200" dirty="0" smtClean="0">
-                <a:solidFill>
-                  <a:schemeClr val="tx1"/>
-                </a:solidFill>
-                <a:latin typeface="+mn-lt"/>
-                <a:ea typeface="+mn-ea"/>
-                <a:cs typeface="+mn-cs"/>
-              </a:rPr>
-            </a:br>
-            <a:r>
-              <a:rPr lang="en-US" sz="1200" kern="1200" dirty="0" smtClean="0">
-                <a:solidFill>
-                  <a:schemeClr val="tx1"/>
-                </a:solidFill>
-                <a:latin typeface="+mn-lt"/>
-                <a:ea typeface="+mn-ea"/>
-                <a:cs typeface="+mn-cs"/>
-              </a:rPr>
-              <a:t>protocols.</a:t>
-            </a:r>
-            <a:br>
-              <a:rPr lang="en-US" sz="1200" kern="1200" dirty="0" smtClean="0">
-                <a:solidFill>
-                  <a:schemeClr val="tx1"/>
-                </a:solidFill>
-                <a:latin typeface="+mn-lt"/>
-                <a:ea typeface="+mn-ea"/>
-                <a:cs typeface="+mn-cs"/>
-              </a:rPr>
-            </a:br>
+              <a:t>requests to Graph Stores that support these protocols.</a:t>
+            </a:r>
             <a:endParaRPr lang="en-GB" dirty="0"/>
           </a:p>
         </p:txBody>
@@ -1405,7 +1404,7 @@
                 <a:ea typeface="+mn-ea"/>
                 <a:cs typeface="+mn-cs"/>
               </a:rPr>
-              <a:t>and provide a wide range of convenience functions that simplify making the HTTP </a:t>
+              <a:t>Why so many functions when one or two, with a pile of optional arguments, would </a:t>
             </a:r>
             <a:br>
               <a:rPr lang="en-US" sz="1200" kern="1200" dirty="0" smtClean="0">
@@ -1426,7 +1425,7 @@
                 <a:ea typeface="+mn-ea"/>
                 <a:cs typeface="+mn-cs"/>
               </a:rPr>
-              <a:t>requests to Graph Stores that support these protocols.</a:t>
+              <a:t>do? </a:t>
             </a:r>
             <a:endParaRPr lang="en-GB" dirty="0"/>
           </a:p>
@@ -1519,28 +1518,7 @@
                 <a:ea typeface="+mn-ea"/>
                 <a:cs typeface="+mn-cs"/>
               </a:rPr>
-              <a:t>Why so many functions when one or two, with a pile of optional arguments, would </a:t>
-            </a:r>
-            <a:br>
-              <a:rPr lang="en-US" sz="1200" kern="1200" dirty="0" smtClean="0">
-                <a:solidFill>
-                  <a:schemeClr val="tx1"/>
-                </a:solidFill>
-                <a:latin typeface="+mn-lt"/>
-                <a:ea typeface="+mn-ea"/>
-                <a:cs typeface="+mn-cs"/>
-              </a:rPr>
-            </a:br>
-            <a:r>
-              <a:rPr lang="en-US" sz="1200" kern="1200" dirty="0" smtClean="0">
-                <a:solidFill>
-                  <a:schemeClr val="tx1"/>
-                </a:solidFill>
-                <a:latin typeface="+mn-lt"/>
-                <a:ea typeface="+mn-ea"/>
-                <a:cs typeface="+mn-cs"/>
-              </a:rPr>
-              <a:t>do? </a:t>
+              <a:t>The simple answer is, I don't like too 'arguments'.</a:t>
             </a:r>
             <a:endParaRPr lang="en-GB" dirty="0"/>
           </a:p>
@@ -1633,7 +1611,28 @@
                 <a:ea typeface="+mn-ea"/>
                 <a:cs typeface="+mn-cs"/>
               </a:rPr>
-              <a:t>The simple answer is, I don't like too 'arguments'.</a:t>
+              <a:t>Well, I don't like too many optional arguments where some have to be set as an </a:t>
+            </a:r>
+            <a:br>
+              <a:rPr lang="en-US" sz="1200" kern="1200" dirty="0" smtClean="0">
+                <a:solidFill>
+                  <a:schemeClr val="tx1"/>
+                </a:solidFill>
+                <a:latin typeface="+mn-lt"/>
+                <a:ea typeface="+mn-ea"/>
+                <a:cs typeface="+mn-cs"/>
+              </a:rPr>
+            </a:br>
+            <a:r>
+              <a:rPr lang="en-US" sz="1200" kern="1200" dirty="0" smtClean="0">
+                <a:solidFill>
+                  <a:schemeClr val="tx1"/>
+                </a:solidFill>
+                <a:latin typeface="+mn-lt"/>
+                <a:ea typeface="+mn-ea"/>
+                <a:cs typeface="+mn-cs"/>
+              </a:rPr>
+              <a:t>empty sequence in order to pad the way to setting others.</a:t>
             </a:r>
             <a:endParaRPr lang="en-GB" dirty="0"/>
           </a:p>
@@ -1726,10 +1725,10 @@
                 <a:ea typeface="+mn-ea"/>
                 <a:cs typeface="+mn-cs"/>
               </a:rPr>
-              <a:t>Well, I don't like too many optional arguments where some have to be set as an </a:t>
-            </a:r>
-            <a:br>
-              <a:rPr lang="en-US" sz="1200" kern="1200" dirty="0" smtClean="0">
+              <a:t>Basically, these functions are wrappers for their respective </a:t>
+            </a:r>
+            <a:r>
+              <a:rPr lang="en-US" sz="1200" kern="1200" dirty="0" err="1" smtClean="0">
                 <a:solidFill>
                   <a:schemeClr val="tx1"/>
                 </a:solidFill>
@@ -1737,7 +1736,8 @@
                 <a:ea typeface="+mn-ea"/>
                 <a:cs typeface="+mn-cs"/>
               </a:rPr>
-            </a:br>
+              <a:t>RESTful</a:t>
+            </a:r>
             <a:r>
               <a:rPr lang="en-US" sz="1200" kern="1200" dirty="0" smtClean="0">
                 <a:solidFill>
@@ -1747,7 +1747,72 @@
                 <a:ea typeface="+mn-ea"/>
                 <a:cs typeface="+mn-cs"/>
               </a:rPr>
-              <a:t>empty sequence in order to pad the way to setting others.</a:t>
+              <a:t> actions and,</a:t>
+            </a:r>
+            <a:br>
+              <a:rPr lang="en-US" sz="1200" kern="1200" dirty="0" smtClean="0">
+                <a:solidFill>
+                  <a:schemeClr val="tx1"/>
+                </a:solidFill>
+                <a:latin typeface="+mn-lt"/>
+                <a:ea typeface="+mn-ea"/>
+                <a:cs typeface="+mn-cs"/>
+              </a:rPr>
+            </a:br>
+            <a:r>
+              <a:rPr lang="en-US" sz="1200" kern="1200" dirty="0" smtClean="0">
+                <a:solidFill>
+                  <a:schemeClr val="tx1"/>
+                </a:solidFill>
+                <a:latin typeface="+mn-lt"/>
+                <a:ea typeface="+mn-ea"/>
+                <a:cs typeface="+mn-cs"/>
+              </a:rPr>
+              <a:t>in effect, provide a </a:t>
+            </a:r>
+            <a:r>
+              <a:rPr lang="en-US" sz="1200" kern="1200" dirty="0" err="1" smtClean="0">
+                <a:solidFill>
+                  <a:schemeClr val="tx1"/>
+                </a:solidFill>
+                <a:latin typeface="+mn-lt"/>
+                <a:ea typeface="+mn-ea"/>
+                <a:cs typeface="+mn-cs"/>
+              </a:rPr>
+              <a:t>RESTful</a:t>
+            </a:r>
+            <a:r>
+              <a:rPr lang="en-US" sz="1200" kern="1200" dirty="0" smtClean="0">
+                <a:solidFill>
+                  <a:schemeClr val="tx1"/>
+                </a:solidFill>
+                <a:latin typeface="+mn-lt"/>
+                <a:ea typeface="+mn-ea"/>
+                <a:cs typeface="+mn-cs"/>
+              </a:rPr>
+              <a:t> </a:t>
+            </a:r>
+            <a:r>
+              <a:rPr lang="en-US" sz="1200" kern="1200" dirty="0" err="1" smtClean="0">
+                <a:solidFill>
+                  <a:schemeClr val="tx1"/>
+                </a:solidFill>
+                <a:latin typeface="+mn-lt"/>
+                <a:ea typeface="+mn-ea"/>
+                <a:cs typeface="+mn-cs"/>
+              </a:rPr>
+              <a:t>interafce</a:t>
+            </a:r>
+            <a:r>
+              <a:rPr lang="en-US" sz="1200" kern="1200" dirty="0" smtClean="0">
+                <a:solidFill>
+                  <a:schemeClr val="tx1"/>
+                </a:solidFill>
+                <a:latin typeface="+mn-lt"/>
+                <a:ea typeface="+mn-ea"/>
+                <a:cs typeface="+mn-cs"/>
+              </a:rPr>
+              <a:t> to a Graph Store.</a:t>
             </a:r>
             <a:endParaRPr lang="en-GB" dirty="0"/>
           </a:p>
@@ -1933,94 +1998,7 @@
                 <a:ea typeface="+mn-ea"/>
                 <a:cs typeface="+mn-cs"/>
               </a:rPr>
-              <a:t>Basically, these functions are wrappers for their respective </a:t>
-            </a:r>
-            <a:r>
-              <a:rPr lang="en-US" sz="1200" kern="1200" dirty="0" err="1" smtClean="0">
-                <a:solidFill>
-                  <a:schemeClr val="tx1"/>
-                </a:solidFill>
-                <a:latin typeface="+mn-lt"/>
-                <a:ea typeface="+mn-ea"/>
-                <a:cs typeface="+mn-cs"/>
-              </a:rPr>
-              <a:t>RESTful</a:t>
-            </a:r>
-            <a:r>
-              <a:rPr lang="en-US" sz="1200" kern="1200" dirty="0" smtClean="0">
-                <a:solidFill>
-                  <a:schemeClr val="tx1"/>
-                </a:solidFill>
-                <a:latin typeface="+mn-lt"/>
-                <a:ea typeface="+mn-ea"/>
-                <a:cs typeface="+mn-cs"/>
-              </a:rPr>
-              <a:t> actions and,</a:t>
-            </a:r>
-            <a:br>
-              <a:rPr lang="en-US" sz="1200" kern="1200" dirty="0" smtClean="0">
-                <a:solidFill>
-                  <a:schemeClr val="tx1"/>
-                </a:solidFill>
-                <a:latin typeface="+mn-lt"/>
-                <a:ea typeface="+mn-ea"/>
-                <a:cs typeface="+mn-cs"/>
-              </a:rPr>
-            </a:br>
-            <a:r>
-              <a:rPr lang="en-US" sz="1200" kern="1200" dirty="0" smtClean="0">
-                <a:solidFill>
-                  <a:schemeClr val="tx1"/>
-                </a:solidFill>
-                <a:latin typeface="+mn-lt"/>
-                <a:ea typeface="+mn-ea"/>
-                <a:cs typeface="+mn-cs"/>
-              </a:rPr>
-              <a:t>in effect, provide a </a:t>
-            </a:r>
-            <a:r>
-              <a:rPr lang="en-US" sz="1200" kern="1200" dirty="0" err="1" smtClean="0">
-                <a:solidFill>
-                  <a:schemeClr val="tx1"/>
-                </a:solidFill>
-                <a:latin typeface="+mn-lt"/>
-                <a:ea typeface="+mn-ea"/>
-                <a:cs typeface="+mn-cs"/>
-              </a:rPr>
-              <a:t>RESTful</a:t>
-            </a:r>
-            <a:r>
-              <a:rPr lang="en-US" sz="1200" kern="1200" dirty="0" smtClean="0">
-                <a:solidFill>
-                  <a:schemeClr val="tx1"/>
-                </a:solidFill>
-                <a:latin typeface="+mn-lt"/>
-                <a:ea typeface="+mn-ea"/>
-                <a:cs typeface="+mn-cs"/>
-              </a:rPr>
-              <a:t> </a:t>
-            </a:r>
-            <a:r>
-              <a:rPr lang="en-US" sz="1200" kern="1200" dirty="0" err="1" smtClean="0">
-                <a:solidFill>
-                  <a:schemeClr val="tx1"/>
-                </a:solidFill>
-                <a:latin typeface="+mn-lt"/>
-                <a:ea typeface="+mn-ea"/>
-                <a:cs typeface="+mn-cs"/>
-              </a:rPr>
-              <a:t>interafce</a:t>
-            </a:r>
-            <a:r>
-              <a:rPr lang="en-US" sz="1200" kern="1200" dirty="0" smtClean="0">
-                <a:solidFill>
-                  <a:schemeClr val="tx1"/>
-                </a:solidFill>
-                <a:latin typeface="+mn-lt"/>
-                <a:ea typeface="+mn-ea"/>
-                <a:cs typeface="+mn-cs"/>
-              </a:rPr>
-              <a:t> to a Graph Store.</a:t>
+              <a:t>The Linked Open Data Cloud has grown considerable in just five years.</a:t>
             </a:r>
             <a:endParaRPr lang="en-GB" dirty="0"/>
           </a:p>
@@ -2113,7 +2091,29 @@
                 <a:ea typeface="+mn-ea"/>
                 <a:cs typeface="+mn-cs"/>
               </a:rPr>
-              <a:t>The Linked Open Data Cloud has grown considerable in just five years.</a:t>
+              <a:t>If the rate at which the Linked Open Data Cloud has expanded over the last five years is anything to go by, the ability of businesses to interact with such a richly inter-linked source of information will be the defining factor in the </a:t>
+            </a:r>
+            <a:r>
+              <a:rPr lang="en-US" sz="1200" kern="1200" dirty="0" err="1" smtClean="0">
+                <a:solidFill>
+                  <a:schemeClr val="tx1"/>
+                </a:solidFill>
+                <a:latin typeface="+mn-lt"/>
+                <a:ea typeface="+mn-ea"/>
+                <a:cs typeface="+mn-cs"/>
+              </a:rPr>
+              <a:t>realistion</a:t>
+            </a:r>
+            <a:r>
+              <a:rPr lang="en-US" sz="1200" kern="1200" dirty="0" smtClean="0">
+                <a:solidFill>
+                  <a:schemeClr val="tx1"/>
+                </a:solidFill>
+                <a:latin typeface="+mn-lt"/>
+                <a:ea typeface="+mn-ea"/>
+                <a:cs typeface="+mn-cs"/>
+              </a:rPr>
+              <a:t> of Big Data's potential.</a:t>
             </a:r>
             <a:endParaRPr lang="en-GB" dirty="0"/>
           </a:p>
@@ -2197,40 +2197,7 @@
           </a:bodyPr>
           <a:lstStyle/>
           <a:p>
-            <a:r>
-              <a:rPr lang="en-US" sz="1200" kern="1200" dirty="0" smtClean="0">
-                <a:solidFill>
-                  <a:schemeClr val="tx1"/>
-                </a:solidFill>
-                <a:latin typeface="+mn-lt"/>
-                <a:ea typeface="+mn-ea"/>
-                <a:cs typeface="+mn-cs"/>
-              </a:rPr>
-              <a:t>If the rate at which the Linked Open Data Cloud has expanded over the last five years is anything to go by, the ability of businesses to interact with such a richly inter-linked source of information will be the defining factor in the </a:t>
-            </a:r>
-            <a:r>
-              <a:rPr lang="en-US" sz="1200" kern="1200" dirty="0" err="1" smtClean="0">
-                <a:solidFill>
-                  <a:schemeClr val="tx1"/>
-                </a:solidFill>
-                <a:latin typeface="+mn-lt"/>
-                <a:ea typeface="+mn-ea"/>
-                <a:cs typeface="+mn-cs"/>
-              </a:rPr>
-              <a:t>realistion</a:t>
-            </a:r>
-            <a:r>
-              <a:rPr lang="en-US" sz="1200" kern="1200" dirty="0" smtClean="0">
-                <a:solidFill>
-                  <a:schemeClr val="tx1"/>
-                </a:solidFill>
-                <a:latin typeface="+mn-lt"/>
-                <a:ea typeface="+mn-ea"/>
-                <a:cs typeface="+mn-cs"/>
-              </a:rPr>
-              <a:t> of Big Data's potential.</a:t>
-            </a:r>
-            <a:endParaRPr lang="en-GB" dirty="0"/>
+            <a:endParaRPr lang="en-US" dirty="0"/>
           </a:p>
         </p:txBody>
       </p:sp>
@@ -2252,89 +2219,7 @@
             <a:fld id="{708EA56A-F1B3-4F1F-ACD0-DEC49C4A85DD}" type="slidenum">
               <a:rPr lang="en-US" smtClean="0"/>
               <a:pPr/>
-              <a:t>25</a:t>
-            </a:fld>
-            <a:endParaRPr lang="en-US" dirty="0"/>
-          </a:p>
-        </p:txBody>
-      </p:sp>
-    </p:spTree>
-  </p:cSld>
-  <p:clrMapOvr>
-    <a:masterClrMapping/>
-  </p:clrMapOvr>
-</p:notes>
-</file>
-
-<file path=ppt/notesSlides/notesSlide23.xml><?xml version="1.0" encoding="utf-8"?>
-<p:notes xmlns:a="http://schemas.openxmlformats.org/drawingml/2006/main" xmlns:r="http://schemas.openxmlformats.org/officeDocument/2006/relationships" xmlns:p="http://schemas.openxmlformats.org/presentationml/2006/main">
-  <p:cSld>
-    <p:spTree>
-      <p:nvGrpSpPr>
-        <p:cNvPr id="1" name=""/>
-        <p:cNvGrpSpPr/>
-        <p:nvPr/>
-      </p:nvGrpSpPr>
-      <p:grpSpPr>
-        <a:xfrm>
-          <a:off x="0" y="0"/>
-          <a:ext cx="0" cy="0"/>
-          <a:chOff x="0" y="0"/>
-          <a:chExt cx="0" cy="0"/>
-        </a:xfrm>
-      </p:grpSpPr>
-      <p:sp>
-        <p:nvSpPr>
-          <p:cNvPr id="2" name="Slide Image Placeholder 1"/>
-          <p:cNvSpPr>
-            <a:spLocks noGrp="1" noRot="1" noChangeAspect="1"/>
-          </p:cNvSpPr>
-          <p:nvPr>
-            <p:ph type="sldImg"/>
-          </p:nvPr>
-        </p:nvSpPr>
-        <p:spPr/>
-      </p:sp>
-      <p:sp>
-        <p:nvSpPr>
-          <p:cNvPr id="3" name="Notes Placeholder 2"/>
-          <p:cNvSpPr>
-            <a:spLocks noGrp="1"/>
-          </p:cNvSpPr>
-          <p:nvPr>
-            <p:ph type="body" idx="1"/>
-          </p:nvPr>
-        </p:nvSpPr>
-        <p:spPr/>
-        <p:txBody>
-          <a:bodyPr>
-            <a:normAutofit/>
-          </a:bodyPr>
-          <a:lstStyle/>
-          <a:p>
-            <a:endParaRPr lang="en-US" dirty="0"/>
-          </a:p>
-        </p:txBody>
-      </p:sp>
-      <p:sp>
-        <p:nvSpPr>
-          <p:cNvPr id="4" name="Slide Number Placeholder 3"/>
-          <p:cNvSpPr>
-            <a:spLocks noGrp="1"/>
-          </p:cNvSpPr>
-          <p:nvPr>
-            <p:ph type="sldNum" sz="quarter" idx="10"/>
-          </p:nvPr>
-        </p:nvSpPr>
-        <p:spPr/>
-        <p:txBody>
-          <a:bodyPr/>
-          <a:lstStyle/>
-          <a:p>
-            <a:fld id="{708EA56A-F1B3-4F1F-ACD0-DEC49C4A85DD}" type="slidenum">
-              <a:rPr lang="en-US" smtClean="0"/>
-              <a:pPr/>
-              <a:t>27</a:t>
+              <a:t>26</a:t>
             </a:fld>
             <a:endParaRPr lang="en-US" dirty="0"/>
           </a:p>
@@ -2851,6 +2736,23 @@
           </a:bodyPr>
           <a:lstStyle/>
           <a:p>
+            <a:pPr marL="0" marR="0" indent="0" algn="l" defTabSz="914400" rtl="0" eaLnBrk="1" fontAlgn="auto" latinLnBrk="0" hangingPunct="1">
+              <a:lnSpc>
+                <a:spcPct val="100000"/>
+              </a:lnSpc>
+              <a:spcBef>
+                <a:spcPts val="0"/>
+              </a:spcBef>
+              <a:spcAft>
+                <a:spcPts val="0"/>
+              </a:spcAft>
+              <a:buClrTx/>
+              <a:buSzTx/>
+              <a:buFontTx/>
+              <a:buNone/>
+              <a:tabLst/>
+              <a:defRPr/>
+            </a:pPr>
             <a:r>
               <a:rPr lang="en-US" sz="1200" kern="1200" dirty="0" smtClean="0">
                 <a:solidFill>
@@ -2860,29 +2762,11 @@
                 <a:ea typeface="+mn-ea"/>
                 <a:cs typeface="+mn-cs"/>
               </a:rPr>
-              <a:t>is built upon the foundations of the Semantic Web technologies </a:t>
-            </a:r>
-            <a:br>
-              <a:rPr lang="en-US" sz="1200" kern="1200" dirty="0" smtClean="0">
-                <a:solidFill>
-                  <a:schemeClr val="tx1"/>
-                </a:solidFill>
-                <a:latin typeface="+mn-lt"/>
-                <a:ea typeface="+mn-ea"/>
-                <a:cs typeface="+mn-cs"/>
-              </a:rPr>
-            </a:br>
-            <a:r>
-              <a:rPr lang="en-US" sz="1200" kern="1200" dirty="0" smtClean="0">
-                <a:solidFill>
-                  <a:schemeClr val="tx1"/>
-                </a:solidFill>
-                <a:latin typeface="+mn-lt"/>
-                <a:ea typeface="+mn-ea"/>
-                <a:cs typeface="+mn-cs"/>
-              </a:rPr>
-              <a:t>and as such is exposed as</a:t>
-            </a:r>
+              <a:t>RDF Graphs and queried via the SPARQL query language.</a:t>
+            </a:r>
+            <a:endParaRPr lang="en-GB" dirty="0" smtClean="0"/>
+          </a:p>
+          <a:p>
             <a:endParaRPr lang="en-GB" dirty="0"/>
           </a:p>
         </p:txBody>
@@ -2965,23 +2849,6 @@
           </a:bodyPr>
           <a:lstStyle/>
           <a:p>
-            <a:pPr marL="0" marR="0" indent="0" algn="l" defTabSz="914400" rtl="0" eaLnBrk="1" fontAlgn="auto" latinLnBrk="0" hangingPunct="1">
-              <a:lnSpc>
-                <a:spcPct val="100000"/>
-              </a:lnSpc>
-              <a:spcBef>
-                <a:spcPts val="0"/>
-              </a:spcBef>
-              <a:spcAft>
-                <a:spcPts val="0"/>
-              </a:spcAft>
-              <a:buClrTx/>
-              <a:buSzTx/>
-              <a:buFontTx/>
-              <a:buNone/>
-              <a:tabLst/>
-              <a:defRPr/>
-            </a:pPr>
             <a:r>
               <a:rPr lang="en-US" sz="1200" kern="1200" dirty="0" smtClean="0">
                 <a:solidFill>
@@ -2991,11 +2858,51 @@
                 <a:ea typeface="+mn-ea"/>
                 <a:cs typeface="+mn-cs"/>
               </a:rPr>
-              <a:t>RDF Graphs and queried via the SPARQL query language.</a:t>
-            </a:r>
-            <a:endParaRPr lang="en-GB" dirty="0" smtClean="0"/>
-          </a:p>
-          <a:p>
+              <a:t>Due to the historical lack of standard protocols for </a:t>
+            </a:r>
+            <a:r>
+              <a:rPr lang="en-US" sz="1200" kern="1200" dirty="0" err="1" smtClean="0">
+                <a:solidFill>
+                  <a:schemeClr val="tx1"/>
+                </a:solidFill>
+                <a:latin typeface="+mn-lt"/>
+                <a:ea typeface="+mn-ea"/>
+                <a:cs typeface="+mn-cs"/>
+              </a:rPr>
+              <a:t>acceessing</a:t>
+            </a:r>
+            <a:r>
+              <a:rPr lang="en-US" sz="1200" kern="1200" dirty="0" smtClean="0">
+                <a:solidFill>
+                  <a:schemeClr val="tx1"/>
+                </a:solidFill>
+                <a:latin typeface="+mn-lt"/>
+                <a:ea typeface="+mn-ea"/>
+                <a:cs typeface="+mn-cs"/>
+              </a:rPr>
+              <a:t> these </a:t>
+            </a:r>
+            <a:br>
+              <a:rPr lang="en-US" sz="1200" kern="1200" dirty="0" smtClean="0">
+                <a:solidFill>
+                  <a:schemeClr val="tx1"/>
+                </a:solidFill>
+                <a:latin typeface="+mn-lt"/>
+                <a:ea typeface="+mn-ea"/>
+                <a:cs typeface="+mn-cs"/>
+              </a:rPr>
+            </a:br>
+            <a:r>
+              <a:rPr lang="en-US" sz="1200" kern="1200" dirty="0" smtClean="0">
+                <a:solidFill>
+                  <a:schemeClr val="tx1"/>
+                </a:solidFill>
+                <a:latin typeface="+mn-lt"/>
+                <a:ea typeface="+mn-ea"/>
+                <a:cs typeface="+mn-cs"/>
+              </a:rPr>
+              <a:t>repositories </a:t>
+            </a:r>
             <a:endParaRPr lang="en-GB" dirty="0"/>
           </a:p>
         </p:txBody>
@@ -3087,10 +2994,10 @@
                 <a:ea typeface="+mn-ea"/>
                 <a:cs typeface="+mn-cs"/>
               </a:rPr>
-              <a:t>Due to the historical lack of standard protocols for </a:t>
-            </a:r>
-            <a:r>
-              <a:rPr lang="en-US" sz="1200" kern="1200" dirty="0" err="1" smtClean="0">
+              <a:t>it has lead to a variety of implementation specific APIs to load and query the </a:t>
+            </a:r>
+            <a:br>
+              <a:rPr lang="en-US" sz="1200" kern="1200" dirty="0" smtClean="0">
                 <a:solidFill>
                   <a:schemeClr val="tx1"/>
                 </a:solidFill>
@@ -3098,8 +3005,7 @@
                 <a:ea typeface="+mn-ea"/>
                 <a:cs typeface="+mn-cs"/>
               </a:rPr>
-              <a:t>acceessing</a:t>
-            </a:r>
+            </a:br>
             <a:r>
               <a:rPr lang="en-US" sz="1200" kern="1200" dirty="0" smtClean="0">
                 <a:solidFill>
@@ -3109,28 +3015,7 @@
                 <a:ea typeface="+mn-ea"/>
                 <a:cs typeface="+mn-cs"/>
               </a:rPr>
-              <a:t> these </a:t>
-            </a:r>
-            <a:br>
-              <a:rPr lang="en-US" sz="1200" kern="1200" dirty="0" smtClean="0">
-                <a:solidFill>
-                  <a:schemeClr val="tx1"/>
-                </a:solidFill>
-                <a:latin typeface="+mn-lt"/>
-                <a:ea typeface="+mn-ea"/>
-                <a:cs typeface="+mn-cs"/>
-              </a:rPr>
-            </a:br>
-            <a:r>
-              <a:rPr lang="en-US" sz="1200" kern="1200" dirty="0" smtClean="0">
-                <a:solidFill>
-                  <a:schemeClr val="tx1"/>
-                </a:solidFill>
-                <a:latin typeface="+mn-lt"/>
-                <a:ea typeface="+mn-ea"/>
-                <a:cs typeface="+mn-cs"/>
-              </a:rPr>
-              <a:t>repositories </a:t>
+              <a:t>data sets held within </a:t>
             </a:r>
             <a:endParaRPr lang="en-GB" dirty="0"/>
           </a:p>
@@ -5908,20 +5793,20 @@
               </a:spcBef>
             </a:pPr>
             <a:r>
-              <a:rPr lang="en-GB" sz="3200" dirty="0" smtClean="0"/>
-              <a:t>...leads to </a:t>
-            </a:r>
-            <a:r>
-              <a:rPr lang="en-GB" sz="3200" dirty="0" smtClean="0">
+              <a:rPr lang="en-US" sz="3200" noProof="0" dirty="0" smtClean="0"/>
+              <a:t>and additional </a:t>
+            </a:r>
+            <a:r>
+              <a:rPr lang="en-US" sz="3200" noProof="0" dirty="0" smtClean="0">
                 <a:solidFill>
                   <a:srgbClr val="C00000"/>
                 </a:solidFill>
               </a:rPr>
-              <a:t>implementation specific</a:t>
-            </a:r>
-            <a:r>
-              <a:rPr lang="en-GB" sz="3200" dirty="0" smtClean="0"/>
-              <a:t> APIs</a:t>
+              <a:t>complexity</a:t>
+            </a:r>
+            <a:r>
+              <a:rPr lang="en-US" sz="3200" noProof="0" dirty="0" smtClean="0"/>
+              <a:t> </a:t>
             </a:r>
             <a:endParaRPr kumimoji="0" lang="en-GB" sz="3200" i="0" u="none" strike="noStrike" kern="1200" cap="none" spc="0" normalizeH="0" baseline="0" noProof="0" dirty="0">
               <a:ln>
@@ -5987,8 +5872,8 @@
         </p:nvSpPr>
         <p:spPr>
           <a:xfrm>
-            <a:off x="685800" y="1772816"/>
-            <a:ext cx="7772400" cy="1514599"/>
+            <a:off x="685800" y="2037520"/>
+            <a:ext cx="7772400" cy="2029154"/>
           </a:xfrm>
           <a:prstGeom prst="rect">
             <a:avLst/>
@@ -6005,29 +5890,69 @@
             </a:pPr>
             <a:r>
               <a:rPr lang="en-US" sz="3200" noProof="0" dirty="0" smtClean="0"/>
-              <a:t>and additional </a:t>
-            </a:r>
-            <a:r>
-              <a:rPr lang="en-US" sz="3200" noProof="0" dirty="0" smtClean="0">
+              <a:t>New protocols from the W3C</a:t>
+            </a:r>
+          </a:p>
+          <a:p>
+            <a:pPr marL="288925" lvl="1">
+              <a:spcBef>
+                <a:spcPct val="0"/>
+              </a:spcBef>
+            </a:pPr>
+            <a:endParaRPr lang="it-IT" sz="2000" dirty="0" smtClean="0"/>
+          </a:p>
+          <a:p>
+            <a:pPr marL="1660525" lvl="4">
+              <a:spcBef>
+                <a:spcPct val="0"/>
+              </a:spcBef>
+            </a:pPr>
+            <a:r>
+              <a:rPr lang="it-IT" sz="2000" dirty="0" smtClean="0">
                 <a:solidFill>
                   <a:srgbClr val="C00000"/>
                 </a:solidFill>
               </a:rPr>
-              <a:t>co</a:t>
-            </a:r>
-            <a:r>
-              <a:rPr lang="en-US" sz="3200" noProof="0" dirty="0" smtClean="0">
+              <a:t>SPARQL 1.1 Graph Store HTTP Protocol</a:t>
+            </a:r>
+          </a:p>
+          <a:p>
+            <a:pPr marL="1660525" lvl="4">
+              <a:spcBef>
+                <a:spcPct val="0"/>
+              </a:spcBef>
+            </a:pPr>
+            <a:r>
+              <a:rPr lang="it-IT" sz="2000" dirty="0" smtClean="0">
                 <a:solidFill>
                   <a:srgbClr val="C00000"/>
                 </a:solidFill>
               </a:rPr>
-              <a:t>mplexity</a:t>
-            </a:r>
-            <a:r>
-              <a:rPr lang="en-US" sz="3200" noProof="0" dirty="0" smtClean="0"/>
-              <a:t> </a:t>
-            </a:r>
-            <a:endParaRPr kumimoji="0" lang="en-GB" sz="3200" i="0" u="none" strike="noStrike" kern="1200" cap="none" spc="0" normalizeH="0" baseline="0" noProof="0" dirty="0">
+              <a:t/>
+            </a:r>
+            <a:br>
+              <a:rPr lang="it-IT" sz="2000" dirty="0" smtClean="0">
+                <a:solidFill>
+                  <a:srgbClr val="C00000"/>
+                </a:solidFill>
+              </a:rPr>
+            </a:br>
+            <a:r>
+              <a:rPr lang="it-IT" sz="2000" dirty="0" smtClean="0">
+                <a:solidFill>
+                  <a:srgbClr val="C00000"/>
+                </a:solidFill>
+              </a:rPr>
+              <a:t>SPARQL 1.1 Protocol</a:t>
+            </a:r>
+          </a:p>
+          <a:p>
+            <a:pPr marL="1660525" lvl="4">
+              <a:spcBef>
+                <a:spcPct val="0"/>
+              </a:spcBef>
+            </a:pPr>
+            <a:endParaRPr kumimoji="0" lang="en-GB" sz="2000" i="0" u="none" strike="noStrike" kern="1200" cap="none" spc="0" normalizeH="0" baseline="0" noProof="0" dirty="0">
               <a:ln>
                 <a:noFill/>
               </a:ln>
@@ -6091,8 +6016,8 @@
         </p:nvSpPr>
         <p:spPr>
           <a:xfrm>
-            <a:off x="685800" y="2037520"/>
-            <a:ext cx="7772400" cy="2029154"/>
+            <a:off x="685800" y="1989392"/>
+            <a:ext cx="7772400" cy="1186943"/>
           </a:xfrm>
           <a:prstGeom prst="rect">
             <a:avLst/>
@@ -6108,20 +6033,13 @@
               </a:spcBef>
             </a:pPr>
             <a:r>
-              <a:rPr lang="en-US" sz="3200" noProof="0" dirty="0" smtClean="0"/>
-              <a:t>New </a:t>
-            </a:r>
-            <a:r>
-              <a:rPr lang="en-US" sz="3200" noProof="0" dirty="0" smtClean="0"/>
-              <a:t>protocols </a:t>
-            </a:r>
-            <a:r>
-              <a:rPr lang="en-US" sz="3200" noProof="0" dirty="0" smtClean="0"/>
-              <a:t>from the W3C</a:t>
-            </a:r>
-          </a:p>
-          <a:p>
-            <a:pPr marL="288925" lvl="1">
+              <a:rPr lang="it-IT" sz="3200" dirty="0" smtClean="0"/>
+              <a:t>SPARQL 1.1 Graph Store HTTP Protocol</a:t>
+            </a:r>
+            <a:endParaRPr lang="en-US" sz="3200" noProof="0" dirty="0" smtClean="0"/>
+          </a:p>
+          <a:p>
+            <a:pPr marL="288925" lvl="1" algn="ctr">
               <a:spcBef>
                 <a:spcPct val="0"/>
               </a:spcBef>
@@ -6129,7 +6047,7 @@
             <a:endParaRPr lang="it-IT" sz="2000" dirty="0" smtClean="0"/>
           </a:p>
           <a:p>
-            <a:pPr marL="1660525" lvl="4">
+            <a:pPr marL="288925" lvl="1" algn="ctr">
               <a:spcBef>
                 <a:spcPct val="0"/>
               </a:spcBef>
@@ -6140,61 +6058,8 @@
                   <a:srgbClr val="C00000"/>
                 </a:solidFill>
               </a:rPr>
-              <a:t>SPARQL 1.1 Graph Store HTTP Protocol</a:t>
-            </a:r>
-          </a:p>
-          <a:p>
-            <a:pPr marL="1660525" lvl="4">
-              <a:spcBef>
-                <a:spcPct val="0"/>
-              </a:spcBef>
-            </a:pPr>
-            <a:r>
-              <a:rPr lang="it-IT" sz="2000" dirty="0" smtClean="0">
-                <a:solidFill>
-                  <a:srgbClr val="C00000"/>
-                </a:solidFill>
-              </a:rPr>
-              <a:t/>
-            </a:r>
-            <a:br>
-              <a:rPr lang="it-IT" sz="2000" dirty="0" smtClean="0">
-                <a:solidFill>
-                  <a:srgbClr val="C00000"/>
-                </a:solidFill>
-              </a:rPr>
-            </a:br>
-            <a:r>
-              <a:rPr lang="it-IT" sz="2000" dirty="0" smtClean="0">
-                <a:solidFill>
-                  <a:srgbClr val="C00000"/>
-                </a:solidFill>
-              </a:rPr>
-              <a:t>SPARQL 1.1 Protocol</a:t>
-            </a:r>
-          </a:p>
-          <a:p>
-            <a:pPr marL="1660525" lvl="4">
-              <a:spcBef>
-                <a:spcPct val="0"/>
-              </a:spcBef>
-            </a:pPr>
-            <a:endParaRPr kumimoji="0" lang="en-GB" sz="2000" i="0" u="none" strike="noStrike" kern="1200" cap="none" spc="0" normalizeH="0" baseline="0" noProof="0" dirty="0">
-              <a:ln>
-                <a:noFill/>
-              </a:ln>
-              <a:solidFill>
-                <a:schemeClr val="tx1">
-                  <a:lumMod val="50000"/>
-                </a:schemeClr>
-              </a:solidFill>
-              <a:effectLst/>
-              <a:uLnTx/>
-              <a:uFillTx/>
-              <a:latin typeface="Tahoma" pitchFamily="34" charset="0"/>
-              <a:ea typeface="Tahoma" pitchFamily="34" charset="0"/>
-              <a:cs typeface="Tahoma" pitchFamily="34" charset="0"/>
-            </a:endParaRPr>
+              <a:t>Graph Dataset Management over HTTP</a:t>
+            </a:r>
           </a:p>
         </p:txBody>
       </p:sp>
@@ -6243,8 +6108,8 @@
         </p:nvSpPr>
         <p:spPr>
           <a:xfrm>
-            <a:off x="685800" y="1989392"/>
-            <a:ext cx="7772400" cy="1186943"/>
+            <a:off x="685800" y="2097680"/>
+            <a:ext cx="7772400" cy="1271164"/>
           </a:xfrm>
           <a:prstGeom prst="rect">
             <a:avLst/>
@@ -6261,7 +6126,7 @@
             </a:pPr>
             <a:r>
               <a:rPr lang="it-IT" sz="3200" dirty="0" smtClean="0"/>
-              <a:t>SPARQL 1.1 Graph Store HTTP Protocol</a:t>
+              <a:t>SPARQL 1.1 Protocol</a:t>
             </a:r>
             <a:endParaRPr lang="en-US" sz="3200" noProof="0" dirty="0" smtClean="0"/>
           </a:p>
@@ -6285,8 +6150,31 @@
                   <a:srgbClr val="C00000"/>
                 </a:solidFill>
               </a:rPr>
-              <a:t>Graph Dataset Management over HTTP</a:t>
-            </a:r>
+              <a:t>SPARQL Queries over HTTP</a:t>
+            </a:r>
+          </a:p>
+          <a:p>
+            <a:pPr marL="1660525" lvl="4">
+              <a:spcBef>
+                <a:spcPct val="0"/>
+              </a:spcBef>
+            </a:pPr>
+            <a:endParaRPr kumimoji="0" lang="en-GB" sz="2000" i="0" u="none" strike="noStrike" kern="1200" cap="none" spc="0" normalizeH="0" baseline="0" noProof="0" dirty="0">
+              <a:ln>
+                <a:noFill/>
+              </a:ln>
+              <a:solidFill>
+                <a:schemeClr val="tx1">
+                  <a:lumMod val="50000"/>
+                </a:schemeClr>
+              </a:solidFill>
+              <a:effectLst/>
+              <a:uLnTx/>
+              <a:uFillTx/>
+              <a:latin typeface="Tahoma" pitchFamily="34" charset="0"/>
+              <a:ea typeface="Tahoma" pitchFamily="34" charset="0"/>
+              <a:cs typeface="Tahoma" pitchFamily="34" charset="0"/>
+            </a:endParaRPr>
           </a:p>
         </p:txBody>
       </p:sp>
@@ -6335,8 +6223,8 @@
         </p:nvSpPr>
         <p:spPr>
           <a:xfrm>
-            <a:off x="685800" y="2097680"/>
-            <a:ext cx="7772400" cy="1271164"/>
+            <a:off x="685800" y="1772816"/>
+            <a:ext cx="7772400" cy="1514599"/>
           </a:xfrm>
           <a:prstGeom prst="rect">
             <a:avLst/>
@@ -6352,41 +6240,78 @@
               </a:spcBef>
             </a:pPr>
             <a:r>
-              <a:rPr lang="it-IT" sz="3200" dirty="0" smtClean="0"/>
-              <a:t>SPARQL 1.1 Protocol</a:t>
-            </a:r>
-            <a:endParaRPr lang="en-US" sz="3200" noProof="0" dirty="0" smtClean="0"/>
-          </a:p>
-          <a:p>
-            <a:pPr marL="288925" lvl="1" algn="ctr">
-              <a:spcBef>
-                <a:spcPct val="0"/>
-              </a:spcBef>
-            </a:pPr>
-            <a:endParaRPr lang="it-IT" sz="2000" dirty="0" smtClean="0"/>
-          </a:p>
-          <a:p>
-            <a:pPr marL="288925" lvl="1" algn="ctr">
-              <a:spcBef>
-                <a:spcPct val="0"/>
-              </a:spcBef>
-            </a:pPr>
-            <a:r>
-              <a:rPr lang="it-IT" sz="2000" dirty="0" smtClean="0">
+              <a:rPr kumimoji="0" lang="en-US" sz="3200" i="0" u="none" strike="noStrike" kern="1200" cap="none" spc="0" normalizeH="0" baseline="0" dirty="0" smtClean="0">
+                <a:ln>
+                  <a:noFill/>
+                </a:ln>
                 <a:solidFill>
                   <a:srgbClr val="C00000"/>
                 </a:solidFill>
-              </a:rPr>
-              <a:t>SPARQL Queries over HTTP</a:t>
-            </a:r>
-          </a:p>
-          <a:p>
-            <a:pPr marL="1660525" lvl="4">
-              <a:spcBef>
-                <a:spcPct val="0"/>
-              </a:spcBef>
-            </a:pPr>
-            <a:endParaRPr kumimoji="0" lang="en-GB" sz="2000" i="0" u="none" strike="noStrike" kern="1200" cap="none" spc="0" normalizeH="0" baseline="0" noProof="0" dirty="0">
+                <a:effectLst/>
+                <a:uLnTx/>
+                <a:uFillTx/>
+                <a:latin typeface="Tahoma" pitchFamily="34" charset="0"/>
+                <a:ea typeface="Tahoma" pitchFamily="34" charset="0"/>
+                <a:cs typeface="Tahoma" pitchFamily="34" charset="0"/>
+              </a:rPr>
+              <a:t>Support</a:t>
+            </a:r>
+            <a:r>
+              <a:rPr kumimoji="0" lang="en-US" sz="3200" i="0" u="none" strike="noStrike" kern="1200" cap="none" spc="0" normalizeH="0" baseline="0" dirty="0" smtClean="0">
+                <a:ln>
+                  <a:noFill/>
+                </a:ln>
+                <a:solidFill>
+                  <a:schemeClr val="tx1">
+                    <a:lumMod val="50000"/>
+                  </a:schemeClr>
+                </a:solidFill>
+                <a:effectLst/>
+                <a:uLnTx/>
+                <a:uFillTx/>
+                <a:latin typeface="Tahoma" pitchFamily="34" charset="0"/>
+                <a:ea typeface="Tahoma" pitchFamily="34" charset="0"/>
+                <a:cs typeface="Tahoma" pitchFamily="34" charset="0"/>
+              </a:rPr>
+              <a:t> is </a:t>
+            </a:r>
+            <a:r>
+              <a:rPr kumimoji="0" lang="en-US" sz="3200" i="0" u="none" strike="noStrike" kern="1200" cap="none" spc="0" normalizeH="0" baseline="0" dirty="0" smtClean="0">
+                <a:ln>
+                  <a:noFill/>
+                </a:ln>
+                <a:solidFill>
+                  <a:srgbClr val="C00000"/>
+                </a:solidFill>
+                <a:effectLst/>
+                <a:uLnTx/>
+                <a:uFillTx/>
+                <a:latin typeface="Tahoma" pitchFamily="34" charset="0"/>
+                <a:ea typeface="Tahoma" pitchFamily="34" charset="0"/>
+                <a:cs typeface="Tahoma" pitchFamily="34" charset="0"/>
+              </a:rPr>
+              <a:t>Growing</a:t>
+            </a:r>
+            <a:r>
+              <a:rPr kumimoji="0" lang="en-US" sz="3200" i="0" u="none" strike="noStrike" kern="1200" cap="none" spc="0" normalizeH="0" baseline="0" dirty="0" smtClean="0">
+                <a:ln>
+                  <a:noFill/>
+                </a:ln>
+                <a:solidFill>
+                  <a:schemeClr val="tx1">
+                    <a:lumMod val="50000"/>
+                  </a:schemeClr>
+                </a:solidFill>
+                <a:effectLst/>
+                <a:uLnTx/>
+                <a:uFillTx/>
+                <a:latin typeface="Tahoma" pitchFamily="34" charset="0"/>
+                <a:ea typeface="Tahoma" pitchFamily="34" charset="0"/>
+                <a:cs typeface="Tahoma" pitchFamily="34" charset="0"/>
+              </a:rPr>
+              <a:t> for these protocols</a:t>
+            </a:r>
+            <a:endParaRPr kumimoji="0" lang="en-GB" sz="3200" i="0" u="none" strike="noStrike" kern="1200" cap="none" spc="0" normalizeH="0" baseline="0" noProof="0" dirty="0">
               <a:ln>
                 <a:noFill/>
               </a:ln>
@@ -6467,95 +6392,67 @@
               </a:spcBef>
             </a:pPr>
             <a:r>
-              <a:rPr kumimoji="0" lang="en-US" sz="3200" i="0" u="none" strike="noStrike" kern="1200" cap="none" spc="0" normalizeH="0" baseline="0" dirty="0" smtClean="0">
-                <a:ln>
-                  <a:noFill/>
-                </a:ln>
+              <a:rPr lang="en-US" sz="3200" dirty="0" smtClean="0"/>
+              <a:t>GRASP </a:t>
+            </a:r>
+          </a:p>
+          <a:p>
+            <a:pPr lvl="0" algn="ctr">
+              <a:spcBef>
+                <a:spcPct val="0"/>
+              </a:spcBef>
+            </a:pPr>
+            <a:r>
+              <a:rPr lang="en-US" sz="3200" u="sng" dirty="0" err="1" smtClean="0">
                 <a:solidFill>
                   <a:srgbClr val="C00000"/>
                 </a:solidFill>
-                <a:effectLst/>
-                <a:uLnTx/>
-                <a:uFillTx/>
-                <a:latin typeface="Tahoma" pitchFamily="34" charset="0"/>
-                <a:ea typeface="Tahoma" pitchFamily="34" charset="0"/>
-                <a:cs typeface="Tahoma" pitchFamily="34" charset="0"/>
-              </a:rPr>
-              <a:t>Support</a:t>
-            </a:r>
-            <a:r>
-              <a:rPr kumimoji="0" lang="en-US" sz="3200" i="0" u="none" strike="noStrike" kern="1200" cap="none" spc="0" normalizeH="0" baseline="0" dirty="0" smtClean="0">
-                <a:ln>
-                  <a:noFill/>
-                </a:ln>
-                <a:solidFill>
-                  <a:schemeClr val="tx1">
-                    <a:lumMod val="50000"/>
-                  </a:schemeClr>
-                </a:solidFill>
-                <a:effectLst/>
-                <a:uLnTx/>
-                <a:uFillTx/>
-                <a:latin typeface="Tahoma" pitchFamily="34" charset="0"/>
-                <a:ea typeface="Tahoma" pitchFamily="34" charset="0"/>
-                <a:cs typeface="Tahoma" pitchFamily="34" charset="0"/>
-              </a:rPr>
-              <a:t> is </a:t>
-            </a:r>
-            <a:r>
-              <a:rPr kumimoji="0" lang="en-US" sz="3200" i="0" u="none" strike="noStrike" kern="1200" cap="none" spc="0" normalizeH="0" baseline="0" dirty="0" smtClean="0">
-                <a:ln>
-                  <a:noFill/>
-                </a:ln>
+              </a:rPr>
+              <a:t>GR</a:t>
+            </a:r>
+            <a:r>
+              <a:rPr lang="en-US" sz="3200" dirty="0" err="1" smtClean="0"/>
+              <a:t>aph</a:t>
+            </a:r>
+            <a:r>
+              <a:rPr lang="en-US" sz="3200" dirty="0" smtClean="0"/>
+              <a:t> store </a:t>
+            </a:r>
+            <a:r>
+              <a:rPr lang="en-US" sz="3200" u="sng" dirty="0" smtClean="0">
                 <a:solidFill>
                   <a:srgbClr val="C00000"/>
                 </a:solidFill>
-                <a:effectLst/>
-                <a:uLnTx/>
-                <a:uFillTx/>
-                <a:latin typeface="Tahoma" pitchFamily="34" charset="0"/>
-                <a:ea typeface="Tahoma" pitchFamily="34" charset="0"/>
-                <a:cs typeface="Tahoma" pitchFamily="34" charset="0"/>
-              </a:rPr>
-              <a:t>Growing</a:t>
-            </a:r>
-            <a:r>
-              <a:rPr kumimoji="0" lang="en-US" sz="3200" i="0" u="none" strike="noStrike" kern="1200" cap="none" spc="0" normalizeH="0" baseline="0" dirty="0" smtClean="0">
-                <a:ln>
-                  <a:noFill/>
-                </a:ln>
-                <a:solidFill>
-                  <a:schemeClr val="tx1">
-                    <a:lumMod val="50000"/>
-                  </a:schemeClr>
-                </a:solidFill>
-                <a:effectLst/>
-                <a:uLnTx/>
-                <a:uFillTx/>
-                <a:latin typeface="Tahoma" pitchFamily="34" charset="0"/>
-                <a:ea typeface="Tahoma" pitchFamily="34" charset="0"/>
-                <a:cs typeface="Tahoma" pitchFamily="34" charset="0"/>
-              </a:rPr>
-              <a:t> for these </a:t>
-            </a:r>
-            <a:r>
-              <a:rPr kumimoji="0" lang="en-US" sz="3200" i="0" u="none" strike="noStrike" kern="1200" cap="none" spc="0" normalizeH="0" baseline="0" dirty="0" smtClean="0">
-                <a:ln>
-                  <a:noFill/>
-                </a:ln>
-                <a:solidFill>
-                  <a:schemeClr val="tx1">
-                    <a:lumMod val="50000"/>
-                  </a:schemeClr>
-                </a:solidFill>
-                <a:effectLst/>
-                <a:uLnTx/>
-                <a:uFillTx/>
-                <a:latin typeface="Tahoma" pitchFamily="34" charset="0"/>
-                <a:ea typeface="Tahoma" pitchFamily="34" charset="0"/>
-                <a:cs typeface="Tahoma" pitchFamily="34" charset="0"/>
-              </a:rPr>
-              <a:t>protocols</a:t>
+              </a:rPr>
+              <a:t>A</a:t>
+            </a:r>
+            <a:r>
+              <a:rPr lang="en-US" sz="3200" dirty="0" smtClean="0"/>
+              <a:t>nd </a:t>
+            </a:r>
+            <a:r>
+              <a:rPr lang="en-US" sz="3200" u="sng" dirty="0" smtClean="0">
+                <a:solidFill>
+                  <a:srgbClr val="C00000"/>
+                </a:solidFill>
+              </a:rPr>
+              <a:t>S</a:t>
+            </a:r>
+            <a:r>
+              <a:rPr lang="en-US" sz="3200" dirty="0" smtClean="0"/>
+              <a:t>PARQL </a:t>
+            </a:r>
+            <a:r>
+              <a:rPr lang="en-US" sz="3200" u="sng" dirty="0" smtClean="0">
+                <a:solidFill>
+                  <a:srgbClr val="C00000"/>
+                </a:solidFill>
+              </a:rPr>
+              <a:t>P</a:t>
+            </a:r>
+            <a:r>
+              <a:rPr lang="en-US" sz="3200" dirty="0" smtClean="0"/>
+              <a:t>rotocol</a:t>
             </a:r>
             <a:endParaRPr kumimoji="0" lang="en-GB" sz="3200" i="0" u="none" strike="noStrike" kern="1200" cap="none" spc="0" normalizeH="0" baseline="0" noProof="0" dirty="0">
               <a:ln>
@@ -6621,8 +6518,8 @@
         </p:nvSpPr>
         <p:spPr>
           <a:xfrm>
-            <a:off x="685800" y="1772816"/>
-            <a:ext cx="7772400" cy="1514599"/>
+            <a:off x="685800" y="1929232"/>
+            <a:ext cx="7772400" cy="1271164"/>
           </a:xfrm>
           <a:prstGeom prst="rect">
             <a:avLst/>
@@ -6639,68 +6536,43 @@
             </a:pPr>
             <a:r>
               <a:rPr lang="en-US" sz="3200" dirty="0" smtClean="0"/>
-              <a:t>GRASP </a:t>
-            </a:r>
-          </a:p>
-          <a:p>
-            <a:pPr lvl="0" algn="ctr">
+              <a:t>A </a:t>
+            </a:r>
+            <a:r>
+              <a:rPr lang="en-US" sz="3200" dirty="0" err="1" smtClean="0">
+                <a:solidFill>
+                  <a:srgbClr val="C00000"/>
+                </a:solidFill>
+              </a:rPr>
+              <a:t>GitHub</a:t>
+            </a:r>
+            <a:r>
+              <a:rPr lang="en-US" sz="3200" dirty="0" smtClean="0"/>
+              <a:t> project</a:t>
+            </a:r>
+            <a:endParaRPr lang="en-US" sz="3200" noProof="0" dirty="0" smtClean="0"/>
+          </a:p>
+          <a:p>
+            <a:pPr marL="288925" lvl="1" algn="ctr">
               <a:spcBef>
                 <a:spcPct val="0"/>
               </a:spcBef>
             </a:pPr>
-            <a:r>
-              <a:rPr lang="en-US" sz="3200" u="sng" dirty="0" err="1" smtClean="0">
-                <a:solidFill>
-                  <a:srgbClr val="C00000"/>
-                </a:solidFill>
-              </a:rPr>
-              <a:t>GR</a:t>
-            </a:r>
-            <a:r>
-              <a:rPr lang="en-US" sz="3200" dirty="0" err="1" smtClean="0"/>
-              <a:t>aph</a:t>
-            </a:r>
-            <a:r>
-              <a:rPr lang="en-US" sz="3200" dirty="0" smtClean="0"/>
-              <a:t> store </a:t>
-            </a:r>
-            <a:r>
-              <a:rPr lang="en-US" sz="3200" u="sng" dirty="0" smtClean="0">
-                <a:solidFill>
-                  <a:srgbClr val="C00000"/>
-                </a:solidFill>
-              </a:rPr>
-              <a:t>A</a:t>
-            </a:r>
-            <a:r>
-              <a:rPr lang="en-US" sz="3200" dirty="0" smtClean="0"/>
-              <a:t>nd </a:t>
-            </a:r>
-            <a:r>
-              <a:rPr lang="en-US" sz="3200" u="sng" dirty="0" smtClean="0">
-                <a:solidFill>
-                  <a:srgbClr val="C00000"/>
-                </a:solidFill>
-              </a:rPr>
-              <a:t>S</a:t>
-            </a:r>
-            <a:r>
-              <a:rPr lang="en-US" sz="3200" dirty="0" smtClean="0"/>
-              <a:t>PARQL </a:t>
-            </a:r>
-            <a:r>
-              <a:rPr lang="en-US" sz="3200" u="sng" dirty="0" smtClean="0">
-                <a:solidFill>
-                  <a:srgbClr val="C00000"/>
-                </a:solidFill>
-              </a:rPr>
-              <a:t>P</a:t>
-            </a:r>
-            <a:r>
-              <a:rPr lang="en-US" sz="3200" dirty="0" smtClean="0"/>
-              <a:t>rotocol</a:t>
-            </a:r>
-            <a:endParaRPr kumimoji="0" lang="en-GB" sz="3200" i="0" u="none" strike="noStrike" kern="1200" cap="none" spc="0" normalizeH="0" baseline="0" noProof="0" dirty="0">
+            <a:endParaRPr lang="it-IT" sz="2000" dirty="0" smtClean="0"/>
+          </a:p>
+          <a:p>
+            <a:pPr marL="288925" lvl="1" algn="ctr">
+              <a:spcBef>
+                <a:spcPct val="0"/>
+              </a:spcBef>
+            </a:pPr>
+            <a:r>
+              <a:rPr lang="en-GB" sz="2000" dirty="0" smtClean="0">
+                <a:hlinkClick r:id="rId2"/>
+              </a:rPr>
+              <a:t>https://github.com/philipfennell/grasp</a:t>
+            </a:r>
+            <a:endParaRPr kumimoji="0" lang="en-GB" sz="2000" i="0" u="none" strike="noStrike" kern="1200" cap="none" spc="0" normalizeH="0" baseline="0" noProof="0" dirty="0">
               <a:ln>
                 <a:noFill/>
               </a:ln>
@@ -6764,8 +6636,8 @@
         </p:nvSpPr>
         <p:spPr>
           <a:xfrm>
-            <a:off x="685800" y="1929232"/>
-            <a:ext cx="7772400" cy="1271164"/>
+            <a:off x="685800" y="2037520"/>
+            <a:ext cx="7772400" cy="2029154"/>
           </a:xfrm>
           <a:prstGeom prst="rect">
             <a:avLst/>
@@ -6781,29 +6653,16 @@
               </a:spcBef>
             </a:pPr>
             <a:r>
-              <a:rPr lang="en-US" sz="3200" dirty="0" smtClean="0"/>
-              <a:t>A </a:t>
-            </a:r>
-            <a:r>
-              <a:rPr lang="en-US" sz="3200" dirty="0" err="1" smtClean="0">
-                <a:solidFill>
-                  <a:srgbClr val="C00000"/>
-                </a:solidFill>
-              </a:rPr>
-              <a:t>GitHub</a:t>
-            </a:r>
-            <a:r>
-              <a:rPr lang="en-US" sz="3200" dirty="0" smtClean="0"/>
-              <a:t> </a:t>
-            </a:r>
-            <a:r>
-              <a:rPr lang="en-US" sz="3200" dirty="0" smtClean="0"/>
-              <a:t>project</a:t>
-            </a:r>
-            <a:endParaRPr lang="en-US" sz="3200" noProof="0" dirty="0" smtClean="0"/>
-          </a:p>
-          <a:p>
-            <a:pPr marL="288925" lvl="1" algn="ctr">
+              <a:rPr lang="en-US" sz="3200" noProof="0" dirty="0" err="1" smtClean="0"/>
+              <a:t>XQuery</a:t>
+            </a:r>
+            <a:r>
+              <a:rPr lang="en-US" sz="3200" noProof="0" dirty="0" smtClean="0"/>
+              <a:t> client libraries</a:t>
+            </a:r>
+          </a:p>
+          <a:p>
+            <a:pPr marL="288925" lvl="1">
               <a:spcBef>
                 <a:spcPct val="0"/>
               </a:spcBef>
@@ -6811,17 +6670,84 @@
             <a:endParaRPr lang="it-IT" sz="2000" dirty="0" smtClean="0"/>
           </a:p>
           <a:p>
-            <a:pPr marL="288925" lvl="1" algn="ctr">
+            <a:pPr marL="1660525" lvl="4">
               <a:spcBef>
                 <a:spcPct val="0"/>
               </a:spcBef>
             </a:pPr>
             <a:r>
-              <a:rPr lang="en-GB" sz="2000" dirty="0" smtClean="0">
-                <a:hlinkClick r:id="rId2"/>
-              </a:rPr>
-              <a:t>https://github.com/philipfennell/grasp</a:t>
-            </a:r>
+              <a:rPr lang="it-IT" sz="2000" b="1" dirty="0" smtClean="0">
+                <a:solidFill>
+                  <a:srgbClr val="C00000"/>
+                </a:solidFill>
+                <a:latin typeface="Courier New" pitchFamily="49" charset="0"/>
+                <a:cs typeface="Courier New" pitchFamily="49" charset="0"/>
+              </a:rPr>
+              <a:t>lib-gsp.xqy</a:t>
+            </a:r>
+            <a:r>
+              <a:rPr lang="it-IT" sz="2000" dirty="0" smtClean="0">
+                <a:solidFill>
+                  <a:srgbClr val="C00000"/>
+                </a:solidFill>
+              </a:rPr>
+              <a:t> </a:t>
+            </a:r>
+            <a:r>
+              <a:rPr lang="it-IT" sz="2000" dirty="0" smtClean="0"/>
+              <a:t>- Graph Store HTTP Protocol</a:t>
+            </a:r>
+          </a:p>
+          <a:p>
+            <a:pPr marL="1660525" lvl="4">
+              <a:spcBef>
+                <a:spcPct val="0"/>
+              </a:spcBef>
+            </a:pPr>
+            <a:r>
+              <a:rPr lang="it-IT" sz="2000" dirty="0" smtClean="0">
+                <a:solidFill>
+                  <a:srgbClr val="C00000"/>
+                </a:solidFill>
+              </a:rPr>
+              <a:t/>
+            </a:r>
+            <a:br>
+              <a:rPr lang="it-IT" sz="2000" dirty="0" smtClean="0">
+                <a:solidFill>
+                  <a:srgbClr val="C00000"/>
+                </a:solidFill>
+              </a:rPr>
+            </a:br>
+            <a:r>
+              <a:rPr lang="it-IT" sz="2000" b="1" dirty="0" smtClean="0">
+                <a:solidFill>
+                  <a:srgbClr val="C00000"/>
+                </a:solidFill>
+                <a:latin typeface="Courier New" pitchFamily="49" charset="0"/>
+                <a:cs typeface="Courier New" pitchFamily="49" charset="0"/>
+              </a:rPr>
+              <a:t>lib-spq.xqy</a:t>
+            </a:r>
+            <a:r>
+              <a:rPr lang="it-IT" sz="2000" dirty="0" smtClean="0">
+                <a:solidFill>
+                  <a:srgbClr val="C00000"/>
+                </a:solidFill>
+              </a:rPr>
+              <a:t> </a:t>
+            </a:r>
+            <a:r>
+              <a:rPr lang="it-IT" sz="2000" dirty="0" smtClean="0"/>
+              <a:t>- SPARQL Protocol</a:t>
+            </a:r>
+          </a:p>
+          <a:p>
+            <a:pPr marL="1660525" lvl="4">
+              <a:spcBef>
+                <a:spcPct val="0"/>
+              </a:spcBef>
+            </a:pPr>
             <a:endParaRPr kumimoji="0" lang="en-GB" sz="2000" i="0" u="none" strike="noStrike" kern="1200" cap="none" spc="0" normalizeH="0" baseline="0" noProof="0" dirty="0">
               <a:ln>
                 <a:noFill/>
@@ -6886,8 +6812,8 @@
         </p:nvSpPr>
         <p:spPr>
           <a:xfrm>
-            <a:off x="685800" y="2037520"/>
-            <a:ext cx="7772400" cy="2029154"/>
+            <a:off x="1756611" y="1913060"/>
+            <a:ext cx="5642810" cy="4596064"/>
           </a:xfrm>
           <a:prstGeom prst="rect">
             <a:avLst/>
@@ -6903,18 +6829,505 @@
               </a:spcBef>
             </a:pPr>
             <a:r>
-              <a:rPr lang="en-US" sz="3200" noProof="0" dirty="0" err="1" smtClean="0"/>
-              <a:t>XQuery</a:t>
+              <a:rPr lang="en-US" sz="3200" noProof="0" dirty="0" smtClean="0"/>
+              <a:t>A </a:t>
+            </a:r>
+            <a:r>
+              <a:rPr lang="en-US" sz="3200" noProof="0" dirty="0" smtClean="0">
+                <a:solidFill>
+                  <a:srgbClr val="C00000"/>
+                </a:solidFill>
+              </a:rPr>
+              <a:t>wide</a:t>
             </a:r>
             <a:r>
               <a:rPr lang="en-US" sz="3200" noProof="0" dirty="0" smtClean="0"/>
               <a:t> </a:t>
             </a:r>
             <a:r>
+              <a:rPr lang="en-US" sz="3200" noProof="0" dirty="0" smtClean="0">
+                <a:solidFill>
+                  <a:srgbClr val="C00000"/>
+                </a:solidFill>
+              </a:rPr>
+              <a:t>range</a:t>
+            </a:r>
+            <a:r>
               <a:rPr lang="en-US" sz="3200" noProof="0" dirty="0" smtClean="0"/>
-              <a:t>client libraries</a:t>
-            </a:r>
-            <a:endParaRPr lang="en-US" sz="3200" noProof="0" dirty="0" smtClean="0"/>
+              <a:t> </a:t>
+            </a:r>
+            <a:r>
+              <a:rPr lang="en-US" sz="3200" noProof="0" dirty="0" smtClean="0"/>
+              <a:t>of functions</a:t>
+            </a:r>
+          </a:p>
+          <a:p>
+            <a:pPr lvl="0" algn="ctr">
+              <a:spcBef>
+                <a:spcPct val="0"/>
+              </a:spcBef>
+            </a:pPr>
+            <a:endParaRPr lang="en-US" sz="1600" noProof="0" dirty="0" smtClean="0"/>
+          </a:p>
+          <a:p>
+            <a:pPr algn="ctr">
+              <a:spcBef>
+                <a:spcPct val="0"/>
+              </a:spcBef>
+            </a:pPr>
+            <a:r>
+              <a:rPr lang="en-GB" sz="1600" b="1" dirty="0" err="1" smtClean="0">
+                <a:solidFill>
+                  <a:schemeClr val="tx1">
+                    <a:lumMod val="60000"/>
+                    <a:lumOff val="40000"/>
+                  </a:schemeClr>
+                </a:solidFill>
+                <a:latin typeface="Courier New" pitchFamily="49" charset="0"/>
+                <a:cs typeface="Courier New" pitchFamily="49" charset="0"/>
+              </a:rPr>
+              <a:t>gsp:add</a:t>
+            </a:r>
+            <a:r>
+              <a:rPr lang="en-GB" sz="1600" b="1" dirty="0" smtClean="0">
+                <a:solidFill>
+                  <a:schemeClr val="tx1">
+                    <a:lumMod val="60000"/>
+                    <a:lumOff val="40000"/>
+                  </a:schemeClr>
+                </a:solidFill>
+                <a:latin typeface="Courier New" pitchFamily="49" charset="0"/>
+                <a:cs typeface="Courier New" pitchFamily="49" charset="0"/>
+              </a:rPr>
+              <a:t>-default-graph, </a:t>
+            </a:r>
+            <a:r>
+              <a:rPr lang="en-GB" sz="1600" b="1" dirty="0" err="1" smtClean="0">
+                <a:solidFill>
+                  <a:schemeClr val="tx1">
+                    <a:lumMod val="60000"/>
+                    <a:lumOff val="40000"/>
+                  </a:schemeClr>
+                </a:solidFill>
+                <a:latin typeface="Courier New" pitchFamily="49" charset="0"/>
+                <a:cs typeface="Courier New" pitchFamily="49" charset="0"/>
+              </a:rPr>
+              <a:t>gsp:add</a:t>
+            </a:r>
+            <a:r>
+              <a:rPr lang="en-GB" sz="1600" b="1" dirty="0" smtClean="0">
+                <a:solidFill>
+                  <a:schemeClr val="tx1">
+                    <a:lumMod val="60000"/>
+                    <a:lumOff val="40000"/>
+                  </a:schemeClr>
+                </a:solidFill>
+                <a:latin typeface="Courier New" pitchFamily="49" charset="0"/>
+                <a:cs typeface="Courier New" pitchFamily="49" charset="0"/>
+              </a:rPr>
+              <a:t>-named-graph, </a:t>
+            </a:r>
+            <a:r>
+              <a:rPr lang="en-GB" sz="1600" b="1" dirty="0" err="1" smtClean="0">
+                <a:solidFill>
+                  <a:schemeClr val="tx1">
+                    <a:lumMod val="60000"/>
+                    <a:lumOff val="40000"/>
+                  </a:schemeClr>
+                </a:solidFill>
+                <a:latin typeface="Courier New" pitchFamily="49" charset="0"/>
+                <a:cs typeface="Courier New" pitchFamily="49" charset="0"/>
+              </a:rPr>
+              <a:t>gsp:retrieve</a:t>
+            </a:r>
+            <a:r>
+              <a:rPr lang="en-GB" sz="1600" b="1" dirty="0" smtClean="0">
+                <a:solidFill>
+                  <a:schemeClr val="tx1">
+                    <a:lumMod val="60000"/>
+                    <a:lumOff val="40000"/>
+                  </a:schemeClr>
+                </a:solidFill>
+                <a:latin typeface="Courier New" pitchFamily="49" charset="0"/>
+                <a:cs typeface="Courier New" pitchFamily="49" charset="0"/>
+              </a:rPr>
+              <a:t>-default-graph-</a:t>
+            </a:r>
+            <a:r>
+              <a:rPr lang="en-GB" sz="1600" b="1" dirty="0" err="1" smtClean="0">
+                <a:solidFill>
+                  <a:schemeClr val="tx1">
+                    <a:lumMod val="60000"/>
+                    <a:lumOff val="40000"/>
+                  </a:schemeClr>
+                </a:solidFill>
+                <a:latin typeface="Courier New" pitchFamily="49" charset="0"/>
+                <a:cs typeface="Courier New" pitchFamily="49" charset="0"/>
+              </a:rPr>
+              <a:t>metainfo</a:t>
+            </a:r>
+            <a:r>
+              <a:rPr lang="en-GB" sz="1600" b="1" dirty="0" smtClean="0">
+                <a:solidFill>
+                  <a:schemeClr val="tx1">
+                    <a:lumMod val="60000"/>
+                    <a:lumOff val="40000"/>
+                  </a:schemeClr>
+                </a:solidFill>
+                <a:latin typeface="Courier New" pitchFamily="49" charset="0"/>
+                <a:cs typeface="Courier New" pitchFamily="49" charset="0"/>
+              </a:rPr>
+              <a:t>, </a:t>
+            </a:r>
+            <a:r>
+              <a:rPr lang="en-GB" sz="1600" b="1" dirty="0" err="1" smtClean="0">
+                <a:solidFill>
+                  <a:schemeClr val="tx1">
+                    <a:lumMod val="60000"/>
+                    <a:lumOff val="40000"/>
+                  </a:schemeClr>
+                </a:solidFill>
+                <a:latin typeface="Courier New" pitchFamily="49" charset="0"/>
+                <a:cs typeface="Courier New" pitchFamily="49" charset="0"/>
+              </a:rPr>
+              <a:t>gsp:retrieve</a:t>
+            </a:r>
+            <a:r>
+              <a:rPr lang="en-GB" sz="1600" b="1" dirty="0" smtClean="0">
+                <a:solidFill>
+                  <a:schemeClr val="tx1">
+                    <a:lumMod val="60000"/>
+                    <a:lumOff val="40000"/>
+                  </a:schemeClr>
+                </a:solidFill>
+                <a:latin typeface="Courier New" pitchFamily="49" charset="0"/>
+                <a:cs typeface="Courier New" pitchFamily="49" charset="0"/>
+              </a:rPr>
+              <a:t>-named-graph-</a:t>
+            </a:r>
+            <a:r>
+              <a:rPr lang="en-GB" sz="1600" b="1" dirty="0" err="1" smtClean="0">
+                <a:solidFill>
+                  <a:schemeClr val="tx1">
+                    <a:lumMod val="60000"/>
+                    <a:lumOff val="40000"/>
+                  </a:schemeClr>
+                </a:solidFill>
+                <a:latin typeface="Courier New" pitchFamily="49" charset="0"/>
+                <a:cs typeface="Courier New" pitchFamily="49" charset="0"/>
+              </a:rPr>
+              <a:t>metainfo</a:t>
+            </a:r>
+            <a:r>
+              <a:rPr lang="en-GB" sz="1600" b="1" dirty="0" smtClean="0">
+                <a:solidFill>
+                  <a:schemeClr val="tx1">
+                    <a:lumMod val="60000"/>
+                    <a:lumOff val="40000"/>
+                  </a:schemeClr>
+                </a:solidFill>
+                <a:latin typeface="Courier New" pitchFamily="49" charset="0"/>
+                <a:cs typeface="Courier New" pitchFamily="49" charset="0"/>
+              </a:rPr>
+              <a:t>, </a:t>
+            </a:r>
+          </a:p>
+          <a:p>
+            <a:pPr algn="ctr">
+              <a:spcBef>
+                <a:spcPct val="0"/>
+              </a:spcBef>
+            </a:pPr>
+            <a:r>
+              <a:rPr lang="en-GB" sz="1600" b="1" dirty="0" err="1" smtClean="0">
+                <a:solidFill>
+                  <a:schemeClr val="tx1">
+                    <a:lumMod val="60000"/>
+                    <a:lumOff val="40000"/>
+                  </a:schemeClr>
+                </a:solidFill>
+                <a:latin typeface="Courier New" pitchFamily="49" charset="0"/>
+                <a:cs typeface="Courier New" pitchFamily="49" charset="0"/>
+              </a:rPr>
+              <a:t>gsp:retrieve</a:t>
+            </a:r>
+            <a:r>
+              <a:rPr lang="en-GB" sz="1600" b="1" dirty="0" smtClean="0">
+                <a:solidFill>
+                  <a:schemeClr val="tx1">
+                    <a:lumMod val="60000"/>
+                    <a:lumOff val="40000"/>
+                  </a:schemeClr>
+                </a:solidFill>
+                <a:latin typeface="Courier New" pitchFamily="49" charset="0"/>
+                <a:cs typeface="Courier New" pitchFamily="49" charset="0"/>
+              </a:rPr>
+              <a:t>-default-graph, </a:t>
+            </a:r>
+          </a:p>
+          <a:p>
+            <a:pPr algn="ctr">
+              <a:spcBef>
+                <a:spcPct val="0"/>
+              </a:spcBef>
+            </a:pPr>
+            <a:r>
+              <a:rPr lang="en-GB" sz="1600" b="1" dirty="0" err="1" smtClean="0">
+                <a:solidFill>
+                  <a:schemeClr val="tx1">
+                    <a:lumMod val="60000"/>
+                    <a:lumOff val="40000"/>
+                  </a:schemeClr>
+                </a:solidFill>
+                <a:latin typeface="Courier New" pitchFamily="49" charset="0"/>
+                <a:cs typeface="Courier New" pitchFamily="49" charset="0"/>
+              </a:rPr>
+              <a:t>gsp:retrieve</a:t>
+            </a:r>
+            <a:r>
+              <a:rPr lang="en-GB" sz="1600" b="1" dirty="0" smtClean="0">
+                <a:solidFill>
+                  <a:schemeClr val="tx1">
+                    <a:lumMod val="60000"/>
+                    <a:lumOff val="40000"/>
+                  </a:schemeClr>
+                </a:solidFill>
+                <a:latin typeface="Courier New" pitchFamily="49" charset="0"/>
+                <a:cs typeface="Courier New" pitchFamily="49" charset="0"/>
+              </a:rPr>
+              <a:t>-named-graph, </a:t>
+            </a:r>
+          </a:p>
+          <a:p>
+            <a:pPr algn="ctr">
+              <a:spcBef>
+                <a:spcPct val="0"/>
+              </a:spcBef>
+            </a:pPr>
+            <a:r>
+              <a:rPr lang="en-GB" sz="1600" b="1" dirty="0" err="1" smtClean="0">
+                <a:solidFill>
+                  <a:schemeClr val="tx1">
+                    <a:lumMod val="60000"/>
+                    <a:lumOff val="40000"/>
+                  </a:schemeClr>
+                </a:solidFill>
+                <a:latin typeface="Courier New" pitchFamily="49" charset="0"/>
+                <a:cs typeface="Courier New" pitchFamily="49" charset="0"/>
+              </a:rPr>
+              <a:t>gsp:merge</a:t>
+            </a:r>
+            <a:r>
+              <a:rPr lang="en-GB" sz="1600" b="1" dirty="0" smtClean="0">
+                <a:solidFill>
+                  <a:schemeClr val="tx1">
+                    <a:lumMod val="60000"/>
+                    <a:lumOff val="40000"/>
+                  </a:schemeClr>
+                </a:solidFill>
+                <a:latin typeface="Courier New" pitchFamily="49" charset="0"/>
+                <a:cs typeface="Courier New" pitchFamily="49" charset="0"/>
+              </a:rPr>
+              <a:t>-default-graph, </a:t>
+            </a:r>
+          </a:p>
+          <a:p>
+            <a:pPr algn="ctr">
+              <a:spcBef>
+                <a:spcPct val="0"/>
+              </a:spcBef>
+            </a:pPr>
+            <a:r>
+              <a:rPr lang="en-GB" sz="1600" b="1" dirty="0" err="1" smtClean="0">
+                <a:solidFill>
+                  <a:schemeClr val="tx1">
+                    <a:lumMod val="60000"/>
+                    <a:lumOff val="40000"/>
+                  </a:schemeClr>
+                </a:solidFill>
+                <a:latin typeface="Courier New" pitchFamily="49" charset="0"/>
+                <a:cs typeface="Courier New" pitchFamily="49" charset="0"/>
+              </a:rPr>
+              <a:t>gsp:merge</a:t>
+            </a:r>
+            <a:r>
+              <a:rPr lang="en-GB" sz="1600" b="1" dirty="0" smtClean="0">
+                <a:solidFill>
+                  <a:schemeClr val="tx1">
+                    <a:lumMod val="60000"/>
+                    <a:lumOff val="40000"/>
+                  </a:schemeClr>
+                </a:solidFill>
+                <a:latin typeface="Courier New" pitchFamily="49" charset="0"/>
+                <a:cs typeface="Courier New" pitchFamily="49" charset="0"/>
+              </a:rPr>
+              <a:t>-named-graph, </a:t>
+            </a:r>
+          </a:p>
+          <a:p>
+            <a:pPr algn="ctr">
+              <a:spcBef>
+                <a:spcPct val="0"/>
+              </a:spcBef>
+            </a:pPr>
+            <a:r>
+              <a:rPr lang="en-GB" sz="1600" b="1" dirty="0" err="1" smtClean="0">
+                <a:solidFill>
+                  <a:schemeClr val="tx1">
+                    <a:lumMod val="60000"/>
+                    <a:lumOff val="40000"/>
+                  </a:schemeClr>
+                </a:solidFill>
+                <a:latin typeface="Courier New" pitchFamily="49" charset="0"/>
+                <a:cs typeface="Courier New" pitchFamily="49" charset="0"/>
+              </a:rPr>
+              <a:t>gsp:delete</a:t>
+            </a:r>
+            <a:r>
+              <a:rPr lang="en-GB" sz="1600" b="1" dirty="0" smtClean="0">
+                <a:solidFill>
+                  <a:schemeClr val="tx1">
+                    <a:lumMod val="60000"/>
+                    <a:lumOff val="40000"/>
+                  </a:schemeClr>
+                </a:solidFill>
+                <a:latin typeface="Courier New" pitchFamily="49" charset="0"/>
+                <a:cs typeface="Courier New" pitchFamily="49" charset="0"/>
+              </a:rPr>
+              <a:t>-default-graph, </a:t>
+            </a:r>
+          </a:p>
+          <a:p>
+            <a:pPr algn="ctr">
+              <a:spcBef>
+                <a:spcPct val="0"/>
+              </a:spcBef>
+            </a:pPr>
+            <a:r>
+              <a:rPr lang="en-GB" sz="1600" b="1" dirty="0" err="1" smtClean="0">
+                <a:solidFill>
+                  <a:schemeClr val="tx1">
+                    <a:lumMod val="60000"/>
+                    <a:lumOff val="40000"/>
+                  </a:schemeClr>
+                </a:solidFill>
+                <a:latin typeface="Courier New" pitchFamily="49" charset="0"/>
+                <a:cs typeface="Courier New" pitchFamily="49" charset="0"/>
+              </a:rPr>
+              <a:t>gsp:delete</a:t>
+            </a:r>
+            <a:r>
+              <a:rPr lang="en-GB" sz="1600" b="1" dirty="0" smtClean="0">
+                <a:solidFill>
+                  <a:schemeClr val="tx1">
+                    <a:lumMod val="60000"/>
+                    <a:lumOff val="40000"/>
+                  </a:schemeClr>
+                </a:solidFill>
+                <a:latin typeface="Courier New" pitchFamily="49" charset="0"/>
+                <a:cs typeface="Courier New" pitchFamily="49" charset="0"/>
+              </a:rPr>
+              <a:t>-named-graph, </a:t>
+            </a:r>
+            <a:r>
+              <a:rPr lang="en-GB" sz="1600" b="1" dirty="0" err="1" smtClean="0">
+                <a:solidFill>
+                  <a:schemeClr val="tx1">
+                    <a:lumMod val="60000"/>
+                    <a:lumOff val="40000"/>
+                  </a:schemeClr>
+                </a:solidFill>
+                <a:latin typeface="Courier New" pitchFamily="49" charset="0"/>
+                <a:cs typeface="Courier New" pitchFamily="49" charset="0"/>
+              </a:rPr>
+              <a:t>gsp:data</a:t>
+            </a:r>
+            <a:r>
+              <a:rPr lang="en-GB" sz="1600" b="1" dirty="0" smtClean="0">
+                <a:solidFill>
+                  <a:schemeClr val="tx1">
+                    <a:lumMod val="60000"/>
+                    <a:lumOff val="40000"/>
+                  </a:schemeClr>
+                </a:solidFill>
+                <a:latin typeface="Courier New" pitchFamily="49" charset="0"/>
+                <a:cs typeface="Courier New" pitchFamily="49" charset="0"/>
+              </a:rPr>
+              <a:t>, </a:t>
+            </a:r>
+          </a:p>
+          <a:p>
+            <a:pPr algn="ctr">
+              <a:spcBef>
+                <a:spcPct val="0"/>
+              </a:spcBef>
+            </a:pPr>
+            <a:r>
+              <a:rPr lang="en-GB" sz="1600" b="1" dirty="0" err="1" smtClean="0">
+                <a:solidFill>
+                  <a:schemeClr val="tx1">
+                    <a:lumMod val="60000"/>
+                    <a:lumOff val="40000"/>
+                  </a:schemeClr>
+                </a:solidFill>
+                <a:latin typeface="Courier New" pitchFamily="49" charset="0"/>
+                <a:cs typeface="Courier New" pitchFamily="49" charset="0"/>
+              </a:rPr>
+              <a:t>spq:query</a:t>
+            </a:r>
+            <a:r>
+              <a:rPr lang="en-GB" sz="1600" b="1" dirty="0" smtClean="0">
+                <a:solidFill>
+                  <a:schemeClr val="tx1">
+                    <a:lumMod val="60000"/>
+                    <a:lumOff val="40000"/>
+                  </a:schemeClr>
+                </a:solidFill>
+                <a:latin typeface="Courier New" pitchFamily="49" charset="0"/>
+                <a:cs typeface="Courier New" pitchFamily="49" charset="0"/>
+              </a:rPr>
+              <a:t>, </a:t>
+            </a:r>
+            <a:r>
+              <a:rPr lang="en-GB" sz="1600" b="1" dirty="0" err="1" smtClean="0">
+                <a:solidFill>
+                  <a:schemeClr val="tx1">
+                    <a:lumMod val="60000"/>
+                    <a:lumOff val="40000"/>
+                  </a:schemeClr>
+                </a:solidFill>
+                <a:latin typeface="Courier New" pitchFamily="49" charset="0"/>
+                <a:cs typeface="Courier New" pitchFamily="49" charset="0"/>
+              </a:rPr>
+              <a:t>spq:data</a:t>
+            </a:r>
+            <a:endParaRPr lang="en-GB" sz="1600" b="1" dirty="0" smtClean="0">
+              <a:solidFill>
+                <a:schemeClr val="tx1">
+                  <a:lumMod val="60000"/>
+                  <a:lumOff val="40000"/>
+                </a:schemeClr>
+              </a:solidFill>
+              <a:latin typeface="Courier New" pitchFamily="49" charset="0"/>
+              <a:cs typeface="Courier New" pitchFamily="49" charset="0"/>
+            </a:endParaRPr>
+          </a:p>
+          <a:p>
+            <a:pPr lvl="4">
+              <a:spcBef>
+                <a:spcPct val="0"/>
+              </a:spcBef>
+            </a:pPr>
+            <a:endParaRPr lang="en-US" sz="1600" b="1" noProof="0" dirty="0" smtClean="0">
+              <a:solidFill>
+                <a:schemeClr val="tx1">
+                  <a:lumMod val="60000"/>
+                  <a:lumOff val="40000"/>
+                </a:schemeClr>
+              </a:solidFill>
+              <a:latin typeface="Courier New" pitchFamily="49" charset="0"/>
+              <a:cs typeface="Courier New" pitchFamily="49" charset="0"/>
+            </a:endParaRPr>
           </a:p>
           <a:p>
             <a:pPr marL="288925" lvl="1">
@@ -6930,72 +7343,7 @@
                 <a:spcPct val="0"/>
               </a:spcBef>
             </a:pPr>
-            <a:r>
-              <a:rPr lang="it-IT" sz="2000" b="1" dirty="0" smtClean="0">
-                <a:solidFill>
-                  <a:srgbClr val="C00000"/>
-                </a:solidFill>
-                <a:latin typeface="Courier New" pitchFamily="49" charset="0"/>
-                <a:cs typeface="Courier New" pitchFamily="49" charset="0"/>
-              </a:rPr>
-              <a:t>lib-gsp.xqy</a:t>
-            </a:r>
-            <a:r>
-              <a:rPr lang="it-IT" sz="2000" dirty="0" smtClean="0">
-                <a:solidFill>
-                  <a:srgbClr val="C00000"/>
-                </a:solidFill>
-              </a:rPr>
-              <a:t> </a:t>
-            </a:r>
-            <a:r>
-              <a:rPr lang="it-IT" sz="2000" dirty="0" smtClean="0"/>
-              <a:t>- Graph Store HTTP Protocol</a:t>
-            </a:r>
-          </a:p>
-          <a:p>
-            <a:pPr marL="1660525" lvl="4">
-              <a:spcBef>
-                <a:spcPct val="0"/>
-              </a:spcBef>
-            </a:pPr>
-            <a:r>
-              <a:rPr lang="it-IT" sz="2000" dirty="0" smtClean="0">
-                <a:solidFill>
-                  <a:srgbClr val="C00000"/>
-                </a:solidFill>
-              </a:rPr>
-              <a:t/>
-            </a:r>
-            <a:br>
-              <a:rPr lang="it-IT" sz="2000" dirty="0" smtClean="0">
-                <a:solidFill>
-                  <a:srgbClr val="C00000"/>
-                </a:solidFill>
-              </a:rPr>
-            </a:br>
-            <a:r>
-              <a:rPr lang="it-IT" sz="2000" b="1" dirty="0" smtClean="0">
-                <a:solidFill>
-                  <a:srgbClr val="C00000"/>
-                </a:solidFill>
-                <a:latin typeface="Courier New" pitchFamily="49" charset="0"/>
-                <a:cs typeface="Courier New" pitchFamily="49" charset="0"/>
-              </a:rPr>
-              <a:t>lib-spq.xqy</a:t>
-            </a:r>
-            <a:r>
-              <a:rPr lang="it-IT" sz="2000" dirty="0" smtClean="0">
-                <a:solidFill>
-                  <a:srgbClr val="C00000"/>
-                </a:solidFill>
-              </a:rPr>
-              <a:t> </a:t>
-            </a:r>
-            <a:r>
-              <a:rPr lang="it-IT" sz="2000" dirty="0" smtClean="0"/>
-              <a:t>- SPARQL Protocol</a:t>
-            </a:r>
+            <a:endParaRPr lang="it-IT" sz="2000" dirty="0" smtClean="0"/>
           </a:p>
           <a:p>
             <a:pPr marL="1660525" lvl="4">
@@ -7067,8 +7415,8 @@
         </p:nvSpPr>
         <p:spPr>
           <a:xfrm>
-            <a:off x="1756611" y="1913060"/>
-            <a:ext cx="5642810" cy="4596064"/>
+            <a:off x="697832" y="1772816"/>
+            <a:ext cx="7772400" cy="1514599"/>
           </a:xfrm>
           <a:prstGeom prst="rect">
             <a:avLst/>
@@ -7085,7 +7433,7 @@
             </a:pPr>
             <a:r>
               <a:rPr lang="en-US" sz="3200" noProof="0" dirty="0" smtClean="0"/>
-              <a:t>A </a:t>
+              <a:t>But </a:t>
             </a:r>
             <a:r>
               <a:rPr lang="en-US" sz="3200" noProof="0" dirty="0" smtClean="0">
@@ -7093,7 +7441,7 @@
                   <a:srgbClr val="C00000"/>
                 </a:solidFill>
               </a:rPr>
-              <a:t>Wide</a:t>
+              <a:t>why</a:t>
             </a:r>
             <a:r>
               <a:rPr lang="en-US" sz="3200" noProof="0" dirty="0" smtClean="0"/>
@@ -7105,509 +7453,13 @@
                   <a:srgbClr val="C00000"/>
                 </a:solidFill>
               </a:rPr>
-              <a:t>Range</a:t>
+              <a:t>so many</a:t>
             </a:r>
             <a:r>
               <a:rPr lang="en-US" sz="3200" noProof="0" dirty="0" smtClean="0"/>
-              <a:t> of </a:t>
-            </a:r>
-            <a:r>
-              <a:rPr lang="en-US" sz="3200" noProof="0" dirty="0" smtClean="0"/>
-              <a:t>functions</a:t>
-            </a:r>
-            <a:endParaRPr lang="en-US" sz="3200" noProof="0" dirty="0" smtClean="0"/>
-          </a:p>
-          <a:p>
-            <a:pPr lvl="0" algn="ctr">
-              <a:spcBef>
-                <a:spcPct val="0"/>
-              </a:spcBef>
-            </a:pPr>
-            <a:endParaRPr lang="en-US" sz="1600" noProof="0" dirty="0" smtClean="0"/>
-          </a:p>
-          <a:p>
-            <a:pPr algn="ctr">
-              <a:spcBef>
-                <a:spcPct val="0"/>
-              </a:spcBef>
-            </a:pPr>
-            <a:r>
-              <a:rPr lang="en-GB" sz="1600" b="1" dirty="0" err="1" smtClean="0">
-                <a:solidFill>
-                  <a:schemeClr val="tx1">
-                    <a:lumMod val="60000"/>
-                    <a:lumOff val="40000"/>
-                  </a:schemeClr>
-                </a:solidFill>
-                <a:latin typeface="Courier New" pitchFamily="49" charset="0"/>
-                <a:cs typeface="Courier New" pitchFamily="49" charset="0"/>
-              </a:rPr>
-              <a:t>gsp:add</a:t>
-            </a:r>
-            <a:r>
-              <a:rPr lang="en-GB" sz="1600" b="1" dirty="0" smtClean="0">
-                <a:solidFill>
-                  <a:schemeClr val="tx1">
-                    <a:lumMod val="60000"/>
-                    <a:lumOff val="40000"/>
-                  </a:schemeClr>
-                </a:solidFill>
-                <a:latin typeface="Courier New" pitchFamily="49" charset="0"/>
-                <a:cs typeface="Courier New" pitchFamily="49" charset="0"/>
-              </a:rPr>
-              <a:t>-default-graph, </a:t>
-            </a:r>
-            <a:r>
-              <a:rPr lang="en-GB" sz="1600" b="1" dirty="0" err="1" smtClean="0">
-                <a:solidFill>
-                  <a:schemeClr val="tx1">
-                    <a:lumMod val="60000"/>
-                    <a:lumOff val="40000"/>
-                  </a:schemeClr>
-                </a:solidFill>
-                <a:latin typeface="Courier New" pitchFamily="49" charset="0"/>
-                <a:cs typeface="Courier New" pitchFamily="49" charset="0"/>
-              </a:rPr>
-              <a:t>gsp:add</a:t>
-            </a:r>
-            <a:r>
-              <a:rPr lang="en-GB" sz="1600" b="1" dirty="0" smtClean="0">
-                <a:solidFill>
-                  <a:schemeClr val="tx1">
-                    <a:lumMod val="60000"/>
-                    <a:lumOff val="40000"/>
-                  </a:schemeClr>
-                </a:solidFill>
-                <a:latin typeface="Courier New" pitchFamily="49" charset="0"/>
-                <a:cs typeface="Courier New" pitchFamily="49" charset="0"/>
-              </a:rPr>
-              <a:t>-named-graph, </a:t>
-            </a:r>
-            <a:r>
-              <a:rPr lang="en-GB" sz="1600" b="1" dirty="0" err="1" smtClean="0">
-                <a:solidFill>
-                  <a:schemeClr val="tx1">
-                    <a:lumMod val="60000"/>
-                    <a:lumOff val="40000"/>
-                  </a:schemeClr>
-                </a:solidFill>
-                <a:latin typeface="Courier New" pitchFamily="49" charset="0"/>
-                <a:cs typeface="Courier New" pitchFamily="49" charset="0"/>
-              </a:rPr>
-              <a:t>gsp:retrieve</a:t>
-            </a:r>
-            <a:r>
-              <a:rPr lang="en-GB" sz="1600" b="1" dirty="0" smtClean="0">
-                <a:solidFill>
-                  <a:schemeClr val="tx1">
-                    <a:lumMod val="60000"/>
-                    <a:lumOff val="40000"/>
-                  </a:schemeClr>
-                </a:solidFill>
-                <a:latin typeface="Courier New" pitchFamily="49" charset="0"/>
-                <a:cs typeface="Courier New" pitchFamily="49" charset="0"/>
-              </a:rPr>
-              <a:t>-default-graph-</a:t>
-            </a:r>
-            <a:r>
-              <a:rPr lang="en-GB" sz="1600" b="1" dirty="0" err="1" smtClean="0">
-                <a:solidFill>
-                  <a:schemeClr val="tx1">
-                    <a:lumMod val="60000"/>
-                    <a:lumOff val="40000"/>
-                  </a:schemeClr>
-                </a:solidFill>
-                <a:latin typeface="Courier New" pitchFamily="49" charset="0"/>
-                <a:cs typeface="Courier New" pitchFamily="49" charset="0"/>
-              </a:rPr>
-              <a:t>metainfo</a:t>
-            </a:r>
-            <a:r>
-              <a:rPr lang="en-GB" sz="1600" b="1" dirty="0" smtClean="0">
-                <a:solidFill>
-                  <a:schemeClr val="tx1">
-                    <a:lumMod val="60000"/>
-                    <a:lumOff val="40000"/>
-                  </a:schemeClr>
-                </a:solidFill>
-                <a:latin typeface="Courier New" pitchFamily="49" charset="0"/>
-                <a:cs typeface="Courier New" pitchFamily="49" charset="0"/>
-              </a:rPr>
-              <a:t>, </a:t>
-            </a:r>
-            <a:r>
-              <a:rPr lang="en-GB" sz="1600" b="1" dirty="0" err="1" smtClean="0">
-                <a:solidFill>
-                  <a:schemeClr val="tx1">
-                    <a:lumMod val="60000"/>
-                    <a:lumOff val="40000"/>
-                  </a:schemeClr>
-                </a:solidFill>
-                <a:latin typeface="Courier New" pitchFamily="49" charset="0"/>
-                <a:cs typeface="Courier New" pitchFamily="49" charset="0"/>
-              </a:rPr>
-              <a:t>gsp:retrieve</a:t>
-            </a:r>
-            <a:r>
-              <a:rPr lang="en-GB" sz="1600" b="1" dirty="0" smtClean="0">
-                <a:solidFill>
-                  <a:schemeClr val="tx1">
-                    <a:lumMod val="60000"/>
-                    <a:lumOff val="40000"/>
-                  </a:schemeClr>
-                </a:solidFill>
-                <a:latin typeface="Courier New" pitchFamily="49" charset="0"/>
-                <a:cs typeface="Courier New" pitchFamily="49" charset="0"/>
-              </a:rPr>
-              <a:t>-named-graph-</a:t>
-            </a:r>
-            <a:r>
-              <a:rPr lang="en-GB" sz="1600" b="1" dirty="0" err="1" smtClean="0">
-                <a:solidFill>
-                  <a:schemeClr val="tx1">
-                    <a:lumMod val="60000"/>
-                    <a:lumOff val="40000"/>
-                  </a:schemeClr>
-                </a:solidFill>
-                <a:latin typeface="Courier New" pitchFamily="49" charset="0"/>
-                <a:cs typeface="Courier New" pitchFamily="49" charset="0"/>
-              </a:rPr>
-              <a:t>metainfo</a:t>
-            </a:r>
-            <a:r>
-              <a:rPr lang="en-GB" sz="1600" b="1" dirty="0" smtClean="0">
-                <a:solidFill>
-                  <a:schemeClr val="tx1">
-                    <a:lumMod val="60000"/>
-                    <a:lumOff val="40000"/>
-                  </a:schemeClr>
-                </a:solidFill>
-                <a:latin typeface="Courier New" pitchFamily="49" charset="0"/>
-                <a:cs typeface="Courier New" pitchFamily="49" charset="0"/>
-              </a:rPr>
-              <a:t>, </a:t>
-            </a:r>
-          </a:p>
-          <a:p>
-            <a:pPr algn="ctr">
-              <a:spcBef>
-                <a:spcPct val="0"/>
-              </a:spcBef>
-            </a:pPr>
-            <a:r>
-              <a:rPr lang="en-GB" sz="1600" b="1" dirty="0" err="1" smtClean="0">
-                <a:solidFill>
-                  <a:schemeClr val="tx1">
-                    <a:lumMod val="60000"/>
-                    <a:lumOff val="40000"/>
-                  </a:schemeClr>
-                </a:solidFill>
-                <a:latin typeface="Courier New" pitchFamily="49" charset="0"/>
-                <a:cs typeface="Courier New" pitchFamily="49" charset="0"/>
-              </a:rPr>
-              <a:t>gsp:retrieve</a:t>
-            </a:r>
-            <a:r>
-              <a:rPr lang="en-GB" sz="1600" b="1" dirty="0" smtClean="0">
-                <a:solidFill>
-                  <a:schemeClr val="tx1">
-                    <a:lumMod val="60000"/>
-                    <a:lumOff val="40000"/>
-                  </a:schemeClr>
-                </a:solidFill>
-                <a:latin typeface="Courier New" pitchFamily="49" charset="0"/>
-                <a:cs typeface="Courier New" pitchFamily="49" charset="0"/>
-              </a:rPr>
-              <a:t>-default-graph, </a:t>
-            </a:r>
-          </a:p>
-          <a:p>
-            <a:pPr algn="ctr">
-              <a:spcBef>
-                <a:spcPct val="0"/>
-              </a:spcBef>
-            </a:pPr>
-            <a:r>
-              <a:rPr lang="en-GB" sz="1600" b="1" dirty="0" err="1" smtClean="0">
-                <a:solidFill>
-                  <a:schemeClr val="tx1">
-                    <a:lumMod val="60000"/>
-                    <a:lumOff val="40000"/>
-                  </a:schemeClr>
-                </a:solidFill>
-                <a:latin typeface="Courier New" pitchFamily="49" charset="0"/>
-                <a:cs typeface="Courier New" pitchFamily="49" charset="0"/>
-              </a:rPr>
-              <a:t>gsp:retrieve</a:t>
-            </a:r>
-            <a:r>
-              <a:rPr lang="en-GB" sz="1600" b="1" dirty="0" smtClean="0">
-                <a:solidFill>
-                  <a:schemeClr val="tx1">
-                    <a:lumMod val="60000"/>
-                    <a:lumOff val="40000"/>
-                  </a:schemeClr>
-                </a:solidFill>
-                <a:latin typeface="Courier New" pitchFamily="49" charset="0"/>
-                <a:cs typeface="Courier New" pitchFamily="49" charset="0"/>
-              </a:rPr>
-              <a:t>-named-graph, </a:t>
-            </a:r>
-          </a:p>
-          <a:p>
-            <a:pPr algn="ctr">
-              <a:spcBef>
-                <a:spcPct val="0"/>
-              </a:spcBef>
-            </a:pPr>
-            <a:r>
-              <a:rPr lang="en-GB" sz="1600" b="1" dirty="0" err="1" smtClean="0">
-                <a:solidFill>
-                  <a:schemeClr val="tx1">
-                    <a:lumMod val="60000"/>
-                    <a:lumOff val="40000"/>
-                  </a:schemeClr>
-                </a:solidFill>
-                <a:latin typeface="Courier New" pitchFamily="49" charset="0"/>
-                <a:cs typeface="Courier New" pitchFamily="49" charset="0"/>
-              </a:rPr>
-              <a:t>gsp:merge</a:t>
-            </a:r>
-            <a:r>
-              <a:rPr lang="en-GB" sz="1600" b="1" dirty="0" smtClean="0">
-                <a:solidFill>
-                  <a:schemeClr val="tx1">
-                    <a:lumMod val="60000"/>
-                    <a:lumOff val="40000"/>
-                  </a:schemeClr>
-                </a:solidFill>
-                <a:latin typeface="Courier New" pitchFamily="49" charset="0"/>
-                <a:cs typeface="Courier New" pitchFamily="49" charset="0"/>
-              </a:rPr>
-              <a:t>-default-graph, </a:t>
-            </a:r>
-          </a:p>
-          <a:p>
-            <a:pPr algn="ctr">
-              <a:spcBef>
-                <a:spcPct val="0"/>
-              </a:spcBef>
-            </a:pPr>
-            <a:r>
-              <a:rPr lang="en-GB" sz="1600" b="1" dirty="0" err="1" smtClean="0">
-                <a:solidFill>
-                  <a:schemeClr val="tx1">
-                    <a:lumMod val="60000"/>
-                    <a:lumOff val="40000"/>
-                  </a:schemeClr>
-                </a:solidFill>
-                <a:latin typeface="Courier New" pitchFamily="49" charset="0"/>
-                <a:cs typeface="Courier New" pitchFamily="49" charset="0"/>
-              </a:rPr>
-              <a:t>gsp:merge</a:t>
-            </a:r>
-            <a:r>
-              <a:rPr lang="en-GB" sz="1600" b="1" dirty="0" smtClean="0">
-                <a:solidFill>
-                  <a:schemeClr val="tx1">
-                    <a:lumMod val="60000"/>
-                    <a:lumOff val="40000"/>
-                  </a:schemeClr>
-                </a:solidFill>
-                <a:latin typeface="Courier New" pitchFamily="49" charset="0"/>
-                <a:cs typeface="Courier New" pitchFamily="49" charset="0"/>
-              </a:rPr>
-              <a:t>-named-graph, </a:t>
-            </a:r>
-          </a:p>
-          <a:p>
-            <a:pPr algn="ctr">
-              <a:spcBef>
-                <a:spcPct val="0"/>
-              </a:spcBef>
-            </a:pPr>
-            <a:r>
-              <a:rPr lang="en-GB" sz="1600" b="1" dirty="0" err="1" smtClean="0">
-                <a:solidFill>
-                  <a:schemeClr val="tx1">
-                    <a:lumMod val="60000"/>
-                    <a:lumOff val="40000"/>
-                  </a:schemeClr>
-                </a:solidFill>
-                <a:latin typeface="Courier New" pitchFamily="49" charset="0"/>
-                <a:cs typeface="Courier New" pitchFamily="49" charset="0"/>
-              </a:rPr>
-              <a:t>gsp:delete</a:t>
-            </a:r>
-            <a:r>
-              <a:rPr lang="en-GB" sz="1600" b="1" dirty="0" smtClean="0">
-                <a:solidFill>
-                  <a:schemeClr val="tx1">
-                    <a:lumMod val="60000"/>
-                    <a:lumOff val="40000"/>
-                  </a:schemeClr>
-                </a:solidFill>
-                <a:latin typeface="Courier New" pitchFamily="49" charset="0"/>
-                <a:cs typeface="Courier New" pitchFamily="49" charset="0"/>
-              </a:rPr>
-              <a:t>-default-graph, </a:t>
-            </a:r>
-          </a:p>
-          <a:p>
-            <a:pPr algn="ctr">
-              <a:spcBef>
-                <a:spcPct val="0"/>
-              </a:spcBef>
-            </a:pPr>
-            <a:r>
-              <a:rPr lang="en-GB" sz="1600" b="1" dirty="0" err="1" smtClean="0">
-                <a:solidFill>
-                  <a:schemeClr val="tx1">
-                    <a:lumMod val="60000"/>
-                    <a:lumOff val="40000"/>
-                  </a:schemeClr>
-                </a:solidFill>
-                <a:latin typeface="Courier New" pitchFamily="49" charset="0"/>
-                <a:cs typeface="Courier New" pitchFamily="49" charset="0"/>
-              </a:rPr>
-              <a:t>gsp:delete</a:t>
-            </a:r>
-            <a:r>
-              <a:rPr lang="en-GB" sz="1600" b="1" dirty="0" smtClean="0">
-                <a:solidFill>
-                  <a:schemeClr val="tx1">
-                    <a:lumMod val="60000"/>
-                    <a:lumOff val="40000"/>
-                  </a:schemeClr>
-                </a:solidFill>
-                <a:latin typeface="Courier New" pitchFamily="49" charset="0"/>
-                <a:cs typeface="Courier New" pitchFamily="49" charset="0"/>
-              </a:rPr>
-              <a:t>-named-graph, </a:t>
-            </a:r>
-            <a:r>
-              <a:rPr lang="en-GB" sz="1600" b="1" dirty="0" err="1" smtClean="0">
-                <a:solidFill>
-                  <a:schemeClr val="tx1">
-                    <a:lumMod val="60000"/>
-                    <a:lumOff val="40000"/>
-                  </a:schemeClr>
-                </a:solidFill>
-                <a:latin typeface="Courier New" pitchFamily="49" charset="0"/>
-                <a:cs typeface="Courier New" pitchFamily="49" charset="0"/>
-              </a:rPr>
-              <a:t>gsp:data</a:t>
-            </a:r>
-            <a:r>
-              <a:rPr lang="en-GB" sz="1600" b="1" dirty="0" smtClean="0">
-                <a:solidFill>
-                  <a:schemeClr val="tx1">
-                    <a:lumMod val="60000"/>
-                    <a:lumOff val="40000"/>
-                  </a:schemeClr>
-                </a:solidFill>
-                <a:latin typeface="Courier New" pitchFamily="49" charset="0"/>
-                <a:cs typeface="Courier New" pitchFamily="49" charset="0"/>
-              </a:rPr>
-              <a:t>, </a:t>
-            </a:r>
-          </a:p>
-          <a:p>
-            <a:pPr algn="ctr">
-              <a:spcBef>
-                <a:spcPct val="0"/>
-              </a:spcBef>
-            </a:pPr>
-            <a:r>
-              <a:rPr lang="en-GB" sz="1600" b="1" dirty="0" err="1" smtClean="0">
-                <a:solidFill>
-                  <a:schemeClr val="tx1">
-                    <a:lumMod val="60000"/>
-                    <a:lumOff val="40000"/>
-                  </a:schemeClr>
-                </a:solidFill>
-                <a:latin typeface="Courier New" pitchFamily="49" charset="0"/>
-                <a:cs typeface="Courier New" pitchFamily="49" charset="0"/>
-              </a:rPr>
-              <a:t>spq:query</a:t>
-            </a:r>
-            <a:r>
-              <a:rPr lang="en-GB" sz="1600" b="1" dirty="0" smtClean="0">
-                <a:solidFill>
-                  <a:schemeClr val="tx1">
-                    <a:lumMod val="60000"/>
-                    <a:lumOff val="40000"/>
-                  </a:schemeClr>
-                </a:solidFill>
-                <a:latin typeface="Courier New" pitchFamily="49" charset="0"/>
-                <a:cs typeface="Courier New" pitchFamily="49" charset="0"/>
-              </a:rPr>
-              <a:t>, </a:t>
-            </a:r>
-            <a:r>
-              <a:rPr lang="en-GB" sz="1600" b="1" dirty="0" err="1" smtClean="0">
-                <a:solidFill>
-                  <a:schemeClr val="tx1">
-                    <a:lumMod val="60000"/>
-                    <a:lumOff val="40000"/>
-                  </a:schemeClr>
-                </a:solidFill>
-                <a:latin typeface="Courier New" pitchFamily="49" charset="0"/>
-                <a:cs typeface="Courier New" pitchFamily="49" charset="0"/>
-              </a:rPr>
-              <a:t>spq:data</a:t>
-            </a:r>
-            <a:endParaRPr lang="en-GB" sz="1600" b="1" dirty="0" smtClean="0">
-              <a:solidFill>
-                <a:schemeClr val="tx1">
-                  <a:lumMod val="60000"/>
-                  <a:lumOff val="40000"/>
-                </a:schemeClr>
-              </a:solidFill>
-              <a:latin typeface="Courier New" pitchFamily="49" charset="0"/>
-              <a:cs typeface="Courier New" pitchFamily="49" charset="0"/>
-            </a:endParaRPr>
-          </a:p>
-          <a:p>
-            <a:pPr lvl="4">
-              <a:spcBef>
-                <a:spcPct val="0"/>
-              </a:spcBef>
-            </a:pPr>
-            <a:endParaRPr lang="en-US" sz="1600" b="1" noProof="0" dirty="0" smtClean="0">
-              <a:solidFill>
-                <a:schemeClr val="tx1">
-                  <a:lumMod val="60000"/>
-                  <a:lumOff val="40000"/>
-                </a:schemeClr>
-              </a:solidFill>
-              <a:latin typeface="Courier New" pitchFamily="49" charset="0"/>
-              <a:cs typeface="Courier New" pitchFamily="49" charset="0"/>
-            </a:endParaRPr>
-          </a:p>
-          <a:p>
-            <a:pPr marL="288925" lvl="1">
-              <a:spcBef>
-                <a:spcPct val="0"/>
-              </a:spcBef>
-            </a:pPr>
-            <a:endParaRPr lang="it-IT" sz="2000" dirty="0" smtClean="0"/>
-          </a:p>
-          <a:p>
-            <a:pPr marL="1660525" lvl="4">
-              <a:spcBef>
-                <a:spcPct val="0"/>
-              </a:spcBef>
-            </a:pPr>
-            <a:endParaRPr lang="it-IT" sz="2000" dirty="0" smtClean="0"/>
-          </a:p>
-          <a:p>
-            <a:pPr marL="1660525" lvl="4">
-              <a:spcBef>
-                <a:spcPct val="0"/>
-              </a:spcBef>
-            </a:pPr>
-            <a:endParaRPr kumimoji="0" lang="en-GB" sz="2000" i="0" u="none" strike="noStrike" kern="1200" cap="none" spc="0" normalizeH="0" baseline="0" noProof="0" dirty="0">
+              <a:t> functions?</a:t>
+            </a:r>
+            <a:endParaRPr kumimoji="0" lang="en-GB" sz="3200" i="0" u="none" strike="noStrike" kern="1200" cap="none" spc="0" normalizeH="0" baseline="0" noProof="0" dirty="0">
               <a:ln>
                 <a:noFill/>
               </a:ln>
@@ -7701,11 +7553,7 @@
             </a:r>
             <a:r>
               <a:rPr lang="en-US" sz="3200" dirty="0" smtClean="0"/>
-              <a:t> </a:t>
-            </a:r>
-            <a:r>
-              <a:rPr lang="en-US" sz="3200" dirty="0" smtClean="0"/>
-              <a:t>big news</a:t>
+              <a:t> big news</a:t>
             </a:r>
             <a:endParaRPr kumimoji="0" lang="en-GB" sz="3200" i="0" u="none" strike="noStrike" kern="1200" cap="none" spc="0" normalizeH="0" baseline="0" noProof="0" dirty="0">
               <a:ln>
@@ -7745,118 +7593,6 @@
 </file>
 
 <file path=ppt/slides/slide20.xml><?xml version="1.0" encoding="utf-8"?>
-<p:sld xmlns:a="http://schemas.openxmlformats.org/drawingml/2006/main" xmlns:r="http://schemas.openxmlformats.org/officeDocument/2006/relationships" xmlns:p="http://schemas.openxmlformats.org/presentationml/2006/main">
-  <p:cSld>
-    <p:spTree>
-      <p:nvGrpSpPr>
-        <p:cNvPr id="1" name=""/>
-        <p:cNvGrpSpPr/>
-        <p:nvPr/>
-      </p:nvGrpSpPr>
-      <p:grpSpPr>
-        <a:xfrm>
-          <a:off x="0" y="0"/>
-          <a:ext cx="0" cy="0"/>
-          <a:chOff x="0" y="0"/>
-          <a:chExt cx="0" cy="0"/>
-        </a:xfrm>
-      </p:grpSpPr>
-      <p:sp>
-        <p:nvSpPr>
-          <p:cNvPr id="4" name="Title 1"/>
-          <p:cNvSpPr txBox="1">
-            <a:spLocks/>
-          </p:cNvSpPr>
-          <p:nvPr/>
-        </p:nvSpPr>
-        <p:spPr>
-          <a:xfrm>
-            <a:off x="697832" y="1772816"/>
-            <a:ext cx="7772400" cy="1514599"/>
-          </a:xfrm>
-          <a:prstGeom prst="rect">
-            <a:avLst/>
-          </a:prstGeom>
-        </p:spPr>
-        <p:txBody>
-          <a:bodyPr anchor="ctr"/>
-          <a:lstStyle/>
-          <a:p>
-            <a:pPr lvl="0" algn="ctr">
-              <a:spcBef>
-                <a:spcPct val="0"/>
-              </a:spcBef>
-            </a:pPr>
-            <a:r>
-              <a:rPr lang="en-US" sz="3200" noProof="0" dirty="0" smtClean="0"/>
-              <a:t>But</a:t>
-            </a:r>
-            <a:r>
-              <a:rPr lang="en-US" sz="3200" noProof="0" dirty="0" smtClean="0"/>
-              <a:t> </a:t>
-            </a:r>
-            <a:r>
-              <a:rPr lang="en-US" sz="3200" noProof="0" dirty="0" smtClean="0">
-                <a:solidFill>
-                  <a:srgbClr val="C00000"/>
-                </a:solidFill>
-              </a:rPr>
-              <a:t>why</a:t>
-            </a:r>
-            <a:r>
-              <a:rPr lang="en-US" sz="3200" noProof="0" dirty="0" smtClean="0"/>
-              <a:t> </a:t>
-            </a:r>
-            <a:r>
-              <a:rPr lang="en-US" sz="3200" noProof="0" dirty="0" smtClean="0">
-                <a:solidFill>
-                  <a:srgbClr val="C00000"/>
-                </a:solidFill>
-              </a:rPr>
-              <a:t>so many</a:t>
-            </a:r>
-            <a:r>
-              <a:rPr lang="en-US" sz="3200" noProof="0" dirty="0" smtClean="0"/>
-              <a:t> functions?</a:t>
-            </a:r>
-            <a:endParaRPr kumimoji="0" lang="en-GB" sz="3200" i="0" u="none" strike="noStrike" kern="1200" cap="none" spc="0" normalizeH="0" baseline="0" noProof="0" dirty="0">
-              <a:ln>
-                <a:noFill/>
-              </a:ln>
-              <a:solidFill>
-                <a:schemeClr val="tx1">
-                  <a:lumMod val="50000"/>
-                </a:schemeClr>
-              </a:solidFill>
-              <a:effectLst/>
-              <a:uLnTx/>
-              <a:uFillTx/>
-              <a:latin typeface="Tahoma" pitchFamily="34" charset="0"/>
-              <a:ea typeface="Tahoma" pitchFamily="34" charset="0"/>
-              <a:cs typeface="Tahoma" pitchFamily="34" charset="0"/>
-            </a:endParaRPr>
-          </a:p>
-        </p:txBody>
-      </p:sp>
-    </p:spTree>
-  </p:cSld>
-  <p:clrMapOvr>
-    <a:masterClrMapping/>
-  </p:clrMapOvr>
-  <p:transition>
-    <p:fade/>
-  </p:transition>
-  <p:timing>
-    <p:tnLst>
-      <p:par>
-        <p:cTn id="1" dur="indefinite" restart="never" nodeType="tmRoot"/>
-      </p:par>
-    </p:tnLst>
-  </p:timing>
-</p:sld>
-</file>
-
-<file path=ppt/slides/slide21.xml><?xml version="1.0" encoding="utf-8"?>
 <p:sld xmlns:a="http://schemas.openxmlformats.org/drawingml/2006/main" xmlns:r="http://schemas.openxmlformats.org/officeDocument/2006/relationships" xmlns:p="http://schemas.openxmlformats.org/presentationml/2006/main">
   <p:cSld>
     <p:spTree>
@@ -8017,6 +7753,388 @@
 </p:sld>
 </file>
 
+<file path=ppt/slides/slide21.xml><?xml version="1.0" encoding="utf-8"?>
+<p:sld xmlns:a="http://schemas.openxmlformats.org/drawingml/2006/main" xmlns:r="http://schemas.openxmlformats.org/officeDocument/2006/relationships" xmlns:p="http://schemas.openxmlformats.org/presentationml/2006/main">
+  <p:cSld>
+    <p:spTree>
+      <p:nvGrpSpPr>
+        <p:cNvPr id="1" name=""/>
+        <p:cNvGrpSpPr/>
+        <p:nvPr/>
+      </p:nvGrpSpPr>
+      <p:grpSpPr>
+        <a:xfrm>
+          <a:off x="0" y="0"/>
+          <a:ext cx="0" cy="0"/>
+          <a:chOff x="0" y="0"/>
+          <a:chExt cx="0" cy="0"/>
+        </a:xfrm>
+      </p:grpSpPr>
+      <p:sp>
+        <p:nvSpPr>
+          <p:cNvPr id="4" name="Title 1"/>
+          <p:cNvSpPr txBox="1">
+            <a:spLocks/>
+          </p:cNvSpPr>
+          <p:nvPr/>
+        </p:nvSpPr>
+        <p:spPr>
+          <a:xfrm>
+            <a:off x="541422" y="1434494"/>
+            <a:ext cx="8061158" cy="3895475"/>
+          </a:xfrm>
+          <a:prstGeom prst="rect">
+            <a:avLst/>
+          </a:prstGeom>
+        </p:spPr>
+        <p:txBody>
+          <a:bodyPr anchor="ctr"/>
+          <a:lstStyle/>
+          <a:p>
+            <a:pPr lvl="0" algn="ctr">
+              <a:spcBef>
+                <a:spcPct val="0"/>
+              </a:spcBef>
+            </a:pPr>
+            <a:r>
+              <a:rPr kumimoji="0" lang="en-US" sz="3200" i="0" u="none" strike="noStrike" kern="1200" cap="none" spc="0" normalizeH="0" baseline="0" noProof="0" dirty="0" smtClean="0">
+                <a:ln>
+                  <a:noFill/>
+                </a:ln>
+                <a:solidFill>
+                  <a:schemeClr val="tx1">
+                    <a:lumMod val="50000"/>
+                  </a:schemeClr>
+                </a:solidFill>
+                <a:effectLst/>
+                <a:uLnTx/>
+                <a:uFillTx/>
+                <a:latin typeface="Tahoma" pitchFamily="34" charset="0"/>
+                <a:ea typeface="Tahoma" pitchFamily="34" charset="0"/>
+                <a:cs typeface="Tahoma" pitchFamily="34" charset="0"/>
+              </a:rPr>
+              <a:t>I don’t like </a:t>
+            </a:r>
+            <a:r>
+              <a:rPr kumimoji="0" lang="en-US" sz="3200" i="0" u="none" strike="noStrike" kern="1200" cap="none" spc="0" normalizeH="0" baseline="0" noProof="0" dirty="0" smtClean="0">
+                <a:ln>
+                  <a:noFill/>
+                </a:ln>
+                <a:solidFill>
+                  <a:srgbClr val="C00000"/>
+                </a:solidFill>
+                <a:effectLst/>
+                <a:uLnTx/>
+                <a:uFillTx/>
+                <a:latin typeface="Tahoma" pitchFamily="34" charset="0"/>
+                <a:ea typeface="Tahoma" pitchFamily="34" charset="0"/>
+                <a:cs typeface="Tahoma" pitchFamily="34" charset="0"/>
+              </a:rPr>
+              <a:t>optional</a:t>
+            </a:r>
+            <a:r>
+              <a:rPr kumimoji="0" lang="en-US" sz="3200" i="0" u="none" strike="noStrike" kern="1200" cap="none" spc="0" normalizeH="0" baseline="0" noProof="0" dirty="0" smtClean="0">
+                <a:ln>
+                  <a:noFill/>
+                </a:ln>
+                <a:solidFill>
+                  <a:schemeClr val="tx1">
+                    <a:lumMod val="50000"/>
+                  </a:schemeClr>
+                </a:solidFill>
+                <a:effectLst/>
+                <a:uLnTx/>
+                <a:uFillTx/>
+                <a:latin typeface="Tahoma" pitchFamily="34" charset="0"/>
+                <a:ea typeface="Tahoma" pitchFamily="34" charset="0"/>
+                <a:cs typeface="Tahoma" pitchFamily="34" charset="0"/>
+              </a:rPr>
+              <a:t> arguments!</a:t>
+            </a:r>
+          </a:p>
+          <a:p>
+            <a:pPr lvl="1">
+              <a:spcBef>
+                <a:spcPct val="0"/>
+              </a:spcBef>
+            </a:pPr>
+            <a:endParaRPr lang="en-GB" sz="1600" b="1" dirty="0" smtClean="0">
+              <a:solidFill>
+                <a:schemeClr val="tx1">
+                  <a:lumMod val="60000"/>
+                  <a:lumOff val="40000"/>
+                </a:schemeClr>
+              </a:solidFill>
+              <a:latin typeface="Courier New" pitchFamily="49" charset="0"/>
+              <a:cs typeface="Courier New" pitchFamily="49" charset="0"/>
+            </a:endParaRPr>
+          </a:p>
+          <a:p>
+            <a:pPr marL="2117725" lvl="3">
+              <a:spcBef>
+                <a:spcPct val="0"/>
+              </a:spcBef>
+            </a:pPr>
+            <a:r>
+              <a:rPr lang="en-GB" sz="1600" b="1" dirty="0" err="1" smtClean="0">
+                <a:solidFill>
+                  <a:schemeClr val="tx1">
+                    <a:lumMod val="60000"/>
+                    <a:lumOff val="40000"/>
+                  </a:schemeClr>
+                </a:solidFill>
+                <a:latin typeface="Courier New" pitchFamily="49" charset="0"/>
+                <a:cs typeface="Courier New" pitchFamily="49" charset="0"/>
+              </a:rPr>
+              <a:t>xdmp:document</a:t>
+            </a:r>
+            <a:r>
+              <a:rPr lang="en-GB" sz="1600" b="1" dirty="0" smtClean="0">
+                <a:solidFill>
+                  <a:schemeClr val="tx1">
+                    <a:lumMod val="60000"/>
+                    <a:lumOff val="40000"/>
+                  </a:schemeClr>
+                </a:solidFill>
+                <a:latin typeface="Courier New" pitchFamily="49" charset="0"/>
+                <a:cs typeface="Courier New" pitchFamily="49" charset="0"/>
+              </a:rPr>
+              <a:t>-insert(</a:t>
+            </a:r>
+          </a:p>
+          <a:p>
+            <a:pPr marL="2574925" lvl="7">
+              <a:spcBef>
+                <a:spcPct val="0"/>
+              </a:spcBef>
+            </a:pPr>
+            <a:r>
+              <a:rPr lang="en-GB" sz="1600" b="1" dirty="0" smtClean="0">
+                <a:solidFill>
+                  <a:schemeClr val="tx1">
+                    <a:lumMod val="60000"/>
+                    <a:lumOff val="40000"/>
+                  </a:schemeClr>
+                </a:solidFill>
+                <a:latin typeface="Courier New" pitchFamily="49" charset="0"/>
+                <a:cs typeface="Courier New" pitchFamily="49" charset="0"/>
+              </a:rPr>
+              <a:t>'/books/collection/A123.xml',</a:t>
+            </a:r>
+          </a:p>
+          <a:p>
+            <a:pPr marL="2574925" lvl="7">
+              <a:spcBef>
+                <a:spcPct val="0"/>
+              </a:spcBef>
+            </a:pPr>
+            <a:r>
+              <a:rPr lang="en-GB" sz="1600" b="1" dirty="0" smtClean="0">
+                <a:solidFill>
+                  <a:schemeClr val="tx1">
+                    <a:lumMod val="60000"/>
+                    <a:lumOff val="40000"/>
+                  </a:schemeClr>
+                </a:solidFill>
+                <a:latin typeface="Courier New" pitchFamily="49" charset="0"/>
+                <a:cs typeface="Courier New" pitchFamily="49" charset="0"/>
+              </a:rPr>
+              <a:t>&lt;book&gt;</a:t>
+            </a:r>
+          </a:p>
+          <a:p>
+            <a:pPr marL="2574925" lvl="7">
+              <a:spcBef>
+                <a:spcPct val="0"/>
+              </a:spcBef>
+            </a:pPr>
+            <a:r>
+              <a:rPr lang="en-GB" sz="1600" b="1" dirty="0" smtClean="0">
+                <a:solidFill>
+                  <a:schemeClr val="tx1">
+                    <a:lumMod val="60000"/>
+                    <a:lumOff val="40000"/>
+                  </a:schemeClr>
+                </a:solidFill>
+                <a:latin typeface="Courier New" pitchFamily="49" charset="0"/>
+                <a:cs typeface="Courier New" pitchFamily="49" charset="0"/>
+              </a:rPr>
+              <a:t>  &lt;title&gt;Linked Data&lt;/title&gt;</a:t>
+            </a:r>
+          </a:p>
+          <a:p>
+            <a:pPr marL="2574925" lvl="7">
+              <a:spcBef>
+                <a:spcPct val="0"/>
+              </a:spcBef>
+            </a:pPr>
+            <a:r>
+              <a:rPr lang="en-GB" sz="1600" b="1" dirty="0" smtClean="0">
+                <a:solidFill>
+                  <a:schemeClr val="tx1">
+                    <a:lumMod val="60000"/>
+                    <a:lumOff val="40000"/>
+                  </a:schemeClr>
+                </a:solidFill>
+                <a:latin typeface="Courier New" pitchFamily="49" charset="0"/>
+                <a:cs typeface="Courier New" pitchFamily="49" charset="0"/>
+              </a:rPr>
+              <a:t>&lt;/book&gt;,</a:t>
+            </a:r>
+          </a:p>
+          <a:p>
+            <a:pPr marL="2574925" lvl="7">
+              <a:spcBef>
+                <a:spcPct val="0"/>
+              </a:spcBef>
+            </a:pPr>
+            <a:r>
+              <a:rPr lang="en-GB" sz="1600" b="1" dirty="0" smtClean="0">
+                <a:solidFill>
+                  <a:srgbClr val="C00000"/>
+                </a:solidFill>
+                <a:latin typeface="Courier New" pitchFamily="49" charset="0"/>
+                <a:cs typeface="Courier New" pitchFamily="49" charset="0"/>
+              </a:rPr>
+              <a:t>()</a:t>
+            </a:r>
+            <a:r>
+              <a:rPr lang="en-GB" sz="1600" b="1" dirty="0" smtClean="0">
+                <a:solidFill>
+                  <a:schemeClr val="tx1">
+                    <a:lumMod val="60000"/>
+                    <a:lumOff val="40000"/>
+                  </a:schemeClr>
+                </a:solidFill>
+                <a:latin typeface="Courier New" pitchFamily="49" charset="0"/>
+                <a:cs typeface="Courier New" pitchFamily="49" charset="0"/>
+              </a:rPr>
+              <a:t>, </a:t>
+            </a:r>
+            <a:r>
+              <a:rPr lang="en-GB" sz="1600" b="1" dirty="0" smtClean="0">
+                <a:solidFill>
+                  <a:srgbClr val="C00000"/>
+                </a:solidFill>
+                <a:latin typeface="Courier New" pitchFamily="49" charset="0"/>
+                <a:cs typeface="Courier New" pitchFamily="49" charset="0"/>
+              </a:rPr>
+              <a:t>()</a:t>
+            </a:r>
+            <a:r>
+              <a:rPr lang="en-GB" sz="1600" b="1" dirty="0" smtClean="0">
+                <a:solidFill>
+                  <a:schemeClr val="tx1">
+                    <a:lumMod val="60000"/>
+                    <a:lumOff val="40000"/>
+                  </a:schemeClr>
+                </a:solidFill>
+                <a:latin typeface="Courier New" pitchFamily="49" charset="0"/>
+                <a:cs typeface="Courier New" pitchFamily="49" charset="0"/>
+              </a:rPr>
+              <a:t>,</a:t>
+            </a:r>
+            <a:r>
+              <a:rPr lang="en-GB" sz="1600" b="1" dirty="0" smtClean="0">
+                <a:solidFill>
+                  <a:srgbClr val="C00000"/>
+                </a:solidFill>
+                <a:latin typeface="Courier New" pitchFamily="49" charset="0"/>
+                <a:cs typeface="Courier New" pitchFamily="49" charset="0"/>
+              </a:rPr>
+              <a:t> ()</a:t>
+            </a:r>
+            <a:r>
+              <a:rPr lang="en-GB" sz="1600" b="1" dirty="0" smtClean="0">
+                <a:solidFill>
+                  <a:schemeClr val="tx1">
+                    <a:lumMod val="60000"/>
+                    <a:lumOff val="40000"/>
+                  </a:schemeClr>
+                </a:solidFill>
+                <a:latin typeface="Courier New" pitchFamily="49" charset="0"/>
+                <a:cs typeface="Courier New" pitchFamily="49" charset="0"/>
+              </a:rPr>
+              <a:t>,</a:t>
+            </a:r>
+          </a:p>
+          <a:p>
+            <a:pPr marL="2574925" lvl="6">
+              <a:spcBef>
+                <a:spcPct val="0"/>
+              </a:spcBef>
+            </a:pPr>
+            <a:r>
+              <a:rPr lang="en-US" sz="1600" b="1" dirty="0" smtClean="0">
+                <a:solidFill>
+                  <a:schemeClr val="tx1">
+                    <a:lumMod val="60000"/>
+                    <a:lumOff val="40000"/>
+                  </a:schemeClr>
+                </a:solidFill>
+                <a:latin typeface="Courier New" pitchFamily="49" charset="0"/>
+                <a:cs typeface="Courier New" pitchFamily="49" charset="0"/>
+              </a:rPr>
+              <a:t>5780546120451828821</a:t>
+            </a:r>
+          </a:p>
+          <a:p>
+            <a:pPr marL="2117725" lvl="4">
+              <a:spcBef>
+                <a:spcPct val="0"/>
+              </a:spcBef>
+            </a:pPr>
+            <a:r>
+              <a:rPr lang="en-GB" sz="1600" b="1" dirty="0" smtClean="0">
+                <a:solidFill>
+                  <a:schemeClr val="tx1">
+                    <a:lumMod val="60000"/>
+                    <a:lumOff val="40000"/>
+                  </a:schemeClr>
+                </a:solidFill>
+                <a:latin typeface="Courier New" pitchFamily="49" charset="0"/>
+                <a:cs typeface="Courier New" pitchFamily="49" charset="0"/>
+              </a:rPr>
+              <a:t>)</a:t>
+            </a:r>
+            <a:endParaRPr kumimoji="0" lang="en-GB" sz="1600" b="1" i="0" u="none" strike="noStrike" kern="1200" cap="none" spc="0" normalizeH="0" baseline="0" noProof="0" dirty="0">
+              <a:ln>
+                <a:noFill/>
+              </a:ln>
+              <a:solidFill>
+                <a:schemeClr val="tx1">
+                  <a:lumMod val="60000"/>
+                  <a:lumOff val="40000"/>
+                </a:schemeClr>
+              </a:solidFill>
+              <a:effectLst/>
+              <a:uLnTx/>
+              <a:uFillTx/>
+              <a:latin typeface="Courier New" pitchFamily="49" charset="0"/>
+              <a:ea typeface="Tahoma" pitchFamily="34" charset="0"/>
+              <a:cs typeface="Courier New" pitchFamily="49" charset="0"/>
+            </a:endParaRPr>
+          </a:p>
+        </p:txBody>
+      </p:sp>
+    </p:spTree>
+  </p:cSld>
+  <p:clrMapOvr>
+    <a:masterClrMapping/>
+  </p:clrMapOvr>
+  <p:transition>
+    <p:fade/>
+  </p:transition>
+  <p:timing>
+    <p:tnLst>
+      <p:par>
+        <p:cTn id="1" dur="indefinite" restart="never" nodeType="tmRoot"/>
+      </p:par>
+    </p:tnLst>
+  </p:timing>
+</p:sld>
+</file>
+
 <file path=ppt/slides/slide22.xml><?xml version="1.0" encoding="utf-8"?>
 <p:sld xmlns:a="http://schemas.openxmlformats.org/drawingml/2006/main" xmlns:r="http://schemas.openxmlformats.org/officeDocument/2006/relationships" xmlns:p="http://schemas.openxmlformats.org/presentationml/2006/main">
   <p:cSld>
@@ -8044,8 +8162,8 @@
         </p:nvSpPr>
         <p:spPr>
           <a:xfrm>
-            <a:off x="541422" y="1434494"/>
-            <a:ext cx="8061158" cy="3895475"/>
+            <a:off x="697832" y="1772816"/>
+            <a:ext cx="7772400" cy="1514599"/>
           </a:xfrm>
           <a:prstGeom prst="rect">
             <a:avLst/>
@@ -8061,322 +8179,36 @@
               </a:spcBef>
             </a:pPr>
             <a:r>
-              <a:rPr kumimoji="0" lang="en-US" sz="3200" i="0" u="none" strike="noStrike" kern="1200" cap="none" spc="0" normalizeH="0" baseline="0" noProof="0" dirty="0" smtClean="0">
-                <a:ln>
-                  <a:noFill/>
-                </a:ln>
-                <a:solidFill>
-                  <a:schemeClr val="tx1">
-                    <a:lumMod val="50000"/>
-                  </a:schemeClr>
-                </a:solidFill>
-                <a:effectLst/>
-                <a:uLnTx/>
-                <a:uFillTx/>
-                <a:latin typeface="Tahoma" pitchFamily="34" charset="0"/>
-                <a:ea typeface="Tahoma" pitchFamily="34" charset="0"/>
-                <a:cs typeface="Tahoma" pitchFamily="34" charset="0"/>
-              </a:rPr>
-              <a:t>I don’t like </a:t>
-            </a:r>
-            <a:r>
-              <a:rPr kumimoji="0" lang="en-US" sz="3200" i="0" u="none" strike="noStrike" kern="1200" cap="none" spc="0" normalizeH="0" baseline="0" noProof="0" dirty="0" smtClean="0">
-                <a:ln>
-                  <a:noFill/>
-                </a:ln>
+              <a:rPr lang="en-US" sz="3200" dirty="0" smtClean="0"/>
+              <a:t>A </a:t>
+            </a:r>
+            <a:r>
+              <a:rPr lang="en-US" sz="3200" dirty="0" err="1" smtClean="0">
                 <a:solidFill>
                   <a:srgbClr val="C00000"/>
                 </a:solidFill>
-                <a:effectLst/>
-                <a:uLnTx/>
-                <a:uFillTx/>
-                <a:latin typeface="Tahoma" pitchFamily="34" charset="0"/>
-                <a:ea typeface="Tahoma" pitchFamily="34" charset="0"/>
-                <a:cs typeface="Tahoma" pitchFamily="34" charset="0"/>
-              </a:rPr>
-              <a:t>optional</a:t>
-            </a:r>
-            <a:r>
-              <a:rPr kumimoji="0" lang="en-US" sz="3200" i="0" u="none" strike="noStrike" kern="1200" cap="none" spc="0" normalizeH="0" baseline="0" noProof="0" dirty="0" smtClean="0">
-                <a:ln>
-                  <a:noFill/>
-                </a:ln>
-                <a:solidFill>
-                  <a:schemeClr val="tx1">
-                    <a:lumMod val="50000"/>
-                  </a:schemeClr>
-                </a:solidFill>
-                <a:effectLst/>
-                <a:uLnTx/>
-                <a:uFillTx/>
-                <a:latin typeface="Tahoma" pitchFamily="34" charset="0"/>
-                <a:ea typeface="Tahoma" pitchFamily="34" charset="0"/>
-                <a:cs typeface="Tahoma" pitchFamily="34" charset="0"/>
-              </a:rPr>
-              <a:t> arguments!</a:t>
-            </a:r>
-          </a:p>
-          <a:p>
-            <a:pPr lvl="1">
-              <a:spcBef>
-                <a:spcPct val="0"/>
-              </a:spcBef>
-            </a:pPr>
-            <a:endParaRPr lang="en-GB" sz="1600" b="1" dirty="0" smtClean="0">
-              <a:solidFill>
-                <a:schemeClr val="tx1">
-                  <a:lumMod val="60000"/>
-                  <a:lumOff val="40000"/>
-                </a:schemeClr>
-              </a:solidFill>
-              <a:latin typeface="Courier New" pitchFamily="49" charset="0"/>
-              <a:cs typeface="Courier New" pitchFamily="49" charset="0"/>
-            </a:endParaRPr>
-          </a:p>
-          <a:p>
-            <a:pPr marL="2117725" lvl="3">
-              <a:spcBef>
-                <a:spcPct val="0"/>
-              </a:spcBef>
-            </a:pPr>
-            <a:r>
-              <a:rPr lang="en-GB" sz="1600" b="1" dirty="0" err="1" smtClean="0">
-                <a:solidFill>
-                  <a:schemeClr val="tx1">
-                    <a:lumMod val="60000"/>
-                    <a:lumOff val="40000"/>
-                  </a:schemeClr>
-                </a:solidFill>
-                <a:latin typeface="Courier New" pitchFamily="49" charset="0"/>
-                <a:cs typeface="Courier New" pitchFamily="49" charset="0"/>
-              </a:rPr>
-              <a:t>xdmp:document</a:t>
-            </a:r>
-            <a:r>
-              <a:rPr lang="en-GB" sz="1600" b="1" dirty="0" smtClean="0">
-                <a:solidFill>
-                  <a:schemeClr val="tx1">
-                    <a:lumMod val="60000"/>
-                    <a:lumOff val="40000"/>
-                  </a:schemeClr>
-                </a:solidFill>
-                <a:latin typeface="Courier New" pitchFamily="49" charset="0"/>
-                <a:cs typeface="Courier New" pitchFamily="49" charset="0"/>
-              </a:rPr>
-              <a:t>-insert(</a:t>
-            </a:r>
-          </a:p>
-          <a:p>
-            <a:pPr marL="2574925" lvl="7">
-              <a:spcBef>
-                <a:spcPct val="0"/>
-              </a:spcBef>
-            </a:pPr>
-            <a:r>
-              <a:rPr lang="en-GB" sz="1600" b="1" dirty="0" smtClean="0">
-                <a:solidFill>
-                  <a:schemeClr val="tx1">
-                    <a:lumMod val="60000"/>
-                    <a:lumOff val="40000"/>
-                  </a:schemeClr>
-                </a:solidFill>
-                <a:latin typeface="Courier New" pitchFamily="49" charset="0"/>
-                <a:cs typeface="Courier New" pitchFamily="49" charset="0"/>
-              </a:rPr>
-              <a:t>'/books/collection/A123.xml',</a:t>
-            </a:r>
-          </a:p>
-          <a:p>
-            <a:pPr marL="2574925" lvl="7">
-              <a:spcBef>
-                <a:spcPct val="0"/>
-              </a:spcBef>
-            </a:pPr>
-            <a:r>
-              <a:rPr lang="en-GB" sz="1600" b="1" dirty="0" smtClean="0">
-                <a:solidFill>
-                  <a:schemeClr val="tx1">
-                    <a:lumMod val="60000"/>
-                    <a:lumOff val="40000"/>
-                  </a:schemeClr>
-                </a:solidFill>
-                <a:latin typeface="Courier New" pitchFamily="49" charset="0"/>
-                <a:cs typeface="Courier New" pitchFamily="49" charset="0"/>
-              </a:rPr>
-              <a:t>&lt;book&gt;</a:t>
-            </a:r>
-          </a:p>
-          <a:p>
-            <a:pPr marL="2574925" lvl="7">
-              <a:spcBef>
-                <a:spcPct val="0"/>
-              </a:spcBef>
-            </a:pPr>
-            <a:r>
-              <a:rPr lang="en-GB" sz="1600" b="1" dirty="0" smtClean="0">
-                <a:solidFill>
-                  <a:schemeClr val="tx1">
-                    <a:lumMod val="60000"/>
-                    <a:lumOff val="40000"/>
-                  </a:schemeClr>
-                </a:solidFill>
-                <a:latin typeface="Courier New" pitchFamily="49" charset="0"/>
-                <a:cs typeface="Courier New" pitchFamily="49" charset="0"/>
-              </a:rPr>
-              <a:t>  &lt;title&gt;Linked Data&lt;/title&gt;</a:t>
-            </a:r>
-          </a:p>
-          <a:p>
-            <a:pPr marL="2574925" lvl="7">
-              <a:spcBef>
-                <a:spcPct val="0"/>
-              </a:spcBef>
-            </a:pPr>
-            <a:r>
-              <a:rPr lang="en-GB" sz="1600" b="1" dirty="0" smtClean="0">
-                <a:solidFill>
-                  <a:schemeClr val="tx1">
-                    <a:lumMod val="60000"/>
-                    <a:lumOff val="40000"/>
-                  </a:schemeClr>
-                </a:solidFill>
-                <a:latin typeface="Courier New" pitchFamily="49" charset="0"/>
-                <a:cs typeface="Courier New" pitchFamily="49" charset="0"/>
-              </a:rPr>
-              <a:t>&lt;/book&gt;,</a:t>
-            </a:r>
-          </a:p>
-          <a:p>
-            <a:pPr marL="2574925" lvl="7">
-              <a:spcBef>
-                <a:spcPct val="0"/>
-              </a:spcBef>
-            </a:pPr>
-            <a:r>
-              <a:rPr lang="en-GB" sz="1600" b="1" dirty="0" smtClean="0">
-                <a:solidFill>
-                  <a:srgbClr val="C00000"/>
-                </a:solidFill>
-                <a:latin typeface="Courier New" pitchFamily="49" charset="0"/>
-                <a:cs typeface="Courier New" pitchFamily="49" charset="0"/>
-              </a:rPr>
-              <a:t>()</a:t>
-            </a:r>
-            <a:r>
-              <a:rPr lang="en-GB" sz="1600" b="1" dirty="0" smtClean="0">
-                <a:solidFill>
-                  <a:schemeClr val="tx1">
-                    <a:lumMod val="60000"/>
-                    <a:lumOff val="40000"/>
-                  </a:schemeClr>
-                </a:solidFill>
-                <a:latin typeface="Courier New" pitchFamily="49" charset="0"/>
-                <a:cs typeface="Courier New" pitchFamily="49" charset="0"/>
-              </a:rPr>
-              <a:t>, </a:t>
-            </a:r>
-            <a:r>
-              <a:rPr lang="en-GB" sz="1600" b="1" dirty="0" smtClean="0">
-                <a:solidFill>
-                  <a:srgbClr val="C00000"/>
-                </a:solidFill>
-                <a:latin typeface="Courier New" pitchFamily="49" charset="0"/>
-                <a:cs typeface="Courier New" pitchFamily="49" charset="0"/>
-              </a:rPr>
-              <a:t>()</a:t>
-            </a:r>
-            <a:r>
-              <a:rPr lang="en-GB" sz="1600" b="1" dirty="0" smtClean="0">
-                <a:solidFill>
-                  <a:schemeClr val="tx1">
-                    <a:lumMod val="60000"/>
-                    <a:lumOff val="40000"/>
-                  </a:schemeClr>
-                </a:solidFill>
-                <a:latin typeface="Courier New" pitchFamily="49" charset="0"/>
-                <a:cs typeface="Courier New" pitchFamily="49" charset="0"/>
-              </a:rPr>
-              <a:t>,</a:t>
-            </a:r>
-            <a:r>
-              <a:rPr lang="en-GB" sz="1600" b="1" dirty="0" smtClean="0">
-                <a:solidFill>
-                  <a:srgbClr val="C00000"/>
-                </a:solidFill>
-                <a:latin typeface="Courier New" pitchFamily="49" charset="0"/>
-                <a:cs typeface="Courier New" pitchFamily="49" charset="0"/>
-              </a:rPr>
-              <a:t> ()</a:t>
-            </a:r>
-            <a:r>
-              <a:rPr lang="en-GB" sz="1600" b="1" dirty="0" smtClean="0">
-                <a:solidFill>
-                  <a:schemeClr val="tx1">
-                    <a:lumMod val="60000"/>
-                    <a:lumOff val="40000"/>
-                  </a:schemeClr>
-                </a:solidFill>
-                <a:latin typeface="Courier New" pitchFamily="49" charset="0"/>
-                <a:cs typeface="Courier New" pitchFamily="49" charset="0"/>
-              </a:rPr>
-              <a:t>,</a:t>
-            </a:r>
-          </a:p>
-          <a:p>
-            <a:pPr marL="2574925" lvl="6">
-              <a:spcBef>
-                <a:spcPct val="0"/>
-              </a:spcBef>
-            </a:pPr>
-            <a:r>
-              <a:rPr lang="en-US" sz="1600" b="1" dirty="0" smtClean="0">
-                <a:solidFill>
-                  <a:schemeClr val="tx1">
-                    <a:lumMod val="60000"/>
-                    <a:lumOff val="40000"/>
-                  </a:schemeClr>
-                </a:solidFill>
-                <a:latin typeface="Courier New" pitchFamily="49" charset="0"/>
-                <a:cs typeface="Courier New" pitchFamily="49" charset="0"/>
-              </a:rPr>
-              <a:t>5780546120451828821</a:t>
-            </a:r>
-          </a:p>
-          <a:p>
-            <a:pPr marL="2117725" lvl="4">
-              <a:spcBef>
-                <a:spcPct val="0"/>
-              </a:spcBef>
-            </a:pPr>
-            <a:r>
-              <a:rPr lang="en-GB" sz="1600" b="1" dirty="0" smtClean="0">
-                <a:solidFill>
-                  <a:schemeClr val="tx1">
-                    <a:lumMod val="60000"/>
-                    <a:lumOff val="40000"/>
-                  </a:schemeClr>
-                </a:solidFill>
-                <a:latin typeface="Courier New" pitchFamily="49" charset="0"/>
-                <a:cs typeface="Courier New" pitchFamily="49" charset="0"/>
-              </a:rPr>
-              <a:t>)</a:t>
-            </a:r>
-            <a:endParaRPr kumimoji="0" lang="en-GB" sz="1600" b="1" i="0" u="none" strike="noStrike" kern="1200" cap="none" spc="0" normalizeH="0" baseline="0" noProof="0" dirty="0">
+              </a:rPr>
+              <a:t>RESTful</a:t>
+            </a:r>
+            <a:r>
+              <a:rPr lang="en-US" sz="3200" dirty="0" smtClean="0"/>
+              <a:t> interface for Graph Stores</a:t>
+            </a:r>
+            <a:endParaRPr kumimoji="0" lang="en-GB" sz="3200" i="0" u="none" strike="noStrike" kern="1200" cap="none" spc="0" normalizeH="0" baseline="0" noProof="0" dirty="0">
               <a:ln>
                 <a:noFill/>
               </a:ln>
               <a:solidFill>
                 <a:schemeClr val="tx1">
-                  <a:lumMod val="60000"/>
-                  <a:lumOff val="40000"/>
+                  <a:lumMod val="50000"/>
                 </a:schemeClr>
               </a:solidFill>
               <a:effectLst/>
               <a:uLnTx/>
               <a:uFillTx/>
-              <a:latin typeface="Courier New" pitchFamily="49" charset="0"/>
+              <a:latin typeface="Tahoma" pitchFamily="34" charset="0"/>
               <a:ea typeface="Tahoma" pitchFamily="34" charset="0"/>
-              <a:cs typeface="Courier New" pitchFamily="49" charset="0"/>
+              <a:cs typeface="Tahoma" pitchFamily="34" charset="0"/>
             </a:endParaRPr>
           </a:p>
         </p:txBody>
@@ -8400,102 +8232,6 @@
 </file>
 
 <file path=ppt/slides/slide23.xml><?xml version="1.0" encoding="utf-8"?>
-<p:sld xmlns:a="http://schemas.openxmlformats.org/drawingml/2006/main" xmlns:r="http://schemas.openxmlformats.org/officeDocument/2006/relationships" xmlns:p="http://schemas.openxmlformats.org/presentationml/2006/main">
-  <p:cSld>
-    <p:spTree>
-      <p:nvGrpSpPr>
-        <p:cNvPr id="1" name=""/>
-        <p:cNvGrpSpPr/>
-        <p:nvPr/>
-      </p:nvGrpSpPr>
-      <p:grpSpPr>
-        <a:xfrm>
-          <a:off x="0" y="0"/>
-          <a:ext cx="0" cy="0"/>
-          <a:chOff x="0" y="0"/>
-          <a:chExt cx="0" cy="0"/>
-        </a:xfrm>
-      </p:grpSpPr>
-      <p:sp>
-        <p:nvSpPr>
-          <p:cNvPr id="4" name="Title 1"/>
-          <p:cNvSpPr txBox="1">
-            <a:spLocks/>
-          </p:cNvSpPr>
-          <p:nvPr/>
-        </p:nvSpPr>
-        <p:spPr>
-          <a:xfrm>
-            <a:off x="697832" y="1772816"/>
-            <a:ext cx="7772400" cy="1514599"/>
-          </a:xfrm>
-          <a:prstGeom prst="rect">
-            <a:avLst/>
-          </a:prstGeom>
-        </p:spPr>
-        <p:txBody>
-          <a:bodyPr anchor="ctr"/>
-          <a:lstStyle/>
-          <a:p>
-            <a:pPr lvl="0" algn="ctr">
-              <a:spcBef>
-                <a:spcPct val="0"/>
-              </a:spcBef>
-            </a:pPr>
-            <a:r>
-              <a:rPr lang="en-US" sz="3200" dirty="0" smtClean="0"/>
-              <a:t>A </a:t>
-            </a:r>
-            <a:r>
-              <a:rPr lang="en-US" sz="3200" dirty="0" err="1" smtClean="0">
-                <a:solidFill>
-                  <a:srgbClr val="C00000"/>
-                </a:solidFill>
-              </a:rPr>
-              <a:t>RESTful</a:t>
-            </a:r>
-            <a:r>
-              <a:rPr lang="en-US" sz="3200" dirty="0" smtClean="0"/>
-              <a:t> interface for Graph Stores</a:t>
-            </a:r>
-            <a:endParaRPr kumimoji="0" lang="en-GB" sz="3200" i="0" u="none" strike="noStrike" kern="1200" cap="none" spc="0" normalizeH="0" baseline="0" noProof="0" dirty="0">
-              <a:ln>
-                <a:noFill/>
-              </a:ln>
-              <a:solidFill>
-                <a:schemeClr val="tx1">
-                  <a:lumMod val="50000"/>
-                </a:schemeClr>
-              </a:solidFill>
-              <a:effectLst/>
-              <a:uLnTx/>
-              <a:uFillTx/>
-              <a:latin typeface="Tahoma" pitchFamily="34" charset="0"/>
-              <a:ea typeface="Tahoma" pitchFamily="34" charset="0"/>
-              <a:cs typeface="Tahoma" pitchFamily="34" charset="0"/>
-            </a:endParaRPr>
-          </a:p>
-        </p:txBody>
-      </p:sp>
-    </p:spTree>
-  </p:cSld>
-  <p:clrMapOvr>
-    <a:masterClrMapping/>
-  </p:clrMapOvr>
-  <p:transition>
-    <p:fade/>
-  </p:transition>
-  <p:timing>
-    <p:tnLst>
-      <p:par>
-        <p:cTn id="1" dur="indefinite" restart="never" nodeType="tmRoot"/>
-      </p:par>
-    </p:tnLst>
-  </p:timing>
-</p:sld>
-</file>
-
-<file path=ppt/slides/slide24.xml><?xml version="1.0" encoding="utf-8"?>
 <p:sld xmlns:a="http://schemas.openxmlformats.org/drawingml/2006/main" xmlns:r="http://schemas.openxmlformats.org/officeDocument/2006/relationships" xmlns:p="http://schemas.openxmlformats.org/presentationml/2006/main">
   <p:cSld>
     <p:spTree>
@@ -9125,7 +8861,7 @@
 </p:sld>
 </file>
 
-<file path=ppt/slides/slide25.xml><?xml version="1.0" encoding="utf-8"?>
+<file path=ppt/slides/slide24.xml><?xml version="1.0" encoding="utf-8"?>
 <p:sld xmlns:a="http://schemas.openxmlformats.org/drawingml/2006/main" xmlns:r="http://schemas.openxmlformats.org/officeDocument/2006/relationships" xmlns:p="http://schemas.openxmlformats.org/presentationml/2006/main">
   <p:cSld>
     <p:spTree>
@@ -9230,7 +8966,7 @@
 </p:sld>
 </file>
 
-<file path=ppt/slides/slide26.xml><?xml version="1.0" encoding="utf-8"?>
+<file path=ppt/slides/slide25.xml><?xml version="1.0" encoding="utf-8"?>
 <p:sld xmlns:a="http://schemas.openxmlformats.org/drawingml/2006/main" xmlns:r="http://schemas.openxmlformats.org/officeDocument/2006/relationships" xmlns:p="http://schemas.openxmlformats.org/presentationml/2006/main">
   <p:cSld>
     <p:spTree>
@@ -9352,7 +9088,7 @@
 </p:sld>
 </file>
 
-<file path=ppt/slides/slide27.xml><?xml version="1.0" encoding="utf-8"?>
+<file path=ppt/slides/slide26.xml><?xml version="1.0" encoding="utf-8"?>
 <p:sld xmlns:a="http://schemas.openxmlformats.org/drawingml/2006/main" xmlns:r="http://schemas.openxmlformats.org/officeDocument/2006/relationships" xmlns:p="http://schemas.openxmlformats.org/presentationml/2006/main">
   <p:cSld>
     <p:spTree>
@@ -9825,6 +9561,9 @@
                     <p:cTn id="3" fill="hold">
                       <p:stCondLst>
                         <p:cond delay="indefinite"/>
+                        <p:cond evt="onBegin" delay="0">
+                          <p:tn val="2"/>
+                        </p:cond>
                       </p:stCondLst>
                       <p:childTnLst>
                         <p:par>
@@ -9834,7 +9573,7 @@
                             </p:stCondLst>
                             <p:childTnLst>
                               <p:par>
-                                <p:cTn id="5" presetID="2" presetClass="entr" presetSubtype="8" fill="hold" grpId="0" nodeType="clickEffect">
+                                <p:cTn id="5" presetID="2" presetClass="entr" presetSubtype="8" fill="hold" grpId="0" nodeType="afterEffect">
                                   <p:stCondLst>
                                     <p:cond delay="0"/>
                                   </p:stCondLst>
@@ -10060,7 +9799,7 @@
       </p:pic>
       <p:sp>
         <p:nvSpPr>
-          <p:cNvPr id="5" name="Title 1"/>
+          <p:cNvPr id="7" name="Title 1"/>
           <p:cNvSpPr txBox="1">
             <a:spLocks/>
           </p:cNvSpPr>
@@ -10068,15 +9807,15 @@
         </p:nvSpPr>
         <p:spPr>
           <a:xfrm>
-            <a:off x="693816" y="2088288"/>
-            <a:ext cx="7772400" cy="877331"/>
+            <a:off x="685800" y="1890383"/>
+            <a:ext cx="7772400" cy="1296954"/>
           </a:xfrm>
           <a:prstGeom prst="rect">
             <a:avLst/>
           </a:prstGeom>
           <a:solidFill>
             <a:schemeClr val="bg1">
-              <a:alpha val="90000"/>
+              <a:alpha val="80000"/>
             </a:schemeClr>
           </a:solidFill>
         </p:spPr>
@@ -10090,35 +9829,46 @@
               </a:spcBef>
             </a:pPr>
             <a:r>
-              <a:rPr lang="en-GB" sz="3200" dirty="0" smtClean="0">
+              <a:rPr lang="en-US" sz="3200" dirty="0" smtClean="0"/>
+              <a:t>Linked Data is built upon</a:t>
+            </a:r>
+          </a:p>
+          <a:p>
+            <a:pPr algn="ctr">
+              <a:spcBef>
+                <a:spcPct val="0"/>
+              </a:spcBef>
+            </a:pPr>
+            <a:r>
+              <a:rPr lang="en-US" sz="3200" dirty="0" smtClean="0">
                 <a:solidFill>
                   <a:srgbClr val="C00000"/>
                 </a:solidFill>
-              </a:rPr>
-              <a:t>Linked </a:t>
-            </a:r>
-            <a:r>
-              <a:rPr lang="en-GB" sz="3200" dirty="0" smtClean="0"/>
-              <a:t>Open</a:t>
-            </a:r>
-            <a:r>
-              <a:rPr lang="en-GB" sz="3200" dirty="0" smtClean="0">
-                <a:solidFill>
-                  <a:srgbClr val="C00000"/>
-                </a:solidFill>
-              </a:rPr>
-              <a:t> Data</a:t>
-            </a:r>
-            <a:endParaRPr kumimoji="0" lang="en-GB" sz="3200" i="0" u="none" strike="noStrike" kern="1200" cap="none" spc="0" normalizeH="0" baseline="0" noProof="0" dirty="0">
-              <a:ln>
-                <a:noFill/>
-              </a:ln>
+                <a:latin typeface="Tahoma" pitchFamily="34" charset="0"/>
+                <a:ea typeface="Tahoma" pitchFamily="34" charset="0"/>
+                <a:cs typeface="Tahoma" pitchFamily="34" charset="0"/>
+              </a:rPr>
+              <a:t>Semantic Web</a:t>
+            </a:r>
+            <a:r>
+              <a:rPr lang="en-US" sz="3200" dirty="0" smtClean="0">
+                <a:solidFill>
+                  <a:schemeClr val="tx1">
+                    <a:lumMod val="50000"/>
+                  </a:schemeClr>
+                </a:solidFill>
+                <a:latin typeface="Tahoma" pitchFamily="34" charset="0"/>
+                <a:ea typeface="Tahoma" pitchFamily="34" charset="0"/>
+                <a:cs typeface="Tahoma" pitchFamily="34" charset="0"/>
+              </a:rPr>
+              <a:t> Technologies</a:t>
+            </a:r>
+            <a:endParaRPr lang="en-GB" sz="3200" dirty="0" smtClean="0">
               <a:solidFill>
-                <a:srgbClr val="C00000"/>
+                <a:schemeClr val="tx1">
+                  <a:lumMod val="50000"/>
+                </a:schemeClr>
               </a:solidFill>
-              <a:effectLst/>
-              <a:uLnTx/>
-              <a:uFillTx/>
               <a:latin typeface="Tahoma" pitchFamily="34" charset="0"/>
               <a:ea typeface="Tahoma" pitchFamily="34" charset="0"/>
               <a:cs typeface="Tahoma" pitchFamily="34" charset="0"/>
@@ -10163,87 +9913,6 @@
       </p:grpSpPr>
       <p:sp>
         <p:nvSpPr>
-          <p:cNvPr id="3" name="Title 1"/>
-          <p:cNvSpPr txBox="1">
-            <a:spLocks/>
-          </p:cNvSpPr>
-          <p:nvPr/>
-        </p:nvSpPr>
-        <p:spPr>
-          <a:xfrm>
-            <a:off x="689916" y="2011715"/>
-            <a:ext cx="7772400" cy="1514599"/>
-          </a:xfrm>
-          <a:prstGeom prst="rect">
-            <a:avLst/>
-          </a:prstGeom>
-        </p:spPr>
-        <p:txBody>
-          <a:bodyPr anchor="ctr"/>
-          <a:lstStyle/>
-          <a:p>
-            <a:pPr lvl="0" algn="ctr">
-              <a:spcBef>
-                <a:spcPct val="0"/>
-              </a:spcBef>
-            </a:pPr>
-            <a:r>
-              <a:rPr kumimoji="0" lang="en-US" sz="3200" i="0" u="none" strike="noStrike" kern="1200" cap="none" spc="0" normalizeH="0" baseline="0" noProof="0" dirty="0" smtClean="0">
-                <a:ln>
-                  <a:noFill/>
-                </a:ln>
-                <a:solidFill>
-                  <a:srgbClr val="C00000"/>
-                </a:solidFill>
-                <a:effectLst/>
-                <a:uLnTx/>
-                <a:uFillTx/>
-                <a:latin typeface="Tahoma" pitchFamily="34" charset="0"/>
-                <a:ea typeface="Tahoma" pitchFamily="34" charset="0"/>
-                <a:cs typeface="Tahoma" pitchFamily="34" charset="0"/>
-              </a:rPr>
-              <a:t>Semantic Web</a:t>
-            </a:r>
-            <a:r>
-              <a:rPr kumimoji="0" lang="en-US" sz="3200" i="0" u="none" strike="noStrike" kern="1200" cap="none" spc="0" normalizeH="0" baseline="0" noProof="0" dirty="0" smtClean="0">
-                <a:ln>
-                  <a:noFill/>
-                </a:ln>
-                <a:solidFill>
-                  <a:schemeClr val="tx1">
-                    <a:lumMod val="50000"/>
-                  </a:schemeClr>
-                </a:solidFill>
-                <a:effectLst/>
-                <a:uLnTx/>
-                <a:uFillTx/>
-                <a:latin typeface="Tahoma" pitchFamily="34" charset="0"/>
-                <a:ea typeface="Tahoma" pitchFamily="34" charset="0"/>
-                <a:cs typeface="Tahoma" pitchFamily="34" charset="0"/>
-              </a:rPr>
-              <a:t> Technologies</a:t>
-            </a:r>
-            <a:endParaRPr kumimoji="0" lang="en-GB" sz="3200" i="0" u="none" strike="noStrike" kern="1200" cap="none" spc="0" normalizeH="0" baseline="0" noProof="0" dirty="0">
-              <a:ln>
-                <a:noFill/>
-              </a:ln>
-              <a:solidFill>
-                <a:schemeClr val="tx1">
-                  <a:lumMod val="50000"/>
-                </a:schemeClr>
-              </a:solidFill>
-              <a:effectLst/>
-              <a:uLnTx/>
-              <a:uFillTx/>
-              <a:latin typeface="Tahoma" pitchFamily="34" charset="0"/>
-              <a:ea typeface="Tahoma" pitchFamily="34" charset="0"/>
-              <a:cs typeface="Tahoma" pitchFamily="34" charset="0"/>
-            </a:endParaRPr>
-          </a:p>
-        </p:txBody>
-      </p:sp>
-      <p:sp>
-        <p:nvSpPr>
           <p:cNvPr id="4" name="Title 1"/>
           <p:cNvSpPr txBox="1">
             <a:spLocks/>
@@ -10269,17 +9938,39 @@
               </a:spcBef>
             </a:pPr>
             <a:r>
+              <a:rPr lang="en-US" sz="3200" dirty="0" smtClean="0">
+                <a:solidFill>
+                  <a:srgbClr val="C00000"/>
+                </a:solidFill>
+              </a:rPr>
+              <a:t>RDF</a:t>
+            </a:r>
+            <a:r>
               <a:rPr lang="en-US" sz="3200" dirty="0" smtClean="0"/>
-              <a:t>Linked Data is built upon</a:t>
-            </a:r>
-          </a:p>
-          <a:p>
-            <a:pPr lvl="0" algn="ctr">
-              <a:spcBef>
-                <a:spcPct val="0"/>
-              </a:spcBef>
-            </a:pPr>
-            <a:endParaRPr lang="en-US" sz="3200" dirty="0" smtClean="0"/>
+              <a:t> and </a:t>
+            </a:r>
+            <a:r>
+              <a:rPr lang="en-US" sz="3200" dirty="0" smtClean="0">
+                <a:solidFill>
+                  <a:srgbClr val="C00000"/>
+                </a:solidFill>
+              </a:rPr>
+              <a:t>SPARQL</a:t>
+            </a:r>
+            <a:endParaRPr kumimoji="0" lang="en-GB" sz="3200" i="0" u="none" strike="noStrike" kern="1200" cap="none" spc="0" normalizeH="0" baseline="0" noProof="0" dirty="0">
+              <a:ln>
+                <a:noFill/>
+              </a:ln>
+              <a:solidFill>
+                <a:srgbClr val="C00000"/>
+              </a:solidFill>
+              <a:effectLst/>
+              <a:uLnTx/>
+              <a:uFillTx/>
+              <a:latin typeface="Tahoma" pitchFamily="34" charset="0"/>
+              <a:ea typeface="Tahoma" pitchFamily="34" charset="0"/>
+              <a:cs typeface="Tahoma" pitchFamily="34" charset="0"/>
+            </a:endParaRPr>
           </a:p>
         </p:txBody>
       </p:sp>
@@ -10345,31 +10036,29 @@
               </a:spcBef>
             </a:pPr>
             <a:r>
-              <a:rPr lang="en-US" sz="3200" dirty="0" smtClean="0">
+              <a:rPr lang="en-GB" sz="3200" dirty="0" smtClean="0"/>
+              <a:t>A </a:t>
+            </a:r>
+            <a:r>
+              <a:rPr lang="en-GB" sz="3200" dirty="0" smtClean="0">
                 <a:solidFill>
                   <a:srgbClr val="C00000"/>
                 </a:solidFill>
               </a:rPr>
-              <a:t>RDF</a:t>
-            </a:r>
-            <a:r>
-              <a:rPr lang="en-US" sz="3200" dirty="0" smtClean="0"/>
-              <a:t> and </a:t>
-            </a:r>
-            <a:r>
-              <a:rPr lang="en-US" sz="3200" dirty="0" smtClean="0">
-                <a:solidFill>
-                  <a:srgbClr val="C00000"/>
-                </a:solidFill>
-              </a:rPr>
-              <a:t>SPARQL</a:t>
+              <a:t>lack</a:t>
+            </a:r>
+            <a:r>
+              <a:rPr lang="en-GB" sz="3200" dirty="0" smtClean="0"/>
+              <a:t> of standard protocols...</a:t>
             </a:r>
             <a:endParaRPr kumimoji="0" lang="en-GB" sz="3200" i="0" u="none" strike="noStrike" kern="1200" cap="none" spc="0" normalizeH="0" baseline="0" noProof="0" dirty="0">
               <a:ln>
                 <a:noFill/>
               </a:ln>
               <a:solidFill>
-                <a:srgbClr val="C00000"/>
+                <a:schemeClr val="tx1">
+                  <a:lumMod val="50000"/>
+                </a:schemeClr>
               </a:solidFill>
               <a:effectLst/>
               <a:uLnTx/>
@@ -10444,7 +10133,7 @@
             </a:pPr>
             <a:r>
               <a:rPr lang="en-GB" sz="3200" dirty="0" smtClean="0"/>
-              <a:t>A </a:t>
+              <a:t>...led to </a:t>
             </a:r>
             <a:r>
               <a:rPr lang="en-GB" sz="3200" dirty="0" smtClean="0">
@@ -10452,11 +10141,11 @@
                   <a:srgbClr val="C00000"/>
                 </a:solidFill>
               </a:rPr>
-              <a:t>lack</a:t>
+              <a:t>implementation specific</a:t>
             </a:r>
             <a:r>
               <a:rPr lang="en-GB" sz="3200" dirty="0" smtClean="0"/>
-              <a:t> of standard protocols...</a:t>
+              <a:t> APIs</a:t>
             </a:r>
             <a:endParaRPr kumimoji="0" lang="en-GB" sz="3200" i="0" u="none" strike="noStrike" kern="1200" cap="none" spc="0" normalizeH="0" baseline="0" noProof="0" dirty="0">
               <a:ln>
